--- a/Offensive Security Tactics for Linux Professionals - OSINT (Open Source Intelligence).pptx
+++ b/Offensive Security Tactics for Linux Professionals - OSINT (Open Source Intelligence).pptx
@@ -5,7 +5,7 @@
     <p:sldMasterId id="2147483696" r:id="rId4"/>
   </p:sldMasterIdLst>
   <p:notesMasterIdLst>
-    <p:notesMasterId r:id="rId21"/>
+    <p:notesMasterId r:id="rId22"/>
   </p:notesMasterIdLst>
   <p:sldIdLst>
     <p:sldId id="306" r:id="rId5"/>
@@ -14,16 +14,17 @@
     <p:sldId id="315" r:id="rId8"/>
     <p:sldId id="309" r:id="rId9"/>
     <p:sldId id="316" r:id="rId10"/>
-    <p:sldId id="325" r:id="rId11"/>
-    <p:sldId id="317" r:id="rId12"/>
-    <p:sldId id="326" r:id="rId13"/>
-    <p:sldId id="319" r:id="rId14"/>
-    <p:sldId id="328" r:id="rId15"/>
-    <p:sldId id="322" r:id="rId16"/>
-    <p:sldId id="327" r:id="rId17"/>
-    <p:sldId id="324" r:id="rId18"/>
-    <p:sldId id="320" r:id="rId19"/>
-    <p:sldId id="312" r:id="rId20"/>
+    <p:sldId id="330" r:id="rId11"/>
+    <p:sldId id="325" r:id="rId12"/>
+    <p:sldId id="317" r:id="rId13"/>
+    <p:sldId id="326" r:id="rId14"/>
+    <p:sldId id="319" r:id="rId15"/>
+    <p:sldId id="328" r:id="rId16"/>
+    <p:sldId id="322" r:id="rId17"/>
+    <p:sldId id="327" r:id="rId18"/>
+    <p:sldId id="324" r:id="rId19"/>
+    <p:sldId id="320" r:id="rId20"/>
+    <p:sldId id="312" r:id="rId21"/>
   </p:sldIdLst>
   <p:sldSz cx="12192000" cy="6858000"/>
   <p:notesSz cx="6858000" cy="9144000"/>
@@ -1646,6 +1647,753 @@
 </dgm:colorsDef>
 </file>
 
+<file path=ppt/diagrams/colors3.xml><?xml version="1.0" encoding="utf-8"?>
+<dgm:colorsDef xmlns:dgm="http://schemas.openxmlformats.org/drawingml/2006/diagram" xmlns:a="http://schemas.openxmlformats.org/drawingml/2006/main" uniqueId="urn:microsoft.com/office/officeart/2005/8/colors/accent1_2">
+  <dgm:title val=""/>
+  <dgm:desc val=""/>
+  <dgm:catLst>
+    <dgm:cat type="accent1" pri="11200"/>
+  </dgm:catLst>
+  <dgm:styleLbl name="node0">
+    <dgm:fillClrLst meth="repeat">
+      <a:schemeClr val="accent1"/>
+    </dgm:fillClrLst>
+    <dgm:linClrLst meth="repeat">
+      <a:schemeClr val="lt1"/>
+    </dgm:linClrLst>
+    <dgm:effectClrLst/>
+    <dgm:txLinClrLst/>
+    <dgm:txFillClrLst/>
+    <dgm:txEffectClrLst/>
+  </dgm:styleLbl>
+  <dgm:styleLbl name="alignNode1">
+    <dgm:fillClrLst meth="repeat">
+      <a:schemeClr val="accent1"/>
+    </dgm:fillClrLst>
+    <dgm:linClrLst meth="repeat">
+      <a:schemeClr val="accent1"/>
+    </dgm:linClrLst>
+    <dgm:effectClrLst/>
+    <dgm:txLinClrLst/>
+    <dgm:txFillClrLst/>
+    <dgm:txEffectClrLst/>
+  </dgm:styleLbl>
+  <dgm:styleLbl name="node1">
+    <dgm:fillClrLst meth="repeat">
+      <a:schemeClr val="accent1"/>
+    </dgm:fillClrLst>
+    <dgm:linClrLst meth="repeat">
+      <a:schemeClr val="lt1"/>
+    </dgm:linClrLst>
+    <dgm:effectClrLst/>
+    <dgm:txLinClrLst/>
+    <dgm:txFillClrLst/>
+    <dgm:txEffectClrLst/>
+  </dgm:styleLbl>
+  <dgm:styleLbl name="lnNode1">
+    <dgm:fillClrLst meth="repeat">
+      <a:schemeClr val="accent1"/>
+    </dgm:fillClrLst>
+    <dgm:linClrLst meth="repeat">
+      <a:schemeClr val="lt1"/>
+    </dgm:linClrLst>
+    <dgm:effectClrLst/>
+    <dgm:txLinClrLst/>
+    <dgm:txFillClrLst/>
+    <dgm:txEffectClrLst/>
+  </dgm:styleLbl>
+  <dgm:styleLbl name="vennNode1">
+    <dgm:fillClrLst meth="repeat">
+      <a:schemeClr val="accent1">
+        <a:alpha val="50000"/>
+      </a:schemeClr>
+    </dgm:fillClrLst>
+    <dgm:linClrLst meth="repeat">
+      <a:schemeClr val="lt1"/>
+    </dgm:linClrLst>
+    <dgm:effectClrLst/>
+    <dgm:txLinClrLst/>
+    <dgm:txFillClrLst/>
+    <dgm:txEffectClrLst/>
+  </dgm:styleLbl>
+  <dgm:styleLbl name="node2">
+    <dgm:fillClrLst meth="repeat">
+      <a:schemeClr val="accent1"/>
+    </dgm:fillClrLst>
+    <dgm:linClrLst meth="repeat">
+      <a:schemeClr val="lt1"/>
+    </dgm:linClrLst>
+    <dgm:effectClrLst/>
+    <dgm:txLinClrLst/>
+    <dgm:txFillClrLst/>
+    <dgm:txEffectClrLst/>
+  </dgm:styleLbl>
+  <dgm:styleLbl name="node3">
+    <dgm:fillClrLst meth="repeat">
+      <a:schemeClr val="accent1"/>
+    </dgm:fillClrLst>
+    <dgm:linClrLst meth="repeat">
+      <a:schemeClr val="lt1"/>
+    </dgm:linClrLst>
+    <dgm:effectClrLst/>
+    <dgm:txLinClrLst/>
+    <dgm:txFillClrLst/>
+    <dgm:txEffectClrLst/>
+  </dgm:styleLbl>
+  <dgm:styleLbl name="node4">
+    <dgm:fillClrLst meth="repeat">
+      <a:schemeClr val="accent1"/>
+    </dgm:fillClrLst>
+    <dgm:linClrLst meth="repeat">
+      <a:schemeClr val="lt1"/>
+    </dgm:linClrLst>
+    <dgm:effectClrLst/>
+    <dgm:txLinClrLst/>
+    <dgm:txFillClrLst/>
+    <dgm:txEffectClrLst/>
+  </dgm:styleLbl>
+  <dgm:styleLbl name="fgImgPlace1">
+    <dgm:fillClrLst meth="repeat">
+      <a:schemeClr val="accent1">
+        <a:tint val="50000"/>
+      </a:schemeClr>
+    </dgm:fillClrLst>
+    <dgm:linClrLst meth="repeat">
+      <a:schemeClr val="lt1"/>
+    </dgm:linClrLst>
+    <dgm:effectClrLst/>
+    <dgm:txLinClrLst/>
+    <dgm:txFillClrLst meth="repeat">
+      <a:schemeClr val="lt1"/>
+    </dgm:txFillClrLst>
+    <dgm:txEffectClrLst/>
+  </dgm:styleLbl>
+  <dgm:styleLbl name="alignImgPlace1">
+    <dgm:fillClrLst meth="repeat">
+      <a:schemeClr val="accent1">
+        <a:tint val="50000"/>
+      </a:schemeClr>
+    </dgm:fillClrLst>
+    <dgm:linClrLst meth="repeat">
+      <a:schemeClr val="lt1"/>
+    </dgm:linClrLst>
+    <dgm:effectClrLst/>
+    <dgm:txLinClrLst/>
+    <dgm:txFillClrLst meth="repeat">
+      <a:schemeClr val="lt1"/>
+    </dgm:txFillClrLst>
+    <dgm:txEffectClrLst/>
+  </dgm:styleLbl>
+  <dgm:styleLbl name="bgImgPlace1">
+    <dgm:fillClrLst meth="repeat">
+      <a:schemeClr val="accent1">
+        <a:tint val="50000"/>
+      </a:schemeClr>
+    </dgm:fillClrLst>
+    <dgm:linClrLst meth="repeat">
+      <a:schemeClr val="lt1"/>
+    </dgm:linClrLst>
+    <dgm:effectClrLst/>
+    <dgm:txLinClrLst/>
+    <dgm:txFillClrLst meth="repeat">
+      <a:schemeClr val="lt1"/>
+    </dgm:txFillClrLst>
+    <dgm:txEffectClrLst/>
+  </dgm:styleLbl>
+  <dgm:styleLbl name="sibTrans2D1">
+    <dgm:fillClrLst meth="repeat">
+      <a:schemeClr val="accent1">
+        <a:tint val="60000"/>
+      </a:schemeClr>
+    </dgm:fillClrLst>
+    <dgm:linClrLst meth="repeat">
+      <a:schemeClr val="accent1">
+        <a:tint val="60000"/>
+      </a:schemeClr>
+    </dgm:linClrLst>
+    <dgm:effectClrLst/>
+    <dgm:txLinClrLst/>
+    <dgm:txFillClrLst/>
+    <dgm:txEffectClrLst/>
+  </dgm:styleLbl>
+  <dgm:styleLbl name="fgSibTrans2D1">
+    <dgm:fillClrLst meth="repeat">
+      <a:schemeClr val="accent1">
+        <a:tint val="60000"/>
+      </a:schemeClr>
+    </dgm:fillClrLst>
+    <dgm:linClrLst meth="repeat">
+      <a:schemeClr val="accent1">
+        <a:tint val="60000"/>
+      </a:schemeClr>
+    </dgm:linClrLst>
+    <dgm:effectClrLst/>
+    <dgm:txLinClrLst/>
+    <dgm:txFillClrLst/>
+    <dgm:txEffectClrLst/>
+  </dgm:styleLbl>
+  <dgm:styleLbl name="bgSibTrans2D1">
+    <dgm:fillClrLst meth="repeat">
+      <a:schemeClr val="accent1">
+        <a:tint val="60000"/>
+      </a:schemeClr>
+    </dgm:fillClrLst>
+    <dgm:linClrLst meth="repeat">
+      <a:schemeClr val="accent1">
+        <a:tint val="60000"/>
+      </a:schemeClr>
+    </dgm:linClrLst>
+    <dgm:effectClrLst/>
+    <dgm:txLinClrLst/>
+    <dgm:txFillClrLst/>
+    <dgm:txEffectClrLst/>
+  </dgm:styleLbl>
+  <dgm:styleLbl name="sibTrans1D1">
+    <dgm:fillClrLst meth="repeat">
+      <a:schemeClr val="accent1"/>
+    </dgm:fillClrLst>
+    <dgm:linClrLst meth="repeat">
+      <a:schemeClr val="accent1"/>
+    </dgm:linClrLst>
+    <dgm:effectClrLst/>
+    <dgm:txLinClrLst/>
+    <dgm:txFillClrLst meth="repeat">
+      <a:schemeClr val="tx1"/>
+    </dgm:txFillClrLst>
+    <dgm:txEffectClrLst/>
+  </dgm:styleLbl>
+  <dgm:styleLbl name="callout">
+    <dgm:fillClrLst meth="repeat">
+      <a:schemeClr val="accent1"/>
+    </dgm:fillClrLst>
+    <dgm:linClrLst meth="repeat">
+      <a:schemeClr val="accent1">
+        <a:tint val="50000"/>
+      </a:schemeClr>
+    </dgm:linClrLst>
+    <dgm:effectClrLst/>
+    <dgm:txLinClrLst/>
+    <dgm:txFillClrLst meth="repeat">
+      <a:schemeClr val="tx1"/>
+    </dgm:txFillClrLst>
+    <dgm:txEffectClrLst/>
+  </dgm:styleLbl>
+  <dgm:styleLbl name="asst0">
+    <dgm:fillClrLst meth="repeat">
+      <a:schemeClr val="accent1"/>
+    </dgm:fillClrLst>
+    <dgm:linClrLst meth="repeat">
+      <a:schemeClr val="lt1"/>
+    </dgm:linClrLst>
+    <dgm:effectClrLst/>
+    <dgm:txLinClrLst/>
+    <dgm:txFillClrLst/>
+    <dgm:txEffectClrLst/>
+  </dgm:styleLbl>
+  <dgm:styleLbl name="asst1">
+    <dgm:fillClrLst meth="repeat">
+      <a:schemeClr val="accent1"/>
+    </dgm:fillClrLst>
+    <dgm:linClrLst meth="repeat">
+      <a:schemeClr val="lt1"/>
+    </dgm:linClrLst>
+    <dgm:effectClrLst/>
+    <dgm:txLinClrLst/>
+    <dgm:txFillClrLst/>
+    <dgm:txEffectClrLst/>
+  </dgm:styleLbl>
+  <dgm:styleLbl name="asst2">
+    <dgm:fillClrLst meth="repeat">
+      <a:schemeClr val="accent1"/>
+    </dgm:fillClrLst>
+    <dgm:linClrLst meth="repeat">
+      <a:schemeClr val="lt1"/>
+    </dgm:linClrLst>
+    <dgm:effectClrLst/>
+    <dgm:txLinClrLst/>
+    <dgm:txFillClrLst/>
+    <dgm:txEffectClrLst/>
+  </dgm:styleLbl>
+  <dgm:styleLbl name="asst3">
+    <dgm:fillClrLst meth="repeat">
+      <a:schemeClr val="accent1"/>
+    </dgm:fillClrLst>
+    <dgm:linClrLst meth="repeat">
+      <a:schemeClr val="lt1"/>
+    </dgm:linClrLst>
+    <dgm:effectClrLst/>
+    <dgm:txLinClrLst/>
+    <dgm:txFillClrLst/>
+    <dgm:txEffectClrLst/>
+  </dgm:styleLbl>
+  <dgm:styleLbl name="asst4">
+    <dgm:fillClrLst meth="repeat">
+      <a:schemeClr val="accent1"/>
+    </dgm:fillClrLst>
+    <dgm:linClrLst meth="repeat">
+      <a:schemeClr val="lt1"/>
+    </dgm:linClrLst>
+    <dgm:effectClrLst/>
+    <dgm:txLinClrLst/>
+    <dgm:txFillClrLst/>
+    <dgm:txEffectClrLst/>
+  </dgm:styleLbl>
+  <dgm:styleLbl name="parChTrans2D1">
+    <dgm:fillClrLst meth="repeat">
+      <a:schemeClr val="accent1">
+        <a:tint val="60000"/>
+      </a:schemeClr>
+    </dgm:fillClrLst>
+    <dgm:linClrLst meth="repeat">
+      <a:schemeClr val="accent1">
+        <a:tint val="60000"/>
+      </a:schemeClr>
+    </dgm:linClrLst>
+    <dgm:effectClrLst/>
+    <dgm:txLinClrLst/>
+    <dgm:txFillClrLst meth="repeat">
+      <a:schemeClr val="lt1"/>
+    </dgm:txFillClrLst>
+    <dgm:txEffectClrLst/>
+  </dgm:styleLbl>
+  <dgm:styleLbl name="parChTrans2D2">
+    <dgm:fillClrLst meth="repeat">
+      <a:schemeClr val="accent1"/>
+    </dgm:fillClrLst>
+    <dgm:linClrLst meth="repeat">
+      <a:schemeClr val="accent1"/>
+    </dgm:linClrLst>
+    <dgm:effectClrLst/>
+    <dgm:txLinClrLst/>
+    <dgm:txFillClrLst meth="repeat">
+      <a:schemeClr val="lt1"/>
+    </dgm:txFillClrLst>
+    <dgm:txEffectClrLst/>
+  </dgm:styleLbl>
+  <dgm:styleLbl name="parChTrans2D3">
+    <dgm:fillClrLst meth="repeat">
+      <a:schemeClr val="accent1"/>
+    </dgm:fillClrLst>
+    <dgm:linClrLst meth="repeat">
+      <a:schemeClr val="accent1"/>
+    </dgm:linClrLst>
+    <dgm:effectClrLst/>
+    <dgm:txLinClrLst/>
+    <dgm:txFillClrLst meth="repeat">
+      <a:schemeClr val="lt1"/>
+    </dgm:txFillClrLst>
+    <dgm:txEffectClrLst/>
+  </dgm:styleLbl>
+  <dgm:styleLbl name="parChTrans2D4">
+    <dgm:fillClrLst meth="repeat">
+      <a:schemeClr val="accent1"/>
+    </dgm:fillClrLst>
+    <dgm:linClrLst meth="repeat">
+      <a:schemeClr val="accent1"/>
+    </dgm:linClrLst>
+    <dgm:effectClrLst/>
+    <dgm:txLinClrLst/>
+    <dgm:txFillClrLst meth="repeat">
+      <a:schemeClr val="lt1"/>
+    </dgm:txFillClrLst>
+    <dgm:txEffectClrLst/>
+  </dgm:styleLbl>
+  <dgm:styleLbl name="parChTrans1D1">
+    <dgm:fillClrLst meth="repeat">
+      <a:schemeClr val="accent1"/>
+    </dgm:fillClrLst>
+    <dgm:linClrLst meth="repeat">
+      <a:schemeClr val="accent1">
+        <a:shade val="60000"/>
+      </a:schemeClr>
+    </dgm:linClrLst>
+    <dgm:effectClrLst/>
+    <dgm:txLinClrLst/>
+    <dgm:txFillClrLst meth="repeat">
+      <a:schemeClr val="tx1"/>
+    </dgm:txFillClrLst>
+    <dgm:txEffectClrLst/>
+  </dgm:styleLbl>
+  <dgm:styleLbl name="parChTrans1D2">
+    <dgm:fillClrLst meth="repeat">
+      <a:schemeClr val="accent1"/>
+    </dgm:fillClrLst>
+    <dgm:linClrLst meth="repeat">
+      <a:schemeClr val="accent1">
+        <a:shade val="60000"/>
+      </a:schemeClr>
+    </dgm:linClrLst>
+    <dgm:effectClrLst/>
+    <dgm:txLinClrLst/>
+    <dgm:txFillClrLst meth="repeat">
+      <a:schemeClr val="tx1"/>
+    </dgm:txFillClrLst>
+    <dgm:txEffectClrLst/>
+  </dgm:styleLbl>
+  <dgm:styleLbl name="parChTrans1D3">
+    <dgm:fillClrLst meth="repeat">
+      <a:schemeClr val="accent1"/>
+    </dgm:fillClrLst>
+    <dgm:linClrLst meth="repeat">
+      <a:schemeClr val="accent1">
+        <a:shade val="80000"/>
+      </a:schemeClr>
+    </dgm:linClrLst>
+    <dgm:effectClrLst/>
+    <dgm:txLinClrLst/>
+    <dgm:txFillClrLst meth="repeat">
+      <a:schemeClr val="tx1"/>
+    </dgm:txFillClrLst>
+    <dgm:txEffectClrLst/>
+  </dgm:styleLbl>
+  <dgm:styleLbl name="parChTrans1D4">
+    <dgm:fillClrLst meth="repeat">
+      <a:schemeClr val="accent1"/>
+    </dgm:fillClrLst>
+    <dgm:linClrLst meth="repeat">
+      <a:schemeClr val="accent1">
+        <a:shade val="80000"/>
+      </a:schemeClr>
+    </dgm:linClrLst>
+    <dgm:effectClrLst/>
+    <dgm:txLinClrLst/>
+    <dgm:txFillClrLst meth="repeat">
+      <a:schemeClr val="tx1"/>
+    </dgm:txFillClrLst>
+    <dgm:txEffectClrLst/>
+  </dgm:styleLbl>
+  <dgm:styleLbl name="fgAcc1">
+    <dgm:fillClrLst meth="repeat">
+      <a:schemeClr val="lt1">
+        <a:alpha val="90000"/>
+      </a:schemeClr>
+    </dgm:fillClrLst>
+    <dgm:linClrLst meth="repeat">
+      <a:schemeClr val="accent1"/>
+    </dgm:linClrLst>
+    <dgm:effectClrLst/>
+    <dgm:txLinClrLst/>
+    <dgm:txFillClrLst meth="repeat">
+      <a:schemeClr val="dk1"/>
+    </dgm:txFillClrLst>
+    <dgm:txEffectClrLst/>
+  </dgm:styleLbl>
+  <dgm:styleLbl name="conFgAcc1">
+    <dgm:fillClrLst meth="repeat">
+      <a:schemeClr val="lt1">
+        <a:alpha val="90000"/>
+      </a:schemeClr>
+    </dgm:fillClrLst>
+    <dgm:linClrLst meth="repeat">
+      <a:schemeClr val="accent1"/>
+    </dgm:linClrLst>
+    <dgm:effectClrLst/>
+    <dgm:txLinClrLst/>
+    <dgm:txFillClrLst meth="repeat">
+      <a:schemeClr val="dk1"/>
+    </dgm:txFillClrLst>
+    <dgm:txEffectClrLst/>
+  </dgm:styleLbl>
+  <dgm:styleLbl name="alignAcc1">
+    <dgm:fillClrLst meth="repeat">
+      <a:schemeClr val="lt1">
+        <a:alpha val="90000"/>
+      </a:schemeClr>
+    </dgm:fillClrLst>
+    <dgm:linClrLst meth="repeat">
+      <a:schemeClr val="accent1"/>
+    </dgm:linClrLst>
+    <dgm:effectClrLst/>
+    <dgm:txLinClrLst/>
+    <dgm:txFillClrLst meth="repeat">
+      <a:schemeClr val="dk1"/>
+    </dgm:txFillClrLst>
+    <dgm:txEffectClrLst/>
+  </dgm:styleLbl>
+  <dgm:styleLbl name="trAlignAcc1">
+    <dgm:fillClrLst meth="repeat">
+      <a:schemeClr val="lt1">
+        <a:alpha val="40000"/>
+      </a:schemeClr>
+    </dgm:fillClrLst>
+    <dgm:linClrLst meth="repeat">
+      <a:schemeClr val="accent1"/>
+    </dgm:linClrLst>
+    <dgm:effectClrLst/>
+    <dgm:txLinClrLst/>
+    <dgm:txFillClrLst meth="repeat">
+      <a:schemeClr val="dk1"/>
+    </dgm:txFillClrLst>
+    <dgm:txEffectClrLst/>
+  </dgm:styleLbl>
+  <dgm:styleLbl name="bgAcc1">
+    <dgm:fillClrLst meth="repeat">
+      <a:schemeClr val="lt1">
+        <a:alpha val="90000"/>
+      </a:schemeClr>
+    </dgm:fillClrLst>
+    <dgm:linClrLst meth="repeat">
+      <a:schemeClr val="accent1"/>
+    </dgm:linClrLst>
+    <dgm:effectClrLst/>
+    <dgm:txLinClrLst/>
+    <dgm:txFillClrLst meth="repeat">
+      <a:schemeClr val="dk1"/>
+    </dgm:txFillClrLst>
+    <dgm:txEffectClrLst/>
+  </dgm:styleLbl>
+  <dgm:styleLbl name="solidFgAcc1">
+    <dgm:fillClrLst meth="repeat">
+      <a:schemeClr val="lt1"/>
+    </dgm:fillClrLst>
+    <dgm:linClrLst meth="repeat">
+      <a:schemeClr val="accent1"/>
+    </dgm:linClrLst>
+    <dgm:effectClrLst/>
+    <dgm:txLinClrLst/>
+    <dgm:txFillClrLst meth="repeat">
+      <a:schemeClr val="dk1"/>
+    </dgm:txFillClrLst>
+    <dgm:txEffectClrLst/>
+  </dgm:styleLbl>
+  <dgm:styleLbl name="solidAlignAcc1">
+    <dgm:fillClrLst meth="repeat">
+      <a:schemeClr val="lt1"/>
+    </dgm:fillClrLst>
+    <dgm:linClrLst meth="repeat">
+      <a:schemeClr val="accent1"/>
+    </dgm:linClrLst>
+    <dgm:effectClrLst/>
+    <dgm:txLinClrLst/>
+    <dgm:txFillClrLst meth="repeat">
+      <a:schemeClr val="dk1"/>
+    </dgm:txFillClrLst>
+    <dgm:txEffectClrLst/>
+  </dgm:styleLbl>
+  <dgm:styleLbl name="solidBgAcc1">
+    <dgm:fillClrLst meth="repeat">
+      <a:schemeClr val="lt1"/>
+    </dgm:fillClrLst>
+    <dgm:linClrLst meth="repeat">
+      <a:schemeClr val="accent1"/>
+    </dgm:linClrLst>
+    <dgm:effectClrLst/>
+    <dgm:txLinClrLst/>
+    <dgm:txFillClrLst meth="repeat">
+      <a:schemeClr val="dk1"/>
+    </dgm:txFillClrLst>
+    <dgm:txEffectClrLst/>
+  </dgm:styleLbl>
+  <dgm:styleLbl name="fgAccFollowNode1">
+    <dgm:fillClrLst meth="repeat">
+      <a:schemeClr val="accent1">
+        <a:alpha val="90000"/>
+        <a:tint val="40000"/>
+      </a:schemeClr>
+    </dgm:fillClrLst>
+    <dgm:linClrLst meth="repeat">
+      <a:schemeClr val="accent1">
+        <a:alpha val="90000"/>
+        <a:tint val="40000"/>
+      </a:schemeClr>
+    </dgm:linClrLst>
+    <dgm:effectClrLst/>
+    <dgm:txLinClrLst/>
+    <dgm:txFillClrLst meth="repeat">
+      <a:schemeClr val="dk1"/>
+    </dgm:txFillClrLst>
+    <dgm:txEffectClrLst/>
+  </dgm:styleLbl>
+  <dgm:styleLbl name="alignAccFollowNode1">
+    <dgm:fillClrLst meth="repeat">
+      <a:schemeClr val="accent1">
+        <a:alpha val="90000"/>
+        <a:tint val="40000"/>
+      </a:schemeClr>
+    </dgm:fillClrLst>
+    <dgm:linClrLst meth="repeat">
+      <a:schemeClr val="accent1">
+        <a:alpha val="90000"/>
+        <a:tint val="40000"/>
+      </a:schemeClr>
+    </dgm:linClrLst>
+    <dgm:effectClrLst/>
+    <dgm:txLinClrLst/>
+    <dgm:txFillClrLst meth="repeat">
+      <a:schemeClr val="dk1"/>
+    </dgm:txFillClrLst>
+    <dgm:txEffectClrLst/>
+  </dgm:styleLbl>
+  <dgm:styleLbl name="bgAccFollowNode1">
+    <dgm:fillClrLst meth="repeat">
+      <a:schemeClr val="accent1">
+        <a:alpha val="90000"/>
+        <a:tint val="40000"/>
+      </a:schemeClr>
+    </dgm:fillClrLst>
+    <dgm:linClrLst meth="repeat">
+      <a:schemeClr val="accent1">
+        <a:alpha val="90000"/>
+        <a:tint val="40000"/>
+      </a:schemeClr>
+    </dgm:linClrLst>
+    <dgm:effectClrLst/>
+    <dgm:txLinClrLst/>
+    <dgm:txFillClrLst meth="repeat">
+      <a:schemeClr val="dk1"/>
+    </dgm:txFillClrLst>
+    <dgm:txEffectClrLst/>
+  </dgm:styleLbl>
+  <dgm:styleLbl name="fgAcc0">
+    <dgm:fillClrLst meth="repeat">
+      <a:schemeClr val="lt1">
+        <a:alpha val="90000"/>
+      </a:schemeClr>
+    </dgm:fillClrLst>
+    <dgm:linClrLst meth="repeat">
+      <a:schemeClr val="accent1"/>
+    </dgm:linClrLst>
+    <dgm:effectClrLst/>
+    <dgm:txLinClrLst/>
+    <dgm:txFillClrLst meth="repeat">
+      <a:schemeClr val="dk1"/>
+    </dgm:txFillClrLst>
+    <dgm:txEffectClrLst/>
+  </dgm:styleLbl>
+  <dgm:styleLbl name="fgAcc2">
+    <dgm:fillClrLst meth="repeat">
+      <a:schemeClr val="lt1">
+        <a:alpha val="90000"/>
+      </a:schemeClr>
+    </dgm:fillClrLst>
+    <dgm:linClrLst meth="repeat">
+      <a:schemeClr val="accent1"/>
+    </dgm:linClrLst>
+    <dgm:effectClrLst/>
+    <dgm:txLinClrLst/>
+    <dgm:txFillClrLst meth="repeat">
+      <a:schemeClr val="dk1"/>
+    </dgm:txFillClrLst>
+    <dgm:txEffectClrLst/>
+  </dgm:styleLbl>
+  <dgm:styleLbl name="fgAcc3">
+    <dgm:fillClrLst meth="repeat">
+      <a:schemeClr val="lt1">
+        <a:alpha val="90000"/>
+      </a:schemeClr>
+    </dgm:fillClrLst>
+    <dgm:linClrLst meth="repeat">
+      <a:schemeClr val="accent1"/>
+    </dgm:linClrLst>
+    <dgm:effectClrLst/>
+    <dgm:txLinClrLst/>
+    <dgm:txFillClrLst meth="repeat">
+      <a:schemeClr val="dk1"/>
+    </dgm:txFillClrLst>
+    <dgm:txEffectClrLst/>
+  </dgm:styleLbl>
+  <dgm:styleLbl name="fgAcc4">
+    <dgm:fillClrLst meth="repeat">
+      <a:schemeClr val="lt1">
+        <a:alpha val="90000"/>
+      </a:schemeClr>
+    </dgm:fillClrLst>
+    <dgm:linClrLst meth="repeat">
+      <a:schemeClr val="accent1"/>
+    </dgm:linClrLst>
+    <dgm:effectClrLst/>
+    <dgm:txLinClrLst/>
+    <dgm:txFillClrLst meth="repeat">
+      <a:schemeClr val="dk1"/>
+    </dgm:txFillClrLst>
+    <dgm:txEffectClrLst/>
+  </dgm:styleLbl>
+  <dgm:styleLbl name="bgShp">
+    <dgm:fillClrLst meth="repeat">
+      <a:schemeClr val="accent1">
+        <a:tint val="40000"/>
+      </a:schemeClr>
+    </dgm:fillClrLst>
+    <dgm:linClrLst meth="repeat">
+      <a:schemeClr val="accent1"/>
+    </dgm:linClrLst>
+    <dgm:effectClrLst/>
+    <dgm:txLinClrLst/>
+    <dgm:txFillClrLst meth="repeat">
+      <a:schemeClr val="dk1"/>
+    </dgm:txFillClrLst>
+    <dgm:txEffectClrLst/>
+  </dgm:styleLbl>
+  <dgm:styleLbl name="dkBgShp">
+    <dgm:fillClrLst meth="repeat">
+      <a:schemeClr val="accent1">
+        <a:shade val="80000"/>
+      </a:schemeClr>
+    </dgm:fillClrLst>
+    <dgm:linClrLst meth="repeat">
+      <a:schemeClr val="accent1"/>
+    </dgm:linClrLst>
+    <dgm:effectClrLst/>
+    <dgm:txLinClrLst/>
+    <dgm:txFillClrLst meth="repeat">
+      <a:schemeClr val="lt1"/>
+    </dgm:txFillClrLst>
+    <dgm:txEffectClrLst/>
+  </dgm:styleLbl>
+  <dgm:styleLbl name="trBgShp">
+    <dgm:fillClrLst meth="repeat">
+      <a:schemeClr val="accent1">
+        <a:tint val="50000"/>
+        <a:alpha val="40000"/>
+      </a:schemeClr>
+    </dgm:fillClrLst>
+    <dgm:linClrLst meth="repeat">
+      <a:schemeClr val="accent1"/>
+    </dgm:linClrLst>
+    <dgm:effectClrLst/>
+    <dgm:txLinClrLst/>
+    <dgm:txFillClrLst meth="repeat">
+      <a:schemeClr val="lt1"/>
+    </dgm:txFillClrLst>
+    <dgm:txEffectClrLst/>
+  </dgm:styleLbl>
+  <dgm:styleLbl name="fgShp">
+    <dgm:fillClrLst meth="repeat">
+      <a:schemeClr val="accent1">
+        <a:tint val="60000"/>
+      </a:schemeClr>
+    </dgm:fillClrLst>
+    <dgm:linClrLst meth="repeat">
+      <a:schemeClr val="lt1"/>
+    </dgm:linClrLst>
+    <dgm:effectClrLst/>
+    <dgm:txLinClrLst/>
+    <dgm:txFillClrLst meth="repeat">
+      <a:schemeClr val="dk1"/>
+    </dgm:txFillClrLst>
+    <dgm:txEffectClrLst/>
+  </dgm:styleLbl>
+  <dgm:styleLbl name="revTx">
+    <dgm:fillClrLst meth="repeat">
+      <a:schemeClr val="lt1">
+        <a:alpha val="0"/>
+      </a:schemeClr>
+    </dgm:fillClrLst>
+    <dgm:linClrLst meth="repeat">
+      <a:schemeClr val="dk1">
+        <a:alpha val="0"/>
+      </a:schemeClr>
+    </dgm:linClrLst>
+    <dgm:effectClrLst/>
+    <dgm:txLinClrLst/>
+    <dgm:txFillClrLst meth="repeat">
+      <a:schemeClr val="tx1"/>
+    </dgm:txFillClrLst>
+    <dgm:txEffectClrLst/>
+  </dgm:styleLbl>
+</dgm:colorsDef>
+</file>
+
 <file path=ppt/diagrams/data1.xml><?xml version="1.0" encoding="utf-8"?>
 <dgm:dataModel xmlns:dgm="http://schemas.openxmlformats.org/drawingml/2006/diagram" xmlns:a="http://schemas.openxmlformats.org/drawingml/2006/main">
   <dgm:ptLst>
@@ -2220,6 +2968,241 @@
   <dgm:extLst>
     <a:ext uri="http://schemas.microsoft.com/office/drawing/2008/diagram">
       <dsp:dataModelExt xmlns:dsp="http://schemas.microsoft.com/office/drawing/2008/diagram" relId="rId8" minVer="http://schemas.openxmlformats.org/drawingml/2006/diagram"/>
+    </a:ext>
+  </dgm:extLst>
+</dgm:dataModel>
+</file>
+
+<file path=ppt/diagrams/data3.xml><?xml version="1.0" encoding="utf-8"?>
+<dgm:dataModel xmlns:dgm="http://schemas.openxmlformats.org/drawingml/2006/diagram" xmlns:a="http://schemas.openxmlformats.org/drawingml/2006/main">
+  <dgm:ptLst>
+    <dgm:pt modelId="{B52C2BD9-0562-4FDA-A125-54106C5A8396}" type="doc">
+      <dgm:prSet loTypeId="urn:microsoft.com/office/officeart/2008/layout/LinedList" loCatId="list" qsTypeId="urn:microsoft.com/office/officeart/2005/8/quickstyle/simple1" qsCatId="simple" csTypeId="urn:microsoft.com/office/officeart/2005/8/colors/accent1_2" csCatId="accent1" phldr="1"/>
+      <dgm:spPr/>
+      <dgm:t>
+        <a:bodyPr/>
+        <a:lstStyle/>
+        <a:p>
+          <a:endParaRPr lang="en-US"/>
+        </a:p>
+      </dgm:t>
+    </dgm:pt>
+    <dgm:pt modelId="{BC60AAE0-9208-415E-95FF-EFD7A73B6B7F}">
+      <dgm:prSet/>
+      <dgm:spPr/>
+      <dgm:t>
+        <a:bodyPr/>
+        <a:lstStyle/>
+        <a:p>
+          <a:pPr algn="ctr"/>
+          <a:r>
+            <a:rPr lang="en-US" dirty="0">
+              <a:latin typeface="Arial" panose="020B0604020202020204" pitchFamily="34" charset="0"/>
+              <a:cs typeface="Arial" panose="020B0604020202020204" pitchFamily="34" charset="0"/>
+            </a:rPr>
+            <a:t>Internet </a:t>
+          </a:r>
+          <a:r>
+            <a:rPr lang="en-US" baseline="0" dirty="0">
+              <a:latin typeface="Arial" panose="020B0604020202020204" pitchFamily="34" charset="0"/>
+              <a:cs typeface="Arial" panose="020B0604020202020204" pitchFamily="34" charset="0"/>
+            </a:rPr>
+            <a:t>site capable of dumping more information than theHarvester.</a:t>
+          </a:r>
+          <a:endParaRPr lang="en-US" dirty="0">
+            <a:latin typeface="Arial" panose="020B0604020202020204" pitchFamily="34" charset="0"/>
+            <a:cs typeface="Arial" panose="020B0604020202020204" pitchFamily="34" charset="0"/>
+          </a:endParaRPr>
+        </a:p>
+      </dgm:t>
+    </dgm:pt>
+    <dgm:pt modelId="{857EAAED-74A8-40BB-B5FA-D93A69AEC603}" type="parTrans" cxnId="{80BBA616-45CE-4BC3-8E57-85BC61687394}">
+      <dgm:prSet/>
+      <dgm:spPr/>
+      <dgm:t>
+        <a:bodyPr/>
+        <a:lstStyle/>
+        <a:p>
+          <a:endParaRPr lang="en-US"/>
+        </a:p>
+      </dgm:t>
+    </dgm:pt>
+    <dgm:pt modelId="{9A0CD33D-4D6F-4617-81D5-8889E09E3C71}" type="sibTrans" cxnId="{80BBA616-45CE-4BC3-8E57-85BC61687394}">
+      <dgm:prSet/>
+      <dgm:spPr/>
+      <dgm:t>
+        <a:bodyPr/>
+        <a:lstStyle/>
+        <a:p>
+          <a:endParaRPr lang="en-US"/>
+        </a:p>
+      </dgm:t>
+    </dgm:pt>
+    <dgm:pt modelId="{F01BFCC3-FB66-490F-B87D-7466B4779153}">
+      <dgm:prSet/>
+      <dgm:spPr/>
+      <dgm:t>
+        <a:bodyPr/>
+        <a:lstStyle/>
+        <a:p>
+          <a:pPr algn="ctr"/>
+          <a:r>
+            <a:rPr lang="en-US" dirty="0">
+              <a:latin typeface="Arial" panose="020B0604020202020204" pitchFamily="34" charset="0"/>
+              <a:cs typeface="Arial" panose="020B0604020202020204" pitchFamily="34" charset="0"/>
+            </a:rPr>
+            <a:t>Capable of gathering target domains, employee emails and target hosts</a:t>
+          </a:r>
+        </a:p>
+      </dgm:t>
+    </dgm:pt>
+    <dgm:pt modelId="{F441A180-4A11-47DF-9125-14869DD09C92}" type="parTrans" cxnId="{D75B688D-1D97-4637-9F3B-D3DB4D69FA47}">
+      <dgm:prSet/>
+      <dgm:spPr/>
+      <dgm:t>
+        <a:bodyPr/>
+        <a:lstStyle/>
+        <a:p>
+          <a:endParaRPr lang="en-US"/>
+        </a:p>
+      </dgm:t>
+    </dgm:pt>
+    <dgm:pt modelId="{29C0FD19-EEFD-4E07-B2F6-81DA8E431EBD}" type="sibTrans" cxnId="{D75B688D-1D97-4637-9F3B-D3DB4D69FA47}">
+      <dgm:prSet/>
+      <dgm:spPr/>
+      <dgm:t>
+        <a:bodyPr/>
+        <a:lstStyle/>
+        <a:p>
+          <a:endParaRPr lang="en-US"/>
+        </a:p>
+      </dgm:t>
+    </dgm:pt>
+    <dgm:pt modelId="{DDA8390E-3265-46AD-BDB6-E015C8E81E46}">
+      <dgm:prSet/>
+      <dgm:spPr/>
+      <dgm:t>
+        <a:bodyPr/>
+        <a:lstStyle/>
+        <a:p>
+          <a:pPr algn="ctr"/>
+          <a:r>
+            <a:rPr lang="en-US" dirty="0">
+              <a:latin typeface="Arial" panose="020B0604020202020204" pitchFamily="34" charset="0"/>
+              <a:cs typeface="Arial" panose="020B0604020202020204" pitchFamily="34" charset="0"/>
+            </a:rPr>
+            <a:t>Supports passive reconnaissance (No direct communication to the target)</a:t>
+          </a:r>
+        </a:p>
+      </dgm:t>
+    </dgm:pt>
+    <dgm:pt modelId="{4C5CACC5-114A-4C44-BAF6-FAA8F602FCDF}" type="parTrans" cxnId="{FE10C83D-2A34-454C-8CE1-01DD0ABAE72A}">
+      <dgm:prSet/>
+      <dgm:spPr/>
+      <dgm:t>
+        <a:bodyPr/>
+        <a:lstStyle/>
+        <a:p>
+          <a:endParaRPr lang="en-US"/>
+        </a:p>
+      </dgm:t>
+    </dgm:pt>
+    <dgm:pt modelId="{D6305C90-A365-4328-9740-FC2340190C2B}" type="sibTrans" cxnId="{FE10C83D-2A34-454C-8CE1-01DD0ABAE72A}">
+      <dgm:prSet/>
+      <dgm:spPr/>
+      <dgm:t>
+        <a:bodyPr/>
+        <a:lstStyle/>
+        <a:p>
+          <a:endParaRPr lang="en-US"/>
+        </a:p>
+      </dgm:t>
+    </dgm:pt>
+    <dgm:pt modelId="{B032211A-0BC4-4E02-ABC4-FCF1D215CCC3}" type="pres">
+      <dgm:prSet presAssocID="{B52C2BD9-0562-4FDA-A125-54106C5A8396}" presName="vert0" presStyleCnt="0">
+        <dgm:presLayoutVars>
+          <dgm:dir/>
+          <dgm:animOne val="branch"/>
+          <dgm:animLvl val="lvl"/>
+        </dgm:presLayoutVars>
+      </dgm:prSet>
+      <dgm:spPr/>
+    </dgm:pt>
+    <dgm:pt modelId="{4FC70126-1C90-4029-BA58-6F4A43D16073}" type="pres">
+      <dgm:prSet presAssocID="{BC60AAE0-9208-415E-95FF-EFD7A73B6B7F}" presName="thickLine" presStyleLbl="alignNode1" presStyleIdx="0" presStyleCnt="3"/>
+      <dgm:spPr/>
+    </dgm:pt>
+    <dgm:pt modelId="{983EE767-0329-4E4F-A946-9E67990E8A0A}" type="pres">
+      <dgm:prSet presAssocID="{BC60AAE0-9208-415E-95FF-EFD7A73B6B7F}" presName="horz1" presStyleCnt="0"/>
+      <dgm:spPr/>
+    </dgm:pt>
+    <dgm:pt modelId="{50760EE2-A1E2-42E9-BEE8-7C6F2BD0DAE7}" type="pres">
+      <dgm:prSet presAssocID="{BC60AAE0-9208-415E-95FF-EFD7A73B6B7F}" presName="tx1" presStyleLbl="revTx" presStyleIdx="0" presStyleCnt="3"/>
+      <dgm:spPr/>
+    </dgm:pt>
+    <dgm:pt modelId="{7FDD60F7-C9D7-4A13-B71C-0B6FFE7250F9}" type="pres">
+      <dgm:prSet presAssocID="{BC60AAE0-9208-415E-95FF-EFD7A73B6B7F}" presName="vert1" presStyleCnt="0"/>
+      <dgm:spPr/>
+    </dgm:pt>
+    <dgm:pt modelId="{1E08A00E-D0AA-43BC-87F6-E4F69F35F995}" type="pres">
+      <dgm:prSet presAssocID="{F01BFCC3-FB66-490F-B87D-7466B4779153}" presName="thickLine" presStyleLbl="alignNode1" presStyleIdx="1" presStyleCnt="3"/>
+      <dgm:spPr/>
+    </dgm:pt>
+    <dgm:pt modelId="{D8AC5E8F-C2FF-4CB1-A996-788AB5C33289}" type="pres">
+      <dgm:prSet presAssocID="{F01BFCC3-FB66-490F-B87D-7466B4779153}" presName="horz1" presStyleCnt="0"/>
+      <dgm:spPr/>
+    </dgm:pt>
+    <dgm:pt modelId="{199183BB-3F50-414A-9104-99A008F52B37}" type="pres">
+      <dgm:prSet presAssocID="{F01BFCC3-FB66-490F-B87D-7466B4779153}" presName="tx1" presStyleLbl="revTx" presStyleIdx="1" presStyleCnt="3"/>
+      <dgm:spPr/>
+    </dgm:pt>
+    <dgm:pt modelId="{6D6F4C9F-3820-49C1-8D0F-0CC88C54F15C}" type="pres">
+      <dgm:prSet presAssocID="{F01BFCC3-FB66-490F-B87D-7466B4779153}" presName="vert1" presStyleCnt="0"/>
+      <dgm:spPr/>
+    </dgm:pt>
+    <dgm:pt modelId="{199722BB-6399-448C-80AE-024DD6D5B42F}" type="pres">
+      <dgm:prSet presAssocID="{DDA8390E-3265-46AD-BDB6-E015C8E81E46}" presName="thickLine" presStyleLbl="alignNode1" presStyleIdx="2" presStyleCnt="3"/>
+      <dgm:spPr/>
+    </dgm:pt>
+    <dgm:pt modelId="{2FE32426-3F64-421D-8A05-A1190E887F3A}" type="pres">
+      <dgm:prSet presAssocID="{DDA8390E-3265-46AD-BDB6-E015C8E81E46}" presName="horz1" presStyleCnt="0"/>
+      <dgm:spPr/>
+    </dgm:pt>
+    <dgm:pt modelId="{1CB63CE9-06B1-4933-B476-708BBB6A8B5A}" type="pres">
+      <dgm:prSet presAssocID="{DDA8390E-3265-46AD-BDB6-E015C8E81E46}" presName="tx1" presStyleLbl="revTx" presStyleIdx="2" presStyleCnt="3"/>
+      <dgm:spPr/>
+    </dgm:pt>
+    <dgm:pt modelId="{6D598202-830B-4949-9E01-D9CEB1CA815C}" type="pres">
+      <dgm:prSet presAssocID="{DDA8390E-3265-46AD-BDB6-E015C8E81E46}" presName="vert1" presStyleCnt="0"/>
+      <dgm:spPr/>
+    </dgm:pt>
+  </dgm:ptLst>
+  <dgm:cxnLst>
+    <dgm:cxn modelId="{D1371001-C460-4F0C-858E-CC61A0850AD4}" type="presOf" srcId="{BC60AAE0-9208-415E-95FF-EFD7A73B6B7F}" destId="{50760EE2-A1E2-42E9-BEE8-7C6F2BD0DAE7}" srcOrd="0" destOrd="0" presId="urn:microsoft.com/office/officeart/2008/layout/LinedList"/>
+    <dgm:cxn modelId="{80BBA616-45CE-4BC3-8E57-85BC61687394}" srcId="{B52C2BD9-0562-4FDA-A125-54106C5A8396}" destId="{BC60AAE0-9208-415E-95FF-EFD7A73B6B7F}" srcOrd="0" destOrd="0" parTransId="{857EAAED-74A8-40BB-B5FA-D93A69AEC603}" sibTransId="{9A0CD33D-4D6F-4617-81D5-8889E09E3C71}"/>
+    <dgm:cxn modelId="{00FF6721-374D-4699-B5AF-3A1BCD3037D8}" type="presOf" srcId="{F01BFCC3-FB66-490F-B87D-7466B4779153}" destId="{199183BB-3F50-414A-9104-99A008F52B37}" srcOrd="0" destOrd="0" presId="urn:microsoft.com/office/officeart/2008/layout/LinedList"/>
+    <dgm:cxn modelId="{A165DE2F-66E6-438C-9F62-3D8ED8D9D64E}" type="presOf" srcId="{B52C2BD9-0562-4FDA-A125-54106C5A8396}" destId="{B032211A-0BC4-4E02-ABC4-FCF1D215CCC3}" srcOrd="0" destOrd="0" presId="urn:microsoft.com/office/officeart/2008/layout/LinedList"/>
+    <dgm:cxn modelId="{FE10C83D-2A34-454C-8CE1-01DD0ABAE72A}" srcId="{B52C2BD9-0562-4FDA-A125-54106C5A8396}" destId="{DDA8390E-3265-46AD-BDB6-E015C8E81E46}" srcOrd="2" destOrd="0" parTransId="{4C5CACC5-114A-4C44-BAF6-FAA8F602FCDF}" sibTransId="{D6305C90-A365-4328-9740-FC2340190C2B}"/>
+    <dgm:cxn modelId="{F754413F-4739-4938-897E-7D3461FA2673}" type="presOf" srcId="{DDA8390E-3265-46AD-BDB6-E015C8E81E46}" destId="{1CB63CE9-06B1-4933-B476-708BBB6A8B5A}" srcOrd="0" destOrd="0" presId="urn:microsoft.com/office/officeart/2008/layout/LinedList"/>
+    <dgm:cxn modelId="{D75B688D-1D97-4637-9F3B-D3DB4D69FA47}" srcId="{B52C2BD9-0562-4FDA-A125-54106C5A8396}" destId="{F01BFCC3-FB66-490F-B87D-7466B4779153}" srcOrd="1" destOrd="0" parTransId="{F441A180-4A11-47DF-9125-14869DD09C92}" sibTransId="{29C0FD19-EEFD-4E07-B2F6-81DA8E431EBD}"/>
+    <dgm:cxn modelId="{0BB95817-7508-4DEF-8615-20718A2C612D}" type="presParOf" srcId="{B032211A-0BC4-4E02-ABC4-FCF1D215CCC3}" destId="{4FC70126-1C90-4029-BA58-6F4A43D16073}" srcOrd="0" destOrd="0" presId="urn:microsoft.com/office/officeart/2008/layout/LinedList"/>
+    <dgm:cxn modelId="{84F4246D-092F-4870-BDF7-9B0E3276ED5B}" type="presParOf" srcId="{B032211A-0BC4-4E02-ABC4-FCF1D215CCC3}" destId="{983EE767-0329-4E4F-A946-9E67990E8A0A}" srcOrd="1" destOrd="0" presId="urn:microsoft.com/office/officeart/2008/layout/LinedList"/>
+    <dgm:cxn modelId="{739A38E6-B232-444C-BCE1-BC27D3E3900B}" type="presParOf" srcId="{983EE767-0329-4E4F-A946-9E67990E8A0A}" destId="{50760EE2-A1E2-42E9-BEE8-7C6F2BD0DAE7}" srcOrd="0" destOrd="0" presId="urn:microsoft.com/office/officeart/2008/layout/LinedList"/>
+    <dgm:cxn modelId="{54C97988-90B8-4C93-8187-8C00E74F5629}" type="presParOf" srcId="{983EE767-0329-4E4F-A946-9E67990E8A0A}" destId="{7FDD60F7-C9D7-4A13-B71C-0B6FFE7250F9}" srcOrd="1" destOrd="0" presId="urn:microsoft.com/office/officeart/2008/layout/LinedList"/>
+    <dgm:cxn modelId="{D54DAE0E-4159-4DCF-B350-1422F06F137A}" type="presParOf" srcId="{B032211A-0BC4-4E02-ABC4-FCF1D215CCC3}" destId="{1E08A00E-D0AA-43BC-87F6-E4F69F35F995}" srcOrd="2" destOrd="0" presId="urn:microsoft.com/office/officeart/2008/layout/LinedList"/>
+    <dgm:cxn modelId="{A70AF7E6-5013-478B-AD28-9E6E1A06B08C}" type="presParOf" srcId="{B032211A-0BC4-4E02-ABC4-FCF1D215CCC3}" destId="{D8AC5E8F-C2FF-4CB1-A996-788AB5C33289}" srcOrd="3" destOrd="0" presId="urn:microsoft.com/office/officeart/2008/layout/LinedList"/>
+    <dgm:cxn modelId="{512FEADD-D89F-4124-B70D-A77136BA9212}" type="presParOf" srcId="{D8AC5E8F-C2FF-4CB1-A996-788AB5C33289}" destId="{199183BB-3F50-414A-9104-99A008F52B37}" srcOrd="0" destOrd="0" presId="urn:microsoft.com/office/officeart/2008/layout/LinedList"/>
+    <dgm:cxn modelId="{D396E2D8-C147-47AD-8818-AECEC537B750}" type="presParOf" srcId="{D8AC5E8F-C2FF-4CB1-A996-788AB5C33289}" destId="{6D6F4C9F-3820-49C1-8D0F-0CC88C54F15C}" srcOrd="1" destOrd="0" presId="urn:microsoft.com/office/officeart/2008/layout/LinedList"/>
+    <dgm:cxn modelId="{257AACF2-C64C-46FD-B53E-40B4891247A5}" type="presParOf" srcId="{B032211A-0BC4-4E02-ABC4-FCF1D215CCC3}" destId="{199722BB-6399-448C-80AE-024DD6D5B42F}" srcOrd="4" destOrd="0" presId="urn:microsoft.com/office/officeart/2008/layout/LinedList"/>
+    <dgm:cxn modelId="{ACC0F11F-AC1F-43EF-804A-031D5E6C6E16}" type="presParOf" srcId="{B032211A-0BC4-4E02-ABC4-FCF1D215CCC3}" destId="{2FE32426-3F64-421D-8A05-A1190E887F3A}" srcOrd="5" destOrd="0" presId="urn:microsoft.com/office/officeart/2008/layout/LinedList"/>
+    <dgm:cxn modelId="{332E1F08-A80F-4590-966A-6EAA380CCE68}" type="presParOf" srcId="{2FE32426-3F64-421D-8A05-A1190E887F3A}" destId="{1CB63CE9-06B1-4933-B476-708BBB6A8B5A}" srcOrd="0" destOrd="0" presId="urn:microsoft.com/office/officeart/2008/layout/LinedList"/>
+    <dgm:cxn modelId="{07256303-F652-4063-9974-BEBD0E70D794}" type="presParOf" srcId="{2FE32426-3F64-421D-8A05-A1190E887F3A}" destId="{6D598202-830B-4949-9E01-D9CEB1CA815C}" srcOrd="1" destOrd="0" presId="urn:microsoft.com/office/officeart/2008/layout/LinedList"/>
+  </dgm:cxnLst>
+  <dgm:bg/>
+  <dgm:whole/>
+  <dgm:extLst>
+    <a:ext uri="http://schemas.microsoft.com/office/drawing/2008/diagram">
+      <dsp:dataModelExt xmlns:dsp="http://schemas.microsoft.com/office/drawing/2008/diagram" relId="rId7" minVer="http://schemas.openxmlformats.org/drawingml/2006/diagram"/>
     </a:ext>
   </dgm:extLst>
 </dgm:dataModel>
@@ -3144,6 +4127,368 @@
           </a:pPr>
           <a:r>
             <a:rPr lang="en-US" sz="2700" kern="1200" dirty="0">
+              <a:latin typeface="Arial" panose="020B0604020202020204" pitchFamily="34" charset="0"/>
+              <a:cs typeface="Arial" panose="020B0604020202020204" pitchFamily="34" charset="0"/>
+            </a:rPr>
+            <a:t>Supports passive reconnaissance (No direct communication to the target)</a:t>
+          </a:r>
+        </a:p>
+      </dsp:txBody>
+      <dsp:txXfrm>
+        <a:off x="0" y="3413003"/>
+        <a:ext cx="4124758" cy="1705251"/>
+      </dsp:txXfrm>
+    </dsp:sp>
+  </dsp:spTree>
+</dsp:drawing>
+</file>
+
+<file path=ppt/diagrams/drawing3.xml><?xml version="1.0" encoding="utf-8"?>
+<dsp:drawing xmlns:dgm="http://schemas.openxmlformats.org/drawingml/2006/diagram" xmlns:dsp="http://schemas.microsoft.com/office/drawing/2008/diagram" xmlns:a="http://schemas.openxmlformats.org/drawingml/2006/main">
+  <dsp:spTree>
+    <dsp:nvGrpSpPr>
+      <dsp:cNvPr id="0" name=""/>
+      <dsp:cNvGrpSpPr/>
+    </dsp:nvGrpSpPr>
+    <dsp:grpSpPr/>
+    <dsp:sp modelId="{4FC70126-1C90-4029-BA58-6F4A43D16073}">
+      <dsp:nvSpPr>
+        <dsp:cNvPr id="0" name=""/>
+        <dsp:cNvSpPr/>
+      </dsp:nvSpPr>
+      <dsp:spPr>
+        <a:xfrm>
+          <a:off x="0" y="2500"/>
+          <a:ext cx="4124758" cy="0"/>
+        </a:xfrm>
+        <a:prstGeom prst="line">
+          <a:avLst/>
+        </a:prstGeom>
+        <a:solidFill>
+          <a:schemeClr val="accent1">
+            <a:hueOff val="0"/>
+            <a:satOff val="0"/>
+            <a:lumOff val="0"/>
+            <a:alphaOff val="0"/>
+          </a:schemeClr>
+        </a:solidFill>
+        <a:ln w="12700" cap="flat" cmpd="sng" algn="ctr">
+          <a:solidFill>
+            <a:schemeClr val="accent1">
+              <a:hueOff val="0"/>
+              <a:satOff val="0"/>
+              <a:lumOff val="0"/>
+              <a:alphaOff val="0"/>
+            </a:schemeClr>
+          </a:solidFill>
+          <a:prstDash val="solid"/>
+          <a:miter lim="800000"/>
+        </a:ln>
+        <a:effectLst/>
+      </dsp:spPr>
+      <dsp:style>
+        <a:lnRef idx="2">
+          <a:scrgbClr r="0" g="0" b="0"/>
+        </a:lnRef>
+        <a:fillRef idx="1">
+          <a:scrgbClr r="0" g="0" b="0"/>
+        </a:fillRef>
+        <a:effectRef idx="0">
+          <a:scrgbClr r="0" g="0" b="0"/>
+        </a:effectRef>
+        <a:fontRef idx="minor">
+          <a:schemeClr val="lt1"/>
+        </a:fontRef>
+      </dsp:style>
+    </dsp:sp>
+    <dsp:sp modelId="{50760EE2-A1E2-42E9-BEE8-7C6F2BD0DAE7}">
+      <dsp:nvSpPr>
+        <dsp:cNvPr id="0" name=""/>
+        <dsp:cNvSpPr/>
+      </dsp:nvSpPr>
+      <dsp:spPr>
+        <a:xfrm>
+          <a:off x="0" y="2500"/>
+          <a:ext cx="4124758" cy="1705251"/>
+        </a:xfrm>
+        <a:prstGeom prst="rect">
+          <a:avLst/>
+        </a:prstGeom>
+        <a:noFill/>
+        <a:ln>
+          <a:noFill/>
+        </a:ln>
+        <a:effectLst/>
+      </dsp:spPr>
+      <dsp:style>
+        <a:lnRef idx="0">
+          <a:scrgbClr r="0" g="0" b="0"/>
+        </a:lnRef>
+        <a:fillRef idx="0">
+          <a:scrgbClr r="0" g="0" b="0"/>
+        </a:fillRef>
+        <a:effectRef idx="0">
+          <a:scrgbClr r="0" g="0" b="0"/>
+        </a:effectRef>
+        <a:fontRef idx="minor"/>
+      </dsp:style>
+      <dsp:txBody>
+        <a:bodyPr spcFirstLastPara="0" vert="horz" wrap="square" lIns="106680" tIns="106680" rIns="106680" bIns="106680" numCol="1" spcCol="1270" anchor="t" anchorCtr="0">
+          <a:noAutofit/>
+        </a:bodyPr>
+        <a:lstStyle/>
+        <a:p>
+          <a:pPr marL="0" lvl="0" indent="0" algn="ctr" defTabSz="1244600">
+            <a:lnSpc>
+              <a:spcPct val="90000"/>
+            </a:lnSpc>
+            <a:spcBef>
+              <a:spcPct val="0"/>
+            </a:spcBef>
+            <a:spcAft>
+              <a:spcPct val="35000"/>
+            </a:spcAft>
+            <a:buNone/>
+          </a:pPr>
+          <a:r>
+            <a:rPr lang="en-US" sz="2800" kern="1200" dirty="0">
+              <a:latin typeface="Arial" panose="020B0604020202020204" pitchFamily="34" charset="0"/>
+              <a:cs typeface="Arial" panose="020B0604020202020204" pitchFamily="34" charset="0"/>
+            </a:rPr>
+            <a:t>Internet </a:t>
+          </a:r>
+          <a:r>
+            <a:rPr lang="en-US" sz="2800" kern="1200" baseline="0" dirty="0">
+              <a:latin typeface="Arial" panose="020B0604020202020204" pitchFamily="34" charset="0"/>
+              <a:cs typeface="Arial" panose="020B0604020202020204" pitchFamily="34" charset="0"/>
+            </a:rPr>
+            <a:t>site capable of dumping more information than theHarvester.</a:t>
+          </a:r>
+          <a:endParaRPr lang="en-US" sz="2800" kern="1200" dirty="0">
+            <a:latin typeface="Arial" panose="020B0604020202020204" pitchFamily="34" charset="0"/>
+            <a:cs typeface="Arial" panose="020B0604020202020204" pitchFamily="34" charset="0"/>
+          </a:endParaRPr>
+        </a:p>
+      </dsp:txBody>
+      <dsp:txXfrm>
+        <a:off x="0" y="2500"/>
+        <a:ext cx="4124758" cy="1705251"/>
+      </dsp:txXfrm>
+    </dsp:sp>
+    <dsp:sp modelId="{1E08A00E-D0AA-43BC-87F6-E4F69F35F995}">
+      <dsp:nvSpPr>
+        <dsp:cNvPr id="0" name=""/>
+        <dsp:cNvSpPr/>
+      </dsp:nvSpPr>
+      <dsp:spPr>
+        <a:xfrm>
+          <a:off x="0" y="1707751"/>
+          <a:ext cx="4124758" cy="0"/>
+        </a:xfrm>
+        <a:prstGeom prst="line">
+          <a:avLst/>
+        </a:prstGeom>
+        <a:solidFill>
+          <a:schemeClr val="accent1">
+            <a:hueOff val="0"/>
+            <a:satOff val="0"/>
+            <a:lumOff val="0"/>
+            <a:alphaOff val="0"/>
+          </a:schemeClr>
+        </a:solidFill>
+        <a:ln w="12700" cap="flat" cmpd="sng" algn="ctr">
+          <a:solidFill>
+            <a:schemeClr val="accent1">
+              <a:hueOff val="0"/>
+              <a:satOff val="0"/>
+              <a:lumOff val="0"/>
+              <a:alphaOff val="0"/>
+            </a:schemeClr>
+          </a:solidFill>
+          <a:prstDash val="solid"/>
+          <a:miter lim="800000"/>
+        </a:ln>
+        <a:effectLst/>
+      </dsp:spPr>
+      <dsp:style>
+        <a:lnRef idx="2">
+          <a:scrgbClr r="0" g="0" b="0"/>
+        </a:lnRef>
+        <a:fillRef idx="1">
+          <a:scrgbClr r="0" g="0" b="0"/>
+        </a:fillRef>
+        <a:effectRef idx="0">
+          <a:scrgbClr r="0" g="0" b="0"/>
+        </a:effectRef>
+        <a:fontRef idx="minor">
+          <a:schemeClr val="lt1"/>
+        </a:fontRef>
+      </dsp:style>
+    </dsp:sp>
+    <dsp:sp modelId="{199183BB-3F50-414A-9104-99A008F52B37}">
+      <dsp:nvSpPr>
+        <dsp:cNvPr id="0" name=""/>
+        <dsp:cNvSpPr/>
+      </dsp:nvSpPr>
+      <dsp:spPr>
+        <a:xfrm>
+          <a:off x="0" y="1707751"/>
+          <a:ext cx="4124758" cy="1705251"/>
+        </a:xfrm>
+        <a:prstGeom prst="rect">
+          <a:avLst/>
+        </a:prstGeom>
+        <a:noFill/>
+        <a:ln>
+          <a:noFill/>
+        </a:ln>
+        <a:effectLst/>
+      </dsp:spPr>
+      <dsp:style>
+        <a:lnRef idx="0">
+          <a:scrgbClr r="0" g="0" b="0"/>
+        </a:lnRef>
+        <a:fillRef idx="0">
+          <a:scrgbClr r="0" g="0" b="0"/>
+        </a:fillRef>
+        <a:effectRef idx="0">
+          <a:scrgbClr r="0" g="0" b="0"/>
+        </a:effectRef>
+        <a:fontRef idx="minor"/>
+      </dsp:style>
+      <dsp:txBody>
+        <a:bodyPr spcFirstLastPara="0" vert="horz" wrap="square" lIns="106680" tIns="106680" rIns="106680" bIns="106680" numCol="1" spcCol="1270" anchor="t" anchorCtr="0">
+          <a:noAutofit/>
+        </a:bodyPr>
+        <a:lstStyle/>
+        <a:p>
+          <a:pPr marL="0" lvl="0" indent="0" algn="ctr" defTabSz="1244600">
+            <a:lnSpc>
+              <a:spcPct val="90000"/>
+            </a:lnSpc>
+            <a:spcBef>
+              <a:spcPct val="0"/>
+            </a:spcBef>
+            <a:spcAft>
+              <a:spcPct val="35000"/>
+            </a:spcAft>
+            <a:buNone/>
+          </a:pPr>
+          <a:r>
+            <a:rPr lang="en-US" sz="2800" kern="1200" dirty="0">
+              <a:latin typeface="Arial" panose="020B0604020202020204" pitchFamily="34" charset="0"/>
+              <a:cs typeface="Arial" panose="020B0604020202020204" pitchFamily="34" charset="0"/>
+            </a:rPr>
+            <a:t>Capable of gathering target domains, employee emails and target hosts</a:t>
+          </a:r>
+        </a:p>
+      </dsp:txBody>
+      <dsp:txXfrm>
+        <a:off x="0" y="1707751"/>
+        <a:ext cx="4124758" cy="1705251"/>
+      </dsp:txXfrm>
+    </dsp:sp>
+    <dsp:sp modelId="{199722BB-6399-448C-80AE-024DD6D5B42F}">
+      <dsp:nvSpPr>
+        <dsp:cNvPr id="0" name=""/>
+        <dsp:cNvSpPr/>
+      </dsp:nvSpPr>
+      <dsp:spPr>
+        <a:xfrm>
+          <a:off x="0" y="3413003"/>
+          <a:ext cx="4124758" cy="0"/>
+        </a:xfrm>
+        <a:prstGeom prst="line">
+          <a:avLst/>
+        </a:prstGeom>
+        <a:solidFill>
+          <a:schemeClr val="accent1">
+            <a:hueOff val="0"/>
+            <a:satOff val="0"/>
+            <a:lumOff val="0"/>
+            <a:alphaOff val="0"/>
+          </a:schemeClr>
+        </a:solidFill>
+        <a:ln w="12700" cap="flat" cmpd="sng" algn="ctr">
+          <a:solidFill>
+            <a:schemeClr val="accent1">
+              <a:hueOff val="0"/>
+              <a:satOff val="0"/>
+              <a:lumOff val="0"/>
+              <a:alphaOff val="0"/>
+            </a:schemeClr>
+          </a:solidFill>
+          <a:prstDash val="solid"/>
+          <a:miter lim="800000"/>
+        </a:ln>
+        <a:effectLst/>
+      </dsp:spPr>
+      <dsp:style>
+        <a:lnRef idx="2">
+          <a:scrgbClr r="0" g="0" b="0"/>
+        </a:lnRef>
+        <a:fillRef idx="1">
+          <a:scrgbClr r="0" g="0" b="0"/>
+        </a:fillRef>
+        <a:effectRef idx="0">
+          <a:scrgbClr r="0" g="0" b="0"/>
+        </a:effectRef>
+        <a:fontRef idx="minor">
+          <a:schemeClr val="lt1"/>
+        </a:fontRef>
+      </dsp:style>
+    </dsp:sp>
+    <dsp:sp modelId="{1CB63CE9-06B1-4933-B476-708BBB6A8B5A}">
+      <dsp:nvSpPr>
+        <dsp:cNvPr id="0" name=""/>
+        <dsp:cNvSpPr/>
+      </dsp:nvSpPr>
+      <dsp:spPr>
+        <a:xfrm>
+          <a:off x="0" y="3413003"/>
+          <a:ext cx="4124758" cy="1705251"/>
+        </a:xfrm>
+        <a:prstGeom prst="rect">
+          <a:avLst/>
+        </a:prstGeom>
+        <a:noFill/>
+        <a:ln>
+          <a:noFill/>
+        </a:ln>
+        <a:effectLst/>
+      </dsp:spPr>
+      <dsp:style>
+        <a:lnRef idx="0">
+          <a:scrgbClr r="0" g="0" b="0"/>
+        </a:lnRef>
+        <a:fillRef idx="0">
+          <a:scrgbClr r="0" g="0" b="0"/>
+        </a:fillRef>
+        <a:effectRef idx="0">
+          <a:scrgbClr r="0" g="0" b="0"/>
+        </a:effectRef>
+        <a:fontRef idx="minor"/>
+      </dsp:style>
+      <dsp:txBody>
+        <a:bodyPr spcFirstLastPara="0" vert="horz" wrap="square" lIns="106680" tIns="106680" rIns="106680" bIns="106680" numCol="1" spcCol="1270" anchor="t" anchorCtr="0">
+          <a:noAutofit/>
+        </a:bodyPr>
+        <a:lstStyle/>
+        <a:p>
+          <a:pPr marL="0" lvl="0" indent="0" algn="ctr" defTabSz="1244600">
+            <a:lnSpc>
+              <a:spcPct val="90000"/>
+            </a:lnSpc>
+            <a:spcBef>
+              <a:spcPct val="0"/>
+            </a:spcBef>
+            <a:spcAft>
+              <a:spcPct val="35000"/>
+            </a:spcAft>
+            <a:buNone/>
+          </a:pPr>
+          <a:r>
+            <a:rPr lang="en-US" sz="2800" kern="1200" dirty="0">
               <a:latin typeface="Arial" panose="020B0604020202020204" pitchFamily="34" charset="0"/>
               <a:cs typeface="Arial" panose="020B0604020202020204" pitchFamily="34" charset="0"/>
             </a:rPr>
@@ -4092,6 +5437,472 @@
 </dgm:layoutDef>
 </file>
 
+<file path=ppt/diagrams/layout3.xml><?xml version="1.0" encoding="utf-8"?>
+<dgm:layoutDef xmlns:dgm="http://schemas.openxmlformats.org/drawingml/2006/diagram" xmlns:a="http://schemas.openxmlformats.org/drawingml/2006/main" uniqueId="urn:microsoft.com/office/officeart/2008/layout/LinedList">
+  <dgm:title val=""/>
+  <dgm:desc val=""/>
+  <dgm:catLst>
+    <dgm:cat type="hierarchy" pri="8000"/>
+    <dgm:cat type="list" pri="2500"/>
+  </dgm:catLst>
+  <dgm:sampData>
+    <dgm:dataModel>
+      <dgm:ptLst>
+        <dgm:pt modelId="0" type="doc"/>
+        <dgm:pt modelId="1">
+          <dgm:prSet phldr="1"/>
+        </dgm:pt>
+        <dgm:pt modelId="11">
+          <dgm:prSet phldr="1"/>
+        </dgm:pt>
+        <dgm:pt modelId="12">
+          <dgm:prSet phldr="1"/>
+        </dgm:pt>
+        <dgm:pt modelId="13">
+          <dgm:prSet phldr="1"/>
+        </dgm:pt>
+      </dgm:ptLst>
+      <dgm:cxnLst>
+        <dgm:cxn modelId="2" srcId="0" destId="1" srcOrd="0" destOrd="0"/>
+        <dgm:cxn modelId="3" srcId="1" destId="11" srcOrd="0" destOrd="0"/>
+        <dgm:cxn modelId="4" srcId="1" destId="12" srcOrd="1" destOrd="0"/>
+        <dgm:cxn modelId="5" srcId="1" destId="13" srcOrd="2" destOrd="0"/>
+      </dgm:cxnLst>
+      <dgm:bg/>
+      <dgm:whole/>
+    </dgm:dataModel>
+  </dgm:sampData>
+  <dgm:styleData>
+    <dgm:dataModel>
+      <dgm:ptLst>
+        <dgm:pt modelId="0" type="doc"/>
+        <dgm:pt modelId="1">
+          <dgm:prSet phldr="1"/>
+        </dgm:pt>
+        <dgm:pt modelId="11">
+          <dgm:prSet phldr="1"/>
+        </dgm:pt>
+        <dgm:pt modelId="12">
+          <dgm:prSet phldr="1"/>
+        </dgm:pt>
+      </dgm:ptLst>
+      <dgm:cxnLst>
+        <dgm:cxn modelId="2" srcId="0" destId="1" srcOrd="0" destOrd="0"/>
+        <dgm:cxn modelId="3" srcId="1" destId="11" srcOrd="0" destOrd="0"/>
+        <dgm:cxn modelId="4" srcId="1" destId="12" srcOrd="1" destOrd="0"/>
+      </dgm:cxnLst>
+      <dgm:bg/>
+      <dgm:whole/>
+    </dgm:dataModel>
+  </dgm:styleData>
+  <dgm:clrData>
+    <dgm:dataModel>
+      <dgm:ptLst>
+        <dgm:pt modelId="0" type="doc"/>
+        <dgm:pt modelId="1">
+          <dgm:prSet phldr="1"/>
+        </dgm:pt>
+        <dgm:pt modelId="11">
+          <dgm:prSet phldr="1"/>
+        </dgm:pt>
+        <dgm:pt modelId="12">
+          <dgm:prSet phldr="1"/>
+        </dgm:pt>
+      </dgm:ptLst>
+      <dgm:cxnLst>
+        <dgm:cxn modelId="2" srcId="0" destId="1" srcOrd="0" destOrd="0"/>
+        <dgm:cxn modelId="3" srcId="1" destId="11" srcOrd="0" destOrd="0"/>
+        <dgm:cxn modelId="4" srcId="1" destId="12" srcOrd="1" destOrd="0"/>
+      </dgm:cxnLst>
+      <dgm:bg/>
+      <dgm:whole/>
+    </dgm:dataModel>
+  </dgm:clrData>
+  <dgm:layoutNode name="vert0">
+    <dgm:varLst>
+      <dgm:dir/>
+      <dgm:animOne val="branch"/>
+      <dgm:animLvl val="lvl"/>
+    </dgm:varLst>
+    <dgm:choose name="Name0">
+      <dgm:if name="Name1" func="var" arg="dir" op="equ" val="norm">
+        <dgm:alg type="lin">
+          <dgm:param type="linDir" val="fromT"/>
+          <dgm:param type="nodeHorzAlign" val="l"/>
+        </dgm:alg>
+      </dgm:if>
+      <dgm:else name="Name2">
+        <dgm:alg type="lin">
+          <dgm:param type="linDir" val="fromT"/>
+          <dgm:param type="nodeHorzAlign" val="r"/>
+        </dgm:alg>
+      </dgm:else>
+    </dgm:choose>
+    <dgm:shape xmlns:r="http://schemas.openxmlformats.org/officeDocument/2006/relationships" r:blip="">
+      <dgm:adjLst/>
+    </dgm:shape>
+    <dgm:presOf/>
+    <dgm:constrLst>
+      <dgm:constr type="w" for="ch" forName="horz1" refType="w"/>
+      <dgm:constr type="h" for="ch" forName="horz1" refType="h"/>
+      <dgm:constr type="h" for="des" forName="vert1" refType="h"/>
+      <dgm:constr type="h" for="des" forName="tx1" refType="h"/>
+      <dgm:constr type="h" for="des" forName="horz2" refType="h"/>
+      <dgm:constr type="h" for="des" forName="vert2" refType="h"/>
+      <dgm:constr type="h" for="des" forName="horz3" refType="h"/>
+      <dgm:constr type="h" for="des" forName="vert3" refType="h"/>
+      <dgm:constr type="h" for="des" forName="horz4" refType="h"/>
+      <dgm:constr type="h" for="des" ptType="node" refType="h"/>
+      <dgm:constr type="primFontSz" for="des" forName="tx1" op="equ" val="65"/>
+      <dgm:constr type="primFontSz" for="des" forName="tx2" op="equ" val="65"/>
+      <dgm:constr type="primFontSz" for="des" forName="tx3" op="equ" val="65"/>
+      <dgm:constr type="primFontSz" for="des" forName="tx4" op="equ" val="65"/>
+      <dgm:constr type="w" for="des" forName="thickLine" refType="w"/>
+      <dgm:constr type="h" for="des" forName="thickLine"/>
+      <dgm:constr type="h" for="des" forName="thinLine1"/>
+      <dgm:constr type="h" for="des" forName="thinLine2b"/>
+      <dgm:constr type="h" for="des" forName="thinLine3"/>
+      <dgm:constr type="h" for="des" forName="vertSpace2a" refType="h" fact="0.05"/>
+      <dgm:constr type="h" for="des" forName="vertSpace2b" refType="h" refFor="des" refForName="vertSpace2a"/>
+    </dgm:constrLst>
+    <dgm:forEach name="Name3" axis="ch" ptType="node">
+      <dgm:layoutNode name="thickLine" styleLbl="alignNode1">
+        <dgm:alg type="sp"/>
+        <dgm:shape xmlns:r="http://schemas.openxmlformats.org/officeDocument/2006/relationships" type="line" r:blip="">
+          <dgm:adjLst/>
+        </dgm:shape>
+        <dgm:presOf/>
+      </dgm:layoutNode>
+      <dgm:layoutNode name="horz1">
+        <dgm:choose name="Name4">
+          <dgm:if name="Name5" func="var" arg="dir" op="equ" val="norm">
+            <dgm:alg type="lin">
+              <dgm:param type="linDir" val="fromL"/>
+              <dgm:param type="nodeVertAlign" val="t"/>
+            </dgm:alg>
+          </dgm:if>
+          <dgm:else name="Name6">
+            <dgm:alg type="lin">
+              <dgm:param type="linDir" val="fromR"/>
+              <dgm:param type="nodeVertAlign" val="t"/>
+            </dgm:alg>
+          </dgm:else>
+        </dgm:choose>
+        <dgm:shape xmlns:r="http://schemas.openxmlformats.org/officeDocument/2006/relationships" r:blip="">
+          <dgm:adjLst/>
+        </dgm:shape>
+        <dgm:presOf/>
+        <dgm:choose name="Name7">
+          <dgm:if name="Name8" axis="root des" func="maxDepth" op="equ" val="1">
+            <dgm:constrLst>
+              <dgm:constr type="w" for="ch" forName="tx1" refType="w"/>
+            </dgm:constrLst>
+          </dgm:if>
+          <dgm:if name="Name9" axis="root des" func="maxDepth" op="equ" val="2">
+            <dgm:constrLst>
+              <dgm:constr type="w" for="ch" forName="tx1" refType="w" fact="0.2"/>
+              <dgm:constr type="w" for="des" forName="tx2" refType="w" fact="0.785"/>
+              <dgm:constr type="w" for="des" forName="horzSpace2" refType="w" fact="0.015"/>
+              <dgm:constr type="w" for="des" forName="thinLine2b" refType="w" fact="0.8"/>
+            </dgm:constrLst>
+          </dgm:if>
+          <dgm:if name="Name10" axis="root des" func="maxDepth" op="equ" val="3">
+            <dgm:constrLst>
+              <dgm:constr type="w" for="ch" forName="tx1" refType="w" fact="0.2"/>
+              <dgm:constr type="w" for="des" forName="tx2" refType="w" fact="0.385"/>
+              <dgm:constr type="w" for="des" forName="tx3" refType="w" fact="0.385"/>
+              <dgm:constr type="w" for="des" forName="horzSpace2" refType="w" fact="0.015"/>
+              <dgm:constr type="w" for="des" forName="horzSpace3" refType="w" fact="0.015"/>
+              <dgm:constr type="w" for="des" forName="thinLine2b" refType="w" fact="0.8"/>
+              <dgm:constr type="w" for="des" forName="thinLine3" refType="w" fact="0.385"/>
+            </dgm:constrLst>
+          </dgm:if>
+          <dgm:if name="Name11" axis="root des" func="maxDepth" op="gte" val="4">
+            <dgm:constrLst>
+              <dgm:constr type="w" for="ch" forName="tx1" refType="w" fact="0.2"/>
+              <dgm:constr type="w" for="des" forName="tx2" refType="w" fact="0.2516"/>
+              <dgm:constr type="w" for="des" forName="tx3" refType="w" fact="0.2516"/>
+              <dgm:constr type="w" for="des" forName="tx4" refType="w" fact="0.2516"/>
+              <dgm:constr type="w" for="des" forName="horzSpace2" refType="w" fact="0.015"/>
+              <dgm:constr type="w" for="des" forName="horzSpace3" refType="w" fact="0.015"/>
+              <dgm:constr type="w" for="des" forName="horzSpace4" refType="w" fact="0.015"/>
+              <dgm:constr type="w" for="des" forName="thinLine2b" refType="w" fact="0.8"/>
+              <dgm:constr type="w" for="des" forName="thinLine3" refType="w" fact="0.5332"/>
+            </dgm:constrLst>
+          </dgm:if>
+          <dgm:else name="Name12"/>
+        </dgm:choose>
+        <dgm:layoutNode name="tx1" styleLbl="revTx">
+          <dgm:alg type="tx">
+            <dgm:param type="parTxLTRAlign" val="l"/>
+            <dgm:param type="parTxRTLAlign" val="r"/>
+            <dgm:param type="txAnchorVert" val="t"/>
+          </dgm:alg>
+          <dgm:shape xmlns:r="http://schemas.openxmlformats.org/officeDocument/2006/relationships" type="rect" r:blip="">
+            <dgm:adjLst/>
+          </dgm:shape>
+          <dgm:presOf axis="self"/>
+          <dgm:constrLst>
+            <dgm:constr type="tMarg" refType="primFontSz" fact="0.3"/>
+            <dgm:constr type="bMarg" refType="primFontSz" fact="0.3"/>
+            <dgm:constr type="lMarg" refType="primFontSz" fact="0.3"/>
+            <dgm:constr type="rMarg" refType="primFontSz" fact="0.3"/>
+          </dgm:constrLst>
+          <dgm:ruleLst>
+            <dgm:rule type="primFontSz" val="5" fact="NaN" max="NaN"/>
+          </dgm:ruleLst>
+        </dgm:layoutNode>
+        <dgm:layoutNode name="vert1">
+          <dgm:choose name="Name13">
+            <dgm:if name="Name14" func="var" arg="dir" op="equ" val="norm">
+              <dgm:alg type="lin">
+                <dgm:param type="linDir" val="fromT"/>
+                <dgm:param type="nodeHorzAlign" val="l"/>
+              </dgm:alg>
+            </dgm:if>
+            <dgm:else name="Name15">
+              <dgm:alg type="lin">
+                <dgm:param type="linDir" val="fromT"/>
+                <dgm:param type="nodeHorzAlign" val="r"/>
+              </dgm:alg>
+            </dgm:else>
+          </dgm:choose>
+          <dgm:shape xmlns:r="http://schemas.openxmlformats.org/officeDocument/2006/relationships" r:blip="">
+            <dgm:adjLst/>
+          </dgm:shape>
+          <dgm:presOf/>
+          <dgm:forEach name="Name16" axis="ch" ptType="node">
+            <dgm:choose name="Name17">
+              <dgm:if name="Name18" axis="self" ptType="node" func="pos" op="equ" val="1">
+                <dgm:layoutNode name="vertSpace2a">
+                  <dgm:alg type="sp"/>
+                  <dgm:shape xmlns:r="http://schemas.openxmlformats.org/officeDocument/2006/relationships" r:blip="">
+                    <dgm:adjLst/>
+                  </dgm:shape>
+                  <dgm:presOf/>
+                </dgm:layoutNode>
+              </dgm:if>
+              <dgm:else name="Name19"/>
+            </dgm:choose>
+            <dgm:layoutNode name="horz2">
+              <dgm:choose name="Name20">
+                <dgm:if name="Name21" func="var" arg="dir" op="equ" val="norm">
+                  <dgm:alg type="lin">
+                    <dgm:param type="linDir" val="fromL"/>
+                    <dgm:param type="nodeVertAlign" val="t"/>
+                  </dgm:alg>
+                </dgm:if>
+                <dgm:else name="Name22">
+                  <dgm:alg type="lin">
+                    <dgm:param type="linDir" val="fromR"/>
+                    <dgm:param type="nodeVertAlign" val="t"/>
+                  </dgm:alg>
+                </dgm:else>
+              </dgm:choose>
+              <dgm:shape xmlns:r="http://schemas.openxmlformats.org/officeDocument/2006/relationships" r:blip="">
+                <dgm:adjLst/>
+              </dgm:shape>
+              <dgm:presOf/>
+              <dgm:layoutNode name="horzSpace2">
+                <dgm:alg type="sp"/>
+                <dgm:shape xmlns:r="http://schemas.openxmlformats.org/officeDocument/2006/relationships" r:blip="">
+                  <dgm:adjLst/>
+                </dgm:shape>
+                <dgm:presOf/>
+              </dgm:layoutNode>
+              <dgm:layoutNode name="tx2" styleLbl="revTx">
+                <dgm:alg type="tx">
+                  <dgm:param type="parTxLTRAlign" val="l"/>
+                  <dgm:param type="parTxRTLAlign" val="r"/>
+                  <dgm:param type="txAnchorVert" val="t"/>
+                </dgm:alg>
+                <dgm:shape xmlns:r="http://schemas.openxmlformats.org/officeDocument/2006/relationships" type="rect" r:blip="">
+                  <dgm:adjLst/>
+                </dgm:shape>
+                <dgm:presOf axis="self"/>
+                <dgm:constrLst>
+                  <dgm:constr type="tMarg" refType="primFontSz" fact="0.3"/>
+                  <dgm:constr type="bMarg" refType="primFontSz" fact="0.3"/>
+                  <dgm:constr type="lMarg" refType="primFontSz" fact="0.3"/>
+                  <dgm:constr type="rMarg" refType="primFontSz" fact="0.3"/>
+                </dgm:constrLst>
+                <dgm:ruleLst>
+                  <dgm:rule type="primFontSz" val="5" fact="NaN" max="NaN"/>
+                </dgm:ruleLst>
+              </dgm:layoutNode>
+              <dgm:layoutNode name="vert2">
+                <dgm:choose name="Name23">
+                  <dgm:if name="Name24" func="var" arg="dir" op="equ" val="norm">
+                    <dgm:alg type="lin">
+                      <dgm:param type="linDir" val="fromT"/>
+                      <dgm:param type="nodeHorzAlign" val="l"/>
+                    </dgm:alg>
+                  </dgm:if>
+                  <dgm:else name="Name25">
+                    <dgm:alg type="lin">
+                      <dgm:param type="linDir" val="fromT"/>
+                      <dgm:param type="nodeHorzAlign" val="r"/>
+                    </dgm:alg>
+                  </dgm:else>
+                </dgm:choose>
+                <dgm:shape xmlns:r="http://schemas.openxmlformats.org/officeDocument/2006/relationships" r:blip="">
+                  <dgm:adjLst/>
+                </dgm:shape>
+                <dgm:presOf/>
+                <dgm:forEach name="Name26" axis="ch" ptType="node">
+                  <dgm:layoutNode name="horz3">
+                    <dgm:choose name="Name27">
+                      <dgm:if name="Name28" func="var" arg="dir" op="equ" val="norm">
+                        <dgm:alg type="lin">
+                          <dgm:param type="linDir" val="fromL"/>
+                          <dgm:param type="nodeVertAlign" val="t"/>
+                        </dgm:alg>
+                      </dgm:if>
+                      <dgm:else name="Name29">
+                        <dgm:alg type="lin">
+                          <dgm:param type="linDir" val="fromR"/>
+                          <dgm:param type="nodeVertAlign" val="t"/>
+                        </dgm:alg>
+                      </dgm:else>
+                    </dgm:choose>
+                    <dgm:shape xmlns:r="http://schemas.openxmlformats.org/officeDocument/2006/relationships" r:blip="">
+                      <dgm:adjLst/>
+                    </dgm:shape>
+                    <dgm:presOf/>
+                    <dgm:layoutNode name="horzSpace3">
+                      <dgm:alg type="sp"/>
+                      <dgm:shape xmlns:r="http://schemas.openxmlformats.org/officeDocument/2006/relationships" r:blip="">
+                        <dgm:adjLst/>
+                      </dgm:shape>
+                      <dgm:presOf/>
+                    </dgm:layoutNode>
+                    <dgm:layoutNode name="tx3" styleLbl="revTx">
+                      <dgm:alg type="tx">
+                        <dgm:param type="parTxLTRAlign" val="l"/>
+                        <dgm:param type="parTxRTLAlign" val="r"/>
+                        <dgm:param type="txAnchorVert" val="t"/>
+                      </dgm:alg>
+                      <dgm:shape xmlns:r="http://schemas.openxmlformats.org/officeDocument/2006/relationships" type="rect" r:blip="">
+                        <dgm:adjLst/>
+                      </dgm:shape>
+                      <dgm:presOf axis="self"/>
+                      <dgm:constrLst>
+                        <dgm:constr type="tMarg" refType="primFontSz" fact="0.3"/>
+                        <dgm:constr type="bMarg" refType="primFontSz" fact="0.3"/>
+                        <dgm:constr type="lMarg" refType="primFontSz" fact="0.3"/>
+                        <dgm:constr type="rMarg" refType="primFontSz" fact="0.3"/>
+                      </dgm:constrLst>
+                      <dgm:ruleLst>
+                        <dgm:rule type="primFontSz" val="5" fact="NaN" max="NaN"/>
+                      </dgm:ruleLst>
+                    </dgm:layoutNode>
+                    <dgm:layoutNode name="vert3">
+                      <dgm:choose name="Name30">
+                        <dgm:if name="Name31" func="var" arg="dir" op="equ" val="norm">
+                          <dgm:alg type="lin">
+                            <dgm:param type="linDir" val="fromT"/>
+                            <dgm:param type="nodeHorzAlign" val="l"/>
+                          </dgm:alg>
+                        </dgm:if>
+                        <dgm:else name="Name32">
+                          <dgm:alg type="lin">
+                            <dgm:param type="linDir" val="fromT"/>
+                            <dgm:param type="nodeHorzAlign" val="r"/>
+                          </dgm:alg>
+                        </dgm:else>
+                      </dgm:choose>
+                      <dgm:shape xmlns:r="http://schemas.openxmlformats.org/officeDocument/2006/relationships" r:blip="">
+                        <dgm:adjLst/>
+                      </dgm:shape>
+                      <dgm:presOf/>
+                      <dgm:forEach name="Name33" axis="ch" ptType="node">
+                        <dgm:layoutNode name="horz4">
+                          <dgm:choose name="Name34">
+                            <dgm:if name="Name35" func="var" arg="dir" op="equ" val="norm">
+                              <dgm:alg type="lin">
+                                <dgm:param type="linDir" val="fromL"/>
+                                <dgm:param type="nodeVertAlign" val="t"/>
+                              </dgm:alg>
+                            </dgm:if>
+                            <dgm:else name="Name36">
+                              <dgm:alg type="lin">
+                                <dgm:param type="linDir" val="fromR"/>
+                                <dgm:param type="nodeVertAlign" val="t"/>
+                              </dgm:alg>
+                            </dgm:else>
+                          </dgm:choose>
+                          <dgm:shape xmlns:r="http://schemas.openxmlformats.org/officeDocument/2006/relationships" r:blip="">
+                            <dgm:adjLst/>
+                          </dgm:shape>
+                          <dgm:presOf/>
+                          <dgm:layoutNode name="horzSpace4">
+                            <dgm:alg type="sp"/>
+                            <dgm:shape xmlns:r="http://schemas.openxmlformats.org/officeDocument/2006/relationships" r:blip="">
+                              <dgm:adjLst/>
+                            </dgm:shape>
+                            <dgm:presOf/>
+                          </dgm:layoutNode>
+                          <dgm:layoutNode name="tx4" styleLbl="revTx">
+                            <dgm:varLst>
+                              <dgm:bulletEnabled val="1"/>
+                            </dgm:varLst>
+                            <dgm:alg type="tx">
+                              <dgm:param type="parTxLTRAlign" val="l"/>
+                              <dgm:param type="parTxRTLAlign" val="r"/>
+                              <dgm:param type="txAnchorVert" val="t"/>
+                            </dgm:alg>
+                            <dgm:shape xmlns:r="http://schemas.openxmlformats.org/officeDocument/2006/relationships" type="rect" r:blip="">
+                              <dgm:adjLst/>
+                            </dgm:shape>
+                            <dgm:presOf axis="desOrSelf" ptType="node"/>
+                            <dgm:constrLst>
+                              <dgm:constr type="tMarg" refType="primFontSz" fact="0.3"/>
+                              <dgm:constr type="bMarg" refType="primFontSz" fact="0.3"/>
+                              <dgm:constr type="lMarg" refType="primFontSz" fact="0.3"/>
+                              <dgm:constr type="rMarg" refType="primFontSz" fact="0.3"/>
+                            </dgm:constrLst>
+                            <dgm:ruleLst>
+                              <dgm:rule type="primFontSz" val="5" fact="NaN" max="NaN"/>
+                            </dgm:ruleLst>
+                          </dgm:layoutNode>
+                        </dgm:layoutNode>
+                      </dgm:forEach>
+                    </dgm:layoutNode>
+                  </dgm:layoutNode>
+                  <dgm:forEach name="Name37" axis="followSib" ptType="sibTrans" cnt="1">
+                    <dgm:layoutNode name="thinLine3" styleLbl="callout">
+                      <dgm:alg type="sp"/>
+                      <dgm:shape xmlns:r="http://schemas.openxmlformats.org/officeDocument/2006/relationships" type="line" r:blip="">
+                        <dgm:adjLst/>
+                      </dgm:shape>
+                      <dgm:presOf/>
+                    </dgm:layoutNode>
+                  </dgm:forEach>
+                </dgm:forEach>
+              </dgm:layoutNode>
+            </dgm:layoutNode>
+            <dgm:layoutNode name="thinLine2b" styleLbl="callout">
+              <dgm:alg type="sp"/>
+              <dgm:shape xmlns:r="http://schemas.openxmlformats.org/officeDocument/2006/relationships" type="line" r:blip="">
+                <dgm:adjLst/>
+              </dgm:shape>
+              <dgm:presOf/>
+            </dgm:layoutNode>
+            <dgm:layoutNode name="vertSpace2b">
+              <dgm:alg type="sp"/>
+              <dgm:shape xmlns:r="http://schemas.openxmlformats.org/officeDocument/2006/relationships" r:blip="">
+                <dgm:adjLst/>
+              </dgm:shape>
+              <dgm:presOf/>
+            </dgm:layoutNode>
+          </dgm:forEach>
+        </dgm:layoutNode>
+      </dgm:layoutNode>
+    </dgm:forEach>
+  </dgm:layoutNode>
+</dgm:layoutDef>
+</file>
+
 <file path=ppt/diagrams/quickStyle1.xml><?xml version="1.0" encoding="utf-8"?>
 <dgm:styleDef xmlns:dgm="http://schemas.openxmlformats.org/drawingml/2006/diagram" xmlns:a="http://schemas.openxmlformats.org/drawingml/2006/main" uniqueId="urn:microsoft.com/office/officeart/2005/8/quickstyle/simple1">
   <dgm:title val=""/>
@@ -5127,6 +6938,1040 @@
 </file>
 
 <file path=ppt/diagrams/quickStyle2.xml><?xml version="1.0" encoding="utf-8"?>
+<dgm:styleDef xmlns:dgm="http://schemas.openxmlformats.org/drawingml/2006/diagram" xmlns:a="http://schemas.openxmlformats.org/drawingml/2006/main" uniqueId="urn:microsoft.com/office/officeart/2005/8/quickstyle/simple1">
+  <dgm:title val=""/>
+  <dgm:desc val=""/>
+  <dgm:catLst>
+    <dgm:cat type="simple" pri="10100"/>
+  </dgm:catLst>
+  <dgm:scene3d>
+    <a:camera prst="orthographicFront"/>
+    <a:lightRig rig="threePt" dir="t"/>
+  </dgm:scene3d>
+  <dgm:styleLbl name="node0">
+    <dgm:scene3d>
+      <a:camera prst="orthographicFront"/>
+      <a:lightRig rig="threePt" dir="t"/>
+    </dgm:scene3d>
+    <dgm:sp3d/>
+    <dgm:txPr/>
+    <dgm:style>
+      <a:lnRef idx="2">
+        <a:scrgbClr r="0" g="0" b="0"/>
+      </a:lnRef>
+      <a:fillRef idx="1">
+        <a:scrgbClr r="0" g="0" b="0"/>
+      </a:fillRef>
+      <a:effectRef idx="0">
+        <a:scrgbClr r="0" g="0" b="0"/>
+      </a:effectRef>
+      <a:fontRef idx="minor">
+        <a:schemeClr val="lt1"/>
+      </a:fontRef>
+    </dgm:style>
+  </dgm:styleLbl>
+  <dgm:styleLbl name="lnNode1">
+    <dgm:scene3d>
+      <a:camera prst="orthographicFront"/>
+      <a:lightRig rig="threePt" dir="t"/>
+    </dgm:scene3d>
+    <dgm:sp3d/>
+    <dgm:txPr/>
+    <dgm:style>
+      <a:lnRef idx="2">
+        <a:scrgbClr r="0" g="0" b="0"/>
+      </a:lnRef>
+      <a:fillRef idx="1">
+        <a:scrgbClr r="0" g="0" b="0"/>
+      </a:fillRef>
+      <a:effectRef idx="0">
+        <a:scrgbClr r="0" g="0" b="0"/>
+      </a:effectRef>
+      <a:fontRef idx="minor">
+        <a:schemeClr val="lt1"/>
+      </a:fontRef>
+    </dgm:style>
+  </dgm:styleLbl>
+  <dgm:styleLbl name="vennNode1">
+    <dgm:scene3d>
+      <a:camera prst="orthographicFront"/>
+      <a:lightRig rig="threePt" dir="t"/>
+    </dgm:scene3d>
+    <dgm:sp3d/>
+    <dgm:txPr/>
+    <dgm:style>
+      <a:lnRef idx="2">
+        <a:scrgbClr r="0" g="0" b="0"/>
+      </a:lnRef>
+      <a:fillRef idx="1">
+        <a:scrgbClr r="0" g="0" b="0"/>
+      </a:fillRef>
+      <a:effectRef idx="0">
+        <a:scrgbClr r="0" g="0" b="0"/>
+      </a:effectRef>
+      <a:fontRef idx="minor">
+        <a:schemeClr val="tx1"/>
+      </a:fontRef>
+    </dgm:style>
+  </dgm:styleLbl>
+  <dgm:styleLbl name="alignNode1">
+    <dgm:scene3d>
+      <a:camera prst="orthographicFront"/>
+      <a:lightRig rig="threePt" dir="t"/>
+    </dgm:scene3d>
+    <dgm:sp3d/>
+    <dgm:txPr/>
+    <dgm:style>
+      <a:lnRef idx="2">
+        <a:scrgbClr r="0" g="0" b="0"/>
+      </a:lnRef>
+      <a:fillRef idx="1">
+        <a:scrgbClr r="0" g="0" b="0"/>
+      </a:fillRef>
+      <a:effectRef idx="0">
+        <a:scrgbClr r="0" g="0" b="0"/>
+      </a:effectRef>
+      <a:fontRef idx="minor">
+        <a:schemeClr val="lt1"/>
+      </a:fontRef>
+    </dgm:style>
+  </dgm:styleLbl>
+  <dgm:styleLbl name="node1">
+    <dgm:scene3d>
+      <a:camera prst="orthographicFront"/>
+      <a:lightRig rig="threePt" dir="t"/>
+    </dgm:scene3d>
+    <dgm:sp3d/>
+    <dgm:txPr/>
+    <dgm:style>
+      <a:lnRef idx="2">
+        <a:scrgbClr r="0" g="0" b="0"/>
+      </a:lnRef>
+      <a:fillRef idx="1">
+        <a:scrgbClr r="0" g="0" b="0"/>
+      </a:fillRef>
+      <a:effectRef idx="0">
+        <a:scrgbClr r="0" g="0" b="0"/>
+      </a:effectRef>
+      <a:fontRef idx="minor">
+        <a:schemeClr val="lt1"/>
+      </a:fontRef>
+    </dgm:style>
+  </dgm:styleLbl>
+  <dgm:styleLbl name="node2">
+    <dgm:scene3d>
+      <a:camera prst="orthographicFront"/>
+      <a:lightRig rig="threePt" dir="t"/>
+    </dgm:scene3d>
+    <dgm:sp3d/>
+    <dgm:txPr/>
+    <dgm:style>
+      <a:lnRef idx="2">
+        <a:scrgbClr r="0" g="0" b="0"/>
+      </a:lnRef>
+      <a:fillRef idx="1">
+        <a:scrgbClr r="0" g="0" b="0"/>
+      </a:fillRef>
+      <a:effectRef idx="0">
+        <a:scrgbClr r="0" g="0" b="0"/>
+      </a:effectRef>
+      <a:fontRef idx="minor">
+        <a:schemeClr val="lt1"/>
+      </a:fontRef>
+    </dgm:style>
+  </dgm:styleLbl>
+  <dgm:styleLbl name="node3">
+    <dgm:scene3d>
+      <a:camera prst="orthographicFront"/>
+      <a:lightRig rig="threePt" dir="t"/>
+    </dgm:scene3d>
+    <dgm:sp3d/>
+    <dgm:txPr/>
+    <dgm:style>
+      <a:lnRef idx="2">
+        <a:scrgbClr r="0" g="0" b="0"/>
+      </a:lnRef>
+      <a:fillRef idx="1">
+        <a:scrgbClr r="0" g="0" b="0"/>
+      </a:fillRef>
+      <a:effectRef idx="0">
+        <a:scrgbClr r="0" g="0" b="0"/>
+      </a:effectRef>
+      <a:fontRef idx="minor">
+        <a:schemeClr val="lt1"/>
+      </a:fontRef>
+    </dgm:style>
+  </dgm:styleLbl>
+  <dgm:styleLbl name="node4">
+    <dgm:scene3d>
+      <a:camera prst="orthographicFront"/>
+      <a:lightRig rig="threePt" dir="t"/>
+    </dgm:scene3d>
+    <dgm:sp3d/>
+    <dgm:txPr/>
+    <dgm:style>
+      <a:lnRef idx="2">
+        <a:scrgbClr r="0" g="0" b="0"/>
+      </a:lnRef>
+      <a:fillRef idx="1">
+        <a:scrgbClr r="0" g="0" b="0"/>
+      </a:fillRef>
+      <a:effectRef idx="0">
+        <a:scrgbClr r="0" g="0" b="0"/>
+      </a:effectRef>
+      <a:fontRef idx="minor">
+        <a:schemeClr val="lt1"/>
+      </a:fontRef>
+    </dgm:style>
+  </dgm:styleLbl>
+  <dgm:styleLbl name="fgImgPlace1">
+    <dgm:scene3d>
+      <a:camera prst="orthographicFront"/>
+      <a:lightRig rig="threePt" dir="t"/>
+    </dgm:scene3d>
+    <dgm:sp3d/>
+    <dgm:txPr/>
+    <dgm:style>
+      <a:lnRef idx="2">
+        <a:scrgbClr r="0" g="0" b="0"/>
+      </a:lnRef>
+      <a:fillRef idx="1">
+        <a:scrgbClr r="0" g="0" b="0"/>
+      </a:fillRef>
+      <a:effectRef idx="0">
+        <a:scrgbClr r="0" g="0" b="0"/>
+      </a:effectRef>
+      <a:fontRef idx="minor"/>
+    </dgm:style>
+  </dgm:styleLbl>
+  <dgm:styleLbl name="alignImgPlace1">
+    <dgm:scene3d>
+      <a:camera prst="orthographicFront"/>
+      <a:lightRig rig="threePt" dir="t"/>
+    </dgm:scene3d>
+    <dgm:sp3d/>
+    <dgm:txPr/>
+    <dgm:style>
+      <a:lnRef idx="2">
+        <a:scrgbClr r="0" g="0" b="0"/>
+      </a:lnRef>
+      <a:fillRef idx="1">
+        <a:scrgbClr r="0" g="0" b="0"/>
+      </a:fillRef>
+      <a:effectRef idx="0">
+        <a:scrgbClr r="0" g="0" b="0"/>
+      </a:effectRef>
+      <a:fontRef idx="minor"/>
+    </dgm:style>
+  </dgm:styleLbl>
+  <dgm:styleLbl name="bgImgPlace1">
+    <dgm:scene3d>
+      <a:camera prst="orthographicFront"/>
+      <a:lightRig rig="threePt" dir="t"/>
+    </dgm:scene3d>
+    <dgm:sp3d/>
+    <dgm:txPr/>
+    <dgm:style>
+      <a:lnRef idx="2">
+        <a:scrgbClr r="0" g="0" b="0"/>
+      </a:lnRef>
+      <a:fillRef idx="1">
+        <a:scrgbClr r="0" g="0" b="0"/>
+      </a:fillRef>
+      <a:effectRef idx="0">
+        <a:scrgbClr r="0" g="0" b="0"/>
+      </a:effectRef>
+      <a:fontRef idx="minor"/>
+    </dgm:style>
+  </dgm:styleLbl>
+  <dgm:styleLbl name="sibTrans2D1">
+    <dgm:scene3d>
+      <a:camera prst="orthographicFront"/>
+      <a:lightRig rig="threePt" dir="t"/>
+    </dgm:scene3d>
+    <dgm:sp3d/>
+    <dgm:txPr/>
+    <dgm:style>
+      <a:lnRef idx="0">
+        <a:scrgbClr r="0" g="0" b="0"/>
+      </a:lnRef>
+      <a:fillRef idx="1">
+        <a:scrgbClr r="0" g="0" b="0"/>
+      </a:fillRef>
+      <a:effectRef idx="0">
+        <a:scrgbClr r="0" g="0" b="0"/>
+      </a:effectRef>
+      <a:fontRef idx="minor">
+        <a:schemeClr val="lt1"/>
+      </a:fontRef>
+    </dgm:style>
+  </dgm:styleLbl>
+  <dgm:styleLbl name="fgSibTrans2D1">
+    <dgm:scene3d>
+      <a:camera prst="orthographicFront"/>
+      <a:lightRig rig="threePt" dir="t"/>
+    </dgm:scene3d>
+    <dgm:sp3d/>
+    <dgm:txPr/>
+    <dgm:style>
+      <a:lnRef idx="0">
+        <a:scrgbClr r="0" g="0" b="0"/>
+      </a:lnRef>
+      <a:fillRef idx="1">
+        <a:scrgbClr r="0" g="0" b="0"/>
+      </a:fillRef>
+      <a:effectRef idx="0">
+        <a:scrgbClr r="0" g="0" b="0"/>
+      </a:effectRef>
+      <a:fontRef idx="minor">
+        <a:schemeClr val="lt1"/>
+      </a:fontRef>
+    </dgm:style>
+  </dgm:styleLbl>
+  <dgm:styleLbl name="bgSibTrans2D1">
+    <dgm:scene3d>
+      <a:camera prst="orthographicFront"/>
+      <a:lightRig rig="threePt" dir="t"/>
+    </dgm:scene3d>
+    <dgm:sp3d/>
+    <dgm:txPr/>
+    <dgm:style>
+      <a:lnRef idx="0">
+        <a:scrgbClr r="0" g="0" b="0"/>
+      </a:lnRef>
+      <a:fillRef idx="1">
+        <a:scrgbClr r="0" g="0" b="0"/>
+      </a:fillRef>
+      <a:effectRef idx="0">
+        <a:scrgbClr r="0" g="0" b="0"/>
+      </a:effectRef>
+      <a:fontRef idx="minor">
+        <a:schemeClr val="lt1"/>
+      </a:fontRef>
+    </dgm:style>
+  </dgm:styleLbl>
+  <dgm:styleLbl name="sibTrans1D1">
+    <dgm:scene3d>
+      <a:camera prst="orthographicFront"/>
+      <a:lightRig rig="threePt" dir="t"/>
+    </dgm:scene3d>
+    <dgm:sp3d/>
+    <dgm:txPr/>
+    <dgm:style>
+      <a:lnRef idx="1">
+        <a:scrgbClr r="0" g="0" b="0"/>
+      </a:lnRef>
+      <a:fillRef idx="0">
+        <a:scrgbClr r="0" g="0" b="0"/>
+      </a:fillRef>
+      <a:effectRef idx="0">
+        <a:scrgbClr r="0" g="0" b="0"/>
+      </a:effectRef>
+      <a:fontRef idx="minor"/>
+    </dgm:style>
+  </dgm:styleLbl>
+  <dgm:styleLbl name="callout">
+    <dgm:scene3d>
+      <a:camera prst="orthographicFront"/>
+      <a:lightRig rig="threePt" dir="t"/>
+    </dgm:scene3d>
+    <dgm:sp3d/>
+    <dgm:txPr/>
+    <dgm:style>
+      <a:lnRef idx="2">
+        <a:scrgbClr r="0" g="0" b="0"/>
+      </a:lnRef>
+      <a:fillRef idx="1">
+        <a:scrgbClr r="0" g="0" b="0"/>
+      </a:fillRef>
+      <a:effectRef idx="0">
+        <a:scrgbClr r="0" g="0" b="0"/>
+      </a:effectRef>
+      <a:fontRef idx="minor"/>
+    </dgm:style>
+  </dgm:styleLbl>
+  <dgm:styleLbl name="asst0">
+    <dgm:scene3d>
+      <a:camera prst="orthographicFront"/>
+      <a:lightRig rig="threePt" dir="t"/>
+    </dgm:scene3d>
+    <dgm:sp3d/>
+    <dgm:txPr/>
+    <dgm:style>
+      <a:lnRef idx="2">
+        <a:scrgbClr r="0" g="0" b="0"/>
+      </a:lnRef>
+      <a:fillRef idx="1">
+        <a:scrgbClr r="0" g="0" b="0"/>
+      </a:fillRef>
+      <a:effectRef idx="0">
+        <a:scrgbClr r="0" g="0" b="0"/>
+      </a:effectRef>
+      <a:fontRef idx="minor">
+        <a:schemeClr val="lt1"/>
+      </a:fontRef>
+    </dgm:style>
+  </dgm:styleLbl>
+  <dgm:styleLbl name="asst1">
+    <dgm:scene3d>
+      <a:camera prst="orthographicFront"/>
+      <a:lightRig rig="threePt" dir="t"/>
+    </dgm:scene3d>
+    <dgm:sp3d/>
+    <dgm:txPr/>
+    <dgm:style>
+      <a:lnRef idx="2">
+        <a:scrgbClr r="0" g="0" b="0"/>
+      </a:lnRef>
+      <a:fillRef idx="1">
+        <a:scrgbClr r="0" g="0" b="0"/>
+      </a:fillRef>
+      <a:effectRef idx="0">
+        <a:scrgbClr r="0" g="0" b="0"/>
+      </a:effectRef>
+      <a:fontRef idx="minor">
+        <a:schemeClr val="lt1"/>
+      </a:fontRef>
+    </dgm:style>
+  </dgm:styleLbl>
+  <dgm:styleLbl name="asst2">
+    <dgm:scene3d>
+      <a:camera prst="orthographicFront"/>
+      <a:lightRig rig="threePt" dir="t"/>
+    </dgm:scene3d>
+    <dgm:sp3d/>
+    <dgm:txPr/>
+    <dgm:style>
+      <a:lnRef idx="2">
+        <a:scrgbClr r="0" g="0" b="0"/>
+      </a:lnRef>
+      <a:fillRef idx="1">
+        <a:scrgbClr r="0" g="0" b="0"/>
+      </a:fillRef>
+      <a:effectRef idx="0">
+        <a:scrgbClr r="0" g="0" b="0"/>
+      </a:effectRef>
+      <a:fontRef idx="minor">
+        <a:schemeClr val="lt1"/>
+      </a:fontRef>
+    </dgm:style>
+  </dgm:styleLbl>
+  <dgm:styleLbl name="asst3">
+    <dgm:scene3d>
+      <a:camera prst="orthographicFront"/>
+      <a:lightRig rig="threePt" dir="t"/>
+    </dgm:scene3d>
+    <dgm:sp3d/>
+    <dgm:txPr/>
+    <dgm:style>
+      <a:lnRef idx="2">
+        <a:scrgbClr r="0" g="0" b="0"/>
+      </a:lnRef>
+      <a:fillRef idx="1">
+        <a:scrgbClr r="0" g="0" b="0"/>
+      </a:fillRef>
+      <a:effectRef idx="0">
+        <a:scrgbClr r="0" g="0" b="0"/>
+      </a:effectRef>
+      <a:fontRef idx="minor">
+        <a:schemeClr val="lt1"/>
+      </a:fontRef>
+    </dgm:style>
+  </dgm:styleLbl>
+  <dgm:styleLbl name="asst4">
+    <dgm:scene3d>
+      <a:camera prst="orthographicFront"/>
+      <a:lightRig rig="threePt" dir="t"/>
+    </dgm:scene3d>
+    <dgm:sp3d/>
+    <dgm:txPr/>
+    <dgm:style>
+      <a:lnRef idx="2">
+        <a:scrgbClr r="0" g="0" b="0"/>
+      </a:lnRef>
+      <a:fillRef idx="1">
+        <a:scrgbClr r="0" g="0" b="0"/>
+      </a:fillRef>
+      <a:effectRef idx="0">
+        <a:scrgbClr r="0" g="0" b="0"/>
+      </a:effectRef>
+      <a:fontRef idx="minor">
+        <a:schemeClr val="lt1"/>
+      </a:fontRef>
+    </dgm:style>
+  </dgm:styleLbl>
+  <dgm:styleLbl name="parChTrans2D1">
+    <dgm:scene3d>
+      <a:camera prst="orthographicFront"/>
+      <a:lightRig rig="threePt" dir="t"/>
+    </dgm:scene3d>
+    <dgm:sp3d/>
+    <dgm:txPr/>
+    <dgm:style>
+      <a:lnRef idx="2">
+        <a:scrgbClr r="0" g="0" b="0"/>
+      </a:lnRef>
+      <a:fillRef idx="1">
+        <a:scrgbClr r="0" g="0" b="0"/>
+      </a:fillRef>
+      <a:effectRef idx="0">
+        <a:scrgbClr r="0" g="0" b="0"/>
+      </a:effectRef>
+      <a:fontRef idx="minor">
+        <a:schemeClr val="lt1"/>
+      </a:fontRef>
+    </dgm:style>
+  </dgm:styleLbl>
+  <dgm:styleLbl name="parChTrans2D2">
+    <dgm:scene3d>
+      <a:camera prst="orthographicFront"/>
+      <a:lightRig rig="threePt" dir="t"/>
+    </dgm:scene3d>
+    <dgm:sp3d/>
+    <dgm:txPr/>
+    <dgm:style>
+      <a:lnRef idx="2">
+        <a:scrgbClr r="0" g="0" b="0"/>
+      </a:lnRef>
+      <a:fillRef idx="1">
+        <a:scrgbClr r="0" g="0" b="0"/>
+      </a:fillRef>
+      <a:effectRef idx="0">
+        <a:scrgbClr r="0" g="0" b="0"/>
+      </a:effectRef>
+      <a:fontRef idx="minor">
+        <a:schemeClr val="lt1"/>
+      </a:fontRef>
+    </dgm:style>
+  </dgm:styleLbl>
+  <dgm:styleLbl name="parChTrans2D3">
+    <dgm:scene3d>
+      <a:camera prst="orthographicFront"/>
+      <a:lightRig rig="threePt" dir="t"/>
+    </dgm:scene3d>
+    <dgm:sp3d/>
+    <dgm:txPr/>
+    <dgm:style>
+      <a:lnRef idx="2">
+        <a:scrgbClr r="0" g="0" b="0"/>
+      </a:lnRef>
+      <a:fillRef idx="1">
+        <a:scrgbClr r="0" g="0" b="0"/>
+      </a:fillRef>
+      <a:effectRef idx="0">
+        <a:scrgbClr r="0" g="0" b="0"/>
+      </a:effectRef>
+      <a:fontRef idx="minor">
+        <a:schemeClr val="lt1"/>
+      </a:fontRef>
+    </dgm:style>
+  </dgm:styleLbl>
+  <dgm:styleLbl name="parChTrans2D4">
+    <dgm:scene3d>
+      <a:camera prst="orthographicFront"/>
+      <a:lightRig rig="threePt" dir="t"/>
+    </dgm:scene3d>
+    <dgm:sp3d/>
+    <dgm:txPr/>
+    <dgm:style>
+      <a:lnRef idx="2">
+        <a:scrgbClr r="0" g="0" b="0"/>
+      </a:lnRef>
+      <a:fillRef idx="1">
+        <a:scrgbClr r="0" g="0" b="0"/>
+      </a:fillRef>
+      <a:effectRef idx="0">
+        <a:scrgbClr r="0" g="0" b="0"/>
+      </a:effectRef>
+      <a:fontRef idx="minor">
+        <a:schemeClr val="lt1"/>
+      </a:fontRef>
+    </dgm:style>
+  </dgm:styleLbl>
+  <dgm:styleLbl name="parChTrans1D1">
+    <dgm:scene3d>
+      <a:camera prst="orthographicFront"/>
+      <a:lightRig rig="threePt" dir="t"/>
+    </dgm:scene3d>
+    <dgm:sp3d/>
+    <dgm:txPr/>
+    <dgm:style>
+      <a:lnRef idx="2">
+        <a:scrgbClr r="0" g="0" b="0"/>
+      </a:lnRef>
+      <a:fillRef idx="0">
+        <a:scrgbClr r="0" g="0" b="0"/>
+      </a:fillRef>
+      <a:effectRef idx="0">
+        <a:scrgbClr r="0" g="0" b="0"/>
+      </a:effectRef>
+      <a:fontRef idx="minor"/>
+    </dgm:style>
+  </dgm:styleLbl>
+  <dgm:styleLbl name="parChTrans1D2">
+    <dgm:scene3d>
+      <a:camera prst="orthographicFront"/>
+      <a:lightRig rig="threePt" dir="t"/>
+    </dgm:scene3d>
+    <dgm:sp3d/>
+    <dgm:txPr/>
+    <dgm:style>
+      <a:lnRef idx="2">
+        <a:scrgbClr r="0" g="0" b="0"/>
+      </a:lnRef>
+      <a:fillRef idx="0">
+        <a:scrgbClr r="0" g="0" b="0"/>
+      </a:fillRef>
+      <a:effectRef idx="0">
+        <a:scrgbClr r="0" g="0" b="0"/>
+      </a:effectRef>
+      <a:fontRef idx="minor"/>
+    </dgm:style>
+  </dgm:styleLbl>
+  <dgm:styleLbl name="parChTrans1D3">
+    <dgm:scene3d>
+      <a:camera prst="orthographicFront"/>
+      <a:lightRig rig="threePt" dir="t"/>
+    </dgm:scene3d>
+    <dgm:sp3d/>
+    <dgm:txPr/>
+    <dgm:style>
+      <a:lnRef idx="2">
+        <a:scrgbClr r="0" g="0" b="0"/>
+      </a:lnRef>
+      <a:fillRef idx="0">
+        <a:scrgbClr r="0" g="0" b="0"/>
+      </a:fillRef>
+      <a:effectRef idx="0">
+        <a:scrgbClr r="0" g="0" b="0"/>
+      </a:effectRef>
+      <a:fontRef idx="minor"/>
+    </dgm:style>
+  </dgm:styleLbl>
+  <dgm:styleLbl name="parChTrans1D4">
+    <dgm:scene3d>
+      <a:camera prst="orthographicFront"/>
+      <a:lightRig rig="threePt" dir="t"/>
+    </dgm:scene3d>
+    <dgm:sp3d/>
+    <dgm:txPr/>
+    <dgm:style>
+      <a:lnRef idx="2">
+        <a:scrgbClr r="0" g="0" b="0"/>
+      </a:lnRef>
+      <a:fillRef idx="0">
+        <a:scrgbClr r="0" g="0" b="0"/>
+      </a:fillRef>
+      <a:effectRef idx="0">
+        <a:scrgbClr r="0" g="0" b="0"/>
+      </a:effectRef>
+      <a:fontRef idx="minor"/>
+    </dgm:style>
+  </dgm:styleLbl>
+  <dgm:styleLbl name="fgAcc1">
+    <dgm:scene3d>
+      <a:camera prst="orthographicFront"/>
+      <a:lightRig rig="threePt" dir="t"/>
+    </dgm:scene3d>
+    <dgm:sp3d/>
+    <dgm:txPr/>
+    <dgm:style>
+      <a:lnRef idx="2">
+        <a:scrgbClr r="0" g="0" b="0"/>
+      </a:lnRef>
+      <a:fillRef idx="1">
+        <a:scrgbClr r="0" g="0" b="0"/>
+      </a:fillRef>
+      <a:effectRef idx="0">
+        <a:scrgbClr r="0" g="0" b="0"/>
+      </a:effectRef>
+      <a:fontRef idx="minor"/>
+    </dgm:style>
+  </dgm:styleLbl>
+  <dgm:styleLbl name="conFgAcc1">
+    <dgm:scene3d>
+      <a:camera prst="orthographicFront"/>
+      <a:lightRig rig="threePt" dir="t"/>
+    </dgm:scene3d>
+    <dgm:sp3d/>
+    <dgm:txPr/>
+    <dgm:style>
+      <a:lnRef idx="2">
+        <a:scrgbClr r="0" g="0" b="0"/>
+      </a:lnRef>
+      <a:fillRef idx="1">
+        <a:scrgbClr r="0" g="0" b="0"/>
+      </a:fillRef>
+      <a:effectRef idx="0">
+        <a:scrgbClr r="0" g="0" b="0"/>
+      </a:effectRef>
+      <a:fontRef idx="minor"/>
+    </dgm:style>
+  </dgm:styleLbl>
+  <dgm:styleLbl name="alignAcc1">
+    <dgm:scene3d>
+      <a:camera prst="orthographicFront"/>
+      <a:lightRig rig="threePt" dir="t"/>
+    </dgm:scene3d>
+    <dgm:sp3d/>
+    <dgm:txPr/>
+    <dgm:style>
+      <a:lnRef idx="2">
+        <a:scrgbClr r="0" g="0" b="0"/>
+      </a:lnRef>
+      <a:fillRef idx="1">
+        <a:scrgbClr r="0" g="0" b="0"/>
+      </a:fillRef>
+      <a:effectRef idx="0">
+        <a:scrgbClr r="0" g="0" b="0"/>
+      </a:effectRef>
+      <a:fontRef idx="minor"/>
+    </dgm:style>
+  </dgm:styleLbl>
+  <dgm:styleLbl name="trAlignAcc1">
+    <dgm:scene3d>
+      <a:camera prst="orthographicFront"/>
+      <a:lightRig rig="threePt" dir="t"/>
+    </dgm:scene3d>
+    <dgm:sp3d/>
+    <dgm:txPr/>
+    <dgm:style>
+      <a:lnRef idx="1">
+        <a:scrgbClr r="0" g="0" b="0"/>
+      </a:lnRef>
+      <a:fillRef idx="1">
+        <a:scrgbClr r="0" g="0" b="0"/>
+      </a:fillRef>
+      <a:effectRef idx="0">
+        <a:scrgbClr r="0" g="0" b="0"/>
+      </a:effectRef>
+      <a:fontRef idx="minor"/>
+    </dgm:style>
+  </dgm:styleLbl>
+  <dgm:styleLbl name="bgAcc1">
+    <dgm:scene3d>
+      <a:camera prst="orthographicFront"/>
+      <a:lightRig rig="threePt" dir="t"/>
+    </dgm:scene3d>
+    <dgm:sp3d/>
+    <dgm:txPr/>
+    <dgm:style>
+      <a:lnRef idx="2">
+        <a:scrgbClr r="0" g="0" b="0"/>
+      </a:lnRef>
+      <a:fillRef idx="1">
+        <a:scrgbClr r="0" g="0" b="0"/>
+      </a:fillRef>
+      <a:effectRef idx="0">
+        <a:scrgbClr r="0" g="0" b="0"/>
+      </a:effectRef>
+      <a:fontRef idx="minor"/>
+    </dgm:style>
+  </dgm:styleLbl>
+  <dgm:styleLbl name="solidFgAcc1">
+    <dgm:scene3d>
+      <a:camera prst="orthographicFront"/>
+      <a:lightRig rig="threePt" dir="t"/>
+    </dgm:scene3d>
+    <dgm:sp3d/>
+    <dgm:txPr/>
+    <dgm:style>
+      <a:lnRef idx="2">
+        <a:scrgbClr r="0" g="0" b="0"/>
+      </a:lnRef>
+      <a:fillRef idx="1">
+        <a:scrgbClr r="0" g="0" b="0"/>
+      </a:fillRef>
+      <a:effectRef idx="0">
+        <a:scrgbClr r="0" g="0" b="0"/>
+      </a:effectRef>
+      <a:fontRef idx="minor"/>
+    </dgm:style>
+  </dgm:styleLbl>
+  <dgm:styleLbl name="solidAlignAcc1">
+    <dgm:scene3d>
+      <a:camera prst="orthographicFront"/>
+      <a:lightRig rig="threePt" dir="t"/>
+    </dgm:scene3d>
+    <dgm:sp3d/>
+    <dgm:txPr/>
+    <dgm:style>
+      <a:lnRef idx="2">
+        <a:scrgbClr r="0" g="0" b="0"/>
+      </a:lnRef>
+      <a:fillRef idx="1">
+        <a:scrgbClr r="0" g="0" b="0"/>
+      </a:fillRef>
+      <a:effectRef idx="0">
+        <a:scrgbClr r="0" g="0" b="0"/>
+      </a:effectRef>
+      <a:fontRef idx="minor"/>
+    </dgm:style>
+  </dgm:styleLbl>
+  <dgm:styleLbl name="solidBgAcc1">
+    <dgm:scene3d>
+      <a:camera prst="orthographicFront"/>
+      <a:lightRig rig="threePt" dir="t"/>
+    </dgm:scene3d>
+    <dgm:sp3d/>
+    <dgm:txPr/>
+    <dgm:style>
+      <a:lnRef idx="2">
+        <a:scrgbClr r="0" g="0" b="0"/>
+      </a:lnRef>
+      <a:fillRef idx="1">
+        <a:scrgbClr r="0" g="0" b="0"/>
+      </a:fillRef>
+      <a:effectRef idx="0">
+        <a:scrgbClr r="0" g="0" b="0"/>
+      </a:effectRef>
+      <a:fontRef idx="minor"/>
+    </dgm:style>
+  </dgm:styleLbl>
+  <dgm:styleLbl name="fgAccFollowNode1">
+    <dgm:scene3d>
+      <a:camera prst="orthographicFront"/>
+      <a:lightRig rig="threePt" dir="t"/>
+    </dgm:scene3d>
+    <dgm:sp3d/>
+    <dgm:txPr/>
+    <dgm:style>
+      <a:lnRef idx="2">
+        <a:scrgbClr r="0" g="0" b="0"/>
+      </a:lnRef>
+      <a:fillRef idx="1">
+        <a:scrgbClr r="0" g="0" b="0"/>
+      </a:fillRef>
+      <a:effectRef idx="0">
+        <a:scrgbClr r="0" g="0" b="0"/>
+      </a:effectRef>
+      <a:fontRef idx="minor"/>
+    </dgm:style>
+  </dgm:styleLbl>
+  <dgm:styleLbl name="alignAccFollowNode1">
+    <dgm:scene3d>
+      <a:camera prst="orthographicFront"/>
+      <a:lightRig rig="threePt" dir="t"/>
+    </dgm:scene3d>
+    <dgm:sp3d/>
+    <dgm:txPr/>
+    <dgm:style>
+      <a:lnRef idx="2">
+        <a:scrgbClr r="0" g="0" b="0"/>
+      </a:lnRef>
+      <a:fillRef idx="1">
+        <a:scrgbClr r="0" g="0" b="0"/>
+      </a:fillRef>
+      <a:effectRef idx="0">
+        <a:scrgbClr r="0" g="0" b="0"/>
+      </a:effectRef>
+      <a:fontRef idx="minor"/>
+    </dgm:style>
+  </dgm:styleLbl>
+  <dgm:styleLbl name="bgAccFollowNode1">
+    <dgm:scene3d>
+      <a:camera prst="orthographicFront"/>
+      <a:lightRig rig="threePt" dir="t"/>
+    </dgm:scene3d>
+    <dgm:sp3d/>
+    <dgm:txPr/>
+    <dgm:style>
+      <a:lnRef idx="2">
+        <a:scrgbClr r="0" g="0" b="0"/>
+      </a:lnRef>
+      <a:fillRef idx="1">
+        <a:scrgbClr r="0" g="0" b="0"/>
+      </a:fillRef>
+      <a:effectRef idx="0">
+        <a:scrgbClr r="0" g="0" b="0"/>
+      </a:effectRef>
+      <a:fontRef idx="minor"/>
+    </dgm:style>
+  </dgm:styleLbl>
+  <dgm:styleLbl name="fgAcc0">
+    <dgm:scene3d>
+      <a:camera prst="orthographicFront"/>
+      <a:lightRig rig="threePt" dir="t"/>
+    </dgm:scene3d>
+    <dgm:sp3d/>
+    <dgm:txPr/>
+    <dgm:style>
+      <a:lnRef idx="2">
+        <a:scrgbClr r="0" g="0" b="0"/>
+      </a:lnRef>
+      <a:fillRef idx="1">
+        <a:scrgbClr r="0" g="0" b="0"/>
+      </a:fillRef>
+      <a:effectRef idx="0">
+        <a:scrgbClr r="0" g="0" b="0"/>
+      </a:effectRef>
+      <a:fontRef idx="minor"/>
+    </dgm:style>
+  </dgm:styleLbl>
+  <dgm:styleLbl name="fgAcc2">
+    <dgm:scene3d>
+      <a:camera prst="orthographicFront"/>
+      <a:lightRig rig="threePt" dir="t"/>
+    </dgm:scene3d>
+    <dgm:sp3d/>
+    <dgm:txPr/>
+    <dgm:style>
+      <a:lnRef idx="2">
+        <a:scrgbClr r="0" g="0" b="0"/>
+      </a:lnRef>
+      <a:fillRef idx="1">
+        <a:scrgbClr r="0" g="0" b="0"/>
+      </a:fillRef>
+      <a:effectRef idx="0">
+        <a:scrgbClr r="0" g="0" b="0"/>
+      </a:effectRef>
+      <a:fontRef idx="minor"/>
+    </dgm:style>
+  </dgm:styleLbl>
+  <dgm:styleLbl name="fgAcc3">
+    <dgm:scene3d>
+      <a:camera prst="orthographicFront"/>
+      <a:lightRig rig="threePt" dir="t"/>
+    </dgm:scene3d>
+    <dgm:sp3d/>
+    <dgm:txPr/>
+    <dgm:style>
+      <a:lnRef idx="2">
+        <a:scrgbClr r="0" g="0" b="0"/>
+      </a:lnRef>
+      <a:fillRef idx="1">
+        <a:scrgbClr r="0" g="0" b="0"/>
+      </a:fillRef>
+      <a:effectRef idx="0">
+        <a:scrgbClr r="0" g="0" b="0"/>
+      </a:effectRef>
+      <a:fontRef idx="minor"/>
+    </dgm:style>
+  </dgm:styleLbl>
+  <dgm:styleLbl name="fgAcc4">
+    <dgm:scene3d>
+      <a:camera prst="orthographicFront"/>
+      <a:lightRig rig="threePt" dir="t"/>
+    </dgm:scene3d>
+    <dgm:sp3d/>
+    <dgm:txPr/>
+    <dgm:style>
+      <a:lnRef idx="2">
+        <a:scrgbClr r="0" g="0" b="0"/>
+      </a:lnRef>
+      <a:fillRef idx="1">
+        <a:scrgbClr r="0" g="0" b="0"/>
+      </a:fillRef>
+      <a:effectRef idx="0">
+        <a:scrgbClr r="0" g="0" b="0"/>
+      </a:effectRef>
+      <a:fontRef idx="minor"/>
+    </dgm:style>
+  </dgm:styleLbl>
+  <dgm:styleLbl name="bgShp">
+    <dgm:scene3d>
+      <a:camera prst="orthographicFront"/>
+      <a:lightRig rig="threePt" dir="t"/>
+    </dgm:scene3d>
+    <dgm:sp3d/>
+    <dgm:txPr/>
+    <dgm:style>
+      <a:lnRef idx="0">
+        <a:scrgbClr r="0" g="0" b="0"/>
+      </a:lnRef>
+      <a:fillRef idx="1">
+        <a:scrgbClr r="0" g="0" b="0"/>
+      </a:fillRef>
+      <a:effectRef idx="0">
+        <a:scrgbClr r="0" g="0" b="0"/>
+      </a:effectRef>
+      <a:fontRef idx="minor"/>
+    </dgm:style>
+  </dgm:styleLbl>
+  <dgm:styleLbl name="dkBgShp">
+    <dgm:scene3d>
+      <a:camera prst="orthographicFront"/>
+      <a:lightRig rig="threePt" dir="t"/>
+    </dgm:scene3d>
+    <dgm:sp3d/>
+    <dgm:txPr/>
+    <dgm:style>
+      <a:lnRef idx="0">
+        <a:scrgbClr r="0" g="0" b="0"/>
+      </a:lnRef>
+      <a:fillRef idx="1">
+        <a:scrgbClr r="0" g="0" b="0"/>
+      </a:fillRef>
+      <a:effectRef idx="0">
+        <a:scrgbClr r="0" g="0" b="0"/>
+      </a:effectRef>
+      <a:fontRef idx="minor"/>
+    </dgm:style>
+  </dgm:styleLbl>
+  <dgm:styleLbl name="trBgShp">
+    <dgm:scene3d>
+      <a:camera prst="orthographicFront"/>
+      <a:lightRig rig="threePt" dir="t"/>
+    </dgm:scene3d>
+    <dgm:sp3d/>
+    <dgm:txPr/>
+    <dgm:style>
+      <a:lnRef idx="0">
+        <a:scrgbClr r="0" g="0" b="0"/>
+      </a:lnRef>
+      <a:fillRef idx="1">
+        <a:scrgbClr r="0" g="0" b="0"/>
+      </a:fillRef>
+      <a:effectRef idx="0">
+        <a:scrgbClr r="0" g="0" b="0"/>
+      </a:effectRef>
+      <a:fontRef idx="minor"/>
+    </dgm:style>
+  </dgm:styleLbl>
+  <dgm:styleLbl name="fgShp">
+    <dgm:scene3d>
+      <a:camera prst="orthographicFront"/>
+      <a:lightRig rig="threePt" dir="t"/>
+    </dgm:scene3d>
+    <dgm:sp3d/>
+    <dgm:txPr/>
+    <dgm:style>
+      <a:lnRef idx="2">
+        <a:scrgbClr r="0" g="0" b="0"/>
+      </a:lnRef>
+      <a:fillRef idx="1">
+        <a:scrgbClr r="0" g="0" b="0"/>
+      </a:fillRef>
+      <a:effectRef idx="0">
+        <a:scrgbClr r="0" g="0" b="0"/>
+      </a:effectRef>
+      <a:fontRef idx="minor"/>
+    </dgm:style>
+  </dgm:styleLbl>
+  <dgm:styleLbl name="revTx">
+    <dgm:scene3d>
+      <a:camera prst="orthographicFront"/>
+      <a:lightRig rig="threePt" dir="t"/>
+    </dgm:scene3d>
+    <dgm:sp3d/>
+    <dgm:txPr/>
+    <dgm:style>
+      <a:lnRef idx="0">
+        <a:scrgbClr r="0" g="0" b="0"/>
+      </a:lnRef>
+      <a:fillRef idx="0">
+        <a:scrgbClr r="0" g="0" b="0"/>
+      </a:fillRef>
+      <a:effectRef idx="0">
+        <a:scrgbClr r="0" g="0" b="0"/>
+      </a:effectRef>
+      <a:fontRef idx="minor"/>
+    </dgm:style>
+  </dgm:styleLbl>
+</dgm:styleDef>
+</file>
+
+<file path=ppt/diagrams/quickStyle3.xml><?xml version="1.0" encoding="utf-8"?>
 <dgm:styleDef xmlns:dgm="http://schemas.openxmlformats.org/drawingml/2006/diagram" xmlns:a="http://schemas.openxmlformats.org/drawingml/2006/main" uniqueId="urn:microsoft.com/office/officeart/2005/8/quickstyle/simple1">
   <dgm:title val=""/>
   <dgm:desc val=""/>
@@ -6242,7 +9087,7 @@
           <a:p>
             <a:fld id="{5EA28068-AFBD-4979-B752-9EB6F90B1386}" type="datetimeFigureOut">
               <a:rPr lang="en-US" smtClean="0"/>
-              <a:t>9/15/2021</a:t>
+              <a:t>12/24/2021</a:t>
             </a:fld>
             <a:endParaRPr lang="en-US" dirty="0"/>
           </a:p>
@@ -6553,6 +9398,32 @@
           <a:bodyPr/>
           <a:lstStyle/>
           <a:p>
+            <a:r>
+              <a:rPr lang="en-GB" dirty="0"/>
+              <a:t>So OSINT itself is a set of steps which can be used by an attacker to gain information using public resources. OSINT can be done in two different approaches which can involve person based OSINT or organisational based OSINT. </a:t>
+            </a:r>
+          </a:p>
+          <a:p>
+            <a:endParaRPr lang="en-GB" dirty="0"/>
+          </a:p>
+          <a:p>
+            <a:r>
+              <a:rPr lang="en-GB" dirty="0"/>
+              <a:t>Person based OSINT is very up close and personal to a target. It involves gaining personal information on our target such as family members, place of work, home address, date of birth and any user accounts which they may have belonging to them. </a:t>
+            </a:r>
+          </a:p>
+          <a:p>
+            <a:endParaRPr lang="en-GB" dirty="0"/>
+          </a:p>
+          <a:p>
+            <a:r>
+              <a:rPr lang="en-GB" dirty="0"/>
+              <a:t>In our case, we will be focusing more on </a:t>
+            </a:r>
+            <a:r>
+              <a:rPr lang="en-GB"/>
+              <a:t>organisational based OSINT. </a:t>
+            </a:r>
             <a:endParaRPr lang="en-GB" dirty="0"/>
           </a:p>
         </p:txBody>
@@ -6584,6 +9455,174 @@
     <p:extLst>
       <p:ext uri="{BB962C8B-B14F-4D97-AF65-F5344CB8AC3E}">
         <p14:creationId xmlns:p14="http://schemas.microsoft.com/office/powerpoint/2010/main" val="1239750529"/>
+      </p:ext>
+    </p:extLst>
+  </p:cSld>
+  <p:clrMapOvr>
+    <a:masterClrMapping/>
+  </p:clrMapOvr>
+</p:notes>
+</file>
+
+<file path=ppt/notesSlides/notesSlide10.xml><?xml version="1.0" encoding="utf-8"?>
+<p:notes xmlns:a="http://schemas.openxmlformats.org/drawingml/2006/main" xmlns:r="http://schemas.openxmlformats.org/officeDocument/2006/relationships" xmlns:p="http://schemas.openxmlformats.org/presentationml/2006/main">
+  <p:cSld>
+    <p:spTree>
+      <p:nvGrpSpPr>
+        <p:cNvPr id="1" name=""/>
+        <p:cNvGrpSpPr/>
+        <p:nvPr/>
+      </p:nvGrpSpPr>
+      <p:grpSpPr>
+        <a:xfrm>
+          <a:off x="0" y="0"/>
+          <a:ext cx="0" cy="0"/>
+          <a:chOff x="0" y="0"/>
+          <a:chExt cx="0" cy="0"/>
+        </a:xfrm>
+      </p:grpSpPr>
+      <p:sp>
+        <p:nvSpPr>
+          <p:cNvPr id="2" name="Slide Image Placeholder 1"/>
+          <p:cNvSpPr>
+            <a:spLocks noGrp="1" noRot="1" noChangeAspect="1"/>
+          </p:cNvSpPr>
+          <p:nvPr>
+            <p:ph type="sldImg"/>
+          </p:nvPr>
+        </p:nvSpPr>
+        <p:spPr/>
+      </p:sp>
+      <p:sp>
+        <p:nvSpPr>
+          <p:cNvPr id="3" name="Notes Placeholder 2"/>
+          <p:cNvSpPr>
+            <a:spLocks noGrp="1"/>
+          </p:cNvSpPr>
+          <p:nvPr>
+            <p:ph type="body" idx="1"/>
+          </p:nvPr>
+        </p:nvSpPr>
+        <p:spPr/>
+        <p:txBody>
+          <a:bodyPr/>
+          <a:lstStyle/>
+          <a:p>
+            <a:endParaRPr lang="en-GB" dirty="0"/>
+          </a:p>
+        </p:txBody>
+      </p:sp>
+      <p:sp>
+        <p:nvSpPr>
+          <p:cNvPr id="4" name="Slide Number Placeholder 3"/>
+          <p:cNvSpPr>
+            <a:spLocks noGrp="1"/>
+          </p:cNvSpPr>
+          <p:nvPr>
+            <p:ph type="sldNum" sz="quarter" idx="5"/>
+          </p:nvPr>
+        </p:nvSpPr>
+        <p:spPr/>
+        <p:txBody>
+          <a:bodyPr/>
+          <a:lstStyle/>
+          <a:p>
+            <a:fld id="{D5939589-3E79-4C82-AA4A-FE78234FAA59}" type="slidenum">
+              <a:rPr lang="en-US" smtClean="0"/>
+              <a:t>16</a:t>
+            </a:fld>
+            <a:endParaRPr lang="en-US" dirty="0"/>
+          </a:p>
+        </p:txBody>
+      </p:sp>
+    </p:spTree>
+    <p:extLst>
+      <p:ext uri="{BB962C8B-B14F-4D97-AF65-F5344CB8AC3E}">
+        <p14:creationId xmlns:p14="http://schemas.microsoft.com/office/powerpoint/2010/main" val="3188341112"/>
+      </p:ext>
+    </p:extLst>
+  </p:cSld>
+  <p:clrMapOvr>
+    <a:masterClrMapping/>
+  </p:clrMapOvr>
+</p:notes>
+</file>
+
+<file path=ppt/notesSlides/notesSlide11.xml><?xml version="1.0" encoding="utf-8"?>
+<p:notes xmlns:a="http://schemas.openxmlformats.org/drawingml/2006/main" xmlns:r="http://schemas.openxmlformats.org/officeDocument/2006/relationships" xmlns:p="http://schemas.openxmlformats.org/presentationml/2006/main">
+  <p:cSld>
+    <p:spTree>
+      <p:nvGrpSpPr>
+        <p:cNvPr id="1" name=""/>
+        <p:cNvGrpSpPr/>
+        <p:nvPr/>
+      </p:nvGrpSpPr>
+      <p:grpSpPr>
+        <a:xfrm>
+          <a:off x="0" y="0"/>
+          <a:ext cx="0" cy="0"/>
+          <a:chOff x="0" y="0"/>
+          <a:chExt cx="0" cy="0"/>
+        </a:xfrm>
+      </p:grpSpPr>
+      <p:sp>
+        <p:nvSpPr>
+          <p:cNvPr id="2" name="Slide Image Placeholder 1"/>
+          <p:cNvSpPr>
+            <a:spLocks noGrp="1" noRot="1" noChangeAspect="1"/>
+          </p:cNvSpPr>
+          <p:nvPr>
+            <p:ph type="sldImg"/>
+          </p:nvPr>
+        </p:nvSpPr>
+        <p:spPr/>
+      </p:sp>
+      <p:sp>
+        <p:nvSpPr>
+          <p:cNvPr id="3" name="Notes Placeholder 2"/>
+          <p:cNvSpPr>
+            <a:spLocks noGrp="1"/>
+          </p:cNvSpPr>
+          <p:nvPr>
+            <p:ph type="body" idx="1"/>
+          </p:nvPr>
+        </p:nvSpPr>
+        <p:spPr/>
+        <p:txBody>
+          <a:bodyPr/>
+          <a:lstStyle/>
+          <a:p>
+            <a:endParaRPr lang="en-GB" dirty="0"/>
+          </a:p>
+        </p:txBody>
+      </p:sp>
+      <p:sp>
+        <p:nvSpPr>
+          <p:cNvPr id="4" name="Slide Number Placeholder 3"/>
+          <p:cNvSpPr>
+            <a:spLocks noGrp="1"/>
+          </p:cNvSpPr>
+          <p:nvPr>
+            <p:ph type="sldNum" sz="quarter" idx="5"/>
+          </p:nvPr>
+        </p:nvSpPr>
+        <p:spPr/>
+        <p:txBody>
+          <a:bodyPr/>
+          <a:lstStyle/>
+          <a:p>
+            <a:fld id="{D5939589-3E79-4C82-AA4A-FE78234FAA59}" type="slidenum">
+              <a:rPr lang="en-US" smtClean="0"/>
+              <a:t>17</a:t>
+            </a:fld>
+            <a:endParaRPr lang="en-US" dirty="0"/>
+          </a:p>
+        </p:txBody>
+      </p:sp>
+    </p:spTree>
+    <p:extLst>
+      <p:ext uri="{BB962C8B-B14F-4D97-AF65-F5344CB8AC3E}">
+        <p14:creationId xmlns:p14="http://schemas.microsoft.com/office/powerpoint/2010/main" val="709474206"/>
       </p:ext>
     </p:extLst>
   </p:cSld>
@@ -6665,15 +9704,7 @@
             </a:r>
             <a:r>
               <a:rPr lang="en-GB" dirty="0"/>
-              <a:t>. </a:t>
-            </a:r>
-            <a:r>
-              <a:rPr lang="en-GB" dirty="0" err="1"/>
-              <a:t>Netcraft</a:t>
-            </a:r>
-            <a:r>
-              <a:rPr lang="en-GB" dirty="0"/>
-              <a:t> can act as a worthy source of information when conducting passive reconnaissance. </a:t>
+              <a:t>. Netcraft can act as a worthy source of information when conducting passive reconnaissance. </a:t>
             </a:r>
             <a:r>
               <a:rPr lang="en-GB" dirty="0" err="1"/>
@@ -6894,7 +9925,19 @@
           <a:bodyPr/>
           <a:lstStyle/>
           <a:p>
+            <a:r>
+              <a:rPr lang="en-GB" dirty="0"/>
+              <a:t>Next I want to introduce a site hosted from Czech Republic known as phonebook.cz</a:t>
+            </a:r>
+          </a:p>
+          <a:p>
             <a:endParaRPr lang="en-GB" dirty="0"/>
+          </a:p>
+          <a:p>
+            <a:r>
+              <a:rPr lang="en-GB" dirty="0"/>
+              <a:t>This site is able to scrape many more emails out of the internet in comparison to theHarvester. This is a tested fact from comparing results with theHarvester and phonebook.cz against employees belonging to target organisation.</a:t>
+            </a:r>
           </a:p>
         </p:txBody>
       </p:sp>
@@ -6915,7 +9958,7 @@
           <a:p>
             <a:fld id="{D5939589-3E79-4C82-AA4A-FE78234FAA59}" type="slidenum">
               <a:rPr lang="en-US" smtClean="0"/>
-              <a:t>8</a:t>
+              <a:t>7</a:t>
             </a:fld>
             <a:endParaRPr lang="en-US" dirty="0"/>
           </a:p>
@@ -6924,7 +9967,7 @@
     </p:spTree>
     <p:extLst>
       <p:ext uri="{BB962C8B-B14F-4D97-AF65-F5344CB8AC3E}">
-        <p14:creationId xmlns:p14="http://schemas.microsoft.com/office/powerpoint/2010/main" val="1788875555"/>
+        <p14:creationId xmlns:p14="http://schemas.microsoft.com/office/powerpoint/2010/main" val="1742607627"/>
       </p:ext>
     </p:extLst>
   </p:cSld>
@@ -6978,7 +10021,10 @@
           <a:bodyPr/>
           <a:lstStyle/>
           <a:p>
-            <a:endParaRPr lang="en-GB" dirty="0"/>
+            <a:r>
+              <a:rPr lang="en-GB" dirty="0"/>
+              <a:t>Moving onto BGP ASNs and conducting host based enumeration using Netcraft.</a:t>
+            </a:r>
           </a:p>
         </p:txBody>
       </p:sp>
@@ -6999,7 +10045,7 @@
           <a:p>
             <a:fld id="{D5939589-3E79-4C82-AA4A-FE78234FAA59}" type="slidenum">
               <a:rPr lang="en-US" smtClean="0"/>
-              <a:t>10</a:t>
+              <a:t>8</a:t>
             </a:fld>
             <a:endParaRPr lang="en-US" dirty="0"/>
           </a:p>
@@ -7008,7 +10054,7 @@
     </p:spTree>
     <p:extLst>
       <p:ext uri="{BB962C8B-B14F-4D97-AF65-F5344CB8AC3E}">
-        <p14:creationId xmlns:p14="http://schemas.microsoft.com/office/powerpoint/2010/main" val="3234950384"/>
+        <p14:creationId xmlns:p14="http://schemas.microsoft.com/office/powerpoint/2010/main" val="3119140532"/>
       </p:ext>
     </p:extLst>
   </p:cSld>
@@ -7062,7 +10108,10 @@
           <a:bodyPr/>
           <a:lstStyle/>
           <a:p>
-            <a:endParaRPr lang="en-GB" dirty="0"/>
+            <a:r>
+              <a:rPr lang="en-GB" dirty="0"/>
+              <a:t>Netcraft is a domain reporting site which can be helpful to report information on target domains such as hosting history which involves OS type, installed services and validity of the domain. </a:t>
+            </a:r>
           </a:p>
         </p:txBody>
       </p:sp>
@@ -7083,7 +10132,7 @@
           <a:p>
             <a:fld id="{D5939589-3E79-4C82-AA4A-FE78234FAA59}" type="slidenum">
               <a:rPr lang="en-US" smtClean="0"/>
-              <a:t>12</a:t>
+              <a:t>9</a:t>
             </a:fld>
             <a:endParaRPr lang="en-US" dirty="0"/>
           </a:p>
@@ -7092,7 +10141,7 @@
     </p:spTree>
     <p:extLst>
       <p:ext uri="{BB962C8B-B14F-4D97-AF65-F5344CB8AC3E}">
-        <p14:creationId xmlns:p14="http://schemas.microsoft.com/office/powerpoint/2010/main" val="3009140250"/>
+        <p14:creationId xmlns:p14="http://schemas.microsoft.com/office/powerpoint/2010/main" val="1788875555"/>
       </p:ext>
     </p:extLst>
   </p:cSld>
@@ -7167,7 +10216,7 @@
           <a:p>
             <a:fld id="{D5939589-3E79-4C82-AA4A-FE78234FAA59}" type="slidenum">
               <a:rPr lang="en-US" smtClean="0"/>
-              <a:t>14</a:t>
+              <a:t>11</a:t>
             </a:fld>
             <a:endParaRPr lang="en-US" dirty="0"/>
           </a:p>
@@ -7176,7 +10225,7 @@
     </p:spTree>
     <p:extLst>
       <p:ext uri="{BB962C8B-B14F-4D97-AF65-F5344CB8AC3E}">
-        <p14:creationId xmlns:p14="http://schemas.microsoft.com/office/powerpoint/2010/main" val="434272337"/>
+        <p14:creationId xmlns:p14="http://schemas.microsoft.com/office/powerpoint/2010/main" val="3234950384"/>
       </p:ext>
     </p:extLst>
   </p:cSld>
@@ -7251,7 +10300,7 @@
           <a:p>
             <a:fld id="{D5939589-3E79-4C82-AA4A-FE78234FAA59}" type="slidenum">
               <a:rPr lang="en-US" smtClean="0"/>
-              <a:t>15</a:t>
+              <a:t>13</a:t>
             </a:fld>
             <a:endParaRPr lang="en-US" dirty="0"/>
           </a:p>
@@ -7260,7 +10309,7 @@
     </p:spTree>
     <p:extLst>
       <p:ext uri="{BB962C8B-B14F-4D97-AF65-F5344CB8AC3E}">
-        <p14:creationId xmlns:p14="http://schemas.microsoft.com/office/powerpoint/2010/main" val="3188341112"/>
+        <p14:creationId xmlns:p14="http://schemas.microsoft.com/office/powerpoint/2010/main" val="3009140250"/>
       </p:ext>
     </p:extLst>
   </p:cSld>
@@ -7314,7 +10363,26 @@
           <a:bodyPr/>
           <a:lstStyle/>
           <a:p>
-            <a:endParaRPr lang="en-GB" dirty="0"/>
+            <a:r>
+              <a:rPr lang="en-GB" dirty="0"/>
+              <a:t>Next I will be talking about </a:t>
+            </a:r>
+            <a:r>
+              <a:rPr lang="en-GB" dirty="0" err="1"/>
+              <a:t>BreachDirectory</a:t>
+            </a:r>
+            <a:r>
+              <a:rPr lang="en-GB" dirty="0"/>
+              <a:t> which is an API available on the internet for free.  </a:t>
+            </a:r>
+            <a:r>
+              <a:rPr lang="en-GB" dirty="0" err="1"/>
+              <a:t>BreachDirectory</a:t>
+            </a:r>
+            <a:r>
+              <a:rPr lang="en-GB" dirty="0"/>
+              <a:t> is an API which I have used in previous OSINT engagements which resulted in finding a lot of passwords on target emails. We can use this same API against target organisation email addresses to see if we can score any breached credentials and attempt initial access to the </a:t>
+            </a:r>
           </a:p>
         </p:txBody>
       </p:sp>
@@ -7335,7 +10403,7 @@
           <a:p>
             <a:fld id="{D5939589-3E79-4C82-AA4A-FE78234FAA59}" type="slidenum">
               <a:rPr lang="en-US" smtClean="0"/>
-              <a:t>16</a:t>
+              <a:t>15</a:t>
             </a:fld>
             <a:endParaRPr lang="en-US" dirty="0"/>
           </a:p>
@@ -7344,7 +10412,7 @@
     </p:spTree>
     <p:extLst>
       <p:ext uri="{BB962C8B-B14F-4D97-AF65-F5344CB8AC3E}">
-        <p14:creationId xmlns:p14="http://schemas.microsoft.com/office/powerpoint/2010/main" val="709474206"/>
+        <p14:creationId xmlns:p14="http://schemas.microsoft.com/office/powerpoint/2010/main" val="434272337"/>
       </p:ext>
     </p:extLst>
   </p:cSld>
@@ -18401,6 +21469,309 @@
 <file path=ppt/slides/slide10.xml><?xml version="1.0" encoding="utf-8"?>
 <p:sld xmlns:a="http://schemas.openxmlformats.org/drawingml/2006/main" xmlns:r="http://schemas.openxmlformats.org/officeDocument/2006/relationships" xmlns:p="http://schemas.openxmlformats.org/presentationml/2006/main">
   <p:cSld>
+    <p:spTree>
+      <p:nvGrpSpPr>
+        <p:cNvPr id="1" name=""/>
+        <p:cNvGrpSpPr/>
+        <p:nvPr/>
+      </p:nvGrpSpPr>
+      <p:grpSpPr>
+        <a:xfrm>
+          <a:off x="0" y="0"/>
+          <a:ext cx="0" cy="0"/>
+          <a:chOff x="0" y="0"/>
+          <a:chExt cx="0" cy="0"/>
+        </a:xfrm>
+      </p:grpSpPr>
+      <p:sp>
+        <p:nvSpPr>
+          <p:cNvPr id="2" name="Title 1">
+            <a:extLst>
+              <a:ext uri="{FF2B5EF4-FFF2-40B4-BE49-F238E27FC236}">
+                <a16:creationId xmlns:a16="http://schemas.microsoft.com/office/drawing/2014/main" id="{C5F2FB0B-15EC-453B-BC9B-69AD35DDCEA3}"/>
+              </a:ext>
+            </a:extLst>
+          </p:cNvPr>
+          <p:cNvSpPr>
+            <a:spLocks noGrp="1"/>
+          </p:cNvSpPr>
+          <p:nvPr>
+            <p:ph type="ctrTitle"/>
+          </p:nvPr>
+        </p:nvSpPr>
+        <p:spPr/>
+        <p:txBody>
+          <a:bodyPr/>
+          <a:lstStyle/>
+          <a:p>
+            <a:r>
+              <a:rPr lang="en-US" b="1" cap="all" spc="400" dirty="0">
+                <a:solidFill>
+                  <a:schemeClr val="bg1"/>
+                </a:solidFill>
+                <a:latin typeface="Arial" panose="020B0604020202020204" pitchFamily="34" charset="0"/>
+                <a:cs typeface="Arial" panose="020B0604020202020204" pitchFamily="34" charset="0"/>
+              </a:rPr>
+              <a:t>Topic three</a:t>
+            </a:r>
+            <a:endParaRPr lang="en-US" dirty="0">
+              <a:latin typeface="Arial" panose="020B0604020202020204" pitchFamily="34" charset="0"/>
+              <a:cs typeface="Arial" panose="020B0604020202020204" pitchFamily="34" charset="0"/>
+            </a:endParaRPr>
+          </a:p>
+        </p:txBody>
+      </p:sp>
+      <p:sp>
+        <p:nvSpPr>
+          <p:cNvPr id="3" name="Subtitle 2">
+            <a:extLst>
+              <a:ext uri="{FF2B5EF4-FFF2-40B4-BE49-F238E27FC236}">
+                <a16:creationId xmlns:a16="http://schemas.microsoft.com/office/drawing/2014/main" id="{05408798-0DB3-46BF-880E-7BB904D700F6}"/>
+              </a:ext>
+            </a:extLst>
+          </p:cNvPr>
+          <p:cNvSpPr>
+            <a:spLocks noGrp="1"/>
+          </p:cNvSpPr>
+          <p:nvPr>
+            <p:ph type="subTitle" idx="1"/>
+          </p:nvPr>
+        </p:nvSpPr>
+        <p:spPr/>
+        <p:txBody>
+          <a:bodyPr>
+            <a:normAutofit/>
+          </a:bodyPr>
+          <a:lstStyle/>
+          <a:p>
+            <a:r>
+              <a:rPr lang="en-US" sz="3200" b="1" dirty="0">
+                <a:latin typeface="Arial" panose="020B0604020202020204" pitchFamily="34" charset="0"/>
+                <a:cs typeface="Arial" panose="020B0604020202020204" pitchFamily="34" charset="0"/>
+              </a:rPr>
+              <a:t>Internet Archiving with The Wayback Machine</a:t>
+            </a:r>
+          </a:p>
+        </p:txBody>
+      </p:sp>
+    </p:spTree>
+    <p:extLst>
+      <p:ext uri="{BB962C8B-B14F-4D97-AF65-F5344CB8AC3E}">
+        <p14:creationId xmlns:p14="http://schemas.microsoft.com/office/powerpoint/2010/main" val="3328529195"/>
+      </p:ext>
+    </p:extLst>
+  </p:cSld>
+  <p:clrMapOvr>
+    <a:masterClrMapping/>
+  </p:clrMapOvr>
+  <p:timing>
+    <p:tnLst>
+      <p:par>
+        <p:cTn id="1" dur="indefinite" restart="never" nodeType="tmRoot">
+          <p:childTnLst>
+            <p:seq concurrent="1" nextAc="seek">
+              <p:cTn id="2" dur="indefinite" nodeType="mainSeq">
+                <p:childTnLst>
+                  <p:par>
+                    <p:cTn id="3" fill="hold">
+                      <p:stCondLst>
+                        <p:cond delay="indefinite"/>
+                      </p:stCondLst>
+                      <p:childTnLst>
+                        <p:par>
+                          <p:cTn id="4" fill="hold">
+                            <p:stCondLst>
+                              <p:cond delay="0"/>
+                            </p:stCondLst>
+                            <p:childTnLst>
+                              <p:par>
+                                <p:cTn id="5" presetID="10" presetClass="entr" presetSubtype="0" fill="hold" grpId="0" nodeType="clickEffect">
+                                  <p:stCondLst>
+                                    <p:cond delay="0"/>
+                                  </p:stCondLst>
+                                  <p:childTnLst>
+                                    <p:set>
+                                      <p:cBhvr>
+                                        <p:cTn id="6" dur="1" fill="hold">
+                                          <p:stCondLst>
+                                            <p:cond delay="0"/>
+                                          </p:stCondLst>
+                                        </p:cTn>
+                                        <p:tgtEl>
+                                          <p:spTgt spid="2"/>
+                                        </p:tgtEl>
+                                        <p:attrNameLst>
+                                          <p:attrName>style.visibility</p:attrName>
+                                        </p:attrNameLst>
+                                      </p:cBhvr>
+                                      <p:to>
+                                        <p:strVal val="visible"/>
+                                      </p:to>
+                                    </p:set>
+                                    <p:animEffect transition="in" filter="fade">
+                                      <p:cBhvr>
+                                        <p:cTn id="7" dur="500"/>
+                                        <p:tgtEl>
+                                          <p:spTgt spid="2"/>
+                                        </p:tgtEl>
+                                      </p:cBhvr>
+                                    </p:animEffect>
+                                  </p:childTnLst>
+                                </p:cTn>
+                              </p:par>
+                            </p:childTnLst>
+                          </p:cTn>
+                        </p:par>
+                      </p:childTnLst>
+                    </p:cTn>
+                  </p:par>
+                  <p:par>
+                    <p:cTn id="8" fill="hold">
+                      <p:stCondLst>
+                        <p:cond delay="indefinite"/>
+                      </p:stCondLst>
+                      <p:childTnLst>
+                        <p:par>
+                          <p:cTn id="9" fill="hold">
+                            <p:stCondLst>
+                              <p:cond delay="0"/>
+                            </p:stCondLst>
+                            <p:childTnLst>
+                              <p:par>
+                                <p:cTn id="10" presetID="42" presetClass="entr" presetSubtype="0" fill="hold" grpId="0" nodeType="clickEffect">
+                                  <p:stCondLst>
+                                    <p:cond delay="0"/>
+                                  </p:stCondLst>
+                                  <p:childTnLst>
+                                    <p:set>
+                                      <p:cBhvr>
+                                        <p:cTn id="11" dur="1" fill="hold">
+                                          <p:stCondLst>
+                                            <p:cond delay="0"/>
+                                          </p:stCondLst>
+                                        </p:cTn>
+                                        <p:tgtEl>
+                                          <p:spTgt spid="3">
+                                            <p:txEl>
+                                              <p:pRg st="0" end="0"/>
+                                            </p:txEl>
+                                          </p:spTgt>
+                                        </p:tgtEl>
+                                        <p:attrNameLst>
+                                          <p:attrName>style.visibility</p:attrName>
+                                        </p:attrNameLst>
+                                      </p:cBhvr>
+                                      <p:to>
+                                        <p:strVal val="visible"/>
+                                      </p:to>
+                                    </p:set>
+                                    <p:animEffect transition="in" filter="fade">
+                                      <p:cBhvr>
+                                        <p:cTn id="12" dur="1000"/>
+                                        <p:tgtEl>
+                                          <p:spTgt spid="3">
+                                            <p:txEl>
+                                              <p:pRg st="0" end="0"/>
+                                            </p:txEl>
+                                          </p:spTgt>
+                                        </p:tgtEl>
+                                      </p:cBhvr>
+                                    </p:animEffect>
+                                    <p:anim calcmode="lin" valueType="num">
+                                      <p:cBhvr>
+                                        <p:cTn id="13" dur="1000" fill="hold"/>
+                                        <p:tgtEl>
+                                          <p:spTgt spid="3">
+                                            <p:txEl>
+                                              <p:pRg st="0" end="0"/>
+                                            </p:txEl>
+                                          </p:spTgt>
+                                        </p:tgtEl>
+                                        <p:attrNameLst>
+                                          <p:attrName>ppt_x</p:attrName>
+                                        </p:attrNameLst>
+                                      </p:cBhvr>
+                                      <p:tavLst>
+                                        <p:tav tm="0">
+                                          <p:val>
+                                            <p:strVal val="#ppt_x"/>
+                                          </p:val>
+                                        </p:tav>
+                                        <p:tav tm="100000">
+                                          <p:val>
+                                            <p:strVal val="#ppt_x"/>
+                                          </p:val>
+                                        </p:tav>
+                                      </p:tavLst>
+                                    </p:anim>
+                                    <p:anim calcmode="lin" valueType="num">
+                                      <p:cBhvr>
+                                        <p:cTn id="14" dur="1000" fill="hold"/>
+                                        <p:tgtEl>
+                                          <p:spTgt spid="3">
+                                            <p:txEl>
+                                              <p:pRg st="0" end="0"/>
+                                            </p:txEl>
+                                          </p:spTgt>
+                                        </p:tgtEl>
+                                        <p:attrNameLst>
+                                          <p:attrName>ppt_y</p:attrName>
+                                        </p:attrNameLst>
+                                      </p:cBhvr>
+                                      <p:tavLst>
+                                        <p:tav tm="0">
+                                          <p:val>
+                                            <p:strVal val="#ppt_y+.1"/>
+                                          </p:val>
+                                        </p:tav>
+                                        <p:tav tm="100000">
+                                          <p:val>
+                                            <p:strVal val="#ppt_y"/>
+                                          </p:val>
+                                        </p:tav>
+                                      </p:tavLst>
+                                    </p:anim>
+                                  </p:childTnLst>
+                                </p:cTn>
+                              </p:par>
+                            </p:childTnLst>
+                          </p:cTn>
+                        </p:par>
+                      </p:childTnLst>
+                    </p:cTn>
+                  </p:par>
+                </p:childTnLst>
+              </p:cTn>
+              <p:prevCondLst>
+                <p:cond evt="onPrev" delay="0">
+                  <p:tgtEl>
+                    <p:sldTgt/>
+                  </p:tgtEl>
+                </p:cond>
+              </p:prevCondLst>
+              <p:nextCondLst>
+                <p:cond evt="onNext" delay="0">
+                  <p:tgtEl>
+                    <p:sldTgt/>
+                  </p:tgtEl>
+                </p:cond>
+              </p:nextCondLst>
+            </p:seq>
+          </p:childTnLst>
+        </p:cTn>
+      </p:par>
+    </p:tnLst>
+    <p:bldLst>
+      <p:bldP spid="2" grpId="0"/>
+      <p:bldP spid="3" grpId="0" build="p"/>
+    </p:bldLst>
+  </p:timing>
+</p:sld>
+</file>
+
+<file path=ppt/slides/slide11.xml><?xml version="1.0" encoding="utf-8"?>
+<p:sld xmlns:a="http://schemas.openxmlformats.org/drawingml/2006/main" xmlns:r="http://schemas.openxmlformats.org/officeDocument/2006/relationships" xmlns:p="http://schemas.openxmlformats.org/presentationml/2006/main">
+  <p:cSld>
     <p:bg>
       <p:bgPr>
         <a:solidFill>
@@ -19338,7 +22709,7 @@
                   <a:spcPts val="600"/>
                 </a:spcAft>
               </a:pPr>
-              <a:t>10</a:t>
+              <a:t>11</a:t>
             </a:fld>
             <a:endParaRPr lang="en-US"/>
           </a:p>
@@ -19357,7 +22728,7 @@
 </p:sld>
 </file>
 
-<file path=ppt/slides/slide11.xml><?xml version="1.0" encoding="utf-8"?>
+<file path=ppt/slides/slide12.xml><?xml version="1.0" encoding="utf-8"?>
 <p:sld xmlns:a="http://schemas.openxmlformats.org/drawingml/2006/main" xmlns:r="http://schemas.openxmlformats.org/officeDocument/2006/relationships" xmlns:p="http://schemas.openxmlformats.org/presentationml/2006/main">
   <p:cSld>
     <p:spTree>
@@ -19660,7 +23031,7 @@
 </p:sld>
 </file>
 
-<file path=ppt/slides/slide12.xml><?xml version="1.0" encoding="utf-8"?>
+<file path=ppt/slides/slide13.xml><?xml version="1.0" encoding="utf-8"?>
 <p:sld xmlns:a="http://schemas.openxmlformats.org/drawingml/2006/main" xmlns:r="http://schemas.openxmlformats.org/officeDocument/2006/relationships" xmlns:p="http://schemas.openxmlformats.org/presentationml/2006/main">
   <p:cSld>
     <p:bg>
@@ -20555,7 +23926,7 @@
                   <a:spcPts val="600"/>
                 </a:spcAft>
               </a:pPr>
-              <a:t>12</a:t>
+              <a:t>13</a:t>
             </a:fld>
             <a:endParaRPr lang="en-US"/>
           </a:p>
@@ -20651,7 +24022,7 @@
 </p:sld>
 </file>
 
-<file path=ppt/slides/slide13.xml><?xml version="1.0" encoding="utf-8"?>
+<file path=ppt/slides/slide14.xml><?xml version="1.0" encoding="utf-8"?>
 <p:sld xmlns:a="http://schemas.openxmlformats.org/drawingml/2006/main" xmlns:r="http://schemas.openxmlformats.org/officeDocument/2006/relationships" xmlns:p="http://schemas.openxmlformats.org/presentationml/2006/main">
   <p:cSld>
     <p:spTree>
@@ -20952,7 +24323,7 @@
 </p:sld>
 </file>
 
-<file path=ppt/slides/slide14.xml><?xml version="1.0" encoding="utf-8"?>
+<file path=ppt/slides/slide15.xml><?xml version="1.0" encoding="utf-8"?>
 <p:sld xmlns:a="http://schemas.openxmlformats.org/drawingml/2006/main" xmlns:r="http://schemas.openxmlformats.org/officeDocument/2006/relationships" xmlns:p="http://schemas.openxmlformats.org/presentationml/2006/main">
   <p:cSld>
     <p:bg>
@@ -21884,7 +25255,7 @@
                   <a:spcPts val="600"/>
                 </a:spcAft>
               </a:pPr>
-              <a:t>14</a:t>
+              <a:t>15</a:t>
             </a:fld>
             <a:endParaRPr lang="en-US"/>
           </a:p>
@@ -21903,7 +25274,7 @@
 </p:sld>
 </file>
 
-<file path=ppt/slides/slide15.xml><?xml version="1.0" encoding="utf-8"?>
+<file path=ppt/slides/slide16.xml><?xml version="1.0" encoding="utf-8"?>
 <p:sld xmlns:a="http://schemas.openxmlformats.org/drawingml/2006/main" xmlns:r="http://schemas.openxmlformats.org/officeDocument/2006/relationships" xmlns:p="http://schemas.openxmlformats.org/presentationml/2006/main">
   <p:cSld>
     <p:bg>
@@ -22187,7 +25558,7 @@
                   <a:spcPts val="600"/>
                 </a:spcAft>
               </a:pPr>
-              <a:t>15</a:t>
+              <a:t>16</a:t>
             </a:fld>
             <a:endParaRPr lang="en-US">
               <a:solidFill>
@@ -22302,7 +25673,7 @@
 </p:sld>
 </file>
 
-<file path=ppt/slides/slide16.xml><?xml version="1.0" encoding="utf-8"?>
+<file path=ppt/slides/slide17.xml><?xml version="1.0" encoding="utf-8"?>
 <p:sld xmlns:a="http://schemas.openxmlformats.org/drawingml/2006/main" xmlns:r="http://schemas.openxmlformats.org/officeDocument/2006/relationships" xmlns:p="http://schemas.openxmlformats.org/presentationml/2006/main">
   <p:cSld>
     <p:bg>
@@ -23325,7 +26696,7 @@
                   <a:spcPts val="600"/>
                 </a:spcAft>
               </a:pPr>
-              <a:t>16</a:t>
+              <a:t>17</a:t>
             </a:fld>
             <a:endParaRPr lang="en-US">
               <a:solidFill>
@@ -23643,7 +27014,7 @@
                 <a:latin typeface="Arial" panose="020B0604020202020204" pitchFamily="34" charset="0"/>
                 <a:cs typeface="Arial" panose="020B0604020202020204" pitchFamily="34" charset="0"/>
               </a:rPr>
-              <a:t>Topic One: Email/Domain Harvesting with theHarvester</a:t>
+              <a:t>Topic One: Email/Domain Harvesting with theHarvester/Phonebook.cz</a:t>
             </a:r>
           </a:p>
           <a:p>
@@ -26816,6 +30187,1005 @@
 <file path=ppt/slides/slide7.xml><?xml version="1.0" encoding="utf-8"?>
 <p:sld xmlns:a="http://schemas.openxmlformats.org/drawingml/2006/main" xmlns:r="http://schemas.openxmlformats.org/officeDocument/2006/relationships" xmlns:p="http://schemas.openxmlformats.org/presentationml/2006/main">
   <p:cSld>
+    <p:bg>
+      <p:bgPr>
+        <a:solidFill>
+          <a:schemeClr val="bg1"/>
+        </a:solidFill>
+        <a:effectLst/>
+      </p:bgPr>
+    </p:bg>
+    <p:spTree>
+      <p:nvGrpSpPr>
+        <p:cNvPr id="1" name=""/>
+        <p:cNvGrpSpPr/>
+        <p:nvPr/>
+      </p:nvGrpSpPr>
+      <p:grpSpPr>
+        <a:xfrm>
+          <a:off x="0" y="0"/>
+          <a:ext cx="0" cy="0"/>
+          <a:chOff x="0" y="0"/>
+          <a:chExt cx="0" cy="0"/>
+        </a:xfrm>
+      </p:grpSpPr>
+      <p:cxnSp>
+        <p:nvCxnSpPr>
+          <p:cNvPr id="192" name="Straight Connector 191">
+            <a:extLst>
+              <a:ext uri="{FF2B5EF4-FFF2-40B4-BE49-F238E27FC236}">
+                <a16:creationId xmlns:a16="http://schemas.microsoft.com/office/drawing/2014/main" id="{5C05CAAB-DBA2-4548-AD5F-01BB97FBB207}"/>
+              </a:ext>
+              <a:ext uri="{C183D7F6-B498-43B3-948B-1728B52AA6E4}">
+                <adec:decorative xmlns:adec="http://schemas.microsoft.com/office/drawing/2017/decorative" val="1"/>
+              </a:ext>
+            </a:extLst>
+          </p:cNvPr>
+          <p:cNvCxnSpPr>
+            <a:cxnSpLocks noGrp="1" noRot="1" noChangeAspect="1" noMove="1" noResize="1" noEditPoints="1" noAdjustHandles="1" noChangeArrowheads="1" noChangeShapeType="1"/>
+          </p:cNvCxnSpPr>
+          <p:nvPr>
+            <p:extLst>
+              <p:ext uri="{386F3935-93C4-4BCD-93E2-E3B085C9AB24}">
+                <p16:designElem xmlns:p16="http://schemas.microsoft.com/office/powerpoint/2015/main" val="1"/>
+              </p:ext>
+            </p:extLst>
+          </p:nvPr>
+        </p:nvCxnSpPr>
+        <p:spPr>
+          <a:xfrm>
+            <a:off x="715890" y="356812"/>
+            <a:ext cx="0" cy="6492875"/>
+          </a:xfrm>
+          <a:prstGeom prst="line">
+            <a:avLst/>
+          </a:prstGeom>
+          <a:ln w="25400" cap="sq">
+            <a:gradFill flip="none" rotWithShape="1">
+              <a:gsLst>
+                <a:gs pos="0">
+                  <a:schemeClr val="accent2"/>
+                </a:gs>
+                <a:gs pos="100000">
+                  <a:schemeClr val="accent4"/>
+                </a:gs>
+              </a:gsLst>
+              <a:lin ang="16200000" scaled="1"/>
+              <a:tileRect/>
+            </a:gradFill>
+            <a:bevel/>
+          </a:ln>
+        </p:spPr>
+        <p:style>
+          <a:lnRef idx="1">
+            <a:schemeClr val="accent1"/>
+          </a:lnRef>
+          <a:fillRef idx="0">
+            <a:schemeClr val="accent1"/>
+          </a:fillRef>
+          <a:effectRef idx="0">
+            <a:schemeClr val="accent1"/>
+          </a:effectRef>
+          <a:fontRef idx="minor">
+            <a:schemeClr val="tx1"/>
+          </a:fontRef>
+        </p:style>
+      </p:cxnSp>
+      <p:sp useBgFill="1">
+        <p:nvSpPr>
+          <p:cNvPr id="193" name="Rectangle 192">
+            <a:extLst>
+              <a:ext uri="{FF2B5EF4-FFF2-40B4-BE49-F238E27FC236}">
+                <a16:creationId xmlns:a16="http://schemas.microsoft.com/office/drawing/2014/main" id="{8D1AA55E-40D5-461B-A5A8-4AE8AAB71B08}"/>
+              </a:ext>
+              <a:ext uri="{C183D7F6-B498-43B3-948B-1728B52AA6E4}">
+                <adec:decorative xmlns:adec="http://schemas.microsoft.com/office/drawing/2017/decorative" val="1"/>
+              </a:ext>
+            </a:extLst>
+          </p:cNvPr>
+          <p:cNvSpPr>
+            <a:spLocks noGrp="1" noRot="1" noChangeAspect="1" noMove="1" noResize="1" noEditPoints="1" noAdjustHandles="1" noChangeArrowheads="1" noChangeShapeType="1" noTextEdit="1"/>
+          </p:cNvSpPr>
+          <p:nvPr>
+            <p:extLst>
+              <p:ext uri="{386F3935-93C4-4BCD-93E2-E3B085C9AB24}">
+                <p16:designElem xmlns:p16="http://schemas.microsoft.com/office/powerpoint/2015/main" val="1"/>
+              </p:ext>
+            </p:extLst>
+          </p:nvPr>
+        </p:nvSpPr>
+        <p:spPr>
+          <a:xfrm>
+            <a:off x="0" y="0"/>
+            <a:ext cx="12192000" cy="6858000"/>
+          </a:xfrm>
+          <a:prstGeom prst="rect">
+            <a:avLst/>
+          </a:prstGeom>
+          <a:ln>
+            <a:noFill/>
+          </a:ln>
+        </p:spPr>
+        <p:style>
+          <a:lnRef idx="2">
+            <a:schemeClr val="accent1">
+              <a:shade val="50000"/>
+            </a:schemeClr>
+          </a:lnRef>
+          <a:fillRef idx="1">
+            <a:schemeClr val="accent1"/>
+          </a:fillRef>
+          <a:effectRef idx="0">
+            <a:schemeClr val="accent1"/>
+          </a:effectRef>
+          <a:fontRef idx="minor">
+            <a:schemeClr val="lt1"/>
+          </a:fontRef>
+        </p:style>
+        <p:txBody>
+          <a:bodyPr rtlCol="0" anchor="ctr"/>
+          <a:lstStyle/>
+          <a:p>
+            <a:pPr algn="ctr"/>
+            <a:endParaRPr lang="en-US"/>
+          </a:p>
+        </p:txBody>
+      </p:sp>
+      <p:sp>
+        <p:nvSpPr>
+          <p:cNvPr id="3" name="Title 2">
+            <a:extLst>
+              <a:ext uri="{FF2B5EF4-FFF2-40B4-BE49-F238E27FC236}">
+                <a16:creationId xmlns:a16="http://schemas.microsoft.com/office/drawing/2014/main" id="{0115FF41-AFA4-4D25-AB42-AB034F4B4FEC}"/>
+              </a:ext>
+            </a:extLst>
+          </p:cNvPr>
+          <p:cNvSpPr>
+            <a:spLocks noGrp="1"/>
+          </p:cNvSpPr>
+          <p:nvPr>
+            <p:ph type="title"/>
+          </p:nvPr>
+        </p:nvSpPr>
+        <p:spPr>
+          <a:xfrm>
+            <a:off x="838200" y="356812"/>
+            <a:ext cx="5399922" cy="1646517"/>
+          </a:xfrm>
+        </p:spPr>
+        <p:txBody>
+          <a:bodyPr vert="horz" lIns="91440" tIns="45720" rIns="91440" bIns="45720" rtlCol="0" anchor="t">
+            <a:noAutofit/>
+          </a:bodyPr>
+          <a:lstStyle/>
+          <a:p>
+            <a:pPr algn="ctr"/>
+            <a:r>
+              <a:rPr lang="en-US" sz="6000" b="1" dirty="0">
+                <a:latin typeface="Arial" panose="020B0604020202020204" pitchFamily="34" charset="0"/>
+                <a:cs typeface="Arial" panose="020B0604020202020204" pitchFamily="34" charset="0"/>
+              </a:rPr>
+              <a:t>Phonebook.cz</a:t>
+            </a:r>
+            <a:endParaRPr lang="en-US" sz="6000" b="1" kern="1200" dirty="0">
+              <a:solidFill>
+                <a:schemeClr val="tx1"/>
+              </a:solidFill>
+              <a:latin typeface="Arial" panose="020B0604020202020204" pitchFamily="34" charset="0"/>
+              <a:cs typeface="Arial" panose="020B0604020202020204" pitchFamily="34" charset="0"/>
+            </a:endParaRPr>
+          </a:p>
+        </p:txBody>
+      </p:sp>
+      <p:cxnSp>
+        <p:nvCxnSpPr>
+          <p:cNvPr id="194" name="Straight Connector 193">
+            <a:extLst>
+              <a:ext uri="{FF2B5EF4-FFF2-40B4-BE49-F238E27FC236}">
+                <a16:creationId xmlns:a16="http://schemas.microsoft.com/office/drawing/2014/main" id="{C49DA8F6-BCC1-4447-B54C-57856834B94B}"/>
+              </a:ext>
+              <a:ext uri="{C183D7F6-B498-43B3-948B-1728B52AA6E4}">
+                <adec:decorative xmlns:adec="http://schemas.microsoft.com/office/drawing/2017/decorative" val="1"/>
+              </a:ext>
+            </a:extLst>
+          </p:cNvPr>
+          <p:cNvCxnSpPr>
+            <a:cxnSpLocks noGrp="1" noRot="1" noChangeAspect="1" noMove="1" noResize="1" noEditPoints="1" noAdjustHandles="1" noChangeArrowheads="1" noChangeShapeType="1"/>
+          </p:cNvCxnSpPr>
+          <p:nvPr>
+            <p:extLst>
+              <p:ext uri="{386F3935-93C4-4BCD-93E2-E3B085C9AB24}">
+                <p16:designElem xmlns:p16="http://schemas.microsoft.com/office/powerpoint/2015/main" val="1"/>
+              </p:ext>
+            </p:extLst>
+          </p:nvPr>
+        </p:nvCxnSpPr>
+        <p:spPr>
+          <a:xfrm>
+            <a:off x="623622" y="373056"/>
+            <a:ext cx="0" cy="6476066"/>
+          </a:xfrm>
+          <a:prstGeom prst="line">
+            <a:avLst/>
+          </a:prstGeom>
+          <a:ln w="25400" cap="sq">
+            <a:gradFill flip="none" rotWithShape="1">
+              <a:gsLst>
+                <a:gs pos="0">
+                  <a:schemeClr val="accent2"/>
+                </a:gs>
+                <a:gs pos="100000">
+                  <a:schemeClr val="accent4"/>
+                </a:gs>
+              </a:gsLst>
+              <a:lin ang="16200000" scaled="1"/>
+              <a:tileRect/>
+            </a:gradFill>
+            <a:bevel/>
+          </a:ln>
+        </p:spPr>
+        <p:style>
+          <a:lnRef idx="1">
+            <a:schemeClr val="accent1"/>
+          </a:lnRef>
+          <a:fillRef idx="0">
+            <a:schemeClr val="accent1"/>
+          </a:fillRef>
+          <a:effectRef idx="0">
+            <a:schemeClr val="accent1"/>
+          </a:effectRef>
+          <a:fontRef idx="minor">
+            <a:schemeClr val="tx1"/>
+          </a:fontRef>
+        </p:style>
+      </p:cxnSp>
+      <p:sp>
+        <p:nvSpPr>
+          <p:cNvPr id="195" name="Graphic 11">
+            <a:extLst>
+              <a:ext uri="{FF2B5EF4-FFF2-40B4-BE49-F238E27FC236}">
+                <a16:creationId xmlns:a16="http://schemas.microsoft.com/office/drawing/2014/main" id="{6CB927A4-E432-4310-9CD5-E89FF5063179}"/>
+              </a:ext>
+              <a:ext uri="{C183D7F6-B498-43B3-948B-1728B52AA6E4}">
+                <adec:decorative xmlns:adec="http://schemas.microsoft.com/office/drawing/2017/decorative" val="1"/>
+              </a:ext>
+            </a:extLst>
+          </p:cNvPr>
+          <p:cNvSpPr>
+            <a:spLocks noGrp="1" noRot="1" noChangeAspect="1" noMove="1" noResize="1" noEditPoints="1" noAdjustHandles="1" noChangeArrowheads="1" noChangeShapeType="1" noTextEdit="1"/>
+          </p:cNvSpPr>
+          <p:nvPr>
+            <p:extLst>
+              <p:ext uri="{386F3935-93C4-4BCD-93E2-E3B085C9AB24}">
+                <p16:designElem xmlns:p16="http://schemas.microsoft.com/office/powerpoint/2015/main" val="1"/>
+              </p:ext>
+            </p:extLst>
+          </p:nvPr>
+        </p:nvSpPr>
+        <p:spPr>
+          <a:xfrm>
+            <a:off x="6125948" y="740316"/>
+            <a:ext cx="139039" cy="139039"/>
+          </a:xfrm>
+          <a:custGeom>
+            <a:avLst/>
+            <a:gdLst>
+              <a:gd name="connsiteX0" fmla="*/ 129602 w 139039"/>
+              <a:gd name="connsiteY0" fmla="*/ 60082 h 139039"/>
+              <a:gd name="connsiteX1" fmla="*/ 78957 w 139039"/>
+              <a:gd name="connsiteY1" fmla="*/ 60082 h 139039"/>
+              <a:gd name="connsiteX2" fmla="*/ 78957 w 139039"/>
+              <a:gd name="connsiteY2" fmla="*/ 9437 h 139039"/>
+              <a:gd name="connsiteX3" fmla="*/ 69520 w 139039"/>
+              <a:gd name="connsiteY3" fmla="*/ 0 h 139039"/>
+              <a:gd name="connsiteX4" fmla="*/ 60082 w 139039"/>
+              <a:gd name="connsiteY4" fmla="*/ 9437 h 139039"/>
+              <a:gd name="connsiteX5" fmla="*/ 60082 w 139039"/>
+              <a:gd name="connsiteY5" fmla="*/ 60082 h 139039"/>
+              <a:gd name="connsiteX6" fmla="*/ 9437 w 139039"/>
+              <a:gd name="connsiteY6" fmla="*/ 60082 h 139039"/>
+              <a:gd name="connsiteX7" fmla="*/ 0 w 139039"/>
+              <a:gd name="connsiteY7" fmla="*/ 69520 h 139039"/>
+              <a:gd name="connsiteX8" fmla="*/ 9437 w 139039"/>
+              <a:gd name="connsiteY8" fmla="*/ 78957 h 139039"/>
+              <a:gd name="connsiteX9" fmla="*/ 60082 w 139039"/>
+              <a:gd name="connsiteY9" fmla="*/ 78957 h 139039"/>
+              <a:gd name="connsiteX10" fmla="*/ 60082 w 139039"/>
+              <a:gd name="connsiteY10" fmla="*/ 129602 h 139039"/>
+              <a:gd name="connsiteX11" fmla="*/ 69520 w 139039"/>
+              <a:gd name="connsiteY11" fmla="*/ 139039 h 139039"/>
+              <a:gd name="connsiteX12" fmla="*/ 78957 w 139039"/>
+              <a:gd name="connsiteY12" fmla="*/ 129602 h 139039"/>
+              <a:gd name="connsiteX13" fmla="*/ 78957 w 139039"/>
+              <a:gd name="connsiteY13" fmla="*/ 78957 h 139039"/>
+              <a:gd name="connsiteX14" fmla="*/ 129602 w 139039"/>
+              <a:gd name="connsiteY14" fmla="*/ 78957 h 139039"/>
+              <a:gd name="connsiteX15" fmla="*/ 139039 w 139039"/>
+              <a:gd name="connsiteY15" fmla="*/ 69520 h 139039"/>
+              <a:gd name="connsiteX16" fmla="*/ 129602 w 139039"/>
+              <a:gd name="connsiteY16" fmla="*/ 60082 h 139039"/>
+            </a:gdLst>
+            <a:ahLst/>
+            <a:cxnLst>
+              <a:cxn ang="0">
+                <a:pos x="connsiteX0" y="connsiteY0"/>
+              </a:cxn>
+              <a:cxn ang="0">
+                <a:pos x="connsiteX1" y="connsiteY1"/>
+              </a:cxn>
+              <a:cxn ang="0">
+                <a:pos x="connsiteX2" y="connsiteY2"/>
+              </a:cxn>
+              <a:cxn ang="0">
+                <a:pos x="connsiteX3" y="connsiteY3"/>
+              </a:cxn>
+              <a:cxn ang="0">
+                <a:pos x="connsiteX4" y="connsiteY4"/>
+              </a:cxn>
+              <a:cxn ang="0">
+                <a:pos x="connsiteX5" y="connsiteY5"/>
+              </a:cxn>
+              <a:cxn ang="0">
+                <a:pos x="connsiteX6" y="connsiteY6"/>
+              </a:cxn>
+              <a:cxn ang="0">
+                <a:pos x="connsiteX7" y="connsiteY7"/>
+              </a:cxn>
+              <a:cxn ang="0">
+                <a:pos x="connsiteX8" y="connsiteY8"/>
+              </a:cxn>
+              <a:cxn ang="0">
+                <a:pos x="connsiteX9" y="connsiteY9"/>
+              </a:cxn>
+              <a:cxn ang="0">
+                <a:pos x="connsiteX10" y="connsiteY10"/>
+              </a:cxn>
+              <a:cxn ang="0">
+                <a:pos x="connsiteX11" y="connsiteY11"/>
+              </a:cxn>
+              <a:cxn ang="0">
+                <a:pos x="connsiteX12" y="connsiteY12"/>
+              </a:cxn>
+              <a:cxn ang="0">
+                <a:pos x="connsiteX13" y="connsiteY13"/>
+              </a:cxn>
+              <a:cxn ang="0">
+                <a:pos x="connsiteX14" y="connsiteY14"/>
+              </a:cxn>
+              <a:cxn ang="0">
+                <a:pos x="connsiteX15" y="connsiteY15"/>
+              </a:cxn>
+              <a:cxn ang="0">
+                <a:pos x="connsiteX16" y="connsiteY16"/>
+              </a:cxn>
+            </a:cxnLst>
+            <a:rect l="l" t="t" r="r" b="b"/>
+            <a:pathLst>
+              <a:path w="139039" h="139039">
+                <a:moveTo>
+                  <a:pt x="129602" y="60082"/>
+                </a:moveTo>
+                <a:lnTo>
+                  <a:pt x="78957" y="60082"/>
+                </a:lnTo>
+                <a:lnTo>
+                  <a:pt x="78957" y="9437"/>
+                </a:lnTo>
+                <a:cubicBezTo>
+                  <a:pt x="78957" y="4225"/>
+                  <a:pt x="74731" y="0"/>
+                  <a:pt x="69520" y="0"/>
+                </a:cubicBezTo>
+                <a:cubicBezTo>
+                  <a:pt x="64308" y="0"/>
+                  <a:pt x="60082" y="4225"/>
+                  <a:pt x="60082" y="9437"/>
+                </a:cubicBezTo>
+                <a:lnTo>
+                  <a:pt x="60082" y="60082"/>
+                </a:lnTo>
+                <a:lnTo>
+                  <a:pt x="9437" y="60082"/>
+                </a:lnTo>
+                <a:cubicBezTo>
+                  <a:pt x="4225" y="60082"/>
+                  <a:pt x="0" y="64308"/>
+                  <a:pt x="0" y="69520"/>
+                </a:cubicBezTo>
+                <a:cubicBezTo>
+                  <a:pt x="0" y="74731"/>
+                  <a:pt x="4225" y="78957"/>
+                  <a:pt x="9437" y="78957"/>
+                </a:cubicBezTo>
+                <a:lnTo>
+                  <a:pt x="60082" y="78957"/>
+                </a:lnTo>
+                <a:lnTo>
+                  <a:pt x="60082" y="129602"/>
+                </a:lnTo>
+                <a:cubicBezTo>
+                  <a:pt x="60082" y="134814"/>
+                  <a:pt x="64308" y="139039"/>
+                  <a:pt x="69520" y="139039"/>
+                </a:cubicBezTo>
+                <a:cubicBezTo>
+                  <a:pt x="74731" y="139039"/>
+                  <a:pt x="78957" y="134814"/>
+                  <a:pt x="78957" y="129602"/>
+                </a:cubicBezTo>
+                <a:lnTo>
+                  <a:pt x="78957" y="78957"/>
+                </a:lnTo>
+                <a:lnTo>
+                  <a:pt x="129602" y="78957"/>
+                </a:lnTo>
+                <a:cubicBezTo>
+                  <a:pt x="134814" y="78957"/>
+                  <a:pt x="139039" y="74731"/>
+                  <a:pt x="139039" y="69520"/>
+                </a:cubicBezTo>
+                <a:cubicBezTo>
+                  <a:pt x="139039" y="64308"/>
+                  <a:pt x="134814" y="60082"/>
+                  <a:pt x="129602" y="60082"/>
+                </a:cubicBezTo>
+                <a:close/>
+              </a:path>
+            </a:pathLst>
+          </a:custGeom>
+          <a:solidFill>
+            <a:schemeClr val="accent4"/>
+          </a:solidFill>
+          <a:ln w="603" cap="flat">
+            <a:noFill/>
+            <a:prstDash val="solid"/>
+            <a:miter/>
+          </a:ln>
+        </p:spPr>
+        <p:txBody>
+          <a:bodyPr rtlCol="0" anchor="ctr"/>
+          <a:lstStyle/>
+          <a:p>
+            <a:endParaRPr lang="en-US"/>
+          </a:p>
+        </p:txBody>
+      </p:sp>
+      <p:sp>
+        <p:nvSpPr>
+          <p:cNvPr id="196" name="Graphic 10">
+            <a:extLst>
+              <a:ext uri="{FF2B5EF4-FFF2-40B4-BE49-F238E27FC236}">
+                <a16:creationId xmlns:a16="http://schemas.microsoft.com/office/drawing/2014/main" id="{E3020543-B24B-4EC4-8FFC-8DD88EEA91A8}"/>
+              </a:ext>
+              <a:ext uri="{C183D7F6-B498-43B3-948B-1728B52AA6E4}">
+                <adec:decorative xmlns:adec="http://schemas.microsoft.com/office/drawing/2017/decorative" val="1"/>
+              </a:ext>
+            </a:extLst>
+          </p:cNvPr>
+          <p:cNvSpPr>
+            <a:spLocks noGrp="1" noRot="1" noChangeAspect="1" noMove="1" noResize="1" noEditPoints="1" noAdjustHandles="1" noChangeArrowheads="1" noChangeShapeType="1" noTextEdit="1"/>
+          </p:cNvSpPr>
+          <p:nvPr>
+            <p:extLst>
+              <p:ext uri="{386F3935-93C4-4BCD-93E2-E3B085C9AB24}">
+                <p16:designElem xmlns:p16="http://schemas.microsoft.com/office/powerpoint/2015/main" val="1"/>
+              </p:ext>
+            </p:extLst>
+          </p:nvPr>
+        </p:nvSpPr>
+        <p:spPr>
+          <a:xfrm>
+            <a:off x="6484728" y="969611"/>
+            <a:ext cx="91138" cy="91138"/>
+          </a:xfrm>
+          <a:custGeom>
+            <a:avLst/>
+            <a:gdLst>
+              <a:gd name="connsiteX0" fmla="*/ 91138 w 91138"/>
+              <a:gd name="connsiteY0" fmla="*/ 45569 h 91138"/>
+              <a:gd name="connsiteX1" fmla="*/ 45569 w 91138"/>
+              <a:gd name="connsiteY1" fmla="*/ 91138 h 91138"/>
+              <a:gd name="connsiteX2" fmla="*/ 0 w 91138"/>
+              <a:gd name="connsiteY2" fmla="*/ 45569 h 91138"/>
+              <a:gd name="connsiteX3" fmla="*/ 45569 w 91138"/>
+              <a:gd name="connsiteY3" fmla="*/ 0 h 91138"/>
+              <a:gd name="connsiteX4" fmla="*/ 91138 w 91138"/>
+              <a:gd name="connsiteY4" fmla="*/ 45569 h 91138"/>
+            </a:gdLst>
+            <a:ahLst/>
+            <a:cxnLst>
+              <a:cxn ang="0">
+                <a:pos x="connsiteX0" y="connsiteY0"/>
+              </a:cxn>
+              <a:cxn ang="0">
+                <a:pos x="connsiteX1" y="connsiteY1"/>
+              </a:cxn>
+              <a:cxn ang="0">
+                <a:pos x="connsiteX2" y="connsiteY2"/>
+              </a:cxn>
+              <a:cxn ang="0">
+                <a:pos x="connsiteX3" y="connsiteY3"/>
+              </a:cxn>
+              <a:cxn ang="0">
+                <a:pos x="connsiteX4" y="connsiteY4"/>
+              </a:cxn>
+            </a:cxnLst>
+            <a:rect l="l" t="t" r="r" b="b"/>
+            <a:pathLst>
+              <a:path w="91138" h="91138">
+                <a:moveTo>
+                  <a:pt x="91138" y="45569"/>
+                </a:moveTo>
+                <a:cubicBezTo>
+                  <a:pt x="91138" y="70736"/>
+                  <a:pt x="70736" y="91138"/>
+                  <a:pt x="45569" y="91138"/>
+                </a:cubicBezTo>
+                <a:cubicBezTo>
+                  <a:pt x="20402" y="91138"/>
+                  <a:pt x="0" y="70736"/>
+                  <a:pt x="0" y="45569"/>
+                </a:cubicBezTo>
+                <a:cubicBezTo>
+                  <a:pt x="0" y="20402"/>
+                  <a:pt x="20402" y="0"/>
+                  <a:pt x="45569" y="0"/>
+                </a:cubicBezTo>
+                <a:cubicBezTo>
+                  <a:pt x="70736" y="0"/>
+                  <a:pt x="91138" y="20402"/>
+                  <a:pt x="91138" y="45569"/>
+                </a:cubicBezTo>
+                <a:close/>
+              </a:path>
+            </a:pathLst>
+          </a:custGeom>
+          <a:solidFill>
+            <a:schemeClr val="accent4"/>
+          </a:solidFill>
+          <a:ln w="422" cap="flat">
+            <a:noFill/>
+            <a:prstDash val="solid"/>
+            <a:miter/>
+          </a:ln>
+        </p:spPr>
+        <p:txBody>
+          <a:bodyPr rtlCol="0" anchor="ctr"/>
+          <a:lstStyle/>
+          <a:p>
+            <a:endParaRPr lang="en-US"/>
+          </a:p>
+        </p:txBody>
+      </p:sp>
+      <p:sp>
+        <p:nvSpPr>
+          <p:cNvPr id="197" name="Graphic 12">
+            <a:extLst>
+              <a:ext uri="{FF2B5EF4-FFF2-40B4-BE49-F238E27FC236}">
+                <a16:creationId xmlns:a16="http://schemas.microsoft.com/office/drawing/2014/main" id="{1453BF6C-B012-48B7-B4E8-6D7AC7C27D02}"/>
+              </a:ext>
+              <a:ext uri="{C183D7F6-B498-43B3-948B-1728B52AA6E4}">
+                <adec:decorative xmlns:adec="http://schemas.microsoft.com/office/drawing/2017/decorative" val="1"/>
+              </a:ext>
+            </a:extLst>
+          </p:cNvPr>
+          <p:cNvSpPr>
+            <a:spLocks noGrp="1" noRot="1" noChangeAspect="1" noMove="1" noResize="1" noEditPoints="1" noAdjustHandles="1" noChangeArrowheads="1" noChangeShapeType="1" noTextEdit="1"/>
+          </p:cNvSpPr>
+          <p:nvPr>
+            <p:extLst>
+              <p:ext uri="{386F3935-93C4-4BCD-93E2-E3B085C9AB24}">
+                <p16:designElem xmlns:p16="http://schemas.microsoft.com/office/powerpoint/2015/main" val="1"/>
+              </p:ext>
+            </p:extLst>
+          </p:nvPr>
+        </p:nvSpPr>
+        <p:spPr>
+          <a:xfrm>
+            <a:off x="6110408" y="1484755"/>
+            <a:ext cx="127714" cy="127714"/>
+          </a:xfrm>
+          <a:custGeom>
+            <a:avLst/>
+            <a:gdLst>
+              <a:gd name="connsiteX0" fmla="*/ 63857 w 127714"/>
+              <a:gd name="connsiteY0" fmla="*/ 18874 h 127714"/>
+              <a:gd name="connsiteX1" fmla="*/ 108840 w 127714"/>
+              <a:gd name="connsiteY1" fmla="*/ 63857 h 127714"/>
+              <a:gd name="connsiteX2" fmla="*/ 63857 w 127714"/>
+              <a:gd name="connsiteY2" fmla="*/ 108840 h 127714"/>
+              <a:gd name="connsiteX3" fmla="*/ 18874 w 127714"/>
+              <a:gd name="connsiteY3" fmla="*/ 63857 h 127714"/>
+              <a:gd name="connsiteX4" fmla="*/ 63857 w 127714"/>
+              <a:gd name="connsiteY4" fmla="*/ 18874 h 127714"/>
+              <a:gd name="connsiteX5" fmla="*/ 63857 w 127714"/>
+              <a:gd name="connsiteY5" fmla="*/ 0 h 127714"/>
+              <a:gd name="connsiteX6" fmla="*/ 0 w 127714"/>
+              <a:gd name="connsiteY6" fmla="*/ 63857 h 127714"/>
+              <a:gd name="connsiteX7" fmla="*/ 63857 w 127714"/>
+              <a:gd name="connsiteY7" fmla="*/ 127714 h 127714"/>
+              <a:gd name="connsiteX8" fmla="*/ 127714 w 127714"/>
+              <a:gd name="connsiteY8" fmla="*/ 63857 h 127714"/>
+              <a:gd name="connsiteX9" fmla="*/ 63857 w 127714"/>
+              <a:gd name="connsiteY9" fmla="*/ 0 h 127714"/>
+            </a:gdLst>
+            <a:ahLst/>
+            <a:cxnLst>
+              <a:cxn ang="0">
+                <a:pos x="connsiteX0" y="connsiteY0"/>
+              </a:cxn>
+              <a:cxn ang="0">
+                <a:pos x="connsiteX1" y="connsiteY1"/>
+              </a:cxn>
+              <a:cxn ang="0">
+                <a:pos x="connsiteX2" y="connsiteY2"/>
+              </a:cxn>
+              <a:cxn ang="0">
+                <a:pos x="connsiteX3" y="connsiteY3"/>
+              </a:cxn>
+              <a:cxn ang="0">
+                <a:pos x="connsiteX4" y="connsiteY4"/>
+              </a:cxn>
+              <a:cxn ang="0">
+                <a:pos x="connsiteX5" y="connsiteY5"/>
+              </a:cxn>
+              <a:cxn ang="0">
+                <a:pos x="connsiteX6" y="connsiteY6"/>
+              </a:cxn>
+              <a:cxn ang="0">
+                <a:pos x="connsiteX7" y="connsiteY7"/>
+              </a:cxn>
+              <a:cxn ang="0">
+                <a:pos x="connsiteX8" y="connsiteY8"/>
+              </a:cxn>
+              <a:cxn ang="0">
+                <a:pos x="connsiteX9" y="connsiteY9"/>
+              </a:cxn>
+            </a:cxnLst>
+            <a:rect l="l" t="t" r="r" b="b"/>
+            <a:pathLst>
+              <a:path w="127714" h="127714">
+                <a:moveTo>
+                  <a:pt x="63857" y="18874"/>
+                </a:moveTo>
+                <a:cubicBezTo>
+                  <a:pt x="88700" y="18874"/>
+                  <a:pt x="108840" y="39014"/>
+                  <a:pt x="108840" y="63857"/>
+                </a:cubicBezTo>
+                <a:cubicBezTo>
+                  <a:pt x="108840" y="88700"/>
+                  <a:pt x="88700" y="108840"/>
+                  <a:pt x="63857" y="108840"/>
+                </a:cubicBezTo>
+                <a:cubicBezTo>
+                  <a:pt x="39014" y="108840"/>
+                  <a:pt x="18874" y="88700"/>
+                  <a:pt x="18874" y="63857"/>
+                </a:cubicBezTo>
+                <a:cubicBezTo>
+                  <a:pt x="18898" y="39024"/>
+                  <a:pt x="39024" y="18898"/>
+                  <a:pt x="63857" y="18874"/>
+                </a:cubicBezTo>
+                <a:moveTo>
+                  <a:pt x="63857" y="0"/>
+                </a:moveTo>
+                <a:cubicBezTo>
+                  <a:pt x="28590" y="0"/>
+                  <a:pt x="0" y="28590"/>
+                  <a:pt x="0" y="63857"/>
+                </a:cubicBezTo>
+                <a:cubicBezTo>
+                  <a:pt x="0" y="99124"/>
+                  <a:pt x="28590" y="127714"/>
+                  <a:pt x="63857" y="127714"/>
+                </a:cubicBezTo>
+                <a:cubicBezTo>
+                  <a:pt x="99124" y="127714"/>
+                  <a:pt x="127714" y="99124"/>
+                  <a:pt x="127714" y="63857"/>
+                </a:cubicBezTo>
+                <a:cubicBezTo>
+                  <a:pt x="127714" y="28590"/>
+                  <a:pt x="99124" y="0"/>
+                  <a:pt x="63857" y="0"/>
+                </a:cubicBezTo>
+                <a:close/>
+              </a:path>
+            </a:pathLst>
+          </a:custGeom>
+          <a:solidFill>
+            <a:schemeClr val="accent4"/>
+          </a:solidFill>
+          <a:ln w="610" cap="flat">
+            <a:noFill/>
+            <a:prstDash val="solid"/>
+            <a:miter/>
+          </a:ln>
+        </p:spPr>
+        <p:txBody>
+          <a:bodyPr rtlCol="0" anchor="ctr"/>
+          <a:lstStyle/>
+          <a:p>
+            <a:endParaRPr lang="en-US"/>
+          </a:p>
+        </p:txBody>
+      </p:sp>
+      <p:graphicFrame>
+        <p:nvGraphicFramePr>
+          <p:cNvPr id="199" name="Content Placeholder 3">
+            <a:extLst>
+              <a:ext uri="{FF2B5EF4-FFF2-40B4-BE49-F238E27FC236}">
+                <a16:creationId xmlns:a16="http://schemas.microsoft.com/office/drawing/2014/main" id="{03AAF541-1515-4BAA-A54A-8B104F503168}"/>
+              </a:ext>
+            </a:extLst>
+          </p:cNvPr>
+          <p:cNvGraphicFramePr>
+            <a:graphicFrameLocks noGrp="1"/>
+          </p:cNvGraphicFramePr>
+          <p:nvPr>
+            <p:ph idx="1"/>
+            <p:extLst>
+              <p:ext uri="{D42A27DB-BD31-4B8C-83A1-F6EECF244321}">
+                <p14:modId xmlns:p14="http://schemas.microsoft.com/office/powerpoint/2010/main" val="1741627639"/>
+              </p:ext>
+            </p:extLst>
+          </p:nvPr>
+        </p:nvGraphicFramePr>
+        <p:xfrm>
+          <a:off x="7229042" y="879355"/>
+          <a:ext cx="4124758" cy="5120755"/>
+        </p:xfrm>
+        <a:graphic>
+          <a:graphicData uri="http://schemas.openxmlformats.org/drawingml/2006/diagram">
+            <dgm:relIds xmlns:dgm="http://schemas.openxmlformats.org/drawingml/2006/diagram" xmlns:r="http://schemas.openxmlformats.org/officeDocument/2006/relationships" r:dm="rId3" r:lo="rId4" r:qs="rId5" r:cs="rId6"/>
+          </a:graphicData>
+        </a:graphic>
+      </p:graphicFrame>
+      <p:sp>
+        <p:nvSpPr>
+          <p:cNvPr id="11" name="Slide Number Placeholder 10">
+            <a:extLst>
+              <a:ext uri="{FF2B5EF4-FFF2-40B4-BE49-F238E27FC236}">
+                <a16:creationId xmlns:a16="http://schemas.microsoft.com/office/drawing/2014/main" id="{56AE2454-CE9A-4A6B-AB5A-349E0D967654}"/>
+              </a:ext>
+            </a:extLst>
+          </p:cNvPr>
+          <p:cNvSpPr>
+            <a:spLocks noGrp="1"/>
+          </p:cNvSpPr>
+          <p:nvPr>
+            <p:ph type="sldNum" sz="quarter" idx="12"/>
+          </p:nvPr>
+        </p:nvSpPr>
+        <p:spPr>
+          <a:xfrm>
+            <a:off x="8610600" y="6356350"/>
+            <a:ext cx="2743200" cy="365125"/>
+          </a:xfrm>
+        </p:spPr>
+        <p:txBody>
+          <a:bodyPr vert="horz" lIns="91440" tIns="45720" rIns="91440" bIns="45720" rtlCol="0" anchor="ctr">
+            <a:normAutofit/>
+          </a:bodyPr>
+          <a:lstStyle/>
+          <a:p>
+            <a:pPr>
+              <a:spcAft>
+                <a:spcPts val="600"/>
+              </a:spcAft>
+            </a:pPr>
+            <a:fld id="{D8DA9DAA-006C-4F4B-980E-E3DF019B24E2}" type="slidenum">
+              <a:rPr lang="en-US" smtClean="0"/>
+              <a:pPr>
+                <a:spcAft>
+                  <a:spcPts val="600"/>
+                </a:spcAft>
+              </a:pPr>
+              <a:t>7</a:t>
+            </a:fld>
+            <a:endParaRPr lang="en-US"/>
+          </a:p>
+        </p:txBody>
+      </p:sp>
+      <p:pic>
+        <p:nvPicPr>
+          <p:cNvPr id="1028" name="Picture 4" descr="Clipart Phonebook | Free Images at Clker.com - vector clip art online, royalty  free &amp;amp; public domain">
+            <a:extLst>
+              <a:ext uri="{FF2B5EF4-FFF2-40B4-BE49-F238E27FC236}">
+                <a16:creationId xmlns:a16="http://schemas.microsoft.com/office/drawing/2014/main" id="{473B894E-2E8A-4F78-9C5A-46F132D499F8}"/>
+              </a:ext>
+            </a:extLst>
+          </p:cNvPr>
+          <p:cNvPicPr>
+            <a:picLocks noChangeAspect="1" noChangeArrowheads="1"/>
+          </p:cNvPicPr>
+          <p:nvPr/>
+        </p:nvPicPr>
+        <p:blipFill>
+          <a:blip r:embed="rId8">
+            <a:extLst>
+              <a:ext uri="{28A0092B-C50C-407E-A947-70E740481C1C}">
+                <a14:useLocalDpi xmlns:a14="http://schemas.microsoft.com/office/drawing/2010/main" val="0"/>
+              </a:ext>
+            </a:extLst>
+          </a:blip>
+          <a:srcRect/>
+          <a:stretch>
+            <a:fillRect/>
+          </a:stretch>
+        </p:blipFill>
+        <p:spPr bwMode="auto">
+          <a:xfrm>
+            <a:off x="1555187" y="1832084"/>
+            <a:ext cx="3559875" cy="3999860"/>
+          </a:xfrm>
+          <a:prstGeom prst="rect">
+            <a:avLst/>
+          </a:prstGeom>
+          <a:noFill/>
+          <a:extLst>
+            <a:ext uri="{909E8E84-426E-40DD-AFC4-6F175D3DCCD1}">
+              <a14:hiddenFill xmlns:a14="http://schemas.microsoft.com/office/drawing/2010/main">
+                <a:solidFill>
+                  <a:srgbClr val="FFFFFF"/>
+                </a:solidFill>
+              </a14:hiddenFill>
+            </a:ext>
+          </a:extLst>
+        </p:spPr>
+      </p:pic>
+    </p:spTree>
+    <p:extLst>
+      <p:ext uri="{BB962C8B-B14F-4D97-AF65-F5344CB8AC3E}">
+        <p14:creationId xmlns:p14="http://schemas.microsoft.com/office/powerpoint/2010/main" val="4292199455"/>
+      </p:ext>
+    </p:extLst>
+  </p:cSld>
+  <p:clrMapOvr>
+    <a:masterClrMapping/>
+  </p:clrMapOvr>
+  <p:timing>
+    <p:tnLst>
+      <p:par>
+        <p:cTn id="1" dur="indefinite" restart="never" nodeType="tmRoot">
+          <p:childTnLst>
+            <p:seq concurrent="1" nextAc="seek">
+              <p:cTn id="2" dur="indefinite" nodeType="mainSeq">
+                <p:childTnLst>
+                  <p:par>
+                    <p:cTn id="3" fill="hold">
+                      <p:stCondLst>
+                        <p:cond delay="indefinite"/>
+                      </p:stCondLst>
+                      <p:childTnLst>
+                        <p:par>
+                          <p:cTn id="4" fill="hold">
+                            <p:stCondLst>
+                              <p:cond delay="0"/>
+                            </p:stCondLst>
+                            <p:childTnLst>
+                              <p:par>
+                                <p:cTn id="5" presetID="10" presetClass="entr" presetSubtype="0" fill="hold" grpId="0" nodeType="clickEffect">
+                                  <p:stCondLst>
+                                    <p:cond delay="0"/>
+                                  </p:stCondLst>
+                                  <p:childTnLst>
+                                    <p:set>
+                                      <p:cBhvr>
+                                        <p:cTn id="6" dur="1" fill="hold">
+                                          <p:stCondLst>
+                                            <p:cond delay="0"/>
+                                          </p:stCondLst>
+                                        </p:cTn>
+                                        <p:tgtEl>
+                                          <p:spTgt spid="3"/>
+                                        </p:tgtEl>
+                                        <p:attrNameLst>
+                                          <p:attrName>style.visibility</p:attrName>
+                                        </p:attrNameLst>
+                                      </p:cBhvr>
+                                      <p:to>
+                                        <p:strVal val="visible"/>
+                                      </p:to>
+                                    </p:set>
+                                    <p:animEffect transition="in" filter="fade">
+                                      <p:cBhvr>
+                                        <p:cTn id="7" dur="500"/>
+                                        <p:tgtEl>
+                                          <p:spTgt spid="3"/>
+                                        </p:tgtEl>
+                                      </p:cBhvr>
+                                    </p:animEffect>
+                                  </p:childTnLst>
+                                </p:cTn>
+                              </p:par>
+                            </p:childTnLst>
+                          </p:cTn>
+                        </p:par>
+                      </p:childTnLst>
+                    </p:cTn>
+                  </p:par>
+                  <p:par>
+                    <p:cTn id="8" fill="hold">
+                      <p:stCondLst>
+                        <p:cond delay="indefinite"/>
+                      </p:stCondLst>
+                      <p:childTnLst>
+                        <p:par>
+                          <p:cTn id="9" fill="hold">
+                            <p:stCondLst>
+                              <p:cond delay="0"/>
+                            </p:stCondLst>
+                            <p:childTnLst>
+                              <p:par>
+                                <p:cTn id="10" presetID="1" presetClass="entr" presetSubtype="0" fill="hold" grpId="0" nodeType="clickEffect">
+                                  <p:stCondLst>
+                                    <p:cond delay="0"/>
+                                  </p:stCondLst>
+                                  <p:childTnLst>
+                                    <p:set>
+                                      <p:cBhvr>
+                                        <p:cTn id="11" dur="1" fill="hold">
+                                          <p:stCondLst>
+                                            <p:cond delay="0"/>
+                                          </p:stCondLst>
+                                        </p:cTn>
+                                        <p:tgtEl>
+                                          <p:spTgt spid="199"/>
+                                        </p:tgtEl>
+                                        <p:attrNameLst>
+                                          <p:attrName>style.visibility</p:attrName>
+                                        </p:attrNameLst>
+                                      </p:cBhvr>
+                                      <p:to>
+                                        <p:strVal val="visible"/>
+                                      </p:to>
+                                    </p:set>
+                                  </p:childTnLst>
+                                </p:cTn>
+                              </p:par>
+                            </p:childTnLst>
+                          </p:cTn>
+                        </p:par>
+                      </p:childTnLst>
+                    </p:cTn>
+                  </p:par>
+                </p:childTnLst>
+              </p:cTn>
+              <p:prevCondLst>
+                <p:cond evt="onPrev" delay="0">
+                  <p:tgtEl>
+                    <p:sldTgt/>
+                  </p:tgtEl>
+                </p:cond>
+              </p:prevCondLst>
+              <p:nextCondLst>
+                <p:cond evt="onNext" delay="0">
+                  <p:tgtEl>
+                    <p:sldTgt/>
+                  </p:tgtEl>
+                </p:cond>
+              </p:nextCondLst>
+            </p:seq>
+          </p:childTnLst>
+        </p:cTn>
+      </p:par>
+    </p:tnLst>
+    <p:bldLst>
+      <p:bldP spid="3" grpId="0"/>
+      <p:bldGraphic spid="199" grpId="0">
+        <p:bldAsOne/>
+      </p:bldGraphic>
+    </p:bldLst>
+  </p:timing>
+</p:sld>
+</file>
+
+<file path=ppt/slides/slide8.xml><?xml version="1.0" encoding="utf-8"?>
+<p:sld xmlns:a="http://schemas.openxmlformats.org/drawingml/2006/main" xmlns:r="http://schemas.openxmlformats.org/officeDocument/2006/relationships" xmlns:p="http://schemas.openxmlformats.org/presentationml/2006/main">
+  <p:cSld>
     <p:spTree>
       <p:nvGrpSpPr>
         <p:cNvPr id="1" name=""/>
@@ -27125,7 +31495,7 @@
 </p:sld>
 </file>
 
-<file path=ppt/slides/slide8.xml><?xml version="1.0" encoding="utf-8"?>
+<file path=ppt/slides/slide9.xml><?xml version="1.0" encoding="utf-8"?>
 <p:sld xmlns:a="http://schemas.openxmlformats.org/drawingml/2006/main" xmlns:r="http://schemas.openxmlformats.org/officeDocument/2006/relationships" xmlns:p="http://schemas.openxmlformats.org/presentationml/2006/main">
   <p:cSld>
     <p:bg>
@@ -28079,7 +32449,7 @@
                   <a:spcPts val="600"/>
                 </a:spcAft>
               </a:pPr>
-              <a:t>8</a:t>
+              <a:t>9</a:t>
             </a:fld>
             <a:endParaRPr lang="en-US"/>
           </a:p>
@@ -28095,309 +32465,6 @@
   <p:clrMapOvr>
     <a:masterClrMapping/>
   </p:clrMapOvr>
-</p:sld>
-</file>
-
-<file path=ppt/slides/slide9.xml><?xml version="1.0" encoding="utf-8"?>
-<p:sld xmlns:a="http://schemas.openxmlformats.org/drawingml/2006/main" xmlns:r="http://schemas.openxmlformats.org/officeDocument/2006/relationships" xmlns:p="http://schemas.openxmlformats.org/presentationml/2006/main">
-  <p:cSld>
-    <p:spTree>
-      <p:nvGrpSpPr>
-        <p:cNvPr id="1" name=""/>
-        <p:cNvGrpSpPr/>
-        <p:nvPr/>
-      </p:nvGrpSpPr>
-      <p:grpSpPr>
-        <a:xfrm>
-          <a:off x="0" y="0"/>
-          <a:ext cx="0" cy="0"/>
-          <a:chOff x="0" y="0"/>
-          <a:chExt cx="0" cy="0"/>
-        </a:xfrm>
-      </p:grpSpPr>
-      <p:sp>
-        <p:nvSpPr>
-          <p:cNvPr id="2" name="Title 1">
-            <a:extLst>
-              <a:ext uri="{FF2B5EF4-FFF2-40B4-BE49-F238E27FC236}">
-                <a16:creationId xmlns:a16="http://schemas.microsoft.com/office/drawing/2014/main" id="{C5F2FB0B-15EC-453B-BC9B-69AD35DDCEA3}"/>
-              </a:ext>
-            </a:extLst>
-          </p:cNvPr>
-          <p:cNvSpPr>
-            <a:spLocks noGrp="1"/>
-          </p:cNvSpPr>
-          <p:nvPr>
-            <p:ph type="ctrTitle"/>
-          </p:nvPr>
-        </p:nvSpPr>
-        <p:spPr/>
-        <p:txBody>
-          <a:bodyPr/>
-          <a:lstStyle/>
-          <a:p>
-            <a:r>
-              <a:rPr lang="en-US" b="1" cap="all" spc="400" dirty="0">
-                <a:solidFill>
-                  <a:schemeClr val="bg1"/>
-                </a:solidFill>
-                <a:latin typeface="Arial" panose="020B0604020202020204" pitchFamily="34" charset="0"/>
-                <a:cs typeface="Arial" panose="020B0604020202020204" pitchFamily="34" charset="0"/>
-              </a:rPr>
-              <a:t>Topic three</a:t>
-            </a:r>
-            <a:endParaRPr lang="en-US" dirty="0">
-              <a:latin typeface="Arial" panose="020B0604020202020204" pitchFamily="34" charset="0"/>
-              <a:cs typeface="Arial" panose="020B0604020202020204" pitchFamily="34" charset="0"/>
-            </a:endParaRPr>
-          </a:p>
-        </p:txBody>
-      </p:sp>
-      <p:sp>
-        <p:nvSpPr>
-          <p:cNvPr id="3" name="Subtitle 2">
-            <a:extLst>
-              <a:ext uri="{FF2B5EF4-FFF2-40B4-BE49-F238E27FC236}">
-                <a16:creationId xmlns:a16="http://schemas.microsoft.com/office/drawing/2014/main" id="{05408798-0DB3-46BF-880E-7BB904D700F6}"/>
-              </a:ext>
-            </a:extLst>
-          </p:cNvPr>
-          <p:cNvSpPr>
-            <a:spLocks noGrp="1"/>
-          </p:cNvSpPr>
-          <p:nvPr>
-            <p:ph type="subTitle" idx="1"/>
-          </p:nvPr>
-        </p:nvSpPr>
-        <p:spPr/>
-        <p:txBody>
-          <a:bodyPr>
-            <a:normAutofit/>
-          </a:bodyPr>
-          <a:lstStyle/>
-          <a:p>
-            <a:r>
-              <a:rPr lang="en-US" sz="3200" b="1" dirty="0">
-                <a:latin typeface="Arial" panose="020B0604020202020204" pitchFamily="34" charset="0"/>
-                <a:cs typeface="Arial" panose="020B0604020202020204" pitchFamily="34" charset="0"/>
-              </a:rPr>
-              <a:t>Internet Archiving with The Wayback Machine</a:t>
-            </a:r>
-          </a:p>
-        </p:txBody>
-      </p:sp>
-    </p:spTree>
-    <p:extLst>
-      <p:ext uri="{BB962C8B-B14F-4D97-AF65-F5344CB8AC3E}">
-        <p14:creationId xmlns:p14="http://schemas.microsoft.com/office/powerpoint/2010/main" val="3328529195"/>
-      </p:ext>
-    </p:extLst>
-  </p:cSld>
-  <p:clrMapOvr>
-    <a:masterClrMapping/>
-  </p:clrMapOvr>
-  <p:timing>
-    <p:tnLst>
-      <p:par>
-        <p:cTn id="1" dur="indefinite" restart="never" nodeType="tmRoot">
-          <p:childTnLst>
-            <p:seq concurrent="1" nextAc="seek">
-              <p:cTn id="2" dur="indefinite" nodeType="mainSeq">
-                <p:childTnLst>
-                  <p:par>
-                    <p:cTn id="3" fill="hold">
-                      <p:stCondLst>
-                        <p:cond delay="indefinite"/>
-                      </p:stCondLst>
-                      <p:childTnLst>
-                        <p:par>
-                          <p:cTn id="4" fill="hold">
-                            <p:stCondLst>
-                              <p:cond delay="0"/>
-                            </p:stCondLst>
-                            <p:childTnLst>
-                              <p:par>
-                                <p:cTn id="5" presetID="10" presetClass="entr" presetSubtype="0" fill="hold" grpId="0" nodeType="clickEffect">
-                                  <p:stCondLst>
-                                    <p:cond delay="0"/>
-                                  </p:stCondLst>
-                                  <p:childTnLst>
-                                    <p:set>
-                                      <p:cBhvr>
-                                        <p:cTn id="6" dur="1" fill="hold">
-                                          <p:stCondLst>
-                                            <p:cond delay="0"/>
-                                          </p:stCondLst>
-                                        </p:cTn>
-                                        <p:tgtEl>
-                                          <p:spTgt spid="2"/>
-                                        </p:tgtEl>
-                                        <p:attrNameLst>
-                                          <p:attrName>style.visibility</p:attrName>
-                                        </p:attrNameLst>
-                                      </p:cBhvr>
-                                      <p:to>
-                                        <p:strVal val="visible"/>
-                                      </p:to>
-                                    </p:set>
-                                    <p:animEffect transition="in" filter="fade">
-                                      <p:cBhvr>
-                                        <p:cTn id="7" dur="500"/>
-                                        <p:tgtEl>
-                                          <p:spTgt spid="2"/>
-                                        </p:tgtEl>
-                                      </p:cBhvr>
-                                    </p:animEffect>
-                                  </p:childTnLst>
-                                </p:cTn>
-                              </p:par>
-                            </p:childTnLst>
-                          </p:cTn>
-                        </p:par>
-                      </p:childTnLst>
-                    </p:cTn>
-                  </p:par>
-                  <p:par>
-                    <p:cTn id="8" fill="hold">
-                      <p:stCondLst>
-                        <p:cond delay="indefinite"/>
-                      </p:stCondLst>
-                      <p:childTnLst>
-                        <p:par>
-                          <p:cTn id="9" fill="hold">
-                            <p:stCondLst>
-                              <p:cond delay="0"/>
-                            </p:stCondLst>
-                            <p:childTnLst>
-                              <p:par>
-                                <p:cTn id="10" presetID="42" presetClass="entr" presetSubtype="0" fill="hold" grpId="0" nodeType="clickEffect">
-                                  <p:stCondLst>
-                                    <p:cond delay="0"/>
-                                  </p:stCondLst>
-                                  <p:childTnLst>
-                                    <p:set>
-                                      <p:cBhvr>
-                                        <p:cTn id="11" dur="1" fill="hold">
-                                          <p:stCondLst>
-                                            <p:cond delay="0"/>
-                                          </p:stCondLst>
-                                        </p:cTn>
-                                        <p:tgtEl>
-                                          <p:spTgt spid="3">
-                                            <p:txEl>
-                                              <p:pRg st="0" end="0"/>
-                                            </p:txEl>
-                                          </p:spTgt>
-                                        </p:tgtEl>
-                                        <p:attrNameLst>
-                                          <p:attrName>style.visibility</p:attrName>
-                                        </p:attrNameLst>
-                                      </p:cBhvr>
-                                      <p:to>
-                                        <p:strVal val="visible"/>
-                                      </p:to>
-                                    </p:set>
-                                    <p:animEffect transition="in" filter="fade">
-                                      <p:cBhvr>
-                                        <p:cTn id="12" dur="1000"/>
-                                        <p:tgtEl>
-                                          <p:spTgt spid="3">
-                                            <p:txEl>
-                                              <p:pRg st="0" end="0"/>
-                                            </p:txEl>
-                                          </p:spTgt>
-                                        </p:tgtEl>
-                                      </p:cBhvr>
-                                    </p:animEffect>
-                                    <p:anim calcmode="lin" valueType="num">
-                                      <p:cBhvr>
-                                        <p:cTn id="13" dur="1000" fill="hold"/>
-                                        <p:tgtEl>
-                                          <p:spTgt spid="3">
-                                            <p:txEl>
-                                              <p:pRg st="0" end="0"/>
-                                            </p:txEl>
-                                          </p:spTgt>
-                                        </p:tgtEl>
-                                        <p:attrNameLst>
-                                          <p:attrName>ppt_x</p:attrName>
-                                        </p:attrNameLst>
-                                      </p:cBhvr>
-                                      <p:tavLst>
-                                        <p:tav tm="0">
-                                          <p:val>
-                                            <p:strVal val="#ppt_x"/>
-                                          </p:val>
-                                        </p:tav>
-                                        <p:tav tm="100000">
-                                          <p:val>
-                                            <p:strVal val="#ppt_x"/>
-                                          </p:val>
-                                        </p:tav>
-                                      </p:tavLst>
-                                    </p:anim>
-                                    <p:anim calcmode="lin" valueType="num">
-                                      <p:cBhvr>
-                                        <p:cTn id="14" dur="1000" fill="hold"/>
-                                        <p:tgtEl>
-                                          <p:spTgt spid="3">
-                                            <p:txEl>
-                                              <p:pRg st="0" end="0"/>
-                                            </p:txEl>
-                                          </p:spTgt>
-                                        </p:tgtEl>
-                                        <p:attrNameLst>
-                                          <p:attrName>ppt_y</p:attrName>
-                                        </p:attrNameLst>
-                                      </p:cBhvr>
-                                      <p:tavLst>
-                                        <p:tav tm="0">
-                                          <p:val>
-                                            <p:strVal val="#ppt_y+.1"/>
-                                          </p:val>
-                                        </p:tav>
-                                        <p:tav tm="100000">
-                                          <p:val>
-                                            <p:strVal val="#ppt_y"/>
-                                          </p:val>
-                                        </p:tav>
-                                      </p:tavLst>
-                                    </p:anim>
-                                  </p:childTnLst>
-                                </p:cTn>
-                              </p:par>
-                            </p:childTnLst>
-                          </p:cTn>
-                        </p:par>
-                      </p:childTnLst>
-                    </p:cTn>
-                  </p:par>
-                </p:childTnLst>
-              </p:cTn>
-              <p:prevCondLst>
-                <p:cond evt="onPrev" delay="0">
-                  <p:tgtEl>
-                    <p:sldTgt/>
-                  </p:tgtEl>
-                </p:cond>
-              </p:prevCondLst>
-              <p:nextCondLst>
-                <p:cond evt="onNext" delay="0">
-                  <p:tgtEl>
-                    <p:sldTgt/>
-                  </p:tgtEl>
-                </p:cond>
-              </p:nextCondLst>
-            </p:seq>
-          </p:childTnLst>
-        </p:cTn>
-      </p:par>
-    </p:tnLst>
-    <p:bldLst>
-      <p:bldP spid="2" grpId="0"/>
-      <p:bldP spid="3" grpId="0" build="p"/>
-    </p:bldLst>
-  </p:timing>
 </p:sld>
 </file>
 
@@ -28898,6 +32965,15 @@
 </file>
 
 <file path=customXml/item1.xml><?xml version="1.0" encoding="utf-8"?>
+<?mso-contentType ?>
+<FormTemplates xmlns="http://schemas.microsoft.com/sharepoint/v3/contenttype/forms">
+  <Display>DocumentLibraryForm</Display>
+  <Edit>DocumentLibraryForm</Edit>
+  <New>DocumentLibraryForm</New>
+</FormTemplates>
+</file>
+
+<file path=customXml/item2.xml><?xml version="1.0" encoding="utf-8"?>
 <p:properties xmlns:p="http://schemas.microsoft.com/office/2006/metadata/properties" xmlns:xsi="http://www.w3.org/2001/XMLSchema-instance" xmlns:pc="http://schemas.microsoft.com/office/infopath/2007/PartnerControls">
   <documentManagement>
     <Status xmlns="71af3243-3dd4-4a8d-8c0d-dd76da1f02a5">Not started</Status>
@@ -28906,7 +32982,7 @@
 </p:properties>
 </file>
 
-<file path=customXml/item2.xml><?xml version="1.0" encoding="utf-8"?>
+<file path=customXml/item3.xml><?xml version="1.0" encoding="utf-8"?>
 <ct:contentTypeSchema xmlns:ct="http://schemas.microsoft.com/office/2006/metadata/contentType" xmlns:ma="http://schemas.microsoft.com/office/2006/metadata/properties/metaAttributes" ct:_="" ma:_="" ma:contentTypeName="Document" ma:contentTypeID="0x01010079F111ED35F8CC479449609E8A0923A6" ma:contentTypeVersion="12" ma:contentTypeDescription="Create a new document." ma:contentTypeScope="" ma:versionID="426e97fa315356fffbdcd9876fe988c2">
   <xsd:schema xmlns:xsd="http://www.w3.org/2001/XMLSchema" xmlns:xs="http://www.w3.org/2001/XMLSchema" xmlns:p="http://schemas.microsoft.com/office/2006/metadata/properties" xmlns:ns2="71af3243-3dd4-4a8d-8c0d-dd76da1f02a5" xmlns:ns3="16c05727-aa75-4e4a-9b5f-8a80a1165891" targetNamespace="http://schemas.microsoft.com/office/2006/metadata/properties" ma:root="true" ma:fieldsID="14b8f0def80e6d70ce3def20c90759ae" ns2:_="" ns3:_="">
     <xsd:import namespace="71af3243-3dd4-4a8d-8c0d-dd76da1f02a5"/>
@@ -29127,16 +33203,15 @@
 </ct:contentTypeSchema>
 </file>
 
-<file path=customXml/item3.xml><?xml version="1.0" encoding="utf-8"?>
-<?mso-contentType ?>
-<FormTemplates xmlns="http://schemas.microsoft.com/sharepoint/v3/contenttype/forms">
-  <Display>DocumentLibraryForm</Display>
-  <Edit>DocumentLibraryForm</Edit>
-  <New>DocumentLibraryForm</New>
-</FormTemplates>
+<file path=customXml/itemProps1.xml><?xml version="1.0" encoding="utf-8"?>
+<ds:datastoreItem xmlns:ds="http://schemas.openxmlformats.org/officeDocument/2006/customXml" ds:itemID="{3C8E00D1-8EA3-4E42-801D-0253E1EAFC21}">
+  <ds:schemaRefs>
+    <ds:schemaRef ds:uri="http://schemas.microsoft.com/sharepoint/v3/contenttype/forms"/>
+  </ds:schemaRefs>
+</ds:datastoreItem>
 </file>
 
-<file path=customXml/itemProps1.xml><?xml version="1.0" encoding="utf-8"?>
+<file path=customXml/itemProps2.xml><?xml version="1.0" encoding="utf-8"?>
 <ds:datastoreItem xmlns:ds="http://schemas.openxmlformats.org/officeDocument/2006/customXml" ds:itemID="{99919F73-B6C2-4A43-95E2-833EC48925FE}">
   <ds:schemaRefs>
     <ds:schemaRef ds:uri="http://schemas.microsoft.com/office/2006/metadata/properties"/>
@@ -29146,7 +33221,7 @@
 </ds:datastoreItem>
 </file>
 
-<file path=customXml/itemProps2.xml><?xml version="1.0" encoding="utf-8"?>
+<file path=customXml/itemProps3.xml><?xml version="1.0" encoding="utf-8"?>
 <ds:datastoreItem xmlns:ds="http://schemas.openxmlformats.org/officeDocument/2006/customXml" ds:itemID="{ABC329F5-30EE-4BF7-AA2A-B837B51416B4}">
   <ds:schemaRefs>
     <ds:schemaRef ds:uri="http://schemas.microsoft.com/office/2006/metadata/contentType"/>
@@ -29163,12 +33238,4 @@
     <ds:schemaRef ds:uri="http://schemas.microsoft.com/internal/obd"/>
   </ds:schemaRefs>
 </ds:datastoreItem>
-</file>
-
-<file path=customXml/itemProps3.xml><?xml version="1.0" encoding="utf-8"?>
-<ds:datastoreItem xmlns:ds="http://schemas.openxmlformats.org/officeDocument/2006/customXml" ds:itemID="{3C8E00D1-8EA3-4E42-801D-0253E1EAFC21}">
-  <ds:schemaRefs>
-    <ds:schemaRef ds:uri="http://schemas.microsoft.com/sharepoint/v3/contenttype/forms"/>
-  </ds:schemaRefs>
-</ds:datastoreItem>
 </file>
--- a/Offensive Security Tactics for Linux Professionals - OSINT (Open Source Intelligence).pptx
+++ b/Offensive Security Tactics for Linux Professionals - OSINT (Open Source Intelligence).pptx
@@ -23,7 +23,7 @@
     <p:sldId id="322" r:id="rId17"/>
     <p:sldId id="327" r:id="rId18"/>
     <p:sldId id="324" r:id="rId19"/>
-    <p:sldId id="320" r:id="rId20"/>
+    <p:sldId id="331" r:id="rId20"/>
     <p:sldId id="312" r:id="rId21"/>
   </p:sldIdLst>
   <p:sldSz cx="12192000" cy="6858000"/>
@@ -154,11 +154,11 @@
 </file>
 
 <file path=ppt/diagrams/colors1.xml><?xml version="1.0" encoding="utf-8"?>
-<dgm:colorsDef xmlns:dgm="http://schemas.openxmlformats.org/drawingml/2006/diagram" xmlns:a="http://schemas.openxmlformats.org/drawingml/2006/main" uniqueId="urn:microsoft.com/office/officeart/2005/8/colors/accent1_2">
+<dgm:colorsDef xmlns:dgm="http://schemas.openxmlformats.org/drawingml/2006/diagram" xmlns:a="http://schemas.openxmlformats.org/drawingml/2006/main" uniqueId="urn:microsoft.com/office/officeart/2005/8/colors/colorful1">
   <dgm:title val=""/>
   <dgm:desc val=""/>
   <dgm:catLst>
-    <dgm:cat type="accent1" pri="11200"/>
+    <dgm:cat type="colorful" pri="10100"/>
   </dgm:catLst>
   <dgm:styleLbl name="node0">
     <dgm:fillClrLst meth="repeat">
@@ -172,21 +172,13 @@
     <dgm:txFillClrLst/>
     <dgm:txEffectClrLst/>
   </dgm:styleLbl>
-  <dgm:styleLbl name="alignNode1">
-    <dgm:fillClrLst meth="repeat">
-      <a:schemeClr val="accent1"/>
-    </dgm:fillClrLst>
-    <dgm:linClrLst meth="repeat">
-      <a:schemeClr val="accent1"/>
-    </dgm:linClrLst>
-    <dgm:effectClrLst/>
-    <dgm:txLinClrLst/>
-    <dgm:txFillClrLst/>
-    <dgm:txEffectClrLst/>
-  </dgm:styleLbl>
   <dgm:styleLbl name="node1">
     <dgm:fillClrLst meth="repeat">
-      <a:schemeClr val="accent1"/>
+      <a:schemeClr val="accent2"/>
+      <a:schemeClr val="accent3"/>
+      <a:schemeClr val="accent4"/>
+      <a:schemeClr val="accent5"/>
+      <a:schemeClr val="accent6"/>
     </dgm:fillClrLst>
     <dgm:linClrLst meth="repeat">
       <a:schemeClr val="lt1"/>
@@ -196,9 +188,33 @@
     <dgm:txFillClrLst/>
     <dgm:txEffectClrLst/>
   </dgm:styleLbl>
+  <dgm:styleLbl name="alignNode1">
+    <dgm:fillClrLst meth="repeat">
+      <a:schemeClr val="accent2"/>
+      <a:schemeClr val="accent3"/>
+      <a:schemeClr val="accent4"/>
+      <a:schemeClr val="accent5"/>
+      <a:schemeClr val="accent6"/>
+    </dgm:fillClrLst>
+    <dgm:linClrLst meth="repeat">
+      <a:schemeClr val="accent2"/>
+      <a:schemeClr val="accent3"/>
+      <a:schemeClr val="accent4"/>
+      <a:schemeClr val="accent5"/>
+      <a:schemeClr val="accent6"/>
+    </dgm:linClrLst>
+    <dgm:effectClrLst/>
+    <dgm:txLinClrLst/>
+    <dgm:txFillClrLst/>
+    <dgm:txEffectClrLst/>
+  </dgm:styleLbl>
   <dgm:styleLbl name="lnNode1">
     <dgm:fillClrLst meth="repeat">
-      <a:schemeClr val="accent1"/>
+      <a:schemeClr val="accent2"/>
+      <a:schemeClr val="accent3"/>
+      <a:schemeClr val="accent4"/>
+      <a:schemeClr val="accent5"/>
+      <a:schemeClr val="accent6"/>
     </dgm:fillClrLst>
     <dgm:linClrLst meth="repeat">
       <a:schemeClr val="lt1"/>
@@ -210,7 +226,19 @@
   </dgm:styleLbl>
   <dgm:styleLbl name="vennNode1">
     <dgm:fillClrLst meth="repeat">
-      <a:schemeClr val="accent1">
+      <a:schemeClr val="accent2">
+        <a:alpha val="50000"/>
+      </a:schemeClr>
+      <a:schemeClr val="accent3">
+        <a:alpha val="50000"/>
+      </a:schemeClr>
+      <a:schemeClr val="accent4">
+        <a:alpha val="50000"/>
+      </a:schemeClr>
+      <a:schemeClr val="accent5">
+        <a:alpha val="50000"/>
+      </a:schemeClr>
+      <a:schemeClr val="accent6">
         <a:alpha val="50000"/>
       </a:schemeClr>
     </dgm:fillClrLst>
@@ -223,8 +251,8 @@
     <dgm:txEffectClrLst/>
   </dgm:styleLbl>
   <dgm:styleLbl name="node2">
-    <dgm:fillClrLst meth="repeat">
-      <a:schemeClr val="accent1"/>
+    <dgm:fillClrLst>
+      <a:schemeClr val="accent2"/>
     </dgm:fillClrLst>
     <dgm:linClrLst meth="repeat">
       <a:schemeClr val="lt1"/>
@@ -235,8 +263,8 @@
     <dgm:txEffectClrLst/>
   </dgm:styleLbl>
   <dgm:styleLbl name="node3">
-    <dgm:fillClrLst meth="repeat">
-      <a:schemeClr val="accent1"/>
+    <dgm:fillClrLst>
+      <a:schemeClr val="accent3"/>
     </dgm:fillClrLst>
     <dgm:linClrLst meth="repeat">
       <a:schemeClr val="lt1"/>
@@ -247,8 +275,8 @@
     <dgm:txEffectClrLst/>
   </dgm:styleLbl>
   <dgm:styleLbl name="node4">
-    <dgm:fillClrLst meth="repeat">
-      <a:schemeClr val="accent1"/>
+    <dgm:fillClrLst>
+      <a:schemeClr val="accent4"/>
     </dgm:fillClrLst>
     <dgm:linClrLst meth="repeat">
       <a:schemeClr val="lt1"/>
@@ -260,7 +288,19 @@
   </dgm:styleLbl>
   <dgm:styleLbl name="fgImgPlace1">
     <dgm:fillClrLst meth="repeat">
-      <a:schemeClr val="accent1">
+      <a:schemeClr val="accent2">
+        <a:tint val="50000"/>
+      </a:schemeClr>
+      <a:schemeClr val="accent3">
+        <a:tint val="50000"/>
+      </a:schemeClr>
+      <a:schemeClr val="accent4">
+        <a:tint val="50000"/>
+      </a:schemeClr>
+      <a:schemeClr val="accent5">
+        <a:tint val="50000"/>
+      </a:schemeClr>
+      <a:schemeClr val="accent6">
         <a:tint val="50000"/>
       </a:schemeClr>
     </dgm:fillClrLst>
@@ -275,9 +315,12 @@
     <dgm:txEffectClrLst/>
   </dgm:styleLbl>
   <dgm:styleLbl name="alignImgPlace1">
-    <dgm:fillClrLst meth="repeat">
+    <dgm:fillClrLst>
       <a:schemeClr val="accent1">
         <a:tint val="50000"/>
+      </a:schemeClr>
+      <a:schemeClr val="accent2">
+        <a:tint val="20000"/>
       </a:schemeClr>
     </dgm:fillClrLst>
     <dgm:linClrLst meth="repeat">
@@ -291,9 +334,12 @@
     <dgm:txEffectClrLst/>
   </dgm:styleLbl>
   <dgm:styleLbl name="bgImgPlace1">
-    <dgm:fillClrLst meth="repeat">
+    <dgm:fillClrLst>
       <a:schemeClr val="accent1">
         <a:tint val="50000"/>
+      </a:schemeClr>
+      <a:schemeClr val="accent2">
+        <a:tint val="20000"/>
       </a:schemeClr>
     </dgm:fillClrLst>
     <dgm:linClrLst meth="repeat">
@@ -308,14 +354,14 @@
   </dgm:styleLbl>
   <dgm:styleLbl name="sibTrans2D1">
     <dgm:fillClrLst meth="repeat">
-      <a:schemeClr val="accent1">
-        <a:tint val="60000"/>
-      </a:schemeClr>
+      <a:schemeClr val="accent2"/>
+      <a:schemeClr val="accent3"/>
+      <a:schemeClr val="accent4"/>
+      <a:schemeClr val="accent5"/>
+      <a:schemeClr val="accent6"/>
     </dgm:fillClrLst>
-    <dgm:linClrLst meth="repeat">
-      <a:schemeClr val="accent1">
-        <a:tint val="60000"/>
-      </a:schemeClr>
+    <dgm:linClrLst meth="cycle">
+      <a:schemeClr val="lt1"/>
     </dgm:linClrLst>
     <dgm:effectClrLst/>
     <dgm:txLinClrLst/>
@@ -324,42 +370,54 @@
   </dgm:styleLbl>
   <dgm:styleLbl name="fgSibTrans2D1">
     <dgm:fillClrLst meth="repeat">
-      <a:schemeClr val="accent1">
-        <a:tint val="60000"/>
-      </a:schemeClr>
+      <a:schemeClr val="accent2"/>
+      <a:schemeClr val="accent3"/>
+      <a:schemeClr val="accent4"/>
+      <a:schemeClr val="accent5"/>
+      <a:schemeClr val="accent6"/>
     </dgm:fillClrLst>
-    <dgm:linClrLst meth="repeat">
-      <a:schemeClr val="accent1">
-        <a:tint val="60000"/>
-      </a:schemeClr>
+    <dgm:linClrLst meth="cycle">
+      <a:schemeClr val="lt1"/>
     </dgm:linClrLst>
     <dgm:effectClrLst/>
     <dgm:txLinClrLst/>
-    <dgm:txFillClrLst/>
+    <dgm:txFillClrLst meth="repeat">
+      <a:schemeClr val="lt1"/>
+    </dgm:txFillClrLst>
     <dgm:txEffectClrLst/>
   </dgm:styleLbl>
   <dgm:styleLbl name="bgSibTrans2D1">
     <dgm:fillClrLst meth="repeat">
-      <a:schemeClr val="accent1">
-        <a:tint val="60000"/>
-      </a:schemeClr>
+      <a:schemeClr val="accent2"/>
+      <a:schemeClr val="accent3"/>
+      <a:schemeClr val="accent4"/>
+      <a:schemeClr val="accent5"/>
+      <a:schemeClr val="accent6"/>
     </dgm:fillClrLst>
-    <dgm:linClrLst meth="repeat">
-      <a:schemeClr val="accent1">
-        <a:tint val="60000"/>
-      </a:schemeClr>
+    <dgm:linClrLst meth="cycle">
+      <a:schemeClr val="lt1"/>
     </dgm:linClrLst>
     <dgm:effectClrLst/>
     <dgm:txLinClrLst/>
-    <dgm:txFillClrLst/>
+    <dgm:txFillClrLst meth="repeat">
+      <a:schemeClr val="lt1"/>
+    </dgm:txFillClrLst>
     <dgm:txEffectClrLst/>
   </dgm:styleLbl>
   <dgm:styleLbl name="sibTrans1D1">
     <dgm:fillClrLst meth="repeat">
-      <a:schemeClr val="accent1"/>
+      <a:schemeClr val="accent2"/>
+      <a:schemeClr val="accent3"/>
+      <a:schemeClr val="accent4"/>
+      <a:schemeClr val="accent5"/>
+      <a:schemeClr val="accent6"/>
     </dgm:fillClrLst>
     <dgm:linClrLst meth="repeat">
-      <a:schemeClr val="accent1"/>
+      <a:schemeClr val="accent2"/>
+      <a:schemeClr val="accent3"/>
+      <a:schemeClr val="accent4"/>
+      <a:schemeClr val="accent5"/>
+      <a:schemeClr val="accent6"/>
     </dgm:linClrLst>
     <dgm:effectClrLst/>
     <dgm:txLinClrLst/>
@@ -370,10 +428,10 @@
   </dgm:styleLbl>
   <dgm:styleLbl name="callout">
     <dgm:fillClrLst meth="repeat">
-      <a:schemeClr val="accent1"/>
+      <a:schemeClr val="accent2"/>
     </dgm:fillClrLst>
     <dgm:linClrLst meth="repeat">
-      <a:schemeClr val="accent1">
+      <a:schemeClr val="accent2">
         <a:tint val="50000"/>
       </a:schemeClr>
     </dgm:linClrLst>
@@ -398,7 +456,7 @@
   </dgm:styleLbl>
   <dgm:styleLbl name="asst1">
     <dgm:fillClrLst meth="repeat">
-      <a:schemeClr val="accent1"/>
+      <a:schemeClr val="accent2"/>
     </dgm:fillClrLst>
     <dgm:linClrLst meth="repeat">
       <a:schemeClr val="lt1"/>
@@ -409,8 +467,8 @@
     <dgm:txEffectClrLst/>
   </dgm:styleLbl>
   <dgm:styleLbl name="asst2">
-    <dgm:fillClrLst meth="repeat">
-      <a:schemeClr val="accent1"/>
+    <dgm:fillClrLst>
+      <a:schemeClr val="accent3"/>
     </dgm:fillClrLst>
     <dgm:linClrLst meth="repeat">
       <a:schemeClr val="lt1"/>
@@ -421,8 +479,8 @@
     <dgm:txEffectClrLst/>
   </dgm:styleLbl>
   <dgm:styleLbl name="asst3">
-    <dgm:fillClrLst meth="repeat">
-      <a:schemeClr val="accent1"/>
+    <dgm:fillClrLst>
+      <a:schemeClr val="accent4"/>
     </dgm:fillClrLst>
     <dgm:linClrLst meth="repeat">
       <a:schemeClr val="lt1"/>
@@ -433,8 +491,8 @@
     <dgm:txEffectClrLst/>
   </dgm:styleLbl>
   <dgm:styleLbl name="asst4">
-    <dgm:fillClrLst meth="repeat">
-      <a:schemeClr val="accent1"/>
+    <dgm:fillClrLst>
+      <a:schemeClr val="accent5"/>
     </dgm:fillClrLst>
     <dgm:linClrLst meth="repeat">
       <a:schemeClr val="lt1"/>
@@ -446,14 +504,10 @@
   </dgm:styleLbl>
   <dgm:styleLbl name="parChTrans2D1">
     <dgm:fillClrLst meth="repeat">
-      <a:schemeClr val="accent1">
-        <a:tint val="60000"/>
-      </a:schemeClr>
+      <a:schemeClr val="accent2"/>
     </dgm:fillClrLst>
     <dgm:linClrLst meth="repeat">
-      <a:schemeClr val="accent1">
-        <a:tint val="60000"/>
-      </a:schemeClr>
+      <a:schemeClr val="lt1"/>
     </dgm:linClrLst>
     <dgm:effectClrLst/>
     <dgm:txLinClrLst/>
@@ -464,38 +518,34 @@
   </dgm:styleLbl>
   <dgm:styleLbl name="parChTrans2D2">
     <dgm:fillClrLst meth="repeat">
-      <a:schemeClr val="accent1"/>
+      <a:schemeClr val="accent3"/>
     </dgm:fillClrLst>
     <dgm:linClrLst meth="repeat">
-      <a:schemeClr val="accent1"/>
+      <a:schemeClr val="lt1"/>
     </dgm:linClrLst>
     <dgm:effectClrLst/>
     <dgm:txLinClrLst/>
-    <dgm:txFillClrLst meth="repeat">
-      <a:schemeClr val="lt1"/>
-    </dgm:txFillClrLst>
+    <dgm:txFillClrLst/>
     <dgm:txEffectClrLst/>
   </dgm:styleLbl>
   <dgm:styleLbl name="parChTrans2D3">
     <dgm:fillClrLst meth="repeat">
-      <a:schemeClr val="accent1"/>
+      <a:schemeClr val="accent4"/>
     </dgm:fillClrLst>
     <dgm:linClrLst meth="repeat">
-      <a:schemeClr val="accent1"/>
+      <a:schemeClr val="lt1"/>
     </dgm:linClrLst>
     <dgm:effectClrLst/>
     <dgm:txLinClrLst/>
-    <dgm:txFillClrLst meth="repeat">
-      <a:schemeClr val="lt1"/>
-    </dgm:txFillClrLst>
+    <dgm:txFillClrLst/>
     <dgm:txEffectClrLst/>
   </dgm:styleLbl>
   <dgm:styleLbl name="parChTrans2D4">
     <dgm:fillClrLst meth="repeat">
-      <a:schemeClr val="accent1"/>
+      <a:schemeClr val="accent5"/>
     </dgm:fillClrLst>
     <dgm:linClrLst meth="repeat">
-      <a:schemeClr val="accent1"/>
+      <a:schemeClr val="lt1"/>
     </dgm:linClrLst>
     <dgm:effectClrLst/>
     <dgm:txLinClrLst/>
@@ -506,12 +556,10 @@
   </dgm:styleLbl>
   <dgm:styleLbl name="parChTrans1D1">
     <dgm:fillClrLst meth="repeat">
-      <a:schemeClr val="accent1"/>
+      <a:schemeClr val="accent2"/>
     </dgm:fillClrLst>
     <dgm:linClrLst meth="repeat">
-      <a:schemeClr val="accent1">
-        <a:shade val="60000"/>
-      </a:schemeClr>
+      <a:schemeClr val="accent1"/>
     </dgm:linClrLst>
     <dgm:effectClrLst/>
     <dgm:txLinClrLst/>
@@ -522,12 +570,12 @@
   </dgm:styleLbl>
   <dgm:styleLbl name="parChTrans1D2">
     <dgm:fillClrLst meth="repeat">
-      <a:schemeClr val="accent1"/>
+      <a:schemeClr val="accent3">
+        <a:tint val="90000"/>
+      </a:schemeClr>
     </dgm:fillClrLst>
     <dgm:linClrLst meth="repeat">
-      <a:schemeClr val="accent1">
-        <a:shade val="60000"/>
-      </a:schemeClr>
+      <a:schemeClr val="accent2"/>
     </dgm:linClrLst>
     <dgm:effectClrLst/>
     <dgm:txLinClrLst/>
@@ -538,12 +586,12 @@
   </dgm:styleLbl>
   <dgm:styleLbl name="parChTrans1D3">
     <dgm:fillClrLst meth="repeat">
-      <a:schemeClr val="accent1"/>
+      <a:schemeClr val="accent4">
+        <a:tint val="70000"/>
+      </a:schemeClr>
     </dgm:fillClrLst>
     <dgm:linClrLst meth="repeat">
-      <a:schemeClr val="accent1">
-        <a:shade val="80000"/>
-      </a:schemeClr>
+      <a:schemeClr val="accent3"/>
     </dgm:linClrLst>
     <dgm:effectClrLst/>
     <dgm:txLinClrLst/>
@@ -554,12 +602,12 @@
   </dgm:styleLbl>
   <dgm:styleLbl name="parChTrans1D4">
     <dgm:fillClrLst meth="repeat">
-      <a:schemeClr val="accent1"/>
+      <a:schemeClr val="accent5">
+        <a:tint val="50000"/>
+      </a:schemeClr>
     </dgm:fillClrLst>
     <dgm:linClrLst meth="repeat">
-      <a:schemeClr val="accent1">
-        <a:shade val="80000"/>
-      </a:schemeClr>
+      <a:schemeClr val="accent4"/>
     </dgm:linClrLst>
     <dgm:effectClrLst/>
     <dgm:txLinClrLst/>
@@ -575,7 +623,11 @@
       </a:schemeClr>
     </dgm:fillClrLst>
     <dgm:linClrLst meth="repeat">
-      <a:schemeClr val="accent1"/>
+      <a:schemeClr val="accent2"/>
+      <a:schemeClr val="accent3"/>
+      <a:schemeClr val="accent4"/>
+      <a:schemeClr val="accent5"/>
+      <a:schemeClr val="accent6"/>
     </dgm:linClrLst>
     <dgm:effectClrLst/>
     <dgm:txLinClrLst/>
@@ -591,7 +643,11 @@
       </a:schemeClr>
     </dgm:fillClrLst>
     <dgm:linClrLst meth="repeat">
-      <a:schemeClr val="accent1"/>
+      <a:schemeClr val="accent2"/>
+      <a:schemeClr val="accent3"/>
+      <a:schemeClr val="accent4"/>
+      <a:schemeClr val="accent5"/>
+      <a:schemeClr val="accent6"/>
     </dgm:linClrLst>
     <dgm:effectClrLst/>
     <dgm:txLinClrLst/>
@@ -607,7 +663,11 @@
       </a:schemeClr>
     </dgm:fillClrLst>
     <dgm:linClrLst meth="repeat">
-      <a:schemeClr val="accent1"/>
+      <a:schemeClr val="accent2"/>
+      <a:schemeClr val="accent3"/>
+      <a:schemeClr val="accent4"/>
+      <a:schemeClr val="accent5"/>
+      <a:schemeClr val="accent6"/>
     </dgm:linClrLst>
     <dgm:effectClrLst/>
     <dgm:txLinClrLst/>
@@ -639,7 +699,11 @@
       </a:schemeClr>
     </dgm:fillClrLst>
     <dgm:linClrLst meth="repeat">
-      <a:schemeClr val="accent1"/>
+      <a:schemeClr val="accent2"/>
+      <a:schemeClr val="accent3"/>
+      <a:schemeClr val="accent4"/>
+      <a:schemeClr val="accent5"/>
+      <a:schemeClr val="accent6"/>
     </dgm:linClrLst>
     <dgm:effectClrLst/>
     <dgm:txLinClrLst/>
@@ -653,7 +717,11 @@
       <a:schemeClr val="lt1"/>
     </dgm:fillClrLst>
     <dgm:linClrLst meth="repeat">
-      <a:schemeClr val="accent1"/>
+      <a:schemeClr val="accent2"/>
+      <a:schemeClr val="accent3"/>
+      <a:schemeClr val="accent4"/>
+      <a:schemeClr val="accent5"/>
+      <a:schemeClr val="accent6"/>
     </dgm:linClrLst>
     <dgm:effectClrLst/>
     <dgm:txLinClrLst/>
@@ -667,7 +735,11 @@
       <a:schemeClr val="lt1"/>
     </dgm:fillClrLst>
     <dgm:linClrLst meth="repeat">
-      <a:schemeClr val="accent1"/>
+      <a:schemeClr val="accent2"/>
+      <a:schemeClr val="accent3"/>
+      <a:schemeClr val="accent4"/>
+      <a:schemeClr val="accent5"/>
+      <a:schemeClr val="accent6"/>
     </dgm:linClrLst>
     <dgm:effectClrLst/>
     <dgm:txLinClrLst/>
@@ -681,7 +753,11 @@
       <a:schemeClr val="lt1"/>
     </dgm:fillClrLst>
     <dgm:linClrLst meth="repeat">
-      <a:schemeClr val="accent1"/>
+      <a:schemeClr val="accent2"/>
+      <a:schemeClr val="accent3"/>
+      <a:schemeClr val="accent4"/>
+      <a:schemeClr val="accent5"/>
+      <a:schemeClr val="accent6"/>
     </dgm:linClrLst>
     <dgm:effectClrLst/>
     <dgm:txLinClrLst/>
@@ -692,15 +768,47 @@
   </dgm:styleLbl>
   <dgm:styleLbl name="fgAccFollowNode1">
     <dgm:fillClrLst meth="repeat">
-      <a:schemeClr val="accent1">
+      <a:schemeClr val="accent2">
+        <a:tint val="40000"/>
         <a:alpha val="90000"/>
+      </a:schemeClr>
+      <a:schemeClr val="accent3">
         <a:tint val="40000"/>
+        <a:alpha val="90000"/>
+      </a:schemeClr>
+      <a:schemeClr val="accent4">
+        <a:tint val="40000"/>
+        <a:alpha val="90000"/>
+      </a:schemeClr>
+      <a:schemeClr val="accent5">
+        <a:tint val="40000"/>
+        <a:alpha val="90000"/>
+      </a:schemeClr>
+      <a:schemeClr val="accent6">
+        <a:tint val="40000"/>
+        <a:alpha val="90000"/>
       </a:schemeClr>
     </dgm:fillClrLst>
     <dgm:linClrLst meth="repeat">
-      <a:schemeClr val="accent1">
+      <a:schemeClr val="accent2">
+        <a:tint val="40000"/>
         <a:alpha val="90000"/>
+      </a:schemeClr>
+      <a:schemeClr val="accent3">
         <a:tint val="40000"/>
+        <a:alpha val="90000"/>
+      </a:schemeClr>
+      <a:schemeClr val="accent4">
+        <a:tint val="40000"/>
+        <a:alpha val="90000"/>
+      </a:schemeClr>
+      <a:schemeClr val="accent5">
+        <a:tint val="40000"/>
+        <a:alpha val="90000"/>
+      </a:schemeClr>
+      <a:schemeClr val="accent6">
+        <a:tint val="40000"/>
+        <a:alpha val="90000"/>
       </a:schemeClr>
     </dgm:linClrLst>
     <dgm:effectClrLst/>
@@ -712,15 +820,47 @@
   </dgm:styleLbl>
   <dgm:styleLbl name="alignAccFollowNode1">
     <dgm:fillClrLst meth="repeat">
-      <a:schemeClr val="accent1">
+      <a:schemeClr val="accent2">
+        <a:tint val="40000"/>
         <a:alpha val="90000"/>
+      </a:schemeClr>
+      <a:schemeClr val="accent3">
         <a:tint val="40000"/>
+        <a:alpha val="90000"/>
+      </a:schemeClr>
+      <a:schemeClr val="accent4">
+        <a:tint val="40000"/>
+        <a:alpha val="90000"/>
+      </a:schemeClr>
+      <a:schemeClr val="accent5">
+        <a:tint val="40000"/>
+        <a:alpha val="90000"/>
+      </a:schemeClr>
+      <a:schemeClr val="accent6">
+        <a:tint val="40000"/>
+        <a:alpha val="90000"/>
       </a:schemeClr>
     </dgm:fillClrLst>
     <dgm:linClrLst meth="repeat">
-      <a:schemeClr val="accent1">
+      <a:schemeClr val="accent2">
+        <a:tint val="40000"/>
         <a:alpha val="90000"/>
+      </a:schemeClr>
+      <a:schemeClr val="accent3">
         <a:tint val="40000"/>
+        <a:alpha val="90000"/>
+      </a:schemeClr>
+      <a:schemeClr val="accent4">
+        <a:tint val="40000"/>
+        <a:alpha val="90000"/>
+      </a:schemeClr>
+      <a:schemeClr val="accent5">
+        <a:tint val="40000"/>
+        <a:alpha val="90000"/>
+      </a:schemeClr>
+      <a:schemeClr val="accent6">
+        <a:tint val="40000"/>
+        <a:alpha val="90000"/>
       </a:schemeClr>
     </dgm:linClrLst>
     <dgm:effectClrLst/>
@@ -732,15 +872,47 @@
   </dgm:styleLbl>
   <dgm:styleLbl name="bgAccFollowNode1">
     <dgm:fillClrLst meth="repeat">
-      <a:schemeClr val="accent1">
+      <a:schemeClr val="accent2">
+        <a:tint val="40000"/>
         <a:alpha val="90000"/>
+      </a:schemeClr>
+      <a:schemeClr val="accent3">
         <a:tint val="40000"/>
+        <a:alpha val="90000"/>
+      </a:schemeClr>
+      <a:schemeClr val="accent4">
+        <a:tint val="40000"/>
+        <a:alpha val="90000"/>
+      </a:schemeClr>
+      <a:schemeClr val="accent5">
+        <a:tint val="40000"/>
+        <a:alpha val="90000"/>
+      </a:schemeClr>
+      <a:schemeClr val="accent6">
+        <a:tint val="40000"/>
+        <a:alpha val="90000"/>
       </a:schemeClr>
     </dgm:fillClrLst>
     <dgm:linClrLst meth="repeat">
-      <a:schemeClr val="accent1">
+      <a:schemeClr val="accent2">
+        <a:tint val="40000"/>
         <a:alpha val="90000"/>
+      </a:schemeClr>
+      <a:schemeClr val="accent3">
         <a:tint val="40000"/>
+        <a:alpha val="90000"/>
+      </a:schemeClr>
+      <a:schemeClr val="accent4">
+        <a:tint val="40000"/>
+        <a:alpha val="90000"/>
+      </a:schemeClr>
+      <a:schemeClr val="accent5">
+        <a:tint val="40000"/>
+        <a:alpha val="90000"/>
+      </a:schemeClr>
+      <a:schemeClr val="accent6">
+        <a:tint val="40000"/>
+        <a:alpha val="90000"/>
       </a:schemeClr>
     </dgm:linClrLst>
     <dgm:effectClrLst/>
@@ -756,7 +928,7 @@
         <a:alpha val="90000"/>
       </a:schemeClr>
     </dgm:fillClrLst>
-    <dgm:linClrLst meth="repeat">
+    <dgm:linClrLst>
       <a:schemeClr val="accent1"/>
     </dgm:linClrLst>
     <dgm:effectClrLst/>
@@ -772,8 +944,8 @@
         <a:alpha val="90000"/>
       </a:schemeClr>
     </dgm:fillClrLst>
-    <dgm:linClrLst meth="repeat">
-      <a:schemeClr val="accent1"/>
+    <dgm:linClrLst>
+      <a:schemeClr val="accent2"/>
     </dgm:linClrLst>
     <dgm:effectClrLst/>
     <dgm:txLinClrLst/>
@@ -788,8 +960,8 @@
         <a:alpha val="90000"/>
       </a:schemeClr>
     </dgm:fillClrLst>
-    <dgm:linClrLst meth="repeat">
-      <a:schemeClr val="accent1"/>
+    <dgm:linClrLst>
+      <a:schemeClr val="accent3"/>
     </dgm:linClrLst>
     <dgm:effectClrLst/>
     <dgm:txLinClrLst/>
@@ -804,8 +976,8 @@
         <a:alpha val="90000"/>
       </a:schemeClr>
     </dgm:fillClrLst>
-    <dgm:linClrLst meth="repeat">
-      <a:schemeClr val="accent1"/>
+    <dgm:linClrLst>
+      <a:schemeClr val="accent4"/>
     </dgm:linClrLst>
     <dgm:effectClrLst/>
     <dgm:txLinClrLst/>
@@ -816,12 +988,12 @@
   </dgm:styleLbl>
   <dgm:styleLbl name="bgShp">
     <dgm:fillClrLst meth="repeat">
-      <a:schemeClr val="accent1">
+      <a:schemeClr val="accent2">
         <a:tint val="40000"/>
       </a:schemeClr>
     </dgm:fillClrLst>
     <dgm:linClrLst meth="repeat">
-      <a:schemeClr val="accent1"/>
+      <a:schemeClr val="dk1"/>
     </dgm:linClrLst>
     <dgm:effectClrLst/>
     <dgm:txLinClrLst/>
@@ -832,12 +1004,12 @@
   </dgm:styleLbl>
   <dgm:styleLbl name="dkBgShp">
     <dgm:fillClrLst meth="repeat">
-      <a:schemeClr val="accent1">
-        <a:shade val="80000"/>
+      <a:schemeClr val="accent2">
+        <a:shade val="90000"/>
       </a:schemeClr>
     </dgm:fillClrLst>
     <dgm:linClrLst meth="repeat">
-      <a:schemeClr val="accent1"/>
+      <a:schemeClr val="dk1"/>
     </dgm:linClrLst>
     <dgm:effectClrLst/>
     <dgm:txLinClrLst/>
@@ -854,7 +1026,7 @@
       </a:schemeClr>
     </dgm:fillClrLst>
     <dgm:linClrLst meth="repeat">
-      <a:schemeClr val="accent1"/>
+      <a:schemeClr val="accent2"/>
     </dgm:linClrLst>
     <dgm:effectClrLst/>
     <dgm:txLinClrLst/>
@@ -865,8 +1037,8 @@
   </dgm:styleLbl>
   <dgm:styleLbl name="fgShp">
     <dgm:fillClrLst meth="repeat">
-      <a:schemeClr val="accent1">
-        <a:tint val="60000"/>
+      <a:schemeClr val="accent2">
+        <a:tint val="40000"/>
       </a:schemeClr>
     </dgm:fillClrLst>
     <dgm:linClrLst meth="repeat">
@@ -2397,8 +2569,8 @@
 <file path=ppt/diagrams/data1.xml><?xml version="1.0" encoding="utf-8"?>
 <dgm:dataModel xmlns:dgm="http://schemas.openxmlformats.org/drawingml/2006/diagram" xmlns:a="http://schemas.openxmlformats.org/drawingml/2006/main">
   <dgm:ptLst>
-    <dgm:pt modelId="{BF4C6061-5535-43FE-AA7B-2832F827C863}" type="doc">
-      <dgm:prSet loTypeId="urn:microsoft.com/office/officeart/2008/layout/LinedList" loCatId="list" qsTypeId="urn:microsoft.com/office/officeart/2005/8/quickstyle/simple1" qsCatId="simple" csTypeId="urn:microsoft.com/office/officeart/2005/8/colors/accent1_2" csCatId="accent1"/>
+    <dgm:pt modelId="{32257D55-2543-49FA-BC64-C36EB0226B95}" type="doc">
+      <dgm:prSet loTypeId="urn:microsoft.com/office/officeart/2008/layout/LinedList" loCatId="list" qsTypeId="urn:microsoft.com/office/officeart/2005/8/quickstyle/simple1" qsCatId="simple" csTypeId="urn:microsoft.com/office/officeart/2005/8/colors/colorful1" csCatId="colorful"/>
       <dgm:spPr/>
       <dgm:t>
         <a:bodyPr/>
@@ -2408,25 +2580,22 @@
         </a:p>
       </dgm:t>
     </dgm:pt>
-    <dgm:pt modelId="{60F5C96D-348A-449E-85FF-664FDFD3A57D}">
+    <dgm:pt modelId="{66129A34-852D-480C-B115-97C18CC761D6}">
       <dgm:prSet/>
       <dgm:spPr/>
       <dgm:t>
         <a:bodyPr/>
         <a:lstStyle/>
         <a:p>
-          <a:pPr algn="ctr"/>
           <a:r>
-            <a:rPr lang="en-US" dirty="0">
-              <a:latin typeface="Arial" panose="020B0604020202020204" pitchFamily="34" charset="0"/>
-              <a:cs typeface="Arial" panose="020B0604020202020204" pitchFamily="34" charset="0"/>
-            </a:rPr>
+            <a:rPr lang="en-GB"/>
             <a:t>theHarvester</a:t>
           </a:r>
+          <a:endParaRPr lang="en-US"/>
         </a:p>
       </dgm:t>
     </dgm:pt>
-    <dgm:pt modelId="{A47AD073-4318-4812-8513-8CA506B6040E}" type="parTrans" cxnId="{4239D8F7-D4EB-474B-8663-9CD82667BFDC}">
+    <dgm:pt modelId="{4C4CE0C7-8D4B-4873-B516-1B649F9D891E}" type="parTrans" cxnId="{66AC9909-5B9C-46AC-94F3-6DDE59ECB720}">
       <dgm:prSet/>
       <dgm:spPr/>
       <dgm:t>
@@ -2437,7 +2606,7 @@
         </a:p>
       </dgm:t>
     </dgm:pt>
-    <dgm:pt modelId="{3D95359E-9FF7-4AF5-8B1A-7BEC661D0FCB}" type="sibTrans" cxnId="{4239D8F7-D4EB-474B-8663-9CD82667BFDC}">
+    <dgm:pt modelId="{5998D5A1-F5F7-46F0-9A61-CD4B9B0DEA5A}" type="sibTrans" cxnId="{66AC9909-5B9C-46AC-94F3-6DDE59ECB720}">
       <dgm:prSet/>
       <dgm:spPr/>
       <dgm:t>
@@ -2448,25 +2617,22 @@
         </a:p>
       </dgm:t>
     </dgm:pt>
-    <dgm:pt modelId="{8C5098F9-D28B-4F14-AC8D-A8811E6FAAB4}">
+    <dgm:pt modelId="{2BDD1872-EB83-4E72-9E96-7B744FDECB86}">
       <dgm:prSet/>
       <dgm:spPr/>
       <dgm:t>
         <a:bodyPr/>
         <a:lstStyle/>
         <a:p>
-          <a:pPr algn="ctr"/>
           <a:r>
-            <a:rPr lang="en-US" dirty="0">
-              <a:latin typeface="Arial" panose="020B0604020202020204" pitchFamily="34" charset="0"/>
-              <a:cs typeface="Arial" panose="020B0604020202020204" pitchFamily="34" charset="0"/>
-            </a:rPr>
-            <a:t>Netcraft</a:t>
+            <a:rPr lang="en-GB"/>
+            <a:t>Phonebook.cz</a:t>
           </a:r>
+          <a:endParaRPr lang="en-US"/>
         </a:p>
       </dgm:t>
     </dgm:pt>
-    <dgm:pt modelId="{A864C8D4-20EE-47F2-A201-A4C8AFDC9221}" type="parTrans" cxnId="{8D89337F-6C50-48E1-88E8-DFC49D95EA92}">
+    <dgm:pt modelId="{F0AA2182-45D1-40EF-A96A-2AF635781D49}" type="parTrans" cxnId="{9110B30C-192D-4D05-80D8-79577F1F4192}">
       <dgm:prSet/>
       <dgm:spPr/>
       <dgm:t>
@@ -2477,7 +2643,7 @@
         </a:p>
       </dgm:t>
     </dgm:pt>
-    <dgm:pt modelId="{577FE0F2-0999-462F-B873-D6A99883567A}" type="sibTrans" cxnId="{8D89337F-6C50-48E1-88E8-DFC49D95EA92}">
+    <dgm:pt modelId="{A5C27A6F-28B0-4E38-B32B-38B78C62C5D3}" type="sibTrans" cxnId="{9110B30C-192D-4D05-80D8-79577F1F4192}">
       <dgm:prSet/>
       <dgm:spPr/>
       <dgm:t>
@@ -2488,25 +2654,22 @@
         </a:p>
       </dgm:t>
     </dgm:pt>
-    <dgm:pt modelId="{FD5E6C92-1178-4060-916A-1BBF67779AA8}">
+    <dgm:pt modelId="{5C0A6AFD-CF67-4097-AEB2-3C974688190B}">
       <dgm:prSet/>
       <dgm:spPr/>
       <dgm:t>
         <a:bodyPr/>
         <a:lstStyle/>
         <a:p>
-          <a:pPr algn="ctr"/>
           <a:r>
-            <a:rPr lang="en-US" dirty="0">
-              <a:latin typeface="Arial" panose="020B0604020202020204" pitchFamily="34" charset="0"/>
-              <a:cs typeface="Arial" panose="020B0604020202020204" pitchFamily="34" charset="0"/>
-            </a:rPr>
-            <a:t>The Wayback Machine</a:t>
+            <a:rPr lang="en-GB"/>
+            <a:t>Netcraft</a:t>
           </a:r>
+          <a:endParaRPr lang="en-US"/>
         </a:p>
       </dgm:t>
     </dgm:pt>
-    <dgm:pt modelId="{5351618D-0FAA-4010-98E3-E51903AB6824}" type="parTrans" cxnId="{9B8F1F99-9FB1-4CF3-B478-784E6FDC6078}">
+    <dgm:pt modelId="{887C1C2B-9D9A-4865-9903-CC61E845064B}" type="parTrans" cxnId="{54342E69-5641-4F35-A39E-73C92284C087}">
       <dgm:prSet/>
       <dgm:spPr/>
       <dgm:t>
@@ -2517,7 +2680,7 @@
         </a:p>
       </dgm:t>
     </dgm:pt>
-    <dgm:pt modelId="{8CF179F3-E8CC-4225-9F73-047D2D034C97}" type="sibTrans" cxnId="{9B8F1F99-9FB1-4CF3-B478-784E6FDC6078}">
+    <dgm:pt modelId="{B4B959A4-210E-45A5-9299-6D326B045922}" type="sibTrans" cxnId="{54342E69-5641-4F35-A39E-73C92284C087}">
       <dgm:prSet/>
       <dgm:spPr/>
       <dgm:t>
@@ -2528,25 +2691,22 @@
         </a:p>
       </dgm:t>
     </dgm:pt>
-    <dgm:pt modelId="{43BB4DD5-87F9-4706-8CAE-D9DE5D2BD2D0}">
+    <dgm:pt modelId="{BCA865BD-FE2A-49DA-8203-ED1C758D7662}">
       <dgm:prSet/>
       <dgm:spPr/>
       <dgm:t>
         <a:bodyPr/>
         <a:lstStyle/>
         <a:p>
-          <a:pPr algn="ctr"/>
           <a:r>
-            <a:rPr lang="en-US" dirty="0">
-              <a:latin typeface="Arial" panose="020B0604020202020204" pitchFamily="34" charset="0"/>
-              <a:cs typeface="Arial" panose="020B0604020202020204" pitchFamily="34" charset="0"/>
-            </a:rPr>
-            <a:t>Google Dorks</a:t>
+            <a:rPr lang="en-GB"/>
+            <a:t>The Wayback Machine</a:t>
           </a:r>
+          <a:endParaRPr lang="en-US"/>
         </a:p>
       </dgm:t>
     </dgm:pt>
-    <dgm:pt modelId="{DA0D8D72-8D9B-4DEF-B353-ACF5269AA9AA}" type="parTrans" cxnId="{C403045C-4795-4806-A3F5-09BD9648E07D}">
+    <dgm:pt modelId="{75CBB5C9-8EFE-4E34-B774-CE18B876FA25}" type="parTrans" cxnId="{97FD7DB2-5EC4-4282-956C-D2F22CFD3193}">
       <dgm:prSet/>
       <dgm:spPr/>
       <dgm:t>
@@ -2557,7 +2717,7 @@
         </a:p>
       </dgm:t>
     </dgm:pt>
-    <dgm:pt modelId="{41443ECA-EAFB-453C-AB6A-3EF1255F836A}" type="sibTrans" cxnId="{C403045C-4795-4806-A3F5-09BD9648E07D}">
+    <dgm:pt modelId="{E0706A37-D36F-4B1A-9D5C-40FFB2BB8AF3}" type="sibTrans" cxnId="{97FD7DB2-5EC4-4282-956C-D2F22CFD3193}">
       <dgm:prSet/>
       <dgm:spPr/>
       <dgm:t>
@@ -2568,32 +2728,22 @@
         </a:p>
       </dgm:t>
     </dgm:pt>
-    <dgm:pt modelId="{09A9505B-3AAC-4780-8B05-9CBB3501BCBE}">
+    <dgm:pt modelId="{8185C7ED-9252-455A-AE41-C9DC77978594}">
       <dgm:prSet/>
       <dgm:spPr/>
       <dgm:t>
         <a:bodyPr/>
         <a:lstStyle/>
         <a:p>
-          <a:pPr algn="ctr"/>
           <a:r>
-            <a:rPr lang="en-US" dirty="0" err="1">
-              <a:latin typeface="Arial" panose="020B0604020202020204" pitchFamily="34" charset="0"/>
-              <a:cs typeface="Arial" panose="020B0604020202020204" pitchFamily="34" charset="0"/>
-            </a:rPr>
-            <a:t>BreachDirectory</a:t>
+            <a:rPr lang="en-GB"/>
+            <a:t>Google Dorks</a:t>
           </a:r>
-          <a:r>
-            <a:rPr lang="en-US" dirty="0">
-              <a:latin typeface="Arial" panose="020B0604020202020204" pitchFamily="34" charset="0"/>
-              <a:cs typeface="Arial" panose="020B0604020202020204" pitchFamily="34" charset="0"/>
-            </a:rPr>
-            <a:t> API (Rohan Patra)</a:t>
-          </a:r>
+          <a:endParaRPr lang="en-US"/>
         </a:p>
       </dgm:t>
     </dgm:pt>
-    <dgm:pt modelId="{92DF450A-92FF-4813-8A28-C040BC6A516E}" type="parTrans" cxnId="{52EA7D7B-A35E-4B82-9D9F-D7473E7D9979}">
+    <dgm:pt modelId="{BABC98A4-3A6D-4F9B-A24B-CDF39DA9D209}" type="parTrans" cxnId="{4EA98688-7595-4471-9C38-951FAE0D629A}">
       <dgm:prSet/>
       <dgm:spPr/>
       <dgm:t>
@@ -2604,7 +2754,7 @@
         </a:p>
       </dgm:t>
     </dgm:pt>
-    <dgm:pt modelId="{7C566D32-6D33-4066-A131-1A9553D1B96A}" type="sibTrans" cxnId="{52EA7D7B-A35E-4B82-9D9F-D7473E7D9979}">
+    <dgm:pt modelId="{0AC0F433-AA4F-4EDF-BD4E-B9B67043C4CF}" type="sibTrans" cxnId="{4EA98688-7595-4471-9C38-951FAE0D629A}">
       <dgm:prSet/>
       <dgm:spPr/>
       <dgm:t>
@@ -2615,8 +2765,82 @@
         </a:p>
       </dgm:t>
     </dgm:pt>
-    <dgm:pt modelId="{ADB340D3-2ED0-4753-A947-8761D7BE7D86}" type="pres">
-      <dgm:prSet presAssocID="{BF4C6061-5535-43FE-AA7B-2832F827C863}" presName="vert0" presStyleCnt="0">
+    <dgm:pt modelId="{5A345A53-BCF0-4F5B-9E38-5AAC0F91A74F}">
+      <dgm:prSet/>
+      <dgm:spPr/>
+      <dgm:t>
+        <a:bodyPr/>
+        <a:lstStyle/>
+        <a:p>
+          <a:r>
+            <a:rPr lang="en-GB"/>
+            <a:t>BreachDirectory API</a:t>
+          </a:r>
+          <a:endParaRPr lang="en-US"/>
+        </a:p>
+      </dgm:t>
+    </dgm:pt>
+    <dgm:pt modelId="{F0B122FC-B5C9-40A7-8BB1-1F98E21A7B3D}" type="parTrans" cxnId="{95B75DFD-3B96-4872-9164-113B1E7D31E7}">
+      <dgm:prSet/>
+      <dgm:spPr/>
+      <dgm:t>
+        <a:bodyPr/>
+        <a:lstStyle/>
+        <a:p>
+          <a:endParaRPr lang="en-US"/>
+        </a:p>
+      </dgm:t>
+    </dgm:pt>
+    <dgm:pt modelId="{E3DED0BA-1462-4368-8CFD-31B7E8AF1BEE}" type="sibTrans" cxnId="{95B75DFD-3B96-4872-9164-113B1E7D31E7}">
+      <dgm:prSet/>
+      <dgm:spPr/>
+      <dgm:t>
+        <a:bodyPr/>
+        <a:lstStyle/>
+        <a:p>
+          <a:endParaRPr lang="en-US"/>
+        </a:p>
+      </dgm:t>
+    </dgm:pt>
+    <dgm:pt modelId="{A658241C-D442-4CA2-94FA-D2762B506A3E}">
+      <dgm:prSet/>
+      <dgm:spPr/>
+      <dgm:t>
+        <a:bodyPr/>
+        <a:lstStyle/>
+        <a:p>
+          <a:r>
+            <a:rPr lang="en-GB"/>
+            <a:t>Dehashed</a:t>
+          </a:r>
+          <a:endParaRPr lang="en-US"/>
+        </a:p>
+      </dgm:t>
+    </dgm:pt>
+    <dgm:pt modelId="{1B37624D-53C3-4F6C-921D-58CB39E196FF}" type="parTrans" cxnId="{36DE78ED-4729-4D42-8EB2-D9CCFB55FE47}">
+      <dgm:prSet/>
+      <dgm:spPr/>
+      <dgm:t>
+        <a:bodyPr/>
+        <a:lstStyle/>
+        <a:p>
+          <a:endParaRPr lang="en-US"/>
+        </a:p>
+      </dgm:t>
+    </dgm:pt>
+    <dgm:pt modelId="{6F41F6D0-F51A-4452-9C7E-446A3459C5D6}" type="sibTrans" cxnId="{36DE78ED-4729-4D42-8EB2-D9CCFB55FE47}">
+      <dgm:prSet/>
+      <dgm:spPr/>
+      <dgm:t>
+        <a:bodyPr/>
+        <a:lstStyle/>
+        <a:p>
+          <a:endParaRPr lang="en-US"/>
+        </a:p>
+      </dgm:t>
+    </dgm:pt>
+    <dgm:pt modelId="{389BDFF3-466D-4A5C-97B0-E91C9DF6080A}" type="pres">
+      <dgm:prSet presAssocID="{32257D55-2543-49FA-BC64-C36EB0226B95}" presName="vert0" presStyleCnt="0">
         <dgm:presLayoutVars>
           <dgm:dir/>
           <dgm:animOne val="branch"/>
@@ -2625,119 +2849,163 @@
       </dgm:prSet>
       <dgm:spPr/>
     </dgm:pt>
-    <dgm:pt modelId="{0FEA481E-AD3E-4EF2-9DDE-F4E61C562C33}" type="pres">
-      <dgm:prSet presAssocID="{60F5C96D-348A-449E-85FF-664FDFD3A57D}" presName="thickLine" presStyleLbl="alignNode1" presStyleIdx="0" presStyleCnt="5"/>
+    <dgm:pt modelId="{3423F030-A47A-4F58-860A-526A95C4B0F1}" type="pres">
+      <dgm:prSet presAssocID="{66129A34-852D-480C-B115-97C18CC761D6}" presName="thickLine" presStyleLbl="alignNode1" presStyleIdx="0" presStyleCnt="7"/>
       <dgm:spPr/>
     </dgm:pt>
-    <dgm:pt modelId="{A1F11710-3973-4298-980D-2FB137BB1C0F}" type="pres">
-      <dgm:prSet presAssocID="{60F5C96D-348A-449E-85FF-664FDFD3A57D}" presName="horz1" presStyleCnt="0"/>
+    <dgm:pt modelId="{5D8C5B62-0DBB-469A-851E-BDE57D80B8F1}" type="pres">
+      <dgm:prSet presAssocID="{66129A34-852D-480C-B115-97C18CC761D6}" presName="horz1" presStyleCnt="0"/>
       <dgm:spPr/>
     </dgm:pt>
-    <dgm:pt modelId="{C91354AD-1CF7-4447-B3C7-6971AE86E3D7}" type="pres">
-      <dgm:prSet presAssocID="{60F5C96D-348A-449E-85FF-664FDFD3A57D}" presName="tx1" presStyleLbl="revTx" presStyleIdx="0" presStyleCnt="5"/>
+    <dgm:pt modelId="{2CEE7D26-CCC7-46DF-A5AE-25D36BDC7A86}" type="pres">
+      <dgm:prSet presAssocID="{66129A34-852D-480C-B115-97C18CC761D6}" presName="tx1" presStyleLbl="revTx" presStyleIdx="0" presStyleCnt="7"/>
       <dgm:spPr/>
     </dgm:pt>
-    <dgm:pt modelId="{EF5369A6-51E9-4394-BF50-E03675293EAF}" type="pres">
-      <dgm:prSet presAssocID="{60F5C96D-348A-449E-85FF-664FDFD3A57D}" presName="vert1" presStyleCnt="0"/>
+    <dgm:pt modelId="{8B65EB32-18AA-474D-965C-33386BE736B6}" type="pres">
+      <dgm:prSet presAssocID="{66129A34-852D-480C-B115-97C18CC761D6}" presName="vert1" presStyleCnt="0"/>
       <dgm:spPr/>
     </dgm:pt>
-    <dgm:pt modelId="{8EB59163-CB1D-495D-8BD2-E9DC7D6C5307}" type="pres">
-      <dgm:prSet presAssocID="{8C5098F9-D28B-4F14-AC8D-A8811E6FAAB4}" presName="thickLine" presStyleLbl="alignNode1" presStyleIdx="1" presStyleCnt="5"/>
+    <dgm:pt modelId="{AAB14832-A8F0-49AA-83B6-4A28887B7CE1}" type="pres">
+      <dgm:prSet presAssocID="{2BDD1872-EB83-4E72-9E96-7B744FDECB86}" presName="thickLine" presStyleLbl="alignNode1" presStyleIdx="1" presStyleCnt="7"/>
       <dgm:spPr/>
     </dgm:pt>
-    <dgm:pt modelId="{AA2F7A96-7590-4F75-91A9-46C8B63ACC2C}" type="pres">
-      <dgm:prSet presAssocID="{8C5098F9-D28B-4F14-AC8D-A8811E6FAAB4}" presName="horz1" presStyleCnt="0"/>
+    <dgm:pt modelId="{4B656F75-31BA-41BF-9999-DDAEB27D7E65}" type="pres">
+      <dgm:prSet presAssocID="{2BDD1872-EB83-4E72-9E96-7B744FDECB86}" presName="horz1" presStyleCnt="0"/>
       <dgm:spPr/>
     </dgm:pt>
-    <dgm:pt modelId="{CBF4DE00-CCF0-4F89-90A9-849956AE5BC8}" type="pres">
-      <dgm:prSet presAssocID="{8C5098F9-D28B-4F14-AC8D-A8811E6FAAB4}" presName="tx1" presStyleLbl="revTx" presStyleIdx="1" presStyleCnt="5"/>
+    <dgm:pt modelId="{B78B6D39-3E7C-45D3-8269-AE16429F5B6D}" type="pres">
+      <dgm:prSet presAssocID="{2BDD1872-EB83-4E72-9E96-7B744FDECB86}" presName="tx1" presStyleLbl="revTx" presStyleIdx="1" presStyleCnt="7"/>
       <dgm:spPr/>
     </dgm:pt>
-    <dgm:pt modelId="{06D0C738-CF33-491A-99ED-B04D17521262}" type="pres">
-      <dgm:prSet presAssocID="{8C5098F9-D28B-4F14-AC8D-A8811E6FAAB4}" presName="vert1" presStyleCnt="0"/>
+    <dgm:pt modelId="{EDA6095E-96B1-4D3A-9358-548C967024B0}" type="pres">
+      <dgm:prSet presAssocID="{2BDD1872-EB83-4E72-9E96-7B744FDECB86}" presName="vert1" presStyleCnt="0"/>
       <dgm:spPr/>
     </dgm:pt>
-    <dgm:pt modelId="{B0E6E969-5CB0-448B-9109-14BE6017CA21}" type="pres">
-      <dgm:prSet presAssocID="{FD5E6C92-1178-4060-916A-1BBF67779AA8}" presName="thickLine" presStyleLbl="alignNode1" presStyleIdx="2" presStyleCnt="5"/>
+    <dgm:pt modelId="{250FB850-F61C-4415-AFA7-77626F66EB77}" type="pres">
+      <dgm:prSet presAssocID="{5C0A6AFD-CF67-4097-AEB2-3C974688190B}" presName="thickLine" presStyleLbl="alignNode1" presStyleIdx="2" presStyleCnt="7"/>
       <dgm:spPr/>
     </dgm:pt>
-    <dgm:pt modelId="{62D2DB51-1961-48D1-BFE6-5D038492C4DD}" type="pres">
-      <dgm:prSet presAssocID="{FD5E6C92-1178-4060-916A-1BBF67779AA8}" presName="horz1" presStyleCnt="0"/>
+    <dgm:pt modelId="{437F05AD-77BF-49C0-9DDE-EA5FA06272DE}" type="pres">
+      <dgm:prSet presAssocID="{5C0A6AFD-CF67-4097-AEB2-3C974688190B}" presName="horz1" presStyleCnt="0"/>
       <dgm:spPr/>
     </dgm:pt>
-    <dgm:pt modelId="{E04AF721-1614-4B84-BB80-B343EBBF0410}" type="pres">
-      <dgm:prSet presAssocID="{FD5E6C92-1178-4060-916A-1BBF67779AA8}" presName="tx1" presStyleLbl="revTx" presStyleIdx="2" presStyleCnt="5"/>
+    <dgm:pt modelId="{A30611A5-B3EC-47F0-BBD0-82E274217204}" type="pres">
+      <dgm:prSet presAssocID="{5C0A6AFD-CF67-4097-AEB2-3C974688190B}" presName="tx1" presStyleLbl="revTx" presStyleIdx="2" presStyleCnt="7"/>
       <dgm:spPr/>
     </dgm:pt>
-    <dgm:pt modelId="{A5FCAA7F-A09B-4FD8-B466-C8F3FEB49E24}" type="pres">
-      <dgm:prSet presAssocID="{FD5E6C92-1178-4060-916A-1BBF67779AA8}" presName="vert1" presStyleCnt="0"/>
+    <dgm:pt modelId="{D7D9A0D3-0A12-472D-8638-6776EE236023}" type="pres">
+      <dgm:prSet presAssocID="{5C0A6AFD-CF67-4097-AEB2-3C974688190B}" presName="vert1" presStyleCnt="0"/>
       <dgm:spPr/>
     </dgm:pt>
-    <dgm:pt modelId="{C5838B1A-7163-4510-8B88-2F6CD15FDA3E}" type="pres">
-      <dgm:prSet presAssocID="{43BB4DD5-87F9-4706-8CAE-D9DE5D2BD2D0}" presName="thickLine" presStyleLbl="alignNode1" presStyleIdx="3" presStyleCnt="5"/>
+    <dgm:pt modelId="{68E1127C-FA2B-494B-9D3B-034824CD0BFB}" type="pres">
+      <dgm:prSet presAssocID="{BCA865BD-FE2A-49DA-8203-ED1C758D7662}" presName="thickLine" presStyleLbl="alignNode1" presStyleIdx="3" presStyleCnt="7"/>
       <dgm:spPr/>
     </dgm:pt>
-    <dgm:pt modelId="{C0D49385-EAEF-4B73-9F70-77BE95F70862}" type="pres">
-      <dgm:prSet presAssocID="{43BB4DD5-87F9-4706-8CAE-D9DE5D2BD2D0}" presName="horz1" presStyleCnt="0"/>
+    <dgm:pt modelId="{DE64B3A2-FAB0-4BBE-A5C8-7CBD93EE732F}" type="pres">
+      <dgm:prSet presAssocID="{BCA865BD-FE2A-49DA-8203-ED1C758D7662}" presName="horz1" presStyleCnt="0"/>
       <dgm:spPr/>
     </dgm:pt>
-    <dgm:pt modelId="{31BCCB0A-DD30-45E8-B5A5-A96A001E8B7C}" type="pres">
-      <dgm:prSet presAssocID="{43BB4DD5-87F9-4706-8CAE-D9DE5D2BD2D0}" presName="tx1" presStyleLbl="revTx" presStyleIdx="3" presStyleCnt="5"/>
+    <dgm:pt modelId="{869ACBCB-DBBC-4B9E-AEBE-F1B6A8C2A0D5}" type="pres">
+      <dgm:prSet presAssocID="{BCA865BD-FE2A-49DA-8203-ED1C758D7662}" presName="tx1" presStyleLbl="revTx" presStyleIdx="3" presStyleCnt="7"/>
       <dgm:spPr/>
     </dgm:pt>
-    <dgm:pt modelId="{139862B1-9F6E-4891-8896-D24DABA1B3A1}" type="pres">
-      <dgm:prSet presAssocID="{43BB4DD5-87F9-4706-8CAE-D9DE5D2BD2D0}" presName="vert1" presStyleCnt="0"/>
+    <dgm:pt modelId="{D9CFF6F6-6700-4151-B620-D319DB138AC7}" type="pres">
+      <dgm:prSet presAssocID="{BCA865BD-FE2A-49DA-8203-ED1C758D7662}" presName="vert1" presStyleCnt="0"/>
       <dgm:spPr/>
     </dgm:pt>
-    <dgm:pt modelId="{02C2A1FB-F163-4029-B0C1-F5B29E243C48}" type="pres">
-      <dgm:prSet presAssocID="{09A9505B-3AAC-4780-8B05-9CBB3501BCBE}" presName="thickLine" presStyleLbl="alignNode1" presStyleIdx="4" presStyleCnt="5"/>
+    <dgm:pt modelId="{A094C81D-7FE3-45D4-A52E-F3D06DE00344}" type="pres">
+      <dgm:prSet presAssocID="{8185C7ED-9252-455A-AE41-C9DC77978594}" presName="thickLine" presStyleLbl="alignNode1" presStyleIdx="4" presStyleCnt="7"/>
       <dgm:spPr/>
     </dgm:pt>
-    <dgm:pt modelId="{C069E4FD-E1FA-454F-A181-12A5FA766EFA}" type="pres">
-      <dgm:prSet presAssocID="{09A9505B-3AAC-4780-8B05-9CBB3501BCBE}" presName="horz1" presStyleCnt="0"/>
+    <dgm:pt modelId="{84749234-B778-4B93-883E-7ED71E54503C}" type="pres">
+      <dgm:prSet presAssocID="{8185C7ED-9252-455A-AE41-C9DC77978594}" presName="horz1" presStyleCnt="0"/>
       <dgm:spPr/>
     </dgm:pt>
-    <dgm:pt modelId="{6C51F2AD-386B-4545-983F-927DB8D36BAF}" type="pres">
-      <dgm:prSet presAssocID="{09A9505B-3AAC-4780-8B05-9CBB3501BCBE}" presName="tx1" presStyleLbl="revTx" presStyleIdx="4" presStyleCnt="5"/>
+    <dgm:pt modelId="{29B38F72-0958-4B3F-BC38-181EBE96D4F9}" type="pres">
+      <dgm:prSet presAssocID="{8185C7ED-9252-455A-AE41-C9DC77978594}" presName="tx1" presStyleLbl="revTx" presStyleIdx="4" presStyleCnt="7"/>
       <dgm:spPr/>
     </dgm:pt>
-    <dgm:pt modelId="{3C9DB1D1-3865-44E2-833E-DDC5565F720A}" type="pres">
-      <dgm:prSet presAssocID="{09A9505B-3AAC-4780-8B05-9CBB3501BCBE}" presName="vert1" presStyleCnt="0"/>
+    <dgm:pt modelId="{AAB061A1-DDEB-4DA7-90E8-E925AEAE1EBA}" type="pres">
+      <dgm:prSet presAssocID="{8185C7ED-9252-455A-AE41-C9DC77978594}" presName="vert1" presStyleCnt="0"/>
+      <dgm:spPr/>
+    </dgm:pt>
+    <dgm:pt modelId="{7F06A656-BA03-413F-9B51-AA828394B89E}" type="pres">
+      <dgm:prSet presAssocID="{5A345A53-BCF0-4F5B-9E38-5AAC0F91A74F}" presName="thickLine" presStyleLbl="alignNode1" presStyleIdx="5" presStyleCnt="7"/>
+      <dgm:spPr/>
+    </dgm:pt>
+    <dgm:pt modelId="{88C3D7E3-FE2A-4EC4-BC8E-14156454FCB6}" type="pres">
+      <dgm:prSet presAssocID="{5A345A53-BCF0-4F5B-9E38-5AAC0F91A74F}" presName="horz1" presStyleCnt="0"/>
+      <dgm:spPr/>
+    </dgm:pt>
+    <dgm:pt modelId="{332C5EFC-14C9-4899-B3D6-7C9405162313}" type="pres">
+      <dgm:prSet presAssocID="{5A345A53-BCF0-4F5B-9E38-5AAC0F91A74F}" presName="tx1" presStyleLbl="revTx" presStyleIdx="5" presStyleCnt="7"/>
+      <dgm:spPr/>
+    </dgm:pt>
+    <dgm:pt modelId="{763D8F67-8728-4EA2-B999-568F77C882D1}" type="pres">
+      <dgm:prSet presAssocID="{5A345A53-BCF0-4F5B-9E38-5AAC0F91A74F}" presName="vert1" presStyleCnt="0"/>
+      <dgm:spPr/>
+    </dgm:pt>
+    <dgm:pt modelId="{0C0CDF50-CE61-4136-95F7-5D3E5A13A7AC}" type="pres">
+      <dgm:prSet presAssocID="{A658241C-D442-4CA2-94FA-D2762B506A3E}" presName="thickLine" presStyleLbl="alignNode1" presStyleIdx="6" presStyleCnt="7"/>
+      <dgm:spPr/>
+    </dgm:pt>
+    <dgm:pt modelId="{07F6A53C-901E-44C5-8060-D00A2CC13606}" type="pres">
+      <dgm:prSet presAssocID="{A658241C-D442-4CA2-94FA-D2762B506A3E}" presName="horz1" presStyleCnt="0"/>
+      <dgm:spPr/>
+    </dgm:pt>
+    <dgm:pt modelId="{041A8745-8846-47CD-8FE5-CE852E58A0B2}" type="pres">
+      <dgm:prSet presAssocID="{A658241C-D442-4CA2-94FA-D2762B506A3E}" presName="tx1" presStyleLbl="revTx" presStyleIdx="6" presStyleCnt="7"/>
+      <dgm:spPr/>
+    </dgm:pt>
+    <dgm:pt modelId="{3EF62EA2-C03D-490B-AD4E-F31A82655DEC}" type="pres">
+      <dgm:prSet presAssocID="{A658241C-D442-4CA2-94FA-D2762B506A3E}" presName="vert1" presStyleCnt="0"/>
       <dgm:spPr/>
     </dgm:pt>
   </dgm:ptLst>
   <dgm:cxnLst>
-    <dgm:cxn modelId="{4E3D6114-0C6A-4EB4-9031-606C7B13981E}" type="presOf" srcId="{FD5E6C92-1178-4060-916A-1BBF67779AA8}" destId="{E04AF721-1614-4B84-BB80-B343EBBF0410}" srcOrd="0" destOrd="0" presId="urn:microsoft.com/office/officeart/2008/layout/LinedList"/>
-    <dgm:cxn modelId="{0306FA17-CF2D-4C67-91D6-66F2FA0A6ADE}" type="presOf" srcId="{8C5098F9-D28B-4F14-AC8D-A8811E6FAAB4}" destId="{CBF4DE00-CCF0-4F89-90A9-849956AE5BC8}" srcOrd="0" destOrd="0" presId="urn:microsoft.com/office/officeart/2008/layout/LinedList"/>
-    <dgm:cxn modelId="{836A1E3E-6951-475E-A426-F3A173263F70}" type="presOf" srcId="{BF4C6061-5535-43FE-AA7B-2832F827C863}" destId="{ADB340D3-2ED0-4753-A947-8761D7BE7D86}" srcOrd="0" destOrd="0" presId="urn:microsoft.com/office/officeart/2008/layout/LinedList"/>
-    <dgm:cxn modelId="{C403045C-4795-4806-A3F5-09BD9648E07D}" srcId="{BF4C6061-5535-43FE-AA7B-2832F827C863}" destId="{43BB4DD5-87F9-4706-8CAE-D9DE5D2BD2D0}" srcOrd="3" destOrd="0" parTransId="{DA0D8D72-8D9B-4DEF-B353-ACF5269AA9AA}" sibTransId="{41443ECA-EAFB-453C-AB6A-3EF1255F836A}"/>
-    <dgm:cxn modelId="{007E847A-82EF-49BF-8ABF-43C0B5AC4670}" type="presOf" srcId="{09A9505B-3AAC-4780-8B05-9CBB3501BCBE}" destId="{6C51F2AD-386B-4545-983F-927DB8D36BAF}" srcOrd="0" destOrd="0" presId="urn:microsoft.com/office/officeart/2008/layout/LinedList"/>
-    <dgm:cxn modelId="{52EA7D7B-A35E-4B82-9D9F-D7473E7D9979}" srcId="{BF4C6061-5535-43FE-AA7B-2832F827C863}" destId="{09A9505B-3AAC-4780-8B05-9CBB3501BCBE}" srcOrd="4" destOrd="0" parTransId="{92DF450A-92FF-4813-8A28-C040BC6A516E}" sibTransId="{7C566D32-6D33-4066-A131-1A9553D1B96A}"/>
-    <dgm:cxn modelId="{8D89337F-6C50-48E1-88E8-DFC49D95EA92}" srcId="{BF4C6061-5535-43FE-AA7B-2832F827C863}" destId="{8C5098F9-D28B-4F14-AC8D-A8811E6FAAB4}" srcOrd="1" destOrd="0" parTransId="{A864C8D4-20EE-47F2-A201-A4C8AFDC9221}" sibTransId="{577FE0F2-0999-462F-B873-D6A99883567A}"/>
-    <dgm:cxn modelId="{A1F3C682-957D-4656-A253-BAF3C96458BD}" type="presOf" srcId="{43BB4DD5-87F9-4706-8CAE-D9DE5D2BD2D0}" destId="{31BCCB0A-DD30-45E8-B5A5-A96A001E8B7C}" srcOrd="0" destOrd="0" presId="urn:microsoft.com/office/officeart/2008/layout/LinedList"/>
-    <dgm:cxn modelId="{9B8F1F99-9FB1-4CF3-B478-784E6FDC6078}" srcId="{BF4C6061-5535-43FE-AA7B-2832F827C863}" destId="{FD5E6C92-1178-4060-916A-1BBF67779AA8}" srcOrd="2" destOrd="0" parTransId="{5351618D-0FAA-4010-98E3-E51903AB6824}" sibTransId="{8CF179F3-E8CC-4225-9F73-047D2D034C97}"/>
-    <dgm:cxn modelId="{8A3CB49C-60CD-479D-B5D4-2F595735E00F}" type="presOf" srcId="{60F5C96D-348A-449E-85FF-664FDFD3A57D}" destId="{C91354AD-1CF7-4447-B3C7-6971AE86E3D7}" srcOrd="0" destOrd="0" presId="urn:microsoft.com/office/officeart/2008/layout/LinedList"/>
-    <dgm:cxn modelId="{4239D8F7-D4EB-474B-8663-9CD82667BFDC}" srcId="{BF4C6061-5535-43FE-AA7B-2832F827C863}" destId="{60F5C96D-348A-449E-85FF-664FDFD3A57D}" srcOrd="0" destOrd="0" parTransId="{A47AD073-4318-4812-8513-8CA506B6040E}" sibTransId="{3D95359E-9FF7-4AF5-8B1A-7BEC661D0FCB}"/>
-    <dgm:cxn modelId="{A5CD70D2-0FC9-44BC-8895-4BFEC8F4C7C2}" type="presParOf" srcId="{ADB340D3-2ED0-4753-A947-8761D7BE7D86}" destId="{0FEA481E-AD3E-4EF2-9DDE-F4E61C562C33}" srcOrd="0" destOrd="0" presId="urn:microsoft.com/office/officeart/2008/layout/LinedList"/>
-    <dgm:cxn modelId="{E02111F2-DE18-4E4C-801F-E14E10D485C7}" type="presParOf" srcId="{ADB340D3-2ED0-4753-A947-8761D7BE7D86}" destId="{A1F11710-3973-4298-980D-2FB137BB1C0F}" srcOrd="1" destOrd="0" presId="urn:microsoft.com/office/officeart/2008/layout/LinedList"/>
-    <dgm:cxn modelId="{44D01C7B-9EC0-4203-80D7-C0D6B8107180}" type="presParOf" srcId="{A1F11710-3973-4298-980D-2FB137BB1C0F}" destId="{C91354AD-1CF7-4447-B3C7-6971AE86E3D7}" srcOrd="0" destOrd="0" presId="urn:microsoft.com/office/officeart/2008/layout/LinedList"/>
-    <dgm:cxn modelId="{B2396AE6-C9F0-49A1-9000-5F79808A6391}" type="presParOf" srcId="{A1F11710-3973-4298-980D-2FB137BB1C0F}" destId="{EF5369A6-51E9-4394-BF50-E03675293EAF}" srcOrd="1" destOrd="0" presId="urn:microsoft.com/office/officeart/2008/layout/LinedList"/>
-    <dgm:cxn modelId="{57ADE7B8-4999-407D-962F-3EED81DA3FFD}" type="presParOf" srcId="{ADB340D3-2ED0-4753-A947-8761D7BE7D86}" destId="{8EB59163-CB1D-495D-8BD2-E9DC7D6C5307}" srcOrd="2" destOrd="0" presId="urn:microsoft.com/office/officeart/2008/layout/LinedList"/>
-    <dgm:cxn modelId="{C2F9F540-228F-4750-8E70-407535A13B6D}" type="presParOf" srcId="{ADB340D3-2ED0-4753-A947-8761D7BE7D86}" destId="{AA2F7A96-7590-4F75-91A9-46C8B63ACC2C}" srcOrd="3" destOrd="0" presId="urn:microsoft.com/office/officeart/2008/layout/LinedList"/>
-    <dgm:cxn modelId="{34E7E678-8882-41CD-AF12-57171DB66294}" type="presParOf" srcId="{AA2F7A96-7590-4F75-91A9-46C8B63ACC2C}" destId="{CBF4DE00-CCF0-4F89-90A9-849956AE5BC8}" srcOrd="0" destOrd="0" presId="urn:microsoft.com/office/officeart/2008/layout/LinedList"/>
-    <dgm:cxn modelId="{4EBC5BD8-FA15-461E-B6CF-2A602C3FE77F}" type="presParOf" srcId="{AA2F7A96-7590-4F75-91A9-46C8B63ACC2C}" destId="{06D0C738-CF33-491A-99ED-B04D17521262}" srcOrd="1" destOrd="0" presId="urn:microsoft.com/office/officeart/2008/layout/LinedList"/>
-    <dgm:cxn modelId="{7E410040-FFFC-46D1-B1FC-7D51F4D8B570}" type="presParOf" srcId="{ADB340D3-2ED0-4753-A947-8761D7BE7D86}" destId="{B0E6E969-5CB0-448B-9109-14BE6017CA21}" srcOrd="4" destOrd="0" presId="urn:microsoft.com/office/officeart/2008/layout/LinedList"/>
-    <dgm:cxn modelId="{5B20CF7E-A6E6-4BFC-B12C-3589FBD6B550}" type="presParOf" srcId="{ADB340D3-2ED0-4753-A947-8761D7BE7D86}" destId="{62D2DB51-1961-48D1-BFE6-5D038492C4DD}" srcOrd="5" destOrd="0" presId="urn:microsoft.com/office/officeart/2008/layout/LinedList"/>
-    <dgm:cxn modelId="{8E06BC50-D463-4BF2-BC90-233878839E40}" type="presParOf" srcId="{62D2DB51-1961-48D1-BFE6-5D038492C4DD}" destId="{E04AF721-1614-4B84-BB80-B343EBBF0410}" srcOrd="0" destOrd="0" presId="urn:microsoft.com/office/officeart/2008/layout/LinedList"/>
-    <dgm:cxn modelId="{68AE931E-9837-4384-8F70-39EB92E03C07}" type="presParOf" srcId="{62D2DB51-1961-48D1-BFE6-5D038492C4DD}" destId="{A5FCAA7F-A09B-4FD8-B466-C8F3FEB49E24}" srcOrd="1" destOrd="0" presId="urn:microsoft.com/office/officeart/2008/layout/LinedList"/>
-    <dgm:cxn modelId="{21106375-4830-45D4-BA38-86A348E7D470}" type="presParOf" srcId="{ADB340D3-2ED0-4753-A947-8761D7BE7D86}" destId="{C5838B1A-7163-4510-8B88-2F6CD15FDA3E}" srcOrd="6" destOrd="0" presId="urn:microsoft.com/office/officeart/2008/layout/LinedList"/>
-    <dgm:cxn modelId="{3051C7A1-8D91-4533-A89E-03162026B7D4}" type="presParOf" srcId="{ADB340D3-2ED0-4753-A947-8761D7BE7D86}" destId="{C0D49385-EAEF-4B73-9F70-77BE95F70862}" srcOrd="7" destOrd="0" presId="urn:microsoft.com/office/officeart/2008/layout/LinedList"/>
-    <dgm:cxn modelId="{E3CEC5EF-D715-46EB-B35B-E678041332E2}" type="presParOf" srcId="{C0D49385-EAEF-4B73-9F70-77BE95F70862}" destId="{31BCCB0A-DD30-45E8-B5A5-A96A001E8B7C}" srcOrd="0" destOrd="0" presId="urn:microsoft.com/office/officeart/2008/layout/LinedList"/>
-    <dgm:cxn modelId="{E77D70C3-3722-4144-A19A-1A4E6081D572}" type="presParOf" srcId="{C0D49385-EAEF-4B73-9F70-77BE95F70862}" destId="{139862B1-9F6E-4891-8896-D24DABA1B3A1}" srcOrd="1" destOrd="0" presId="urn:microsoft.com/office/officeart/2008/layout/LinedList"/>
-    <dgm:cxn modelId="{90234EA7-8568-4295-8331-8302CCA24237}" type="presParOf" srcId="{ADB340D3-2ED0-4753-A947-8761D7BE7D86}" destId="{02C2A1FB-F163-4029-B0C1-F5B29E243C48}" srcOrd="8" destOrd="0" presId="urn:microsoft.com/office/officeart/2008/layout/LinedList"/>
-    <dgm:cxn modelId="{9EB0F34A-DAB6-43F0-BA99-C769456942D8}" type="presParOf" srcId="{ADB340D3-2ED0-4753-A947-8761D7BE7D86}" destId="{C069E4FD-E1FA-454F-A181-12A5FA766EFA}" srcOrd="9" destOrd="0" presId="urn:microsoft.com/office/officeart/2008/layout/LinedList"/>
-    <dgm:cxn modelId="{19624C1F-7F11-490D-9B9D-E20BFD777062}" type="presParOf" srcId="{C069E4FD-E1FA-454F-A181-12A5FA766EFA}" destId="{6C51F2AD-386B-4545-983F-927DB8D36BAF}" srcOrd="0" destOrd="0" presId="urn:microsoft.com/office/officeart/2008/layout/LinedList"/>
-    <dgm:cxn modelId="{E6C8740A-DFC1-44BC-87CA-A7290709F834}" type="presParOf" srcId="{C069E4FD-E1FA-454F-A181-12A5FA766EFA}" destId="{3C9DB1D1-3865-44E2-833E-DDC5565F720A}" srcOrd="1" destOrd="0" presId="urn:microsoft.com/office/officeart/2008/layout/LinedList"/>
+    <dgm:cxn modelId="{66AC9909-5B9C-46AC-94F3-6DDE59ECB720}" srcId="{32257D55-2543-49FA-BC64-C36EB0226B95}" destId="{66129A34-852D-480C-B115-97C18CC761D6}" srcOrd="0" destOrd="0" parTransId="{4C4CE0C7-8D4B-4873-B516-1B649F9D891E}" sibTransId="{5998D5A1-F5F7-46F0-9A61-CD4B9B0DEA5A}"/>
+    <dgm:cxn modelId="{9110B30C-192D-4D05-80D8-79577F1F4192}" srcId="{32257D55-2543-49FA-BC64-C36EB0226B95}" destId="{2BDD1872-EB83-4E72-9E96-7B744FDECB86}" srcOrd="1" destOrd="0" parTransId="{F0AA2182-45D1-40EF-A96A-2AF635781D49}" sibTransId="{A5C27A6F-28B0-4E38-B32B-38B78C62C5D3}"/>
+    <dgm:cxn modelId="{5DA98819-B09C-44D9-9B7F-8D43E8BE539E}" type="presOf" srcId="{2BDD1872-EB83-4E72-9E96-7B744FDECB86}" destId="{B78B6D39-3E7C-45D3-8269-AE16429F5B6D}" srcOrd="0" destOrd="0" presId="urn:microsoft.com/office/officeart/2008/layout/LinedList"/>
+    <dgm:cxn modelId="{8060475D-448D-4C2A-9898-26FE279CF07F}" type="presOf" srcId="{A658241C-D442-4CA2-94FA-D2762B506A3E}" destId="{041A8745-8846-47CD-8FE5-CE852E58A0B2}" srcOrd="0" destOrd="0" presId="urn:microsoft.com/office/officeart/2008/layout/LinedList"/>
+    <dgm:cxn modelId="{8808F965-8500-4ED2-B46C-5F21E69F3126}" type="presOf" srcId="{5A345A53-BCF0-4F5B-9E38-5AAC0F91A74F}" destId="{332C5EFC-14C9-4899-B3D6-7C9405162313}" srcOrd="0" destOrd="0" presId="urn:microsoft.com/office/officeart/2008/layout/LinedList"/>
+    <dgm:cxn modelId="{54342E69-5641-4F35-A39E-73C92284C087}" srcId="{32257D55-2543-49FA-BC64-C36EB0226B95}" destId="{5C0A6AFD-CF67-4097-AEB2-3C974688190B}" srcOrd="2" destOrd="0" parTransId="{887C1C2B-9D9A-4865-9903-CC61E845064B}" sibTransId="{B4B959A4-210E-45A5-9299-6D326B045922}"/>
+    <dgm:cxn modelId="{72D05F49-1771-4C1D-A392-A1B5F517E2ED}" type="presOf" srcId="{5C0A6AFD-CF67-4097-AEB2-3C974688190B}" destId="{A30611A5-B3EC-47F0-BBD0-82E274217204}" srcOrd="0" destOrd="0" presId="urn:microsoft.com/office/officeart/2008/layout/LinedList"/>
+    <dgm:cxn modelId="{59D1B57E-F8D7-404D-88E9-83EE8BFA5401}" type="presOf" srcId="{32257D55-2543-49FA-BC64-C36EB0226B95}" destId="{389BDFF3-466D-4A5C-97B0-E91C9DF6080A}" srcOrd="0" destOrd="0" presId="urn:microsoft.com/office/officeart/2008/layout/LinedList"/>
+    <dgm:cxn modelId="{4EA98688-7595-4471-9C38-951FAE0D629A}" srcId="{32257D55-2543-49FA-BC64-C36EB0226B95}" destId="{8185C7ED-9252-455A-AE41-C9DC77978594}" srcOrd="4" destOrd="0" parTransId="{BABC98A4-3A6D-4F9B-A24B-CDF39DA9D209}" sibTransId="{0AC0F433-AA4F-4EDF-BD4E-B9B67043C4CF}"/>
+    <dgm:cxn modelId="{97FD7DB2-5EC4-4282-956C-D2F22CFD3193}" srcId="{32257D55-2543-49FA-BC64-C36EB0226B95}" destId="{BCA865BD-FE2A-49DA-8203-ED1C758D7662}" srcOrd="3" destOrd="0" parTransId="{75CBB5C9-8EFE-4E34-B774-CE18B876FA25}" sibTransId="{E0706A37-D36F-4B1A-9D5C-40FFB2BB8AF3}"/>
+    <dgm:cxn modelId="{B837F9CD-5A95-46DC-AC5C-A1F9A8A120CC}" type="presOf" srcId="{BCA865BD-FE2A-49DA-8203-ED1C758D7662}" destId="{869ACBCB-DBBC-4B9E-AEBE-F1B6A8C2A0D5}" srcOrd="0" destOrd="0" presId="urn:microsoft.com/office/officeart/2008/layout/LinedList"/>
+    <dgm:cxn modelId="{067CB6E0-54B0-44CD-9EF8-EFD047A00C0E}" type="presOf" srcId="{66129A34-852D-480C-B115-97C18CC761D6}" destId="{2CEE7D26-CCC7-46DF-A5AE-25D36BDC7A86}" srcOrd="0" destOrd="0" presId="urn:microsoft.com/office/officeart/2008/layout/LinedList"/>
+    <dgm:cxn modelId="{36DE78ED-4729-4D42-8EB2-D9CCFB55FE47}" srcId="{32257D55-2543-49FA-BC64-C36EB0226B95}" destId="{A658241C-D442-4CA2-94FA-D2762B506A3E}" srcOrd="6" destOrd="0" parTransId="{1B37624D-53C3-4F6C-921D-58CB39E196FF}" sibTransId="{6F41F6D0-F51A-4452-9C7E-446A3459C5D6}"/>
+    <dgm:cxn modelId="{862649EE-B918-47C9-BA78-5CDF13F8C746}" type="presOf" srcId="{8185C7ED-9252-455A-AE41-C9DC77978594}" destId="{29B38F72-0958-4B3F-BC38-181EBE96D4F9}" srcOrd="0" destOrd="0" presId="urn:microsoft.com/office/officeart/2008/layout/LinedList"/>
+    <dgm:cxn modelId="{95B75DFD-3B96-4872-9164-113B1E7D31E7}" srcId="{32257D55-2543-49FA-BC64-C36EB0226B95}" destId="{5A345A53-BCF0-4F5B-9E38-5AAC0F91A74F}" srcOrd="5" destOrd="0" parTransId="{F0B122FC-B5C9-40A7-8BB1-1F98E21A7B3D}" sibTransId="{E3DED0BA-1462-4368-8CFD-31B7E8AF1BEE}"/>
+    <dgm:cxn modelId="{321D3401-D7A2-4AAA-BB0A-9A333F7F073D}" type="presParOf" srcId="{389BDFF3-466D-4A5C-97B0-E91C9DF6080A}" destId="{3423F030-A47A-4F58-860A-526A95C4B0F1}" srcOrd="0" destOrd="0" presId="urn:microsoft.com/office/officeart/2008/layout/LinedList"/>
+    <dgm:cxn modelId="{0A0AF738-85A1-434F-B7C7-9690E1B97F63}" type="presParOf" srcId="{389BDFF3-466D-4A5C-97B0-E91C9DF6080A}" destId="{5D8C5B62-0DBB-469A-851E-BDE57D80B8F1}" srcOrd="1" destOrd="0" presId="urn:microsoft.com/office/officeart/2008/layout/LinedList"/>
+    <dgm:cxn modelId="{80F21A10-BD7A-4D1E-BEE1-CB1487610CBE}" type="presParOf" srcId="{5D8C5B62-0DBB-469A-851E-BDE57D80B8F1}" destId="{2CEE7D26-CCC7-46DF-A5AE-25D36BDC7A86}" srcOrd="0" destOrd="0" presId="urn:microsoft.com/office/officeart/2008/layout/LinedList"/>
+    <dgm:cxn modelId="{967F6FB9-F8A7-4E59-BDE0-BAFC76984B39}" type="presParOf" srcId="{5D8C5B62-0DBB-469A-851E-BDE57D80B8F1}" destId="{8B65EB32-18AA-474D-965C-33386BE736B6}" srcOrd="1" destOrd="0" presId="urn:microsoft.com/office/officeart/2008/layout/LinedList"/>
+    <dgm:cxn modelId="{6DB3B118-2676-4657-BFB9-9C74BC503EA2}" type="presParOf" srcId="{389BDFF3-466D-4A5C-97B0-E91C9DF6080A}" destId="{AAB14832-A8F0-49AA-83B6-4A28887B7CE1}" srcOrd="2" destOrd="0" presId="urn:microsoft.com/office/officeart/2008/layout/LinedList"/>
+    <dgm:cxn modelId="{D16BC294-E5FC-4B95-9CB3-FD5059C8353D}" type="presParOf" srcId="{389BDFF3-466D-4A5C-97B0-E91C9DF6080A}" destId="{4B656F75-31BA-41BF-9999-DDAEB27D7E65}" srcOrd="3" destOrd="0" presId="urn:microsoft.com/office/officeart/2008/layout/LinedList"/>
+    <dgm:cxn modelId="{455258D6-EEF1-42D1-B776-17F981F51456}" type="presParOf" srcId="{4B656F75-31BA-41BF-9999-DDAEB27D7E65}" destId="{B78B6D39-3E7C-45D3-8269-AE16429F5B6D}" srcOrd="0" destOrd="0" presId="urn:microsoft.com/office/officeart/2008/layout/LinedList"/>
+    <dgm:cxn modelId="{9E1B5499-F24E-457D-99B2-C6F0F23658D7}" type="presParOf" srcId="{4B656F75-31BA-41BF-9999-DDAEB27D7E65}" destId="{EDA6095E-96B1-4D3A-9358-548C967024B0}" srcOrd="1" destOrd="0" presId="urn:microsoft.com/office/officeart/2008/layout/LinedList"/>
+    <dgm:cxn modelId="{9554BE6B-79C4-44E1-8C85-14B6E742623B}" type="presParOf" srcId="{389BDFF3-466D-4A5C-97B0-E91C9DF6080A}" destId="{250FB850-F61C-4415-AFA7-77626F66EB77}" srcOrd="4" destOrd="0" presId="urn:microsoft.com/office/officeart/2008/layout/LinedList"/>
+    <dgm:cxn modelId="{D6A5FCF6-B366-41B6-A547-7047B92B3B31}" type="presParOf" srcId="{389BDFF3-466D-4A5C-97B0-E91C9DF6080A}" destId="{437F05AD-77BF-49C0-9DDE-EA5FA06272DE}" srcOrd="5" destOrd="0" presId="urn:microsoft.com/office/officeart/2008/layout/LinedList"/>
+    <dgm:cxn modelId="{3CA240FE-BD82-42F5-90FB-37571FABB290}" type="presParOf" srcId="{437F05AD-77BF-49C0-9DDE-EA5FA06272DE}" destId="{A30611A5-B3EC-47F0-BBD0-82E274217204}" srcOrd="0" destOrd="0" presId="urn:microsoft.com/office/officeart/2008/layout/LinedList"/>
+    <dgm:cxn modelId="{1FEE2DCB-39E9-492F-8564-71D0A492FAC2}" type="presParOf" srcId="{437F05AD-77BF-49C0-9DDE-EA5FA06272DE}" destId="{D7D9A0D3-0A12-472D-8638-6776EE236023}" srcOrd="1" destOrd="0" presId="urn:microsoft.com/office/officeart/2008/layout/LinedList"/>
+    <dgm:cxn modelId="{FF4DC9B1-20EE-4FEF-8571-556FBB7530C0}" type="presParOf" srcId="{389BDFF3-466D-4A5C-97B0-E91C9DF6080A}" destId="{68E1127C-FA2B-494B-9D3B-034824CD0BFB}" srcOrd="6" destOrd="0" presId="urn:microsoft.com/office/officeart/2008/layout/LinedList"/>
+    <dgm:cxn modelId="{CEEB23B1-F97C-4719-80EA-B5649FC51F35}" type="presParOf" srcId="{389BDFF3-466D-4A5C-97B0-E91C9DF6080A}" destId="{DE64B3A2-FAB0-4BBE-A5C8-7CBD93EE732F}" srcOrd="7" destOrd="0" presId="urn:microsoft.com/office/officeart/2008/layout/LinedList"/>
+    <dgm:cxn modelId="{7817D3DA-88C5-43E6-8964-2137F4F0DCD0}" type="presParOf" srcId="{DE64B3A2-FAB0-4BBE-A5C8-7CBD93EE732F}" destId="{869ACBCB-DBBC-4B9E-AEBE-F1B6A8C2A0D5}" srcOrd="0" destOrd="0" presId="urn:microsoft.com/office/officeart/2008/layout/LinedList"/>
+    <dgm:cxn modelId="{844A8578-1205-4797-9A97-8C29D1F1DCD3}" type="presParOf" srcId="{DE64B3A2-FAB0-4BBE-A5C8-7CBD93EE732F}" destId="{D9CFF6F6-6700-4151-B620-D319DB138AC7}" srcOrd="1" destOrd="0" presId="urn:microsoft.com/office/officeart/2008/layout/LinedList"/>
+    <dgm:cxn modelId="{D8F8CB98-676A-4DCF-9D57-1F03C9CBCF7A}" type="presParOf" srcId="{389BDFF3-466D-4A5C-97B0-E91C9DF6080A}" destId="{A094C81D-7FE3-45D4-A52E-F3D06DE00344}" srcOrd="8" destOrd="0" presId="urn:microsoft.com/office/officeart/2008/layout/LinedList"/>
+    <dgm:cxn modelId="{1CEE6BD1-A409-4A6D-835C-4DC188B0308B}" type="presParOf" srcId="{389BDFF3-466D-4A5C-97B0-E91C9DF6080A}" destId="{84749234-B778-4B93-883E-7ED71E54503C}" srcOrd="9" destOrd="0" presId="urn:microsoft.com/office/officeart/2008/layout/LinedList"/>
+    <dgm:cxn modelId="{5F1A5C96-B827-4839-B62A-89F306103AD9}" type="presParOf" srcId="{84749234-B778-4B93-883E-7ED71E54503C}" destId="{29B38F72-0958-4B3F-BC38-181EBE96D4F9}" srcOrd="0" destOrd="0" presId="urn:microsoft.com/office/officeart/2008/layout/LinedList"/>
+    <dgm:cxn modelId="{26413E78-4517-4907-BBC7-9F58EA9199D7}" type="presParOf" srcId="{84749234-B778-4B93-883E-7ED71E54503C}" destId="{AAB061A1-DDEB-4DA7-90E8-E925AEAE1EBA}" srcOrd="1" destOrd="0" presId="urn:microsoft.com/office/officeart/2008/layout/LinedList"/>
+    <dgm:cxn modelId="{08349EB5-74DA-491A-A0A9-968BFBB83DE3}" type="presParOf" srcId="{389BDFF3-466D-4A5C-97B0-E91C9DF6080A}" destId="{7F06A656-BA03-413F-9B51-AA828394B89E}" srcOrd="10" destOrd="0" presId="urn:microsoft.com/office/officeart/2008/layout/LinedList"/>
+    <dgm:cxn modelId="{8B545AC0-3062-4645-AE0A-C1E1CC5503B1}" type="presParOf" srcId="{389BDFF3-466D-4A5C-97B0-E91C9DF6080A}" destId="{88C3D7E3-FE2A-4EC4-BC8E-14156454FCB6}" srcOrd="11" destOrd="0" presId="urn:microsoft.com/office/officeart/2008/layout/LinedList"/>
+    <dgm:cxn modelId="{D7D81AC6-0CFA-4311-87FF-680FECEAEBE6}" type="presParOf" srcId="{88C3D7E3-FE2A-4EC4-BC8E-14156454FCB6}" destId="{332C5EFC-14C9-4899-B3D6-7C9405162313}" srcOrd="0" destOrd="0" presId="urn:microsoft.com/office/officeart/2008/layout/LinedList"/>
+    <dgm:cxn modelId="{07B8E35A-0B17-4B9C-861A-6EB98AC7556B}" type="presParOf" srcId="{88C3D7E3-FE2A-4EC4-BC8E-14156454FCB6}" destId="{763D8F67-8728-4EA2-B999-568F77C882D1}" srcOrd="1" destOrd="0" presId="urn:microsoft.com/office/officeart/2008/layout/LinedList"/>
+    <dgm:cxn modelId="{13483EF3-9DDF-4AF9-8569-D06E99F68638}" type="presParOf" srcId="{389BDFF3-466D-4A5C-97B0-E91C9DF6080A}" destId="{0C0CDF50-CE61-4136-95F7-5D3E5A13A7AC}" srcOrd="12" destOrd="0" presId="urn:microsoft.com/office/officeart/2008/layout/LinedList"/>
+    <dgm:cxn modelId="{5B80D71F-6F2A-4468-BDCF-15D6945D01B0}" type="presParOf" srcId="{389BDFF3-466D-4A5C-97B0-E91C9DF6080A}" destId="{07F6A53C-901E-44C5-8060-D00A2CC13606}" srcOrd="13" destOrd="0" presId="urn:microsoft.com/office/officeart/2008/layout/LinedList"/>
+    <dgm:cxn modelId="{A5946662-A5FE-4733-B274-2F05A681C68D}" type="presParOf" srcId="{07F6A53C-901E-44C5-8060-D00A2CC13606}" destId="{041A8745-8846-47CD-8FE5-CE852E58A0B2}" srcOrd="0" destOrd="0" presId="urn:microsoft.com/office/officeart/2008/layout/LinedList"/>
+    <dgm:cxn modelId="{AD8E2BFB-2B25-477A-A755-2BB12C28CE07}" type="presParOf" srcId="{07F6A53C-901E-44C5-8060-D00A2CC13606}" destId="{3EF62EA2-C03D-490B-AD4E-F31A82655DEC}" srcOrd="1" destOrd="0" presId="urn:microsoft.com/office/officeart/2008/layout/LinedList"/>
   </dgm:cxnLst>
   <dgm:bg/>
   <dgm:whole/>
@@ -3216,21 +3484,21 @@
       <dsp:cNvGrpSpPr/>
     </dsp:nvGrpSpPr>
     <dsp:grpSpPr/>
-    <dsp:sp modelId="{0FEA481E-AD3E-4EF2-9DDE-F4E61C562C33}">
+    <dsp:sp modelId="{3423F030-A47A-4F58-860A-526A95C4B0F1}">
       <dsp:nvSpPr>
         <dsp:cNvPr id="0" name=""/>
         <dsp:cNvSpPr/>
       </dsp:nvSpPr>
       <dsp:spPr>
         <a:xfrm>
-          <a:off x="0" y="408"/>
-          <a:ext cx="10503407" cy="0"/>
+          <a:off x="0" y="682"/>
+          <a:ext cx="6245265" cy="0"/>
         </a:xfrm>
         <a:prstGeom prst="line">
           <a:avLst/>
         </a:prstGeom>
         <a:solidFill>
-          <a:schemeClr val="accent1">
+          <a:schemeClr val="accent2">
             <a:hueOff val="0"/>
             <a:satOff val="0"/>
             <a:lumOff val="0"/>
@@ -3239,7 +3507,7 @@
         </a:solidFill>
         <a:ln w="12700" cap="flat" cmpd="sng" algn="ctr">
           <a:solidFill>
-            <a:schemeClr val="accent1">
+            <a:schemeClr val="accent2">
               <a:hueOff val="0"/>
               <a:satOff val="0"/>
               <a:lumOff val="0"/>
@@ -3266,15 +3534,15 @@
         </a:fontRef>
       </dsp:style>
     </dsp:sp>
-    <dsp:sp modelId="{C91354AD-1CF7-4447-B3C7-6971AE86E3D7}">
+    <dsp:sp modelId="{2CEE7D26-CCC7-46DF-A5AE-25D36BDC7A86}">
       <dsp:nvSpPr>
         <dsp:cNvPr id="0" name=""/>
         <dsp:cNvSpPr/>
       </dsp:nvSpPr>
       <dsp:spPr>
         <a:xfrm>
-          <a:off x="0" y="408"/>
-          <a:ext cx="10503407" cy="669177"/>
+          <a:off x="0" y="682"/>
+          <a:ext cx="6245265" cy="798283"/>
         </a:xfrm>
         <a:prstGeom prst="rect">
           <a:avLst/>
@@ -3298,12 +3566,12 @@
         <a:fontRef idx="minor"/>
       </dsp:style>
       <dsp:txBody>
-        <a:bodyPr spcFirstLastPara="0" vert="horz" wrap="square" lIns="121920" tIns="121920" rIns="121920" bIns="121920" numCol="1" spcCol="1270" anchor="t" anchorCtr="0">
+        <a:bodyPr spcFirstLastPara="0" vert="horz" wrap="square" lIns="137160" tIns="137160" rIns="137160" bIns="137160" numCol="1" spcCol="1270" anchor="t" anchorCtr="0">
           <a:noAutofit/>
         </a:bodyPr>
         <a:lstStyle/>
         <a:p>
-          <a:pPr marL="0" lvl="0" indent="0" algn="ctr" defTabSz="1422400">
+          <a:pPr marL="0" lvl="0" indent="0" algn="l" defTabSz="1600200">
             <a:lnSpc>
               <a:spcPct val="90000"/>
             </a:lnSpc>
@@ -3316,34 +3584,32 @@
             <a:buNone/>
           </a:pPr>
           <a:r>
-            <a:rPr lang="en-US" sz="3200" kern="1200" dirty="0">
-              <a:latin typeface="Arial" panose="020B0604020202020204" pitchFamily="34" charset="0"/>
-              <a:cs typeface="Arial" panose="020B0604020202020204" pitchFamily="34" charset="0"/>
-            </a:rPr>
+            <a:rPr lang="en-GB" sz="3600" kern="1200"/>
             <a:t>theHarvester</a:t>
           </a:r>
+          <a:endParaRPr lang="en-US" sz="3600" kern="1200"/>
         </a:p>
       </dsp:txBody>
       <dsp:txXfrm>
-        <a:off x="0" y="408"/>
-        <a:ext cx="10503407" cy="669177"/>
+        <a:off x="0" y="682"/>
+        <a:ext cx="6245265" cy="798283"/>
       </dsp:txXfrm>
     </dsp:sp>
-    <dsp:sp modelId="{8EB59163-CB1D-495D-8BD2-E9DC7D6C5307}">
+    <dsp:sp modelId="{AAB14832-A8F0-49AA-83B6-4A28887B7CE1}">
       <dsp:nvSpPr>
         <dsp:cNvPr id="0" name=""/>
         <dsp:cNvSpPr/>
       </dsp:nvSpPr>
       <dsp:spPr>
         <a:xfrm>
-          <a:off x="0" y="669585"/>
-          <a:ext cx="10503407" cy="0"/>
+          <a:off x="0" y="798965"/>
+          <a:ext cx="6245265" cy="0"/>
         </a:xfrm>
         <a:prstGeom prst="line">
           <a:avLst/>
         </a:prstGeom>
         <a:solidFill>
-          <a:schemeClr val="accent1">
+          <a:schemeClr val="accent3">
             <a:hueOff val="0"/>
             <a:satOff val="0"/>
             <a:lumOff val="0"/>
@@ -3352,7 +3618,7 @@
         </a:solidFill>
         <a:ln w="12700" cap="flat" cmpd="sng" algn="ctr">
           <a:solidFill>
-            <a:schemeClr val="accent1">
+            <a:schemeClr val="accent3">
               <a:hueOff val="0"/>
               <a:satOff val="0"/>
               <a:lumOff val="0"/>
@@ -3379,15 +3645,15 @@
         </a:fontRef>
       </dsp:style>
     </dsp:sp>
-    <dsp:sp modelId="{CBF4DE00-CCF0-4F89-90A9-849956AE5BC8}">
+    <dsp:sp modelId="{B78B6D39-3E7C-45D3-8269-AE16429F5B6D}">
       <dsp:nvSpPr>
         <dsp:cNvPr id="0" name=""/>
         <dsp:cNvSpPr/>
       </dsp:nvSpPr>
       <dsp:spPr>
         <a:xfrm>
-          <a:off x="0" y="669585"/>
-          <a:ext cx="10503407" cy="669177"/>
+          <a:off x="0" y="798965"/>
+          <a:ext cx="6245265" cy="798283"/>
         </a:xfrm>
         <a:prstGeom prst="rect">
           <a:avLst/>
@@ -3411,12 +3677,12 @@
         <a:fontRef idx="minor"/>
       </dsp:style>
       <dsp:txBody>
-        <a:bodyPr spcFirstLastPara="0" vert="horz" wrap="square" lIns="121920" tIns="121920" rIns="121920" bIns="121920" numCol="1" spcCol="1270" anchor="t" anchorCtr="0">
+        <a:bodyPr spcFirstLastPara="0" vert="horz" wrap="square" lIns="137160" tIns="137160" rIns="137160" bIns="137160" numCol="1" spcCol="1270" anchor="t" anchorCtr="0">
           <a:noAutofit/>
         </a:bodyPr>
         <a:lstStyle/>
         <a:p>
-          <a:pPr marL="0" lvl="0" indent="0" algn="ctr" defTabSz="1422400">
+          <a:pPr marL="0" lvl="0" indent="0" algn="l" defTabSz="1600200">
             <a:lnSpc>
               <a:spcPct val="90000"/>
             </a:lnSpc>
@@ -3429,34 +3695,32 @@
             <a:buNone/>
           </a:pPr>
           <a:r>
-            <a:rPr lang="en-US" sz="3200" kern="1200" dirty="0">
-              <a:latin typeface="Arial" panose="020B0604020202020204" pitchFamily="34" charset="0"/>
-              <a:cs typeface="Arial" panose="020B0604020202020204" pitchFamily="34" charset="0"/>
-            </a:rPr>
-            <a:t>Netcraft</a:t>
+            <a:rPr lang="en-GB" sz="3600" kern="1200"/>
+            <a:t>Phonebook.cz</a:t>
           </a:r>
+          <a:endParaRPr lang="en-US" sz="3600" kern="1200"/>
         </a:p>
       </dsp:txBody>
       <dsp:txXfrm>
-        <a:off x="0" y="669585"/>
-        <a:ext cx="10503407" cy="669177"/>
+        <a:off x="0" y="798965"/>
+        <a:ext cx="6245265" cy="798283"/>
       </dsp:txXfrm>
     </dsp:sp>
-    <dsp:sp modelId="{B0E6E969-5CB0-448B-9109-14BE6017CA21}">
+    <dsp:sp modelId="{250FB850-F61C-4415-AFA7-77626F66EB77}">
       <dsp:nvSpPr>
         <dsp:cNvPr id="0" name=""/>
         <dsp:cNvSpPr/>
       </dsp:nvSpPr>
       <dsp:spPr>
         <a:xfrm>
-          <a:off x="0" y="1338763"/>
-          <a:ext cx="10503407" cy="0"/>
+          <a:off x="0" y="1597248"/>
+          <a:ext cx="6245265" cy="0"/>
         </a:xfrm>
         <a:prstGeom prst="line">
           <a:avLst/>
         </a:prstGeom>
         <a:solidFill>
-          <a:schemeClr val="accent1">
+          <a:schemeClr val="accent4">
             <a:hueOff val="0"/>
             <a:satOff val="0"/>
             <a:lumOff val="0"/>
@@ -3465,7 +3729,7 @@
         </a:solidFill>
         <a:ln w="12700" cap="flat" cmpd="sng" algn="ctr">
           <a:solidFill>
-            <a:schemeClr val="accent1">
+            <a:schemeClr val="accent4">
               <a:hueOff val="0"/>
               <a:satOff val="0"/>
               <a:lumOff val="0"/>
@@ -3492,15 +3756,15 @@
         </a:fontRef>
       </dsp:style>
     </dsp:sp>
-    <dsp:sp modelId="{E04AF721-1614-4B84-BB80-B343EBBF0410}">
+    <dsp:sp modelId="{A30611A5-B3EC-47F0-BBD0-82E274217204}">
       <dsp:nvSpPr>
         <dsp:cNvPr id="0" name=""/>
         <dsp:cNvSpPr/>
       </dsp:nvSpPr>
       <dsp:spPr>
         <a:xfrm>
-          <a:off x="0" y="1338763"/>
-          <a:ext cx="10503407" cy="669177"/>
+          <a:off x="0" y="1597248"/>
+          <a:ext cx="6245265" cy="798283"/>
         </a:xfrm>
         <a:prstGeom prst="rect">
           <a:avLst/>
@@ -3524,12 +3788,12 @@
         <a:fontRef idx="minor"/>
       </dsp:style>
       <dsp:txBody>
-        <a:bodyPr spcFirstLastPara="0" vert="horz" wrap="square" lIns="121920" tIns="121920" rIns="121920" bIns="121920" numCol="1" spcCol="1270" anchor="t" anchorCtr="0">
+        <a:bodyPr spcFirstLastPara="0" vert="horz" wrap="square" lIns="137160" tIns="137160" rIns="137160" bIns="137160" numCol="1" spcCol="1270" anchor="t" anchorCtr="0">
           <a:noAutofit/>
         </a:bodyPr>
         <a:lstStyle/>
         <a:p>
-          <a:pPr marL="0" lvl="0" indent="0" algn="ctr" defTabSz="1422400">
+          <a:pPr marL="0" lvl="0" indent="0" algn="l" defTabSz="1600200">
             <a:lnSpc>
               <a:spcPct val="90000"/>
             </a:lnSpc>
@@ -3542,34 +3806,32 @@
             <a:buNone/>
           </a:pPr>
           <a:r>
-            <a:rPr lang="en-US" sz="3200" kern="1200" dirty="0">
-              <a:latin typeface="Arial" panose="020B0604020202020204" pitchFamily="34" charset="0"/>
-              <a:cs typeface="Arial" panose="020B0604020202020204" pitchFamily="34" charset="0"/>
-            </a:rPr>
-            <a:t>The Wayback Machine</a:t>
+            <a:rPr lang="en-GB" sz="3600" kern="1200"/>
+            <a:t>Netcraft</a:t>
           </a:r>
+          <a:endParaRPr lang="en-US" sz="3600" kern="1200"/>
         </a:p>
       </dsp:txBody>
       <dsp:txXfrm>
-        <a:off x="0" y="1338763"/>
-        <a:ext cx="10503407" cy="669177"/>
+        <a:off x="0" y="1597248"/>
+        <a:ext cx="6245265" cy="798283"/>
       </dsp:txXfrm>
     </dsp:sp>
-    <dsp:sp modelId="{C5838B1A-7163-4510-8B88-2F6CD15FDA3E}">
+    <dsp:sp modelId="{68E1127C-FA2B-494B-9D3B-034824CD0BFB}">
       <dsp:nvSpPr>
         <dsp:cNvPr id="0" name=""/>
         <dsp:cNvSpPr/>
       </dsp:nvSpPr>
       <dsp:spPr>
         <a:xfrm>
-          <a:off x="0" y="2007940"/>
-          <a:ext cx="10503407" cy="0"/>
+          <a:off x="0" y="2395531"/>
+          <a:ext cx="6245265" cy="0"/>
         </a:xfrm>
         <a:prstGeom prst="line">
           <a:avLst/>
         </a:prstGeom>
         <a:solidFill>
-          <a:schemeClr val="accent1">
+          <a:schemeClr val="accent5">
             <a:hueOff val="0"/>
             <a:satOff val="0"/>
             <a:lumOff val="0"/>
@@ -3578,7 +3840,7 @@
         </a:solidFill>
         <a:ln w="12700" cap="flat" cmpd="sng" algn="ctr">
           <a:solidFill>
-            <a:schemeClr val="accent1">
+            <a:schemeClr val="accent5">
               <a:hueOff val="0"/>
               <a:satOff val="0"/>
               <a:lumOff val="0"/>
@@ -3605,15 +3867,15 @@
         </a:fontRef>
       </dsp:style>
     </dsp:sp>
-    <dsp:sp modelId="{31BCCB0A-DD30-45E8-B5A5-A96A001E8B7C}">
+    <dsp:sp modelId="{869ACBCB-DBBC-4B9E-AEBE-F1B6A8C2A0D5}">
       <dsp:nvSpPr>
         <dsp:cNvPr id="0" name=""/>
         <dsp:cNvSpPr/>
       </dsp:nvSpPr>
       <dsp:spPr>
         <a:xfrm>
-          <a:off x="0" y="2007940"/>
-          <a:ext cx="10503407" cy="669177"/>
+          <a:off x="0" y="2395531"/>
+          <a:ext cx="6245265" cy="798283"/>
         </a:xfrm>
         <a:prstGeom prst="rect">
           <a:avLst/>
@@ -3637,12 +3899,12 @@
         <a:fontRef idx="minor"/>
       </dsp:style>
       <dsp:txBody>
-        <a:bodyPr spcFirstLastPara="0" vert="horz" wrap="square" lIns="121920" tIns="121920" rIns="121920" bIns="121920" numCol="1" spcCol="1270" anchor="t" anchorCtr="0">
+        <a:bodyPr spcFirstLastPara="0" vert="horz" wrap="square" lIns="137160" tIns="137160" rIns="137160" bIns="137160" numCol="1" spcCol="1270" anchor="t" anchorCtr="0">
           <a:noAutofit/>
         </a:bodyPr>
         <a:lstStyle/>
         <a:p>
-          <a:pPr marL="0" lvl="0" indent="0" algn="ctr" defTabSz="1422400">
+          <a:pPr marL="0" lvl="0" indent="0" algn="l" defTabSz="1600200">
             <a:lnSpc>
               <a:spcPct val="90000"/>
             </a:lnSpc>
@@ -3655,34 +3917,32 @@
             <a:buNone/>
           </a:pPr>
           <a:r>
-            <a:rPr lang="en-US" sz="3200" kern="1200" dirty="0">
-              <a:latin typeface="Arial" panose="020B0604020202020204" pitchFamily="34" charset="0"/>
-              <a:cs typeface="Arial" panose="020B0604020202020204" pitchFamily="34" charset="0"/>
-            </a:rPr>
-            <a:t>Google Dorks</a:t>
+            <a:rPr lang="en-GB" sz="3600" kern="1200"/>
+            <a:t>The Wayback Machine</a:t>
           </a:r>
+          <a:endParaRPr lang="en-US" sz="3600" kern="1200"/>
         </a:p>
       </dsp:txBody>
       <dsp:txXfrm>
-        <a:off x="0" y="2007940"/>
-        <a:ext cx="10503407" cy="669177"/>
+        <a:off x="0" y="2395531"/>
+        <a:ext cx="6245265" cy="798283"/>
       </dsp:txXfrm>
     </dsp:sp>
-    <dsp:sp modelId="{02C2A1FB-F163-4029-B0C1-F5B29E243C48}">
+    <dsp:sp modelId="{A094C81D-7FE3-45D4-A52E-F3D06DE00344}">
       <dsp:nvSpPr>
         <dsp:cNvPr id="0" name=""/>
         <dsp:cNvSpPr/>
       </dsp:nvSpPr>
       <dsp:spPr>
         <a:xfrm>
-          <a:off x="0" y="2677118"/>
-          <a:ext cx="10503407" cy="0"/>
+          <a:off x="0" y="3193815"/>
+          <a:ext cx="6245265" cy="0"/>
         </a:xfrm>
         <a:prstGeom prst="line">
           <a:avLst/>
         </a:prstGeom>
         <a:solidFill>
-          <a:schemeClr val="accent1">
+          <a:schemeClr val="accent6">
             <a:hueOff val="0"/>
             <a:satOff val="0"/>
             <a:lumOff val="0"/>
@@ -3691,7 +3951,7 @@
         </a:solidFill>
         <a:ln w="12700" cap="flat" cmpd="sng" algn="ctr">
           <a:solidFill>
-            <a:schemeClr val="accent1">
+            <a:schemeClr val="accent6">
               <a:hueOff val="0"/>
               <a:satOff val="0"/>
               <a:lumOff val="0"/>
@@ -3718,15 +3978,15 @@
         </a:fontRef>
       </dsp:style>
     </dsp:sp>
-    <dsp:sp modelId="{6C51F2AD-386B-4545-983F-927DB8D36BAF}">
+    <dsp:sp modelId="{29B38F72-0958-4B3F-BC38-181EBE96D4F9}">
       <dsp:nvSpPr>
         <dsp:cNvPr id="0" name=""/>
         <dsp:cNvSpPr/>
       </dsp:nvSpPr>
       <dsp:spPr>
         <a:xfrm>
-          <a:off x="0" y="2677118"/>
-          <a:ext cx="10503407" cy="669177"/>
+          <a:off x="0" y="3193815"/>
+          <a:ext cx="6245265" cy="798283"/>
         </a:xfrm>
         <a:prstGeom prst="rect">
           <a:avLst/>
@@ -3750,12 +4010,12 @@
         <a:fontRef idx="minor"/>
       </dsp:style>
       <dsp:txBody>
-        <a:bodyPr spcFirstLastPara="0" vert="horz" wrap="square" lIns="121920" tIns="121920" rIns="121920" bIns="121920" numCol="1" spcCol="1270" anchor="t" anchorCtr="0">
+        <a:bodyPr spcFirstLastPara="0" vert="horz" wrap="square" lIns="137160" tIns="137160" rIns="137160" bIns="137160" numCol="1" spcCol="1270" anchor="t" anchorCtr="0">
           <a:noAutofit/>
         </a:bodyPr>
         <a:lstStyle/>
         <a:p>
-          <a:pPr marL="0" lvl="0" indent="0" algn="ctr" defTabSz="1422400">
+          <a:pPr marL="0" lvl="0" indent="0" algn="l" defTabSz="1600200">
             <a:lnSpc>
               <a:spcPct val="90000"/>
             </a:lnSpc>
@@ -3768,24 +4028,237 @@
             <a:buNone/>
           </a:pPr>
           <a:r>
-            <a:rPr lang="en-US" sz="3200" kern="1200" dirty="0" err="1">
-              <a:latin typeface="Arial" panose="020B0604020202020204" pitchFamily="34" charset="0"/>
-              <a:cs typeface="Arial" panose="020B0604020202020204" pitchFamily="34" charset="0"/>
-            </a:rPr>
-            <a:t>BreachDirectory</a:t>
+            <a:rPr lang="en-GB" sz="3600" kern="1200"/>
+            <a:t>Google Dorks</a:t>
           </a:r>
-          <a:r>
-            <a:rPr lang="en-US" sz="3200" kern="1200" dirty="0">
-              <a:latin typeface="Arial" panose="020B0604020202020204" pitchFamily="34" charset="0"/>
-              <a:cs typeface="Arial" panose="020B0604020202020204" pitchFamily="34" charset="0"/>
-            </a:rPr>
-            <a:t> API (Rohan Patra)</a:t>
-          </a:r>
+          <a:endParaRPr lang="en-US" sz="3600" kern="1200"/>
         </a:p>
       </dsp:txBody>
       <dsp:txXfrm>
-        <a:off x="0" y="2677118"/>
-        <a:ext cx="10503407" cy="669177"/>
+        <a:off x="0" y="3193815"/>
+        <a:ext cx="6245265" cy="798283"/>
+      </dsp:txXfrm>
+    </dsp:sp>
+    <dsp:sp modelId="{7F06A656-BA03-413F-9B51-AA828394B89E}">
+      <dsp:nvSpPr>
+        <dsp:cNvPr id="0" name=""/>
+        <dsp:cNvSpPr/>
+      </dsp:nvSpPr>
+      <dsp:spPr>
+        <a:xfrm>
+          <a:off x="0" y="3992098"/>
+          <a:ext cx="6245265" cy="0"/>
+        </a:xfrm>
+        <a:prstGeom prst="line">
+          <a:avLst/>
+        </a:prstGeom>
+        <a:solidFill>
+          <a:schemeClr val="accent2">
+            <a:hueOff val="0"/>
+            <a:satOff val="0"/>
+            <a:lumOff val="0"/>
+            <a:alphaOff val="0"/>
+          </a:schemeClr>
+        </a:solidFill>
+        <a:ln w="12700" cap="flat" cmpd="sng" algn="ctr">
+          <a:solidFill>
+            <a:schemeClr val="accent2">
+              <a:hueOff val="0"/>
+              <a:satOff val="0"/>
+              <a:lumOff val="0"/>
+              <a:alphaOff val="0"/>
+            </a:schemeClr>
+          </a:solidFill>
+          <a:prstDash val="solid"/>
+          <a:miter lim="800000"/>
+        </a:ln>
+        <a:effectLst/>
+      </dsp:spPr>
+      <dsp:style>
+        <a:lnRef idx="2">
+          <a:scrgbClr r="0" g="0" b="0"/>
+        </a:lnRef>
+        <a:fillRef idx="1">
+          <a:scrgbClr r="0" g="0" b="0"/>
+        </a:fillRef>
+        <a:effectRef idx="0">
+          <a:scrgbClr r="0" g="0" b="0"/>
+        </a:effectRef>
+        <a:fontRef idx="minor">
+          <a:schemeClr val="lt1"/>
+        </a:fontRef>
+      </dsp:style>
+    </dsp:sp>
+    <dsp:sp modelId="{332C5EFC-14C9-4899-B3D6-7C9405162313}">
+      <dsp:nvSpPr>
+        <dsp:cNvPr id="0" name=""/>
+        <dsp:cNvSpPr/>
+      </dsp:nvSpPr>
+      <dsp:spPr>
+        <a:xfrm>
+          <a:off x="0" y="3992098"/>
+          <a:ext cx="6245265" cy="798283"/>
+        </a:xfrm>
+        <a:prstGeom prst="rect">
+          <a:avLst/>
+        </a:prstGeom>
+        <a:noFill/>
+        <a:ln>
+          <a:noFill/>
+        </a:ln>
+        <a:effectLst/>
+      </dsp:spPr>
+      <dsp:style>
+        <a:lnRef idx="0">
+          <a:scrgbClr r="0" g="0" b="0"/>
+        </a:lnRef>
+        <a:fillRef idx="0">
+          <a:scrgbClr r="0" g="0" b="0"/>
+        </a:fillRef>
+        <a:effectRef idx="0">
+          <a:scrgbClr r="0" g="0" b="0"/>
+        </a:effectRef>
+        <a:fontRef idx="minor"/>
+      </dsp:style>
+      <dsp:txBody>
+        <a:bodyPr spcFirstLastPara="0" vert="horz" wrap="square" lIns="137160" tIns="137160" rIns="137160" bIns="137160" numCol="1" spcCol="1270" anchor="t" anchorCtr="0">
+          <a:noAutofit/>
+        </a:bodyPr>
+        <a:lstStyle/>
+        <a:p>
+          <a:pPr marL="0" lvl="0" indent="0" algn="l" defTabSz="1600200">
+            <a:lnSpc>
+              <a:spcPct val="90000"/>
+            </a:lnSpc>
+            <a:spcBef>
+              <a:spcPct val="0"/>
+            </a:spcBef>
+            <a:spcAft>
+              <a:spcPct val="35000"/>
+            </a:spcAft>
+            <a:buNone/>
+          </a:pPr>
+          <a:r>
+            <a:rPr lang="en-GB" sz="3600" kern="1200"/>
+            <a:t>BreachDirectory API</a:t>
+          </a:r>
+          <a:endParaRPr lang="en-US" sz="3600" kern="1200"/>
+        </a:p>
+      </dsp:txBody>
+      <dsp:txXfrm>
+        <a:off x="0" y="3992098"/>
+        <a:ext cx="6245265" cy="798283"/>
+      </dsp:txXfrm>
+    </dsp:sp>
+    <dsp:sp modelId="{0C0CDF50-CE61-4136-95F7-5D3E5A13A7AC}">
+      <dsp:nvSpPr>
+        <dsp:cNvPr id="0" name=""/>
+        <dsp:cNvSpPr/>
+      </dsp:nvSpPr>
+      <dsp:spPr>
+        <a:xfrm>
+          <a:off x="0" y="4790381"/>
+          <a:ext cx="6245265" cy="0"/>
+        </a:xfrm>
+        <a:prstGeom prst="line">
+          <a:avLst/>
+        </a:prstGeom>
+        <a:solidFill>
+          <a:schemeClr val="accent3">
+            <a:hueOff val="0"/>
+            <a:satOff val="0"/>
+            <a:lumOff val="0"/>
+            <a:alphaOff val="0"/>
+          </a:schemeClr>
+        </a:solidFill>
+        <a:ln w="12700" cap="flat" cmpd="sng" algn="ctr">
+          <a:solidFill>
+            <a:schemeClr val="accent3">
+              <a:hueOff val="0"/>
+              <a:satOff val="0"/>
+              <a:lumOff val="0"/>
+              <a:alphaOff val="0"/>
+            </a:schemeClr>
+          </a:solidFill>
+          <a:prstDash val="solid"/>
+          <a:miter lim="800000"/>
+        </a:ln>
+        <a:effectLst/>
+      </dsp:spPr>
+      <dsp:style>
+        <a:lnRef idx="2">
+          <a:scrgbClr r="0" g="0" b="0"/>
+        </a:lnRef>
+        <a:fillRef idx="1">
+          <a:scrgbClr r="0" g="0" b="0"/>
+        </a:fillRef>
+        <a:effectRef idx="0">
+          <a:scrgbClr r="0" g="0" b="0"/>
+        </a:effectRef>
+        <a:fontRef idx="minor">
+          <a:schemeClr val="lt1"/>
+        </a:fontRef>
+      </dsp:style>
+    </dsp:sp>
+    <dsp:sp modelId="{041A8745-8846-47CD-8FE5-CE852E58A0B2}">
+      <dsp:nvSpPr>
+        <dsp:cNvPr id="0" name=""/>
+        <dsp:cNvSpPr/>
+      </dsp:nvSpPr>
+      <dsp:spPr>
+        <a:xfrm>
+          <a:off x="0" y="4790381"/>
+          <a:ext cx="6245265" cy="798283"/>
+        </a:xfrm>
+        <a:prstGeom prst="rect">
+          <a:avLst/>
+        </a:prstGeom>
+        <a:noFill/>
+        <a:ln>
+          <a:noFill/>
+        </a:ln>
+        <a:effectLst/>
+      </dsp:spPr>
+      <dsp:style>
+        <a:lnRef idx="0">
+          <a:scrgbClr r="0" g="0" b="0"/>
+        </a:lnRef>
+        <a:fillRef idx="0">
+          <a:scrgbClr r="0" g="0" b="0"/>
+        </a:fillRef>
+        <a:effectRef idx="0">
+          <a:scrgbClr r="0" g="0" b="0"/>
+        </a:effectRef>
+        <a:fontRef idx="minor"/>
+      </dsp:style>
+      <dsp:txBody>
+        <a:bodyPr spcFirstLastPara="0" vert="horz" wrap="square" lIns="137160" tIns="137160" rIns="137160" bIns="137160" numCol="1" spcCol="1270" anchor="t" anchorCtr="0">
+          <a:noAutofit/>
+        </a:bodyPr>
+        <a:lstStyle/>
+        <a:p>
+          <a:pPr marL="0" lvl="0" indent="0" algn="l" defTabSz="1600200">
+            <a:lnSpc>
+              <a:spcPct val="90000"/>
+            </a:lnSpc>
+            <a:spcBef>
+              <a:spcPct val="0"/>
+            </a:spcBef>
+            <a:spcAft>
+              <a:spcPct val="35000"/>
+            </a:spcAft>
+            <a:buNone/>
+          </a:pPr>
+          <a:r>
+            <a:rPr lang="en-GB" sz="3600" kern="1200"/>
+            <a:t>Dehashed</a:t>
+          </a:r>
+          <a:endParaRPr lang="en-US" sz="3600" kern="1200"/>
+        </a:p>
+      </dsp:txBody>
+      <dsp:txXfrm>
+        <a:off x="0" y="4790381"/>
+        <a:ext cx="6245265" cy="798283"/>
       </dsp:txXfrm>
     </dsp:sp>
   </dsp:spTree>
@@ -9087,7 +9560,7 @@
           <a:p>
             <a:fld id="{5EA28068-AFBD-4979-B752-9EB6F90B1386}" type="datetimeFigureOut">
               <a:rPr lang="en-US" smtClean="0"/>
-              <a:t>12/24/2021</a:t>
+              <a:t>4/7/2022</a:t>
             </a:fld>
             <a:endParaRPr lang="en-US" dirty="0"/>
           </a:p>
@@ -9538,7 +10011,7 @@
     </p:spTree>
     <p:extLst>
       <p:ext uri="{BB962C8B-B14F-4D97-AF65-F5344CB8AC3E}">
-        <p14:creationId xmlns:p14="http://schemas.microsoft.com/office/powerpoint/2010/main" val="3188341112"/>
+        <p14:creationId xmlns:p14="http://schemas.microsoft.com/office/powerpoint/2010/main" val="1441553868"/>
       </p:ext>
     </p:extLst>
   </p:cSld>
@@ -10195,7 +10668,34 @@
           <a:bodyPr/>
           <a:lstStyle/>
           <a:p>
-            <a:endParaRPr lang="en-GB" dirty="0"/>
+            <a:r>
+              <a:rPr lang="en-GB" dirty="0"/>
+              <a:t>A useful resource which is overlooked can be The </a:t>
+            </a:r>
+            <a:r>
+              <a:rPr lang="en-GB" dirty="0" err="1"/>
+              <a:t>Wayback</a:t>
+            </a:r>
+            <a:r>
+              <a:rPr lang="en-GB" dirty="0"/>
+              <a:t> Machine. This is a resource which can allow viewing archived versions of webpages such as main webpages and any other webpages belonging to a target site. Using the </a:t>
+            </a:r>
+            <a:r>
+              <a:rPr lang="en-GB" dirty="0" err="1"/>
+              <a:t>wayback</a:t>
+            </a:r>
+            <a:r>
+              <a:rPr lang="en-GB" dirty="0"/>
+              <a:t> machine can help you to uncover details such as operating system versions, previous data dumps which may have been removed from sites such as </a:t>
+            </a:r>
+            <a:r>
+              <a:rPr lang="en-GB" dirty="0" err="1"/>
+              <a:t>PasteBin</a:t>
+            </a:r>
+            <a:r>
+              <a:rPr lang="en-GB" dirty="0"/>
+              <a:t> in addition to details which could prove to be useful to achieve compromise.</a:t>
+            </a:r>
           </a:p>
         </p:txBody>
       </p:sp>
@@ -10278,6 +10778,39 @@
         <p:txBody>
           <a:bodyPr/>
           <a:lstStyle/>
+          <a:p>
+            <a:r>
+              <a:rPr lang="en-GB" dirty="0"/>
+              <a:t>A useful utility which can uncover files from organisations of different file extensions in addition to webpages which maybe indexed in search engine can be found with Google Dorking. Google </a:t>
+            </a:r>
+            <a:r>
+              <a:rPr lang="en-GB" dirty="0" err="1"/>
+              <a:t>dorking</a:t>
+            </a:r>
+            <a:r>
+              <a:rPr lang="en-GB" dirty="0"/>
+              <a:t> makes use of search operators such as </a:t>
+            </a:r>
+            <a:r>
+              <a:rPr lang="en-GB" dirty="0" err="1"/>
+              <a:t>inurl</a:t>
+            </a:r>
+            <a:r>
+              <a:rPr lang="en-GB" dirty="0"/>
+              <a:t>, intext and filetype which can uncover different kinds of information such as login portals for publicly facing network management interfaces, data dumps from </a:t>
+            </a:r>
+            <a:r>
+              <a:rPr lang="en-GB" dirty="0" err="1"/>
+              <a:t>pasetbin</a:t>
+            </a:r>
+            <a:r>
+              <a:rPr lang="en-GB" dirty="0"/>
+              <a:t> in addition to webpages which could be misconfigured by the server and made accessible to the internet uncovering internal information.</a:t>
+            </a:r>
+          </a:p>
+          <a:p>
+            <a:endParaRPr lang="en-GB" dirty="0"/>
+          </a:p>
           <a:p>
             <a:endParaRPr lang="en-GB" dirty="0"/>
           </a:p>
@@ -25301,10 +25834,10 @@
       </p:grpSpPr>
       <p:cxnSp>
         <p:nvCxnSpPr>
-          <p:cNvPr id="72" name="Straight Connector 71">
+          <p:cNvPr id="71" name="Straight Connector 70">
             <a:extLst>
               <a:ext uri="{FF2B5EF4-FFF2-40B4-BE49-F238E27FC236}">
-                <a16:creationId xmlns:a16="http://schemas.microsoft.com/office/drawing/2014/main" id="{D1B787A8-0D67-4B7E-9B48-86BD906AB6B5}"/>
+                <a16:creationId xmlns:a16="http://schemas.microsoft.com/office/drawing/2014/main" id="{5C05CAAB-DBA2-4548-AD5F-01BB97FBB207}"/>
               </a:ext>
               <a:ext uri="{C183D7F6-B498-43B3-948B-1728B52AA6E4}">
                 <adec:decorative xmlns:adec="http://schemas.microsoft.com/office/drawing/2017/decorative" val="1"/>
@@ -25324,8 +25857,172 @@
         </p:nvCxnSpPr>
         <p:spPr>
           <a:xfrm>
-            <a:off x="715890" y="1114050"/>
-            <a:ext cx="0" cy="5735637"/>
+            <a:off x="715890" y="356812"/>
+            <a:ext cx="0" cy="6492875"/>
+          </a:xfrm>
+          <a:prstGeom prst="line">
+            <a:avLst/>
+          </a:prstGeom>
+          <a:ln w="25400" cap="sq">
+            <a:gradFill flip="none" rotWithShape="1">
+              <a:gsLst>
+                <a:gs pos="0">
+                  <a:schemeClr val="accent2"/>
+                </a:gs>
+                <a:gs pos="100000">
+                  <a:schemeClr val="accent4"/>
+                </a:gs>
+              </a:gsLst>
+              <a:lin ang="16200000" scaled="1"/>
+              <a:tileRect/>
+            </a:gradFill>
+            <a:bevel/>
+          </a:ln>
+        </p:spPr>
+        <p:style>
+          <a:lnRef idx="1">
+            <a:schemeClr val="accent1"/>
+          </a:lnRef>
+          <a:fillRef idx="0">
+            <a:schemeClr val="accent1"/>
+          </a:fillRef>
+          <a:effectRef idx="0">
+            <a:schemeClr val="accent1"/>
+          </a:effectRef>
+          <a:fontRef idx="minor">
+            <a:schemeClr val="tx1"/>
+          </a:fontRef>
+        </p:style>
+      </p:cxnSp>
+      <p:sp useBgFill="1">
+        <p:nvSpPr>
+          <p:cNvPr id="73" name="Rectangle 72">
+            <a:extLst>
+              <a:ext uri="{FF2B5EF4-FFF2-40B4-BE49-F238E27FC236}">
+                <a16:creationId xmlns:a16="http://schemas.microsoft.com/office/drawing/2014/main" id="{8D1AA55E-40D5-461B-A5A8-4AE8AAB71B08}"/>
+              </a:ext>
+              <a:ext uri="{C183D7F6-B498-43B3-948B-1728B52AA6E4}">
+                <adec:decorative xmlns:adec="http://schemas.microsoft.com/office/drawing/2017/decorative" val="1"/>
+              </a:ext>
+            </a:extLst>
+          </p:cNvPr>
+          <p:cNvSpPr>
+            <a:spLocks noGrp="1" noRot="1" noChangeAspect="1" noMove="1" noResize="1" noEditPoints="1" noAdjustHandles="1" noChangeArrowheads="1" noChangeShapeType="1" noTextEdit="1"/>
+          </p:cNvSpPr>
+          <p:nvPr>
+            <p:extLst>
+              <p:ext uri="{386F3935-93C4-4BCD-93E2-E3B085C9AB24}">
+                <p16:designElem xmlns:p16="http://schemas.microsoft.com/office/powerpoint/2015/main" val="1"/>
+              </p:ext>
+            </p:extLst>
+          </p:nvPr>
+        </p:nvSpPr>
+        <p:spPr>
+          <a:xfrm>
+            <a:off x="0" y="0"/>
+            <a:ext cx="12192000" cy="6858000"/>
+          </a:xfrm>
+          <a:prstGeom prst="rect">
+            <a:avLst/>
+          </a:prstGeom>
+          <a:ln>
+            <a:noFill/>
+          </a:ln>
+        </p:spPr>
+        <p:style>
+          <a:lnRef idx="2">
+            <a:schemeClr val="accent1">
+              <a:shade val="50000"/>
+            </a:schemeClr>
+          </a:lnRef>
+          <a:fillRef idx="1">
+            <a:schemeClr val="accent1"/>
+          </a:fillRef>
+          <a:effectRef idx="0">
+            <a:schemeClr val="accent1"/>
+          </a:effectRef>
+          <a:fontRef idx="minor">
+            <a:schemeClr val="lt1"/>
+          </a:fontRef>
+        </p:style>
+        <p:txBody>
+          <a:bodyPr rtlCol="0" anchor="ctr"/>
+          <a:lstStyle/>
+          <a:p>
+            <a:pPr algn="ctr"/>
+            <a:endParaRPr lang="en-US"/>
+          </a:p>
+        </p:txBody>
+      </p:sp>
+      <p:sp>
+        <p:nvSpPr>
+          <p:cNvPr id="3" name="Title 2">
+            <a:extLst>
+              <a:ext uri="{FF2B5EF4-FFF2-40B4-BE49-F238E27FC236}">
+                <a16:creationId xmlns:a16="http://schemas.microsoft.com/office/drawing/2014/main" id="{4A46291A-67C5-4D28-AEE0-0FFAE8282D12}"/>
+              </a:ext>
+            </a:extLst>
+          </p:cNvPr>
+          <p:cNvSpPr>
+            <a:spLocks noGrp="1"/>
+          </p:cNvSpPr>
+          <p:nvPr>
+            <p:ph type="title"/>
+          </p:nvPr>
+        </p:nvSpPr>
+        <p:spPr>
+          <a:xfrm>
+            <a:off x="838200" y="698643"/>
+            <a:ext cx="5243394" cy="1444435"/>
+          </a:xfrm>
+        </p:spPr>
+        <p:txBody>
+          <a:bodyPr vert="horz" lIns="91440" tIns="45720" rIns="91440" bIns="45720" rtlCol="0" anchor="t">
+            <a:normAutofit/>
+          </a:bodyPr>
+          <a:lstStyle/>
+          <a:p>
+            <a:pPr algn="ctr"/>
+            <a:r>
+              <a:rPr lang="en-US" sz="4900" b="1" kern="1200" dirty="0">
+                <a:solidFill>
+                  <a:schemeClr val="tx1"/>
+                </a:solidFill>
+                <a:latin typeface="Arial" panose="020B0604020202020204" pitchFamily="34" charset="0"/>
+                <a:cs typeface="Arial" panose="020B0604020202020204" pitchFamily="34" charset="0"/>
+              </a:rPr>
+              <a:t>Dehashed</a:t>
+            </a:r>
+          </a:p>
+        </p:txBody>
+      </p:sp>
+      <p:cxnSp>
+        <p:nvCxnSpPr>
+          <p:cNvPr id="75" name="Straight Connector 74">
+            <a:extLst>
+              <a:ext uri="{FF2B5EF4-FFF2-40B4-BE49-F238E27FC236}">
+                <a16:creationId xmlns:a16="http://schemas.microsoft.com/office/drawing/2014/main" id="{C49DA8F6-BCC1-4447-B54C-57856834B94B}"/>
+              </a:ext>
+              <a:ext uri="{C183D7F6-B498-43B3-948B-1728B52AA6E4}">
+                <adec:decorative xmlns:adec="http://schemas.microsoft.com/office/drawing/2017/decorative" val="1"/>
+              </a:ext>
+            </a:extLst>
+          </p:cNvPr>
+          <p:cNvCxnSpPr>
+            <a:cxnSpLocks noGrp="1" noRot="1" noChangeAspect="1" noMove="1" noResize="1" noEditPoints="1" noAdjustHandles="1" noChangeArrowheads="1" noChangeShapeType="1"/>
+          </p:cNvCxnSpPr>
+          <p:nvPr>
+            <p:extLst>
+              <p:ext uri="{386F3935-93C4-4BCD-93E2-E3B085C9AB24}">
+                <p16:designElem xmlns:p16="http://schemas.microsoft.com/office/powerpoint/2015/main" val="1"/>
+              </p:ext>
+            </p:extLst>
+          </p:nvPr>
+        </p:nvCxnSpPr>
+        <p:spPr>
+          <a:xfrm>
+            <a:off x="623622" y="373056"/>
+            <a:ext cx="0" cy="6476066"/>
           </a:xfrm>
           <a:prstGeom prst="line">
             <a:avLst/>
@@ -25363,10 +26060,10 @@
       </p:cxnSp>
       <p:sp>
         <p:nvSpPr>
-          <p:cNvPr id="74" name="Rectangle 73">
+          <p:cNvPr id="77" name="Graphic 11">
             <a:extLst>
               <a:ext uri="{FF2B5EF4-FFF2-40B4-BE49-F238E27FC236}">
-                <a16:creationId xmlns:a16="http://schemas.microsoft.com/office/drawing/2014/main" id="{D9FB580A-BA0E-4D5E-90F4-C42767A78389}"/>
+                <a16:creationId xmlns:a16="http://schemas.microsoft.com/office/drawing/2014/main" id="{6CB927A4-E432-4310-9CD5-E89FF5063179}"/>
               </a:ext>
               <a:ext uri="{C183D7F6-B498-43B3-948B-1728B52AA6E4}">
                 <adec:decorative xmlns:adec="http://schemas.microsoft.com/office/drawing/2017/decorative" val="1"/>
@@ -25386,106 +26083,465 @@
         </p:nvSpPr>
         <p:spPr>
           <a:xfrm>
-            <a:off x="0" y="0"/>
-            <a:ext cx="12192000" cy="6858000"/>
+            <a:off x="6125948" y="740316"/>
+            <a:ext cx="139039" cy="139039"/>
           </a:xfrm>
-          <a:prstGeom prst="rect">
+          <a:custGeom>
             <a:avLst/>
-          </a:prstGeom>
-          <a:gradFill flip="none" rotWithShape="1">
-            <a:gsLst>
-              <a:gs pos="100000">
-                <a:schemeClr val="accent4"/>
-              </a:gs>
-              <a:gs pos="0">
-                <a:schemeClr val="accent2"/>
-              </a:gs>
-            </a:gsLst>
-            <a:lin ang="18900000" scaled="1"/>
-            <a:tileRect/>
-          </a:gradFill>
-          <a:ln>
+            <a:gdLst>
+              <a:gd name="connsiteX0" fmla="*/ 129602 w 139039"/>
+              <a:gd name="connsiteY0" fmla="*/ 60082 h 139039"/>
+              <a:gd name="connsiteX1" fmla="*/ 78957 w 139039"/>
+              <a:gd name="connsiteY1" fmla="*/ 60082 h 139039"/>
+              <a:gd name="connsiteX2" fmla="*/ 78957 w 139039"/>
+              <a:gd name="connsiteY2" fmla="*/ 9437 h 139039"/>
+              <a:gd name="connsiteX3" fmla="*/ 69520 w 139039"/>
+              <a:gd name="connsiteY3" fmla="*/ 0 h 139039"/>
+              <a:gd name="connsiteX4" fmla="*/ 60082 w 139039"/>
+              <a:gd name="connsiteY4" fmla="*/ 9437 h 139039"/>
+              <a:gd name="connsiteX5" fmla="*/ 60082 w 139039"/>
+              <a:gd name="connsiteY5" fmla="*/ 60082 h 139039"/>
+              <a:gd name="connsiteX6" fmla="*/ 9437 w 139039"/>
+              <a:gd name="connsiteY6" fmla="*/ 60082 h 139039"/>
+              <a:gd name="connsiteX7" fmla="*/ 0 w 139039"/>
+              <a:gd name="connsiteY7" fmla="*/ 69520 h 139039"/>
+              <a:gd name="connsiteX8" fmla="*/ 9437 w 139039"/>
+              <a:gd name="connsiteY8" fmla="*/ 78957 h 139039"/>
+              <a:gd name="connsiteX9" fmla="*/ 60082 w 139039"/>
+              <a:gd name="connsiteY9" fmla="*/ 78957 h 139039"/>
+              <a:gd name="connsiteX10" fmla="*/ 60082 w 139039"/>
+              <a:gd name="connsiteY10" fmla="*/ 129602 h 139039"/>
+              <a:gd name="connsiteX11" fmla="*/ 69520 w 139039"/>
+              <a:gd name="connsiteY11" fmla="*/ 139039 h 139039"/>
+              <a:gd name="connsiteX12" fmla="*/ 78957 w 139039"/>
+              <a:gd name="connsiteY12" fmla="*/ 129602 h 139039"/>
+              <a:gd name="connsiteX13" fmla="*/ 78957 w 139039"/>
+              <a:gd name="connsiteY13" fmla="*/ 78957 h 139039"/>
+              <a:gd name="connsiteX14" fmla="*/ 129602 w 139039"/>
+              <a:gd name="connsiteY14" fmla="*/ 78957 h 139039"/>
+              <a:gd name="connsiteX15" fmla="*/ 139039 w 139039"/>
+              <a:gd name="connsiteY15" fmla="*/ 69520 h 139039"/>
+              <a:gd name="connsiteX16" fmla="*/ 129602 w 139039"/>
+              <a:gd name="connsiteY16" fmla="*/ 60082 h 139039"/>
+            </a:gdLst>
+            <a:ahLst/>
+            <a:cxnLst>
+              <a:cxn ang="0">
+                <a:pos x="connsiteX0" y="connsiteY0"/>
+              </a:cxn>
+              <a:cxn ang="0">
+                <a:pos x="connsiteX1" y="connsiteY1"/>
+              </a:cxn>
+              <a:cxn ang="0">
+                <a:pos x="connsiteX2" y="connsiteY2"/>
+              </a:cxn>
+              <a:cxn ang="0">
+                <a:pos x="connsiteX3" y="connsiteY3"/>
+              </a:cxn>
+              <a:cxn ang="0">
+                <a:pos x="connsiteX4" y="connsiteY4"/>
+              </a:cxn>
+              <a:cxn ang="0">
+                <a:pos x="connsiteX5" y="connsiteY5"/>
+              </a:cxn>
+              <a:cxn ang="0">
+                <a:pos x="connsiteX6" y="connsiteY6"/>
+              </a:cxn>
+              <a:cxn ang="0">
+                <a:pos x="connsiteX7" y="connsiteY7"/>
+              </a:cxn>
+              <a:cxn ang="0">
+                <a:pos x="connsiteX8" y="connsiteY8"/>
+              </a:cxn>
+              <a:cxn ang="0">
+                <a:pos x="connsiteX9" y="connsiteY9"/>
+              </a:cxn>
+              <a:cxn ang="0">
+                <a:pos x="connsiteX10" y="connsiteY10"/>
+              </a:cxn>
+              <a:cxn ang="0">
+                <a:pos x="connsiteX11" y="connsiteY11"/>
+              </a:cxn>
+              <a:cxn ang="0">
+                <a:pos x="connsiteX12" y="connsiteY12"/>
+              </a:cxn>
+              <a:cxn ang="0">
+                <a:pos x="connsiteX13" y="connsiteY13"/>
+              </a:cxn>
+              <a:cxn ang="0">
+                <a:pos x="connsiteX14" y="connsiteY14"/>
+              </a:cxn>
+              <a:cxn ang="0">
+                <a:pos x="connsiteX15" y="connsiteY15"/>
+              </a:cxn>
+              <a:cxn ang="0">
+                <a:pos x="connsiteX16" y="connsiteY16"/>
+              </a:cxn>
+            </a:cxnLst>
+            <a:rect l="l" t="t" r="r" b="b"/>
+            <a:pathLst>
+              <a:path w="139039" h="139039">
+                <a:moveTo>
+                  <a:pt x="129602" y="60082"/>
+                </a:moveTo>
+                <a:lnTo>
+                  <a:pt x="78957" y="60082"/>
+                </a:lnTo>
+                <a:lnTo>
+                  <a:pt x="78957" y="9437"/>
+                </a:lnTo>
+                <a:cubicBezTo>
+                  <a:pt x="78957" y="4225"/>
+                  <a:pt x="74731" y="0"/>
+                  <a:pt x="69520" y="0"/>
+                </a:cubicBezTo>
+                <a:cubicBezTo>
+                  <a:pt x="64308" y="0"/>
+                  <a:pt x="60082" y="4225"/>
+                  <a:pt x="60082" y="9437"/>
+                </a:cubicBezTo>
+                <a:lnTo>
+                  <a:pt x="60082" y="60082"/>
+                </a:lnTo>
+                <a:lnTo>
+                  <a:pt x="9437" y="60082"/>
+                </a:lnTo>
+                <a:cubicBezTo>
+                  <a:pt x="4225" y="60082"/>
+                  <a:pt x="0" y="64308"/>
+                  <a:pt x="0" y="69520"/>
+                </a:cubicBezTo>
+                <a:cubicBezTo>
+                  <a:pt x="0" y="74731"/>
+                  <a:pt x="4225" y="78957"/>
+                  <a:pt x="9437" y="78957"/>
+                </a:cubicBezTo>
+                <a:lnTo>
+                  <a:pt x="60082" y="78957"/>
+                </a:lnTo>
+                <a:lnTo>
+                  <a:pt x="60082" y="129602"/>
+                </a:lnTo>
+                <a:cubicBezTo>
+                  <a:pt x="60082" y="134814"/>
+                  <a:pt x="64308" y="139039"/>
+                  <a:pt x="69520" y="139039"/>
+                </a:cubicBezTo>
+                <a:cubicBezTo>
+                  <a:pt x="74731" y="139039"/>
+                  <a:pt x="78957" y="134814"/>
+                  <a:pt x="78957" y="129602"/>
+                </a:cubicBezTo>
+                <a:lnTo>
+                  <a:pt x="78957" y="78957"/>
+                </a:lnTo>
+                <a:lnTo>
+                  <a:pt x="129602" y="78957"/>
+                </a:lnTo>
+                <a:cubicBezTo>
+                  <a:pt x="134814" y="78957"/>
+                  <a:pt x="139039" y="74731"/>
+                  <a:pt x="139039" y="69520"/>
+                </a:cubicBezTo>
+                <a:cubicBezTo>
+                  <a:pt x="139039" y="64308"/>
+                  <a:pt x="134814" y="60082"/>
+                  <a:pt x="129602" y="60082"/>
+                </a:cubicBezTo>
+                <a:close/>
+              </a:path>
+            </a:pathLst>
+          </a:custGeom>
+          <a:solidFill>
+            <a:schemeClr val="accent4"/>
+          </a:solidFill>
+          <a:ln w="603" cap="flat">
             <a:noFill/>
+            <a:prstDash val="solid"/>
+            <a:miter/>
           </a:ln>
         </p:spPr>
-        <p:style>
-          <a:lnRef idx="2">
-            <a:schemeClr val="accent1">
-              <a:shade val="50000"/>
-            </a:schemeClr>
-          </a:lnRef>
-          <a:fillRef idx="1">
-            <a:schemeClr val="accent1"/>
-          </a:fillRef>
-          <a:effectRef idx="0">
-            <a:schemeClr val="accent1"/>
-          </a:effectRef>
-          <a:fontRef idx="minor">
-            <a:schemeClr val="lt1"/>
-          </a:fontRef>
-        </p:style>
         <p:txBody>
           <a:bodyPr rtlCol="0" anchor="ctr"/>
           <a:lstStyle/>
           <a:p>
-            <a:pPr algn="ctr"/>
             <a:endParaRPr lang="en-US"/>
           </a:p>
         </p:txBody>
       </p:sp>
       <p:sp>
         <p:nvSpPr>
-          <p:cNvPr id="2" name="Title 1">
+          <p:cNvPr id="79" name="Graphic 10">
             <a:extLst>
               <a:ext uri="{FF2B5EF4-FFF2-40B4-BE49-F238E27FC236}">
-                <a16:creationId xmlns:a16="http://schemas.microsoft.com/office/drawing/2014/main" id="{260FE655-D60F-410F-8EF8-E0B350B4F602}"/>
+                <a16:creationId xmlns:a16="http://schemas.microsoft.com/office/drawing/2014/main" id="{E3020543-B24B-4EC4-8FFC-8DD88EEA91A8}"/>
+              </a:ext>
+              <a:ext uri="{C183D7F6-B498-43B3-948B-1728B52AA6E4}">
+                <adec:decorative xmlns:adec="http://schemas.microsoft.com/office/drawing/2017/decorative" val="1"/>
               </a:ext>
             </a:extLst>
           </p:cNvPr>
           <p:cNvSpPr>
-            <a:spLocks noGrp="1"/>
+            <a:spLocks noGrp="1" noRot="1" noChangeAspect="1" noMove="1" noResize="1" noEditPoints="1" noAdjustHandles="1" noChangeArrowheads="1" noChangeShapeType="1" noTextEdit="1"/>
           </p:cNvSpPr>
           <p:nvPr>
-            <p:ph type="ctrTitle"/>
+            <p:extLst>
+              <p:ext uri="{386F3935-93C4-4BCD-93E2-E3B085C9AB24}">
+                <p16:designElem xmlns:p16="http://schemas.microsoft.com/office/powerpoint/2015/main" val="1"/>
+              </p:ext>
+            </p:extLst>
           </p:nvPr>
         </p:nvSpPr>
         <p:spPr>
           <a:xfrm>
-            <a:off x="1256275" y="3655371"/>
-            <a:ext cx="9679449" cy="1463136"/>
+            <a:off x="6484728" y="969611"/>
+            <a:ext cx="91138" cy="91138"/>
           </a:xfrm>
+          <a:custGeom>
+            <a:avLst/>
+            <a:gdLst>
+              <a:gd name="connsiteX0" fmla="*/ 91138 w 91138"/>
+              <a:gd name="connsiteY0" fmla="*/ 45569 h 91138"/>
+              <a:gd name="connsiteX1" fmla="*/ 45569 w 91138"/>
+              <a:gd name="connsiteY1" fmla="*/ 91138 h 91138"/>
+              <a:gd name="connsiteX2" fmla="*/ 0 w 91138"/>
+              <a:gd name="connsiteY2" fmla="*/ 45569 h 91138"/>
+              <a:gd name="connsiteX3" fmla="*/ 45569 w 91138"/>
+              <a:gd name="connsiteY3" fmla="*/ 0 h 91138"/>
+              <a:gd name="connsiteX4" fmla="*/ 91138 w 91138"/>
+              <a:gd name="connsiteY4" fmla="*/ 45569 h 91138"/>
+            </a:gdLst>
+            <a:ahLst/>
+            <a:cxnLst>
+              <a:cxn ang="0">
+                <a:pos x="connsiteX0" y="connsiteY0"/>
+              </a:cxn>
+              <a:cxn ang="0">
+                <a:pos x="connsiteX1" y="connsiteY1"/>
+              </a:cxn>
+              <a:cxn ang="0">
+                <a:pos x="connsiteX2" y="connsiteY2"/>
+              </a:cxn>
+              <a:cxn ang="0">
+                <a:pos x="connsiteX3" y="connsiteY3"/>
+              </a:cxn>
+              <a:cxn ang="0">
+                <a:pos x="connsiteX4" y="connsiteY4"/>
+              </a:cxn>
+            </a:cxnLst>
+            <a:rect l="l" t="t" r="r" b="b"/>
+            <a:pathLst>
+              <a:path w="91138" h="91138">
+                <a:moveTo>
+                  <a:pt x="91138" y="45569"/>
+                </a:moveTo>
+                <a:cubicBezTo>
+                  <a:pt x="91138" y="70736"/>
+                  <a:pt x="70736" y="91138"/>
+                  <a:pt x="45569" y="91138"/>
+                </a:cubicBezTo>
+                <a:cubicBezTo>
+                  <a:pt x="20402" y="91138"/>
+                  <a:pt x="0" y="70736"/>
+                  <a:pt x="0" y="45569"/>
+                </a:cubicBezTo>
+                <a:cubicBezTo>
+                  <a:pt x="0" y="20402"/>
+                  <a:pt x="20402" y="0"/>
+                  <a:pt x="45569" y="0"/>
+                </a:cubicBezTo>
+                <a:cubicBezTo>
+                  <a:pt x="70736" y="0"/>
+                  <a:pt x="91138" y="20402"/>
+                  <a:pt x="91138" y="45569"/>
+                </a:cubicBezTo>
+                <a:close/>
+              </a:path>
+            </a:pathLst>
+          </a:custGeom>
+          <a:solidFill>
+            <a:schemeClr val="accent4"/>
+          </a:solidFill>
+          <a:ln w="422" cap="flat">
+            <a:noFill/>
+            <a:prstDash val="solid"/>
+            <a:miter/>
+          </a:ln>
         </p:spPr>
         <p:txBody>
-          <a:bodyPr vert="horz" lIns="91440" tIns="45720" rIns="91440" bIns="45720" rtlCol="0" anchor="b">
-            <a:normAutofit/>
-          </a:bodyPr>
+          <a:bodyPr rtlCol="0" anchor="ctr"/>
           <a:lstStyle/>
           <a:p>
-            <a:pPr algn="ctr"/>
-            <a:r>
-              <a:rPr lang="en-US" sz="6000" b="1" i="0" kern="1200" cap="all" baseline="0" dirty="0">
-                <a:solidFill>
-                  <a:schemeClr val="bg1"/>
-                </a:solidFill>
-                <a:latin typeface="Arial" panose="020B0604020202020204" pitchFamily="34" charset="0"/>
-                <a:cs typeface="Arial" panose="020B0604020202020204" pitchFamily="34" charset="0"/>
-              </a:rPr>
-              <a:t>Questions?</a:t>
-            </a:r>
+            <a:endParaRPr lang="en-US"/>
+          </a:p>
+        </p:txBody>
+      </p:sp>
+      <p:sp>
+        <p:nvSpPr>
+          <p:cNvPr id="81" name="Graphic 12">
+            <a:extLst>
+              <a:ext uri="{FF2B5EF4-FFF2-40B4-BE49-F238E27FC236}">
+                <a16:creationId xmlns:a16="http://schemas.microsoft.com/office/drawing/2014/main" id="{1453BF6C-B012-48B7-B4E8-6D7AC7C27D02}"/>
+              </a:ext>
+              <a:ext uri="{C183D7F6-B498-43B3-948B-1728B52AA6E4}">
+                <adec:decorative xmlns:adec="http://schemas.microsoft.com/office/drawing/2017/decorative" val="1"/>
+              </a:ext>
+            </a:extLst>
+          </p:cNvPr>
+          <p:cNvSpPr>
+            <a:spLocks noGrp="1" noRot="1" noChangeAspect="1" noMove="1" noResize="1" noEditPoints="1" noAdjustHandles="1" noChangeArrowheads="1" noChangeShapeType="1" noTextEdit="1"/>
+          </p:cNvSpPr>
+          <p:nvPr>
+            <p:extLst>
+              <p:ext uri="{386F3935-93C4-4BCD-93E2-E3B085C9AB24}">
+                <p16:designElem xmlns:p16="http://schemas.microsoft.com/office/powerpoint/2015/main" val="1"/>
+              </p:ext>
+            </p:extLst>
+          </p:nvPr>
+        </p:nvSpPr>
+        <p:spPr>
+          <a:xfrm>
+            <a:off x="6110408" y="1484755"/>
+            <a:ext cx="127714" cy="127714"/>
+          </a:xfrm>
+          <a:custGeom>
+            <a:avLst/>
+            <a:gdLst>
+              <a:gd name="connsiteX0" fmla="*/ 63857 w 127714"/>
+              <a:gd name="connsiteY0" fmla="*/ 18874 h 127714"/>
+              <a:gd name="connsiteX1" fmla="*/ 108840 w 127714"/>
+              <a:gd name="connsiteY1" fmla="*/ 63857 h 127714"/>
+              <a:gd name="connsiteX2" fmla="*/ 63857 w 127714"/>
+              <a:gd name="connsiteY2" fmla="*/ 108840 h 127714"/>
+              <a:gd name="connsiteX3" fmla="*/ 18874 w 127714"/>
+              <a:gd name="connsiteY3" fmla="*/ 63857 h 127714"/>
+              <a:gd name="connsiteX4" fmla="*/ 63857 w 127714"/>
+              <a:gd name="connsiteY4" fmla="*/ 18874 h 127714"/>
+              <a:gd name="connsiteX5" fmla="*/ 63857 w 127714"/>
+              <a:gd name="connsiteY5" fmla="*/ 0 h 127714"/>
+              <a:gd name="connsiteX6" fmla="*/ 0 w 127714"/>
+              <a:gd name="connsiteY6" fmla="*/ 63857 h 127714"/>
+              <a:gd name="connsiteX7" fmla="*/ 63857 w 127714"/>
+              <a:gd name="connsiteY7" fmla="*/ 127714 h 127714"/>
+              <a:gd name="connsiteX8" fmla="*/ 127714 w 127714"/>
+              <a:gd name="connsiteY8" fmla="*/ 63857 h 127714"/>
+              <a:gd name="connsiteX9" fmla="*/ 63857 w 127714"/>
+              <a:gd name="connsiteY9" fmla="*/ 0 h 127714"/>
+            </a:gdLst>
+            <a:ahLst/>
+            <a:cxnLst>
+              <a:cxn ang="0">
+                <a:pos x="connsiteX0" y="connsiteY0"/>
+              </a:cxn>
+              <a:cxn ang="0">
+                <a:pos x="connsiteX1" y="connsiteY1"/>
+              </a:cxn>
+              <a:cxn ang="0">
+                <a:pos x="connsiteX2" y="connsiteY2"/>
+              </a:cxn>
+              <a:cxn ang="0">
+                <a:pos x="connsiteX3" y="connsiteY3"/>
+              </a:cxn>
+              <a:cxn ang="0">
+                <a:pos x="connsiteX4" y="connsiteY4"/>
+              </a:cxn>
+              <a:cxn ang="0">
+                <a:pos x="connsiteX5" y="connsiteY5"/>
+              </a:cxn>
+              <a:cxn ang="0">
+                <a:pos x="connsiteX6" y="connsiteY6"/>
+              </a:cxn>
+              <a:cxn ang="0">
+                <a:pos x="connsiteX7" y="connsiteY7"/>
+              </a:cxn>
+              <a:cxn ang="0">
+                <a:pos x="connsiteX8" y="connsiteY8"/>
+              </a:cxn>
+              <a:cxn ang="0">
+                <a:pos x="connsiteX9" y="connsiteY9"/>
+              </a:cxn>
+            </a:cxnLst>
+            <a:rect l="l" t="t" r="r" b="b"/>
+            <a:pathLst>
+              <a:path w="127714" h="127714">
+                <a:moveTo>
+                  <a:pt x="63857" y="18874"/>
+                </a:moveTo>
+                <a:cubicBezTo>
+                  <a:pt x="88700" y="18874"/>
+                  <a:pt x="108840" y="39014"/>
+                  <a:pt x="108840" y="63857"/>
+                </a:cubicBezTo>
+                <a:cubicBezTo>
+                  <a:pt x="108840" y="88700"/>
+                  <a:pt x="88700" y="108840"/>
+                  <a:pt x="63857" y="108840"/>
+                </a:cubicBezTo>
+                <a:cubicBezTo>
+                  <a:pt x="39014" y="108840"/>
+                  <a:pt x="18874" y="88700"/>
+                  <a:pt x="18874" y="63857"/>
+                </a:cubicBezTo>
+                <a:cubicBezTo>
+                  <a:pt x="18898" y="39024"/>
+                  <a:pt x="39024" y="18898"/>
+                  <a:pt x="63857" y="18874"/>
+                </a:cubicBezTo>
+                <a:moveTo>
+                  <a:pt x="63857" y="0"/>
+                </a:moveTo>
+                <a:cubicBezTo>
+                  <a:pt x="28590" y="0"/>
+                  <a:pt x="0" y="28590"/>
+                  <a:pt x="0" y="63857"/>
+                </a:cubicBezTo>
+                <a:cubicBezTo>
+                  <a:pt x="0" y="99124"/>
+                  <a:pt x="28590" y="127714"/>
+                  <a:pt x="63857" y="127714"/>
+                </a:cubicBezTo>
+                <a:cubicBezTo>
+                  <a:pt x="99124" y="127714"/>
+                  <a:pt x="127714" y="99124"/>
+                  <a:pt x="127714" y="63857"/>
+                </a:cubicBezTo>
+                <a:cubicBezTo>
+                  <a:pt x="127714" y="28590"/>
+                  <a:pt x="99124" y="0"/>
+                  <a:pt x="63857" y="0"/>
+                </a:cubicBezTo>
+                <a:close/>
+              </a:path>
+            </a:pathLst>
+          </a:custGeom>
+          <a:solidFill>
+            <a:schemeClr val="accent4"/>
+          </a:solidFill>
+          <a:ln w="610" cap="flat">
+            <a:noFill/>
+            <a:prstDash val="solid"/>
+            <a:miter/>
+          </a:ln>
+        </p:spPr>
+        <p:txBody>
+          <a:bodyPr rtlCol="0" anchor="ctr"/>
+          <a:lstStyle/>
+          <a:p>
+            <a:endParaRPr lang="en-US"/>
           </a:p>
         </p:txBody>
       </p:sp>
       <p:pic>
         <p:nvPicPr>
-          <p:cNvPr id="69" name="Graphic 68" descr="Question mark">
+          <p:cNvPr id="1026" name="Picture 2" descr="How To Know If Your Data Has Been Compromised In a Data Breach">
             <a:extLst>
               <a:ext uri="{FF2B5EF4-FFF2-40B4-BE49-F238E27FC236}">
-                <a16:creationId xmlns:a16="http://schemas.microsoft.com/office/drawing/2014/main" id="{1F3C7113-8D85-4002-80CF-6A51621C7EEF}"/>
+                <a16:creationId xmlns:a16="http://schemas.microsoft.com/office/drawing/2014/main" id="{285458B5-F332-456F-843E-94F9D1B20F05}"/>
               </a:ext>
             </a:extLst>
           </p:cNvPr>
           <p:cNvPicPr>
-            <a:picLocks noChangeAspect="1"/>
+            <a:picLocks noChangeAspect="1" noChangeArrowheads="1"/>
           </p:cNvPicPr>
           <p:nvPr/>
         </p:nvPicPr>
@@ -25495,31 +26551,38 @@
               <a:ext uri="{28A0092B-C50C-407E-A947-70E740481C1C}">
                 <a14:useLocalDpi xmlns:a14="http://schemas.microsoft.com/office/drawing/2010/main" val="0"/>
               </a:ext>
-              <a:ext uri="{96DAC541-7B7A-43D3-8B79-37D633B846F1}">
-                <asvg:svgBlip xmlns:asvg="http://schemas.microsoft.com/office/drawing/2016/SVG/main" r:embed="rId4"/>
-              </a:ext>
             </a:extLst>
           </a:blip>
           <a:stretch>
             <a:fillRect/>
           </a:stretch>
         </p:blipFill>
-        <p:spPr>
+        <p:spPr bwMode="auto">
           <a:xfrm>
-            <a:off x="4791995" y="820991"/>
-            <a:ext cx="2608009" cy="2608009"/>
+            <a:off x="838200" y="3378608"/>
+            <a:ext cx="5243391" cy="2243862"/>
           </a:xfrm>
           <a:prstGeom prst="rect">
             <a:avLst/>
           </a:prstGeom>
+          <a:noFill/>
+          <a:extLst>
+            <a:ext uri="{909E8E84-426E-40DD-AFC4-6F175D3DCCD1}">
+              <a14:hiddenFill xmlns:a14="http://schemas.microsoft.com/office/drawing/2010/main">
+                <a:solidFill>
+                  <a:srgbClr val="FFFFFF"/>
+                </a:solidFill>
+              </a14:hiddenFill>
+            </a:ext>
+          </a:extLst>
         </p:spPr>
       </p:pic>
       <p:sp>
         <p:nvSpPr>
-          <p:cNvPr id="5" name="Slide Number Placeholder 4">
+          <p:cNvPr id="4" name="Content Placeholder 3">
             <a:extLst>
               <a:ext uri="{FF2B5EF4-FFF2-40B4-BE49-F238E27FC236}">
-                <a16:creationId xmlns:a16="http://schemas.microsoft.com/office/drawing/2014/main" id="{7ABC3296-6C6F-4B22-A8FF-01F97F86B1CC}"/>
+                <a16:creationId xmlns:a16="http://schemas.microsoft.com/office/drawing/2014/main" id="{FF4D1EDC-BF1B-4AD7-B16C-26D8325E05C0}"/>
               </a:ext>
             </a:extLst>
           </p:cNvPr>
@@ -25527,13 +26590,13 @@
             <a:spLocks noGrp="1"/>
           </p:cNvSpPr>
           <p:nvPr>
-            <p:ph type="sldNum" sz="quarter" idx="12"/>
+            <p:ph idx="1"/>
           </p:nvPr>
         </p:nvSpPr>
         <p:spPr>
           <a:xfrm>
-            <a:off x="8610600" y="6160417"/>
-            <a:ext cx="2743200" cy="365125"/>
+            <a:off x="7229042" y="879355"/>
+            <a:ext cx="4124758" cy="5120755"/>
           </a:xfrm>
         </p:spPr>
         <p:txBody>
@@ -25542,134 +26605,76 @@
           </a:bodyPr>
           <a:lstStyle/>
           <a:p>
-            <a:pPr>
-              <a:spcAft>
-                <a:spcPts val="600"/>
-              </a:spcAft>
+            <a:pPr indent="-228600">
+              <a:lnSpc>
+                <a:spcPct val="90000"/>
+              </a:lnSpc>
+              <a:buFont typeface="Arial" panose="020B0604020202020204" pitchFamily="34" charset="0"/>
+              <a:buChar char="•"/>
             </a:pPr>
-            <a:fld id="{D8DA9DAA-006C-4F4B-980E-E3DF019B24E2}" type="slidenum">
-              <a:rPr lang="en-US" smtClean="0">
-                <a:solidFill>
-                  <a:schemeClr val="bg1"/>
-                </a:solidFill>
-              </a:rPr>
-              <a:pPr>
-                <a:spcAft>
-                  <a:spcPts val="600"/>
-                </a:spcAft>
-              </a:pPr>
-              <a:t>16</a:t>
-            </a:fld>
-            <a:endParaRPr lang="en-US">
-              <a:solidFill>
-                <a:schemeClr val="bg1"/>
-              </a:solidFill>
-            </a:endParaRPr>
+            <a:r>
+              <a:rPr lang="en-US" sz="1800" dirty="0"/>
+              <a:t>For the price of a quick tea/coffee it is possible to gain access to services such as Dehashed which provide hashes/plain-text credentials</a:t>
+            </a:r>
+          </a:p>
+          <a:p>
+            <a:pPr indent="-228600">
+              <a:lnSpc>
+                <a:spcPct val="90000"/>
+              </a:lnSpc>
+              <a:buFont typeface="Arial" panose="020B0604020202020204" pitchFamily="34" charset="0"/>
+              <a:buChar char="•"/>
+            </a:pPr>
+            <a:endParaRPr lang="en-US" sz="1800" dirty="0"/>
+          </a:p>
+          <a:p>
+            <a:pPr indent="-228600">
+              <a:lnSpc>
+                <a:spcPct val="90000"/>
+              </a:lnSpc>
+              <a:buFont typeface="Arial" panose="020B0604020202020204" pitchFamily="34" charset="0"/>
+              <a:buChar char="•"/>
+            </a:pPr>
+            <a:r>
+              <a:rPr lang="en-US" sz="1800" dirty="0"/>
+              <a:t>Dehashed is a service which requires subscription but can provide reliable results.</a:t>
+            </a:r>
+          </a:p>
+          <a:p>
+            <a:pPr indent="-228600">
+              <a:lnSpc>
+                <a:spcPct val="90000"/>
+              </a:lnSpc>
+              <a:buFont typeface="Arial" panose="020B0604020202020204" pitchFamily="34" charset="0"/>
+              <a:buChar char="•"/>
+            </a:pPr>
+            <a:endParaRPr lang="en-US" sz="1800" dirty="0"/>
+          </a:p>
+          <a:p>
+            <a:pPr indent="-228600">
+              <a:lnSpc>
+                <a:spcPct val="90000"/>
+              </a:lnSpc>
+              <a:buFont typeface="Arial" panose="020B0604020202020204" pitchFamily="34" charset="0"/>
+              <a:buChar char="•"/>
+            </a:pPr>
+            <a:r>
+              <a:rPr lang="en-US" sz="1800" dirty="0"/>
+              <a:t>For defensive operations, Dehashed can be queried for organizational breached credentials and later requested to be removed from Dehashed.</a:t>
+            </a:r>
           </a:p>
         </p:txBody>
       </p:sp>
     </p:spTree>
     <p:extLst>
       <p:ext uri="{BB962C8B-B14F-4D97-AF65-F5344CB8AC3E}">
-        <p14:creationId xmlns:p14="http://schemas.microsoft.com/office/powerpoint/2010/main" val="671596630"/>
+        <p14:creationId xmlns:p14="http://schemas.microsoft.com/office/powerpoint/2010/main" val="416740458"/>
       </p:ext>
     </p:extLst>
   </p:cSld>
   <p:clrMapOvr>
     <a:masterClrMapping/>
   </p:clrMapOvr>
-  <p:timing>
-    <p:tnLst>
-      <p:par>
-        <p:cTn id="1" dur="indefinite" restart="never" nodeType="tmRoot">
-          <p:childTnLst>
-            <p:seq concurrent="1" nextAc="seek">
-              <p:cTn id="2" dur="indefinite" nodeType="mainSeq">
-                <p:childTnLst>
-                  <p:par>
-                    <p:cTn id="3" fill="hold">
-                      <p:stCondLst>
-                        <p:cond delay="indefinite"/>
-                        <p:cond evt="onBegin" delay="0">
-                          <p:tn val="2"/>
-                        </p:cond>
-                      </p:stCondLst>
-                      <p:childTnLst>
-                        <p:par>
-                          <p:cTn id="4" fill="hold">
-                            <p:stCondLst>
-                              <p:cond delay="0"/>
-                            </p:stCondLst>
-                            <p:childTnLst>
-                              <p:par>
-                                <p:cTn id="5" presetID="10" presetClass="entr" presetSubtype="0" fill="hold" grpId="0" nodeType="withEffect">
-                                  <p:stCondLst>
-                                    <p:cond delay="500"/>
-                                  </p:stCondLst>
-                                  <p:iterate>
-                                    <p:tmPct val="10000"/>
-                                  </p:iterate>
-                                  <p:childTnLst>
-                                    <p:set>
-                                      <p:cBhvr>
-                                        <p:cTn id="6" dur="1" fill="hold">
-                                          <p:stCondLst>
-                                            <p:cond delay="0"/>
-                                          </p:stCondLst>
-                                        </p:cTn>
-                                        <p:tgtEl>
-                                          <p:spTgt spid="2"/>
-                                        </p:tgtEl>
-                                        <p:attrNameLst>
-                                          <p:attrName>style.visibility</p:attrName>
-                                        </p:attrNameLst>
-                                      </p:cBhvr>
-                                      <p:to>
-                                        <p:strVal val="visible"/>
-                                      </p:to>
-                                    </p:set>
-                                    <p:animEffect transition="in" filter="fade">
-                                      <p:cBhvr>
-                                        <p:cTn id="7" dur="700"/>
-                                        <p:tgtEl>
-                                          <p:spTgt spid="2"/>
-                                        </p:tgtEl>
-                                      </p:cBhvr>
-                                    </p:animEffect>
-                                  </p:childTnLst>
-                                </p:cTn>
-                              </p:par>
-                            </p:childTnLst>
-                          </p:cTn>
-                        </p:par>
-                      </p:childTnLst>
-                    </p:cTn>
-                  </p:par>
-                </p:childTnLst>
-              </p:cTn>
-              <p:prevCondLst>
-                <p:cond evt="onPrev" delay="0">
-                  <p:tgtEl>
-                    <p:sldTgt/>
-                  </p:tgtEl>
-                </p:cond>
-              </p:prevCondLst>
-              <p:nextCondLst>
-                <p:cond evt="onNext" delay="0">
-                  <p:tgtEl>
-                    <p:sldTgt/>
-                  </p:tgtEl>
-                </p:cond>
-              </p:nextCondLst>
-            </p:seq>
-          </p:childTnLst>
-        </p:cTn>
-      </p:par>
-    </p:tnLst>
-    <p:bldLst>
-      <p:bldP spid="2" grpId="0"/>
-    </p:bldLst>
-  </p:timing>
 </p:sld>
 </file>
 
@@ -26194,8 +27199,18 @@
                 <a:latin typeface="Arial" panose="020B0604020202020204" pitchFamily="34" charset="0"/>
                 <a:cs typeface="Arial" panose="020B0604020202020204" pitchFamily="34" charset="0"/>
               </a:rPr>
-              <a:t>Aqeeb Hussain </a:t>
+              <a:t>Aqeeb Hussain</a:t>
             </a:r>
+          </a:p>
+          <a:p>
+            <a:pPr algn="ctr"/>
+            <a:endParaRPr lang="en-US" sz="2400" dirty="0">
+              <a:solidFill>
+                <a:schemeClr val="tx1"/>
+              </a:solidFill>
+              <a:latin typeface="Arial" panose="020B0604020202020204" pitchFamily="34" charset="0"/>
+              <a:cs typeface="Arial" panose="020B0604020202020204" pitchFamily="34" charset="0"/>
+            </a:endParaRPr>
           </a:p>
           <a:p>
             <a:pPr indent="-228600" algn="ctr">
@@ -26228,9 +27243,27 @@
                 </a:solidFill>
                 <a:latin typeface="Arial" panose="020B0604020202020204" pitchFamily="34" charset="0"/>
                 <a:cs typeface="Arial" panose="020B0604020202020204" pitchFamily="34" charset="0"/>
+                <a:hlinkClick r:id="rId3"/>
               </a:rPr>
               <a:t>aqeeb.r.hussain@durham.ac.uk</a:t>
             </a:r>
+            <a:endParaRPr lang="en-US" sz="2400" dirty="0">
+              <a:solidFill>
+                <a:schemeClr val="tx1"/>
+              </a:solidFill>
+              <a:latin typeface="Arial" panose="020B0604020202020204" pitchFamily="34" charset="0"/>
+              <a:cs typeface="Arial" panose="020B0604020202020204" pitchFamily="34" charset="0"/>
+            </a:endParaRPr>
+          </a:p>
+          <a:p>
+            <a:pPr algn="ctr"/>
+            <a:endParaRPr lang="en-US" sz="2400" dirty="0">
+              <a:solidFill>
+                <a:schemeClr val="tx1"/>
+              </a:solidFill>
+              <a:latin typeface="Arial" panose="020B0604020202020204" pitchFamily="34" charset="0"/>
+              <a:cs typeface="Arial" panose="020B0604020202020204" pitchFamily="34" charset="0"/>
+            </a:endParaRPr>
           </a:p>
           <a:p>
             <a:pPr indent="-228600" algn="ctr">
@@ -26286,7 +27319,7 @@
           </p:nvPr>
         </p:nvPicPr>
         <p:blipFill rotWithShape="1">
-          <a:blip r:embed="rId3"/>
+          <a:blip r:embed="rId4"/>
           <a:srcRect r="42123" b="2"/>
           <a:stretch/>
         </p:blipFill>
@@ -26358,7 +27391,7 @@
           </p:nvPr>
         </p:nvPicPr>
         <p:blipFill rotWithShape="1">
-          <a:blip r:embed="rId4"/>
+          <a:blip r:embed="rId5"/>
           <a:srcRect t="17356" r="3" b="16609"/>
           <a:stretch/>
         </p:blipFill>
@@ -26534,7 +27567,7 @@
           </p:nvPr>
         </p:nvPicPr>
         <p:blipFill rotWithShape="1">
-          <a:blip r:embed="rId5"/>
+          <a:blip r:embed="rId6"/>
           <a:srcRect r="5" b="5"/>
           <a:stretch/>
         </p:blipFill>
@@ -26597,7 +27630,7 @@
           </p:nvPr>
         </p:nvPicPr>
         <p:blipFill rotWithShape="1">
-          <a:blip r:embed="rId6"/>
+          <a:blip r:embed="rId7"/>
           <a:srcRect r="2708" b="5"/>
           <a:stretch/>
         </p:blipFill>
@@ -27066,7 +28099,7 @@
                 <a:latin typeface="Arial" panose="020B0604020202020204" pitchFamily="34" charset="0"/>
                 <a:cs typeface="Arial" panose="020B0604020202020204" pitchFamily="34" charset="0"/>
               </a:rPr>
-              <a:t>Topic Five: Breached Credentials API</a:t>
+              <a:t>Topic Five: Breached Credentials</a:t>
             </a:r>
           </a:p>
         </p:txBody>
@@ -28588,6 +29621,14 @@
 <file path=ppt/slides/slide4.xml><?xml version="1.0" encoding="utf-8"?>
 <p:sld xmlns:a="http://schemas.openxmlformats.org/drawingml/2006/main" xmlns:r="http://schemas.openxmlformats.org/officeDocument/2006/relationships" xmlns:p="http://schemas.openxmlformats.org/presentationml/2006/main">
   <p:cSld>
+    <p:bg>
+      <p:bgPr>
+        <a:solidFill>
+          <a:schemeClr val="bg1"/>
+        </a:solidFill>
+        <a:effectLst/>
+      </p:bgPr>
+    </p:bg>
     <p:spTree>
       <p:nvGrpSpPr>
         <p:cNvPr id="1" name=""/>
@@ -28602,6 +29643,132 @@
           <a:chExt cx="0" cy="0"/>
         </a:xfrm>
       </p:grpSpPr>
+      <p:cxnSp>
+        <p:nvCxnSpPr>
+          <p:cNvPr id="17" name="Straight Connector 16">
+            <a:extLst>
+              <a:ext uri="{FF2B5EF4-FFF2-40B4-BE49-F238E27FC236}">
+                <a16:creationId xmlns:a16="http://schemas.microsoft.com/office/drawing/2014/main" id="{5C05CAAB-DBA2-4548-AD5F-01BB97FBB207}"/>
+              </a:ext>
+              <a:ext uri="{C183D7F6-B498-43B3-948B-1728B52AA6E4}">
+                <adec:decorative xmlns:adec="http://schemas.microsoft.com/office/drawing/2017/decorative" val="1"/>
+              </a:ext>
+            </a:extLst>
+          </p:cNvPr>
+          <p:cNvCxnSpPr>
+            <a:cxnSpLocks noGrp="1" noRot="1" noChangeAspect="1" noMove="1" noResize="1" noEditPoints="1" noAdjustHandles="1" noChangeArrowheads="1" noChangeShapeType="1"/>
+          </p:cNvCxnSpPr>
+          <p:nvPr>
+            <p:extLst>
+              <p:ext uri="{386F3935-93C4-4BCD-93E2-E3B085C9AB24}">
+                <p16:designElem xmlns:p16="http://schemas.microsoft.com/office/powerpoint/2015/main" val="1"/>
+              </p:ext>
+            </p:extLst>
+          </p:nvPr>
+        </p:nvCxnSpPr>
+        <p:spPr>
+          <a:xfrm>
+            <a:off x="715890" y="356812"/>
+            <a:ext cx="0" cy="6492875"/>
+          </a:xfrm>
+          <a:prstGeom prst="line">
+            <a:avLst/>
+          </a:prstGeom>
+          <a:ln w="25400" cap="sq">
+            <a:gradFill flip="none" rotWithShape="1">
+              <a:gsLst>
+                <a:gs pos="0">
+                  <a:schemeClr val="accent2"/>
+                </a:gs>
+                <a:gs pos="100000">
+                  <a:schemeClr val="accent4"/>
+                </a:gs>
+              </a:gsLst>
+              <a:lin ang="16200000" scaled="1"/>
+              <a:tileRect/>
+            </a:gradFill>
+            <a:bevel/>
+          </a:ln>
+        </p:spPr>
+        <p:style>
+          <a:lnRef idx="1">
+            <a:schemeClr val="accent1"/>
+          </a:lnRef>
+          <a:fillRef idx="0">
+            <a:schemeClr val="accent1"/>
+          </a:fillRef>
+          <a:effectRef idx="0">
+            <a:schemeClr val="accent1"/>
+          </a:effectRef>
+          <a:fontRef idx="minor">
+            <a:schemeClr val="tx1"/>
+          </a:fontRef>
+        </p:style>
+      </p:cxnSp>
+      <p:sp useBgFill="1">
+        <p:nvSpPr>
+          <p:cNvPr id="19" name="Rectangle 18">
+            <a:extLst>
+              <a:ext uri="{FF2B5EF4-FFF2-40B4-BE49-F238E27FC236}">
+                <a16:creationId xmlns:a16="http://schemas.microsoft.com/office/drawing/2014/main" id="{2659FDB4-FCBE-4A89-B46D-43D4FA54464D}"/>
+              </a:ext>
+              <a:ext uri="{C183D7F6-B498-43B3-948B-1728B52AA6E4}">
+                <adec:decorative xmlns:adec="http://schemas.microsoft.com/office/drawing/2017/decorative" val="1"/>
+              </a:ext>
+            </a:extLst>
+          </p:cNvPr>
+          <p:cNvSpPr>
+            <a:spLocks noGrp="1" noRot="1" noChangeAspect="1" noMove="1" noResize="1" noEditPoints="1" noAdjustHandles="1" noChangeArrowheads="1" noChangeShapeType="1" noTextEdit="1"/>
+          </p:cNvSpPr>
+          <p:nvPr>
+            <p:extLst>
+              <p:ext uri="{386F3935-93C4-4BCD-93E2-E3B085C9AB24}">
+                <p16:designElem xmlns:p16="http://schemas.microsoft.com/office/powerpoint/2015/main" val="1"/>
+              </p:ext>
+            </p:extLst>
+          </p:nvPr>
+        </p:nvSpPr>
+        <p:spPr>
+          <a:xfrm>
+            <a:off x="0" y="8313"/>
+            <a:ext cx="12192000" cy="6858000"/>
+          </a:xfrm>
+          <a:prstGeom prst="rect">
+            <a:avLst/>
+          </a:prstGeom>
+          <a:ln>
+            <a:noFill/>
+          </a:ln>
+        </p:spPr>
+        <p:style>
+          <a:lnRef idx="2">
+            <a:schemeClr val="accent1">
+              <a:shade val="50000"/>
+            </a:schemeClr>
+          </a:lnRef>
+          <a:fillRef idx="1">
+            <a:schemeClr val="accent1"/>
+          </a:fillRef>
+          <a:effectRef idx="0">
+            <a:schemeClr val="accent1"/>
+          </a:effectRef>
+          <a:fontRef idx="minor">
+            <a:schemeClr val="lt1"/>
+          </a:fontRef>
+        </p:style>
+        <p:txBody>
+          <a:bodyPr rtlCol="0" anchor="ctr"/>
+          <a:lstStyle/>
+          <a:p>
+            <a:pPr algn="ctr"/>
+            <a:endParaRPr lang="en-US">
+              <a:solidFill>
+                <a:schemeClr val="bg1"/>
+              </a:solidFill>
+            </a:endParaRPr>
+          </a:p>
+        </p:txBody>
+      </p:sp>
       <p:sp>
         <p:nvSpPr>
           <p:cNvPr id="3" name="Title 2">
@@ -28620,62 +29787,31 @@
         </p:nvSpPr>
         <p:spPr>
           <a:xfrm>
-            <a:off x="850392" y="1335024"/>
-            <a:ext cx="10503408" cy="1179576"/>
+            <a:off x="479394" y="1070800"/>
+            <a:ext cx="3939688" cy="5583126"/>
           </a:xfrm>
         </p:spPr>
         <p:txBody>
-          <a:bodyPr>
+          <a:bodyPr vert="horz" lIns="91440" tIns="45720" rIns="91440" bIns="45720" rtlCol="0" anchor="ctr">
             <a:normAutofit/>
           </a:bodyPr>
           <a:lstStyle/>
           <a:p>
-            <a:pPr algn="ctr"/>
+            <a:pPr algn="r"/>
             <a:r>
-              <a:rPr lang="en-US" sz="5400" b="1" dirty="0">
-                <a:latin typeface="Arial" panose="020B0604020202020204" pitchFamily="34" charset="0"/>
-                <a:cs typeface="Arial" panose="020B0604020202020204" pitchFamily="34" charset="0"/>
+              <a:rPr lang="en-US" sz="7200" b="1" kern="1200">
+                <a:solidFill>
+                  <a:schemeClr val="tx1"/>
+                </a:solidFill>
+                <a:latin typeface="+mj-lt"/>
+                <a:ea typeface="+mj-ea"/>
+                <a:cs typeface="+mj-cs"/>
               </a:rPr>
               <a:t>OSINT Tools</a:t>
             </a:r>
-            <a:endParaRPr lang="en-US" b="1" dirty="0">
-              <a:latin typeface="Arial" panose="020B0604020202020204" pitchFamily="34" charset="0"/>
-              <a:cs typeface="Arial" panose="020B0604020202020204" pitchFamily="34" charset="0"/>
-            </a:endParaRPr>
           </a:p>
         </p:txBody>
       </p:sp>
-      <p:graphicFrame>
-        <p:nvGraphicFramePr>
-          <p:cNvPr id="13" name="Content Placeholder 3">
-            <a:extLst>
-              <a:ext uri="{FF2B5EF4-FFF2-40B4-BE49-F238E27FC236}">
-                <a16:creationId xmlns:a16="http://schemas.microsoft.com/office/drawing/2014/main" id="{9992E7FD-2EAE-474C-AAB0-C8A4799C09AE}"/>
-              </a:ext>
-            </a:extLst>
-          </p:cNvPr>
-          <p:cNvGraphicFramePr>
-            <a:graphicFrameLocks noGrp="1"/>
-          </p:cNvGraphicFramePr>
-          <p:nvPr>
-            <p:ph idx="1"/>
-            <p:extLst>
-              <p:ext uri="{D42A27DB-BD31-4B8C-83A1-F6EECF244321}">
-                <p14:modId xmlns:p14="http://schemas.microsoft.com/office/powerpoint/2010/main" val="3807787373"/>
-              </p:ext>
-            </p:extLst>
-          </p:nvPr>
-        </p:nvGraphicFramePr>
-        <p:xfrm>
-          <a:off x="850392" y="2825496"/>
-          <a:ext cx="10503408" cy="3346704"/>
-        </p:xfrm>
-        <a:graphic>
-          <a:graphicData uri="http://schemas.openxmlformats.org/drawingml/2006/diagram">
-            <dgm:relIds xmlns:dgm="http://schemas.openxmlformats.org/drawingml/2006/diagram" xmlns:r="http://schemas.openxmlformats.org/officeDocument/2006/relationships" r:dm="rId3" r:lo="rId4" r:qs="rId5" r:cs="rId6"/>
-          </a:graphicData>
-        </a:graphic>
-      </p:graphicFrame>
       <p:sp>
         <p:nvSpPr>
           <p:cNvPr id="11" name="Slide Number Placeholder 10">
@@ -28692,20 +29828,129 @@
             <p:ph type="sldNum" sz="quarter" idx="12"/>
           </p:nvPr>
         </p:nvSpPr>
-        <p:spPr/>
+        <p:spPr>
+          <a:xfrm>
+            <a:off x="8610600" y="319592"/>
+            <a:ext cx="2743200" cy="365125"/>
+          </a:xfrm>
+        </p:spPr>
         <p:txBody>
-          <a:bodyPr/>
+          <a:bodyPr vert="horz" lIns="91440" tIns="45720" rIns="91440" bIns="45720" rtlCol="0" anchor="ctr">
+            <a:normAutofit/>
+          </a:bodyPr>
           <a:lstStyle/>
           <a:p>
+            <a:pPr>
+              <a:spcAft>
+                <a:spcPts val="600"/>
+              </a:spcAft>
+            </a:pPr>
             <a:fld id="{D8DA9DAA-006C-4F4B-980E-E3DF019B24E2}" type="slidenum">
               <a:rPr lang="en-US" smtClean="0"/>
-              <a:pPr/>
+              <a:pPr>
+                <a:spcAft>
+                  <a:spcPts val="600"/>
+                </a:spcAft>
+              </a:pPr>
               <a:t>4</a:t>
             </a:fld>
-            <a:endParaRPr lang="en-US" dirty="0"/>
+            <a:endParaRPr lang="en-US"/>
           </a:p>
         </p:txBody>
       </p:sp>
+      <p:cxnSp>
+        <p:nvCxnSpPr>
+          <p:cNvPr id="21" name="Straight Connector 20">
+            <a:extLst>
+              <a:ext uri="{FF2B5EF4-FFF2-40B4-BE49-F238E27FC236}">
+                <a16:creationId xmlns:a16="http://schemas.microsoft.com/office/drawing/2014/main" id="{C8F51B3F-8331-4E4A-AE96-D47B1006EEAD}"/>
+              </a:ext>
+              <a:ext uri="{C183D7F6-B498-43B3-948B-1728B52AA6E4}">
+                <adec:decorative xmlns:adec="http://schemas.microsoft.com/office/drawing/2017/decorative" val="1"/>
+              </a:ext>
+            </a:extLst>
+          </p:cNvPr>
+          <p:cNvCxnSpPr>
+            <a:cxnSpLocks noGrp="1" noRot="1" noChangeAspect="1" noMove="1" noResize="1" noEditPoints="1" noAdjustHandles="1" noChangeArrowheads="1" noChangeShapeType="1"/>
+          </p:cNvCxnSpPr>
+          <p:nvPr>
+            <p:extLst>
+              <p:ext uri="{386F3935-93C4-4BCD-93E2-E3B085C9AB24}">
+                <p16:designElem xmlns:p16="http://schemas.microsoft.com/office/powerpoint/2015/main" val="1"/>
+              </p:ext>
+            </p:extLst>
+          </p:nvPr>
+        </p:nvCxnSpPr>
+        <p:spPr>
+          <a:xfrm>
+            <a:off x="4728053" y="1132114"/>
+            <a:ext cx="0" cy="5717573"/>
+          </a:xfrm>
+          <a:prstGeom prst="line">
+            <a:avLst/>
+          </a:prstGeom>
+          <a:ln w="25400" cap="sq">
+            <a:gradFill flip="none" rotWithShape="1">
+              <a:gsLst>
+                <a:gs pos="0">
+                  <a:schemeClr val="accent2"/>
+                </a:gs>
+                <a:gs pos="100000">
+                  <a:schemeClr val="accent4"/>
+                </a:gs>
+              </a:gsLst>
+              <a:lin ang="16200000" scaled="1"/>
+              <a:tileRect/>
+            </a:gradFill>
+            <a:bevel/>
+          </a:ln>
+        </p:spPr>
+        <p:style>
+          <a:lnRef idx="1">
+            <a:schemeClr val="accent1"/>
+          </a:lnRef>
+          <a:fillRef idx="0">
+            <a:schemeClr val="accent1"/>
+          </a:fillRef>
+          <a:effectRef idx="0">
+            <a:schemeClr val="accent1"/>
+          </a:effectRef>
+          <a:fontRef idx="minor">
+            <a:schemeClr val="tx1"/>
+          </a:fontRef>
+        </p:style>
+      </p:cxnSp>
+      <p:graphicFrame>
+        <p:nvGraphicFramePr>
+          <p:cNvPr id="14" name="Content Placeholder 3">
+            <a:extLst>
+              <a:ext uri="{FF2B5EF4-FFF2-40B4-BE49-F238E27FC236}">
+                <a16:creationId xmlns:a16="http://schemas.microsoft.com/office/drawing/2014/main" id="{160EE06C-50B4-4622-A43E-7C5E04D86FF1}"/>
+              </a:ext>
+            </a:extLst>
+          </p:cNvPr>
+          <p:cNvGraphicFramePr>
+            <a:graphicFrameLocks noGrp="1"/>
+          </p:cNvGraphicFramePr>
+          <p:nvPr>
+            <p:ph idx="1"/>
+            <p:extLst>
+              <p:ext uri="{D42A27DB-BD31-4B8C-83A1-F6EECF244321}">
+                <p14:modId xmlns:p14="http://schemas.microsoft.com/office/powerpoint/2010/main" val="1202201629"/>
+              </p:ext>
+            </p:extLst>
+          </p:nvPr>
+        </p:nvGraphicFramePr>
+        <p:xfrm>
+          <a:off x="5108535" y="1070800"/>
+          <a:ext cx="6245265" cy="5589347"/>
+        </p:xfrm>
+        <a:graphic>
+          <a:graphicData uri="http://schemas.openxmlformats.org/drawingml/2006/diagram">
+            <dgm:relIds xmlns:dgm="http://schemas.openxmlformats.org/drawingml/2006/diagram" xmlns:r="http://schemas.openxmlformats.org/officeDocument/2006/relationships" r:dm="rId3" r:lo="rId4" r:qs="rId5" r:cs="rId6"/>
+          </a:graphicData>
+        </a:graphic>
+      </p:graphicFrame>
     </p:spTree>
     <p:extLst>
       <p:ext uri="{BB962C8B-B14F-4D97-AF65-F5344CB8AC3E}">
@@ -28769,51 +30014,6 @@
                       </p:childTnLst>
                     </p:cTn>
                   </p:par>
-                  <p:par>
-                    <p:cTn id="7" fill="hold">
-                      <p:stCondLst>
-                        <p:cond delay="indefinite"/>
-                      </p:stCondLst>
-                      <p:childTnLst>
-                        <p:par>
-                          <p:cTn id="8" fill="hold">
-                            <p:stCondLst>
-                              <p:cond delay="0"/>
-                            </p:stCondLst>
-                            <p:childTnLst>
-                              <p:par>
-                                <p:cTn id="9" presetID="1" presetClass="entr" presetSubtype="0" fill="hold" grpId="0" nodeType="clickEffect">
-                                  <p:stCondLst>
-                                    <p:cond delay="0"/>
-                                  </p:stCondLst>
-                                  <p:childTnLst>
-                                    <p:set>
-                                      <p:cBhvr>
-                                        <p:cTn id="10" dur="1" fill="hold">
-                                          <p:stCondLst>
-                                            <p:cond delay="0"/>
-                                          </p:stCondLst>
-                                        </p:cTn>
-                                        <p:tgtEl>
-                                          <p:spTgt spid="13"/>
-                                        </p:tgtEl>
-                                        <p:attrNameLst>
-                                          <p:attrName>style.visibility</p:attrName>
-                                        </p:attrNameLst>
-                                      </p:cBhvr>
-                                      <p:to>
-                                        <p:strVal val="visible"/>
-                                      </p:to>
-                                    </p:set>
-                                  </p:childTnLst>
-                                </p:cTn>
-                              </p:par>
-                            </p:childTnLst>
-                          </p:cTn>
-                        </p:par>
-                      </p:childTnLst>
-                    </p:cTn>
-                  </p:par>
                 </p:childTnLst>
               </p:cTn>
               <p:prevCondLst>
@@ -28837,9 +30037,6 @@
     </p:tnLst>
     <p:bldLst>
       <p:bldP spid="3" grpId="0"/>
-      <p:bldGraphic spid="13" grpId="0">
-        <p:bldAsOne/>
-      </p:bldGraphic>
     </p:bldLst>
   </p:timing>
 </p:sld>
@@ -32965,15 +34162,6 @@
 </file>
 
 <file path=customXml/item1.xml><?xml version="1.0" encoding="utf-8"?>
-<?mso-contentType ?>
-<FormTemplates xmlns="http://schemas.microsoft.com/sharepoint/v3/contenttype/forms">
-  <Display>DocumentLibraryForm</Display>
-  <Edit>DocumentLibraryForm</Edit>
-  <New>DocumentLibraryForm</New>
-</FormTemplates>
-</file>
-
-<file path=customXml/item2.xml><?xml version="1.0" encoding="utf-8"?>
 <p:properties xmlns:p="http://schemas.microsoft.com/office/2006/metadata/properties" xmlns:xsi="http://www.w3.org/2001/XMLSchema-instance" xmlns:pc="http://schemas.microsoft.com/office/infopath/2007/PartnerControls">
   <documentManagement>
     <Status xmlns="71af3243-3dd4-4a8d-8c0d-dd76da1f02a5">Not started</Status>
@@ -32982,7 +34170,7 @@
 </p:properties>
 </file>
 
-<file path=customXml/item3.xml><?xml version="1.0" encoding="utf-8"?>
+<file path=customXml/item2.xml><?xml version="1.0" encoding="utf-8"?>
 <ct:contentTypeSchema xmlns:ct="http://schemas.microsoft.com/office/2006/metadata/contentType" xmlns:ma="http://schemas.microsoft.com/office/2006/metadata/properties/metaAttributes" ct:_="" ma:_="" ma:contentTypeName="Document" ma:contentTypeID="0x01010079F111ED35F8CC479449609E8A0923A6" ma:contentTypeVersion="12" ma:contentTypeDescription="Create a new document." ma:contentTypeScope="" ma:versionID="426e97fa315356fffbdcd9876fe988c2">
   <xsd:schema xmlns:xsd="http://www.w3.org/2001/XMLSchema" xmlns:xs="http://www.w3.org/2001/XMLSchema" xmlns:p="http://schemas.microsoft.com/office/2006/metadata/properties" xmlns:ns2="71af3243-3dd4-4a8d-8c0d-dd76da1f02a5" xmlns:ns3="16c05727-aa75-4e4a-9b5f-8a80a1165891" targetNamespace="http://schemas.microsoft.com/office/2006/metadata/properties" ma:root="true" ma:fieldsID="14b8f0def80e6d70ce3def20c90759ae" ns2:_="" ns3:_="">
     <xsd:import namespace="71af3243-3dd4-4a8d-8c0d-dd76da1f02a5"/>
@@ -33203,15 +34391,16 @@
 </ct:contentTypeSchema>
 </file>
 
-<file path=customXml/itemProps1.xml><?xml version="1.0" encoding="utf-8"?>
-<ds:datastoreItem xmlns:ds="http://schemas.openxmlformats.org/officeDocument/2006/customXml" ds:itemID="{3C8E00D1-8EA3-4E42-801D-0253E1EAFC21}">
-  <ds:schemaRefs>
-    <ds:schemaRef ds:uri="http://schemas.microsoft.com/sharepoint/v3/contenttype/forms"/>
-  </ds:schemaRefs>
-</ds:datastoreItem>
+<file path=customXml/item3.xml><?xml version="1.0" encoding="utf-8"?>
+<?mso-contentType ?>
+<FormTemplates xmlns="http://schemas.microsoft.com/sharepoint/v3/contenttype/forms">
+  <Display>DocumentLibraryForm</Display>
+  <Edit>DocumentLibraryForm</Edit>
+  <New>DocumentLibraryForm</New>
+</FormTemplates>
 </file>
 
-<file path=customXml/itemProps2.xml><?xml version="1.0" encoding="utf-8"?>
+<file path=customXml/itemProps1.xml><?xml version="1.0" encoding="utf-8"?>
 <ds:datastoreItem xmlns:ds="http://schemas.openxmlformats.org/officeDocument/2006/customXml" ds:itemID="{99919F73-B6C2-4A43-95E2-833EC48925FE}">
   <ds:schemaRefs>
     <ds:schemaRef ds:uri="http://schemas.microsoft.com/office/2006/metadata/properties"/>
@@ -33221,7 +34410,7 @@
 </ds:datastoreItem>
 </file>
 
-<file path=customXml/itemProps3.xml><?xml version="1.0" encoding="utf-8"?>
+<file path=customXml/itemProps2.xml><?xml version="1.0" encoding="utf-8"?>
 <ds:datastoreItem xmlns:ds="http://schemas.openxmlformats.org/officeDocument/2006/customXml" ds:itemID="{ABC329F5-30EE-4BF7-AA2A-B837B51416B4}">
   <ds:schemaRefs>
     <ds:schemaRef ds:uri="http://schemas.microsoft.com/office/2006/metadata/contentType"/>
@@ -33238,4 +34427,12 @@
     <ds:schemaRef ds:uri="http://schemas.microsoft.com/internal/obd"/>
   </ds:schemaRefs>
 </ds:datastoreItem>
+</file>
+
+<file path=customXml/itemProps3.xml><?xml version="1.0" encoding="utf-8"?>
+<ds:datastoreItem xmlns:ds="http://schemas.openxmlformats.org/officeDocument/2006/customXml" ds:itemID="{3C8E00D1-8EA3-4E42-801D-0253E1EAFC21}">
+  <ds:schemaRefs>
+    <ds:schemaRef ds:uri="http://schemas.microsoft.com/sharepoint/v3/contenttype/forms"/>
+  </ds:schemaRefs>
+</ds:datastoreItem>
 </file>